--- a/slides/change detection.pptx
+++ b/slides/change detection.pptx
@@ -6,8 +6,9 @@
   </p:sldMasterIdLst>
   <p:sldIdLst>
     <p:sldId id="257" r:id="rId2"/>
-    <p:sldId id="258" r:id="rId3"/>
-    <p:sldId id="259" r:id="rId4"/>
+    <p:sldId id="260" r:id="rId3"/>
+    <p:sldId id="258" r:id="rId4"/>
+    <p:sldId id="259" r:id="rId5"/>
   </p:sldIdLst>
   <p:sldSz cx="12192000" cy="6858000"/>
   <p:notesSz cx="6858000" cy="9144000"/>
@@ -106,6 +107,11 @@
       </a:defRPr>
     </a:lvl9pPr>
   </p:defaultTextStyle>
+  <p:extLst>
+    <p:ext uri="{EFAFB233-063F-42B5-8137-9DF3F51BA10A}">
+      <p15:sldGuideLst xmlns:p15="http://schemas.microsoft.com/office/powerpoint/2012/main"/>
+    </p:ext>
+  </p:extLst>
 </p:presentation>
 </file>
 
@@ -258,7 +264,7 @@
           <a:p>
             <a:fld id="{873D9E86-A63A-4693-A7D3-428A1A32DFD1}" type="datetimeFigureOut">
               <a:rPr lang="en-IL" smtClean="0"/>
-              <a:t>14/08/2024</a:t>
+              <a:t>16/08/2024</a:t>
             </a:fld>
             <a:endParaRPr lang="en-IL"/>
           </a:p>
@@ -458,7 +464,7 @@
           <a:p>
             <a:fld id="{873D9E86-A63A-4693-A7D3-428A1A32DFD1}" type="datetimeFigureOut">
               <a:rPr lang="en-IL" smtClean="0"/>
-              <a:t>14/08/2024</a:t>
+              <a:t>16/08/2024</a:t>
             </a:fld>
             <a:endParaRPr lang="en-IL"/>
           </a:p>
@@ -668,7 +674,7 @@
           <a:p>
             <a:fld id="{873D9E86-A63A-4693-A7D3-428A1A32DFD1}" type="datetimeFigureOut">
               <a:rPr lang="en-IL" smtClean="0"/>
-              <a:t>14/08/2024</a:t>
+              <a:t>16/08/2024</a:t>
             </a:fld>
             <a:endParaRPr lang="en-IL"/>
           </a:p>
@@ -868,7 +874,7 @@
           <a:p>
             <a:fld id="{873D9E86-A63A-4693-A7D3-428A1A32DFD1}" type="datetimeFigureOut">
               <a:rPr lang="en-IL" smtClean="0"/>
-              <a:t>14/08/2024</a:t>
+              <a:t>16/08/2024</a:t>
             </a:fld>
             <a:endParaRPr lang="en-IL"/>
           </a:p>
@@ -1144,7 +1150,7 @@
           <a:p>
             <a:fld id="{873D9E86-A63A-4693-A7D3-428A1A32DFD1}" type="datetimeFigureOut">
               <a:rPr lang="en-IL" smtClean="0"/>
-              <a:t>14/08/2024</a:t>
+              <a:t>16/08/2024</a:t>
             </a:fld>
             <a:endParaRPr lang="en-IL"/>
           </a:p>
@@ -1412,7 +1418,7 @@
           <a:p>
             <a:fld id="{873D9E86-A63A-4693-A7D3-428A1A32DFD1}" type="datetimeFigureOut">
               <a:rPr lang="en-IL" smtClean="0"/>
-              <a:t>14/08/2024</a:t>
+              <a:t>16/08/2024</a:t>
             </a:fld>
             <a:endParaRPr lang="en-IL"/>
           </a:p>
@@ -1827,7 +1833,7 @@
           <a:p>
             <a:fld id="{873D9E86-A63A-4693-A7D3-428A1A32DFD1}" type="datetimeFigureOut">
               <a:rPr lang="en-IL" smtClean="0"/>
-              <a:t>14/08/2024</a:t>
+              <a:t>16/08/2024</a:t>
             </a:fld>
             <a:endParaRPr lang="en-IL"/>
           </a:p>
@@ -1969,7 +1975,7 @@
           <a:p>
             <a:fld id="{873D9E86-A63A-4693-A7D3-428A1A32DFD1}" type="datetimeFigureOut">
               <a:rPr lang="en-IL" smtClean="0"/>
-              <a:t>14/08/2024</a:t>
+              <a:t>16/08/2024</a:t>
             </a:fld>
             <a:endParaRPr lang="en-IL"/>
           </a:p>
@@ -2082,7 +2088,7 @@
           <a:p>
             <a:fld id="{873D9E86-A63A-4693-A7D3-428A1A32DFD1}" type="datetimeFigureOut">
               <a:rPr lang="en-IL" smtClean="0"/>
-              <a:t>14/08/2024</a:t>
+              <a:t>16/08/2024</a:t>
             </a:fld>
             <a:endParaRPr lang="en-IL"/>
           </a:p>
@@ -2395,7 +2401,7 @@
           <a:p>
             <a:fld id="{873D9E86-A63A-4693-A7D3-428A1A32DFD1}" type="datetimeFigureOut">
               <a:rPr lang="en-IL" smtClean="0"/>
-              <a:t>14/08/2024</a:t>
+              <a:t>16/08/2024</a:t>
             </a:fld>
             <a:endParaRPr lang="en-IL"/>
           </a:p>
@@ -2684,7 +2690,7 @@
           <a:p>
             <a:fld id="{873D9E86-A63A-4693-A7D3-428A1A32DFD1}" type="datetimeFigureOut">
               <a:rPr lang="en-IL" smtClean="0"/>
-              <a:t>14/08/2024</a:t>
+              <a:t>16/08/2024</a:t>
             </a:fld>
             <a:endParaRPr lang="en-IL"/>
           </a:p>
@@ -2950,7 +2956,7 @@
           <a:p>
             <a:fld id="{873D9E86-A63A-4693-A7D3-428A1A32DFD1}" type="datetimeFigureOut">
               <a:rPr lang="en-IL" smtClean="0"/>
-              <a:t>14/08/2024</a:t>
+              <a:t>16/08/2024</a:t>
             </a:fld>
             <a:endParaRPr lang="en-IL"/>
           </a:p>
@@ -3398,7 +3404,7 @@
           <a:p>
             <a:r>
               <a:rPr lang="en-US" dirty="0"/>
-              <a:t>Thread, Tasks and Microtasks</a:t>
+              <a:t>Thread and Tasks</a:t>
             </a:r>
             <a:endParaRPr lang="en-IL" dirty="0"/>
           </a:p>
@@ -3451,62 +3457,6 @@
                 </a:solidFill>
               </a:rPr>
               <a:t>Tasks Queue</a:t>
-            </a:r>
-            <a:endParaRPr lang="en-IL" dirty="0">
-              <a:solidFill>
-                <a:schemeClr val="dk1"/>
-              </a:solidFill>
-            </a:endParaRPr>
-          </a:p>
-        </p:txBody>
-      </p:sp>
-      <p:sp>
-        <p:nvSpPr>
-          <p:cNvPr id="5" name="Rectangle 4">
-            <a:extLst>
-              <a:ext uri="{FF2B5EF4-FFF2-40B4-BE49-F238E27FC236}">
-                <a16:creationId xmlns:a16="http://schemas.microsoft.com/office/drawing/2014/main" id="{55AFD42E-4192-17B4-8A1B-19FE961388B3}"/>
-              </a:ext>
-            </a:extLst>
-          </p:cNvPr>
-          <p:cNvSpPr/>
-          <p:nvPr/>
-        </p:nvSpPr>
-        <p:spPr>
-          <a:xfrm>
-            <a:off x="1356460" y="2505075"/>
-            <a:ext cx="1293017" cy="2305050"/>
-          </a:xfrm>
-          <a:prstGeom prst="rect">
-            <a:avLst/>
-          </a:prstGeom>
-        </p:spPr>
-        <p:style>
-          <a:lnRef idx="2">
-            <a:schemeClr val="dk1"/>
-          </a:lnRef>
-          <a:fillRef idx="1">
-            <a:schemeClr val="lt1"/>
-          </a:fillRef>
-          <a:effectRef idx="0">
-            <a:schemeClr val="dk1"/>
-          </a:effectRef>
-          <a:fontRef idx="minor">
-            <a:schemeClr val="dk1"/>
-          </a:fontRef>
-        </p:style>
-        <p:txBody>
-          <a:bodyPr rtlCol="0" anchor="b"/>
-          <a:lstStyle/>
-          <a:p>
-            <a:pPr algn="ctr"/>
-            <a:r>
-              <a:rPr lang="en-US" dirty="0">
-                <a:solidFill>
-                  <a:schemeClr val="dk1"/>
-                </a:solidFill>
-              </a:rPr>
-              <a:t>Microtasks Queue</a:t>
             </a:r>
             <a:endParaRPr lang="en-IL" dirty="0">
               <a:solidFill>
@@ -3581,56 +3531,6 @@
         <p:spPr>
           <a:xfrm>
             <a:off x="2928084" y="3309937"/>
-            <a:ext cx="1057276" cy="457200"/>
-          </a:xfrm>
-          <a:prstGeom prst="roundRect">
-            <a:avLst/>
-          </a:prstGeom>
-        </p:spPr>
-        <p:style>
-          <a:lnRef idx="2">
-            <a:schemeClr val="accent1">
-              <a:shade val="15000"/>
-            </a:schemeClr>
-          </a:lnRef>
-          <a:fillRef idx="1">
-            <a:schemeClr val="accent1"/>
-          </a:fillRef>
-          <a:effectRef idx="0">
-            <a:schemeClr val="accent1"/>
-          </a:effectRef>
-          <a:fontRef idx="minor">
-            <a:schemeClr val="lt1"/>
-          </a:fontRef>
-        </p:style>
-        <p:txBody>
-          <a:bodyPr rtlCol="0" anchor="ctr"/>
-          <a:lstStyle/>
-          <a:p>
-            <a:pPr algn="ctr"/>
-            <a:r>
-              <a:rPr lang="en-US" dirty="0"/>
-              <a:t>function</a:t>
-            </a:r>
-            <a:endParaRPr lang="en-IL" dirty="0"/>
-          </a:p>
-        </p:txBody>
-      </p:sp>
-      <p:sp>
-        <p:nvSpPr>
-          <p:cNvPr id="9" name="Rectangle: Rounded Corners 8">
-            <a:extLst>
-              <a:ext uri="{FF2B5EF4-FFF2-40B4-BE49-F238E27FC236}">
-                <a16:creationId xmlns:a16="http://schemas.microsoft.com/office/drawing/2014/main" id="{F909F474-0491-4121-8BFD-A8CA99370D95}"/>
-              </a:ext>
-            </a:extLst>
-          </p:cNvPr>
-          <p:cNvSpPr/>
-          <p:nvPr/>
-        </p:nvSpPr>
-        <p:spPr>
-          <a:xfrm>
-            <a:off x="1474330" y="2709862"/>
             <a:ext cx="1057276" cy="457200"/>
           </a:xfrm>
           <a:prstGeom prst="roundRect">
@@ -3799,6 +3699,56 @@
           </p:txBody>
         </p:sp>
       </p:grpSp>
+      <p:sp>
+        <p:nvSpPr>
+          <p:cNvPr id="3" name="Rectangle: Rounded Corners 2">
+            <a:extLst>
+              <a:ext uri="{FF2B5EF4-FFF2-40B4-BE49-F238E27FC236}">
+                <a16:creationId xmlns:a16="http://schemas.microsoft.com/office/drawing/2014/main" id="{A4290B72-3338-F5F6-7A61-815874A373F9}"/>
+              </a:ext>
+            </a:extLst>
+          </p:cNvPr>
+          <p:cNvSpPr/>
+          <p:nvPr/>
+        </p:nvSpPr>
+        <p:spPr>
+          <a:xfrm>
+            <a:off x="6167023" y="2285999"/>
+            <a:ext cx="1057276" cy="457200"/>
+          </a:xfrm>
+          <a:prstGeom prst="roundRect">
+            <a:avLst/>
+          </a:prstGeom>
+        </p:spPr>
+        <p:style>
+          <a:lnRef idx="2">
+            <a:schemeClr val="accent1">
+              <a:shade val="15000"/>
+            </a:schemeClr>
+          </a:lnRef>
+          <a:fillRef idx="1">
+            <a:schemeClr val="accent1"/>
+          </a:fillRef>
+          <a:effectRef idx="0">
+            <a:schemeClr val="accent1"/>
+          </a:effectRef>
+          <a:fontRef idx="minor">
+            <a:schemeClr val="lt1"/>
+          </a:fontRef>
+        </p:style>
+        <p:txBody>
+          <a:bodyPr rtlCol="0" anchor="ctr"/>
+          <a:lstStyle/>
+          <a:p>
+            <a:pPr algn="ctr"/>
+            <a:r>
+              <a:rPr lang="en-US" dirty="0"/>
+              <a:t>function</a:t>
+            </a:r>
+            <a:endParaRPr lang="en-IL" dirty="0"/>
+          </a:p>
+        </p:txBody>
+      </p:sp>
     </p:spTree>
     <p:extLst>
       <p:ext uri="{BB962C8B-B14F-4D97-AF65-F5344CB8AC3E}">
@@ -3852,7 +3802,7 @@
           <a:p>
             <a:r>
               <a:rPr lang="en-US" dirty="0"/>
-              <a:t>Zone</a:t>
+              <a:t>Tasks and Microtasks</a:t>
             </a:r>
             <a:endParaRPr lang="en-IL" dirty="0"/>
           </a:p>
@@ -3904,7 +3854,753 @@
                   <a:schemeClr val="dk1"/>
                 </a:solidFill>
               </a:rPr>
+              <a:t>Microtasks Queue</a:t>
+            </a:r>
+            <a:endParaRPr lang="en-IL" dirty="0">
+              <a:solidFill>
+                <a:schemeClr val="dk1"/>
+              </a:solidFill>
+            </a:endParaRPr>
+          </a:p>
+        </p:txBody>
+      </p:sp>
+      <p:sp>
+        <p:nvSpPr>
+          <p:cNvPr id="5" name="Rectangle 4">
+            <a:extLst>
+              <a:ext uri="{FF2B5EF4-FFF2-40B4-BE49-F238E27FC236}">
+                <a16:creationId xmlns:a16="http://schemas.microsoft.com/office/drawing/2014/main" id="{55AFD42E-4192-17B4-8A1B-19FE961388B3}"/>
+              </a:ext>
+            </a:extLst>
+          </p:cNvPr>
+          <p:cNvSpPr/>
+          <p:nvPr/>
+        </p:nvSpPr>
+        <p:spPr>
+          <a:xfrm>
+            <a:off x="969110" y="2514599"/>
+            <a:ext cx="1293017" cy="2305050"/>
+          </a:xfrm>
+          <a:prstGeom prst="rect">
+            <a:avLst/>
+          </a:prstGeom>
+        </p:spPr>
+        <p:style>
+          <a:lnRef idx="2">
+            <a:schemeClr val="dk1"/>
+          </a:lnRef>
+          <a:fillRef idx="1">
+            <a:schemeClr val="lt1"/>
+          </a:fillRef>
+          <a:effectRef idx="0">
+            <a:schemeClr val="dk1"/>
+          </a:effectRef>
+          <a:fontRef idx="minor">
+            <a:schemeClr val="dk1"/>
+          </a:fontRef>
+        </p:style>
+        <p:txBody>
+          <a:bodyPr rtlCol="0" anchor="b"/>
+          <a:lstStyle/>
+          <a:p>
+            <a:pPr algn="ctr"/>
+            <a:r>
+              <a:rPr lang="en-US" dirty="0">
+                <a:solidFill>
+                  <a:schemeClr val="dk1"/>
+                </a:solidFill>
+              </a:rPr>
               <a:t>Tasks Queue</a:t>
+            </a:r>
+            <a:endParaRPr lang="en-IL" dirty="0">
+              <a:solidFill>
+                <a:schemeClr val="dk1"/>
+              </a:solidFill>
+            </a:endParaRPr>
+          </a:p>
+        </p:txBody>
+      </p:sp>
+      <p:sp>
+        <p:nvSpPr>
+          <p:cNvPr id="6" name="Rectangle: Rounded Corners 5">
+            <a:extLst>
+              <a:ext uri="{FF2B5EF4-FFF2-40B4-BE49-F238E27FC236}">
+                <a16:creationId xmlns:a16="http://schemas.microsoft.com/office/drawing/2014/main" id="{4FE7DAB3-DE91-5AB5-B9AF-75B46A9FECBA}"/>
+              </a:ext>
+            </a:extLst>
+          </p:cNvPr>
+          <p:cNvSpPr/>
+          <p:nvPr/>
+        </p:nvSpPr>
+        <p:spPr>
+          <a:xfrm>
+            <a:off x="2928084" y="2705100"/>
+            <a:ext cx="1057276" cy="457200"/>
+          </a:xfrm>
+          <a:prstGeom prst="roundRect">
+            <a:avLst/>
+          </a:prstGeom>
+        </p:spPr>
+        <p:style>
+          <a:lnRef idx="2">
+            <a:schemeClr val="accent1">
+              <a:shade val="15000"/>
+            </a:schemeClr>
+          </a:lnRef>
+          <a:fillRef idx="1">
+            <a:schemeClr val="accent1"/>
+          </a:fillRef>
+          <a:effectRef idx="0">
+            <a:schemeClr val="accent1"/>
+          </a:effectRef>
+          <a:fontRef idx="minor">
+            <a:schemeClr val="lt1"/>
+          </a:fontRef>
+        </p:style>
+        <p:txBody>
+          <a:bodyPr rtlCol="0" anchor="ctr"/>
+          <a:lstStyle/>
+          <a:p>
+            <a:pPr algn="ctr"/>
+            <a:r>
+              <a:rPr lang="en-US" dirty="0"/>
+              <a:t>function</a:t>
+            </a:r>
+            <a:endParaRPr lang="en-IL" dirty="0"/>
+          </a:p>
+        </p:txBody>
+      </p:sp>
+      <p:sp>
+        <p:nvSpPr>
+          <p:cNvPr id="8" name="Rectangle: Rounded Corners 7">
+            <a:extLst>
+              <a:ext uri="{FF2B5EF4-FFF2-40B4-BE49-F238E27FC236}">
+                <a16:creationId xmlns:a16="http://schemas.microsoft.com/office/drawing/2014/main" id="{58D5E73B-C053-E5C5-FCC3-438FB73D12B4}"/>
+              </a:ext>
+            </a:extLst>
+          </p:cNvPr>
+          <p:cNvSpPr/>
+          <p:nvPr/>
+        </p:nvSpPr>
+        <p:spPr>
+          <a:xfrm>
+            <a:off x="2928084" y="3309937"/>
+            <a:ext cx="1057276" cy="457200"/>
+          </a:xfrm>
+          <a:prstGeom prst="roundRect">
+            <a:avLst/>
+          </a:prstGeom>
+        </p:spPr>
+        <p:style>
+          <a:lnRef idx="2">
+            <a:schemeClr val="accent1">
+              <a:shade val="15000"/>
+            </a:schemeClr>
+          </a:lnRef>
+          <a:fillRef idx="1">
+            <a:schemeClr val="accent1"/>
+          </a:fillRef>
+          <a:effectRef idx="0">
+            <a:schemeClr val="accent1"/>
+          </a:effectRef>
+          <a:fontRef idx="minor">
+            <a:schemeClr val="lt1"/>
+          </a:fontRef>
+        </p:style>
+        <p:txBody>
+          <a:bodyPr rtlCol="0" anchor="ctr"/>
+          <a:lstStyle/>
+          <a:p>
+            <a:pPr algn="ctr"/>
+            <a:r>
+              <a:rPr lang="en-US" dirty="0"/>
+              <a:t>function</a:t>
+            </a:r>
+            <a:endParaRPr lang="en-IL" dirty="0"/>
+          </a:p>
+        </p:txBody>
+      </p:sp>
+      <p:sp>
+        <p:nvSpPr>
+          <p:cNvPr id="9" name="Rectangle: Rounded Corners 8">
+            <a:extLst>
+              <a:ext uri="{FF2B5EF4-FFF2-40B4-BE49-F238E27FC236}">
+                <a16:creationId xmlns:a16="http://schemas.microsoft.com/office/drawing/2014/main" id="{F909F474-0491-4121-8BFD-A8CA99370D95}"/>
+              </a:ext>
+            </a:extLst>
+          </p:cNvPr>
+          <p:cNvSpPr/>
+          <p:nvPr/>
+        </p:nvSpPr>
+        <p:spPr>
+          <a:xfrm>
+            <a:off x="1086980" y="2719386"/>
+            <a:ext cx="1057276" cy="457200"/>
+          </a:xfrm>
+          <a:prstGeom prst="roundRect">
+            <a:avLst/>
+          </a:prstGeom>
+        </p:spPr>
+        <p:style>
+          <a:lnRef idx="2">
+            <a:schemeClr val="accent1">
+              <a:shade val="15000"/>
+            </a:schemeClr>
+          </a:lnRef>
+          <a:fillRef idx="1">
+            <a:schemeClr val="accent1"/>
+          </a:fillRef>
+          <a:effectRef idx="0">
+            <a:schemeClr val="accent1"/>
+          </a:effectRef>
+          <a:fontRef idx="minor">
+            <a:schemeClr val="lt1"/>
+          </a:fontRef>
+        </p:style>
+        <p:txBody>
+          <a:bodyPr rtlCol="0" anchor="ctr"/>
+          <a:lstStyle/>
+          <a:p>
+            <a:pPr algn="ctr"/>
+            <a:r>
+              <a:rPr lang="en-US" dirty="0"/>
+              <a:t>function</a:t>
+            </a:r>
+            <a:endParaRPr lang="en-IL" dirty="0"/>
+          </a:p>
+        </p:txBody>
+      </p:sp>
+      <p:grpSp>
+        <p:nvGrpSpPr>
+          <p:cNvPr id="14" name="Group 13">
+            <a:extLst>
+              <a:ext uri="{FF2B5EF4-FFF2-40B4-BE49-F238E27FC236}">
+                <a16:creationId xmlns:a16="http://schemas.microsoft.com/office/drawing/2014/main" id="{BEA6FA22-1559-2FB8-ACB4-A33DBF5293D7}"/>
+              </a:ext>
+            </a:extLst>
+          </p:cNvPr>
+          <p:cNvGrpSpPr/>
+          <p:nvPr/>
+        </p:nvGrpSpPr>
+        <p:grpSpPr>
+          <a:xfrm>
+            <a:off x="4486276" y="2247900"/>
+            <a:ext cx="6553199" cy="533400"/>
+            <a:chOff x="3171826" y="3276600"/>
+            <a:chExt cx="6715125" cy="533400"/>
+          </a:xfrm>
+        </p:grpSpPr>
+        <p:sp>
+          <p:nvSpPr>
+            <p:cNvPr id="12" name="Cylinder 11">
+              <a:extLst>
+                <a:ext uri="{FF2B5EF4-FFF2-40B4-BE49-F238E27FC236}">
+                  <a16:creationId xmlns:a16="http://schemas.microsoft.com/office/drawing/2014/main" id="{EAD362C3-E0FA-6B12-A1F4-6B33EFAB54A3}"/>
+                </a:ext>
+              </a:extLst>
+            </p:cNvPr>
+            <p:cNvSpPr/>
+            <p:nvPr/>
+          </p:nvSpPr>
+          <p:spPr>
+            <a:xfrm rot="5400000">
+              <a:off x="6262689" y="185737"/>
+              <a:ext cx="533400" cy="6715125"/>
+            </a:xfrm>
+            <a:prstGeom prst="can">
+              <a:avLst>
+                <a:gd name="adj" fmla="val 39531"/>
+              </a:avLst>
+            </a:prstGeom>
+          </p:spPr>
+          <p:style>
+            <a:lnRef idx="1">
+              <a:schemeClr val="accent1"/>
+            </a:lnRef>
+            <a:fillRef idx="2">
+              <a:schemeClr val="accent1"/>
+            </a:fillRef>
+            <a:effectRef idx="1">
+              <a:schemeClr val="accent1"/>
+            </a:effectRef>
+            <a:fontRef idx="minor">
+              <a:schemeClr val="dk1"/>
+            </a:fontRef>
+          </p:style>
+          <p:txBody>
+            <a:bodyPr rtlCol="0" anchor="ctr"/>
+            <a:lstStyle/>
+            <a:p>
+              <a:pPr algn="ctr"/>
+              <a:endParaRPr lang="en-IL" dirty="0"/>
+            </a:p>
+          </p:txBody>
+        </p:sp>
+        <p:sp>
+          <p:nvSpPr>
+            <p:cNvPr id="13" name="Rectangle 12">
+              <a:extLst>
+                <a:ext uri="{FF2B5EF4-FFF2-40B4-BE49-F238E27FC236}">
+                  <a16:creationId xmlns:a16="http://schemas.microsoft.com/office/drawing/2014/main" id="{4885C1BD-FEB1-F6AC-94B1-6B7375AC94E1}"/>
+                </a:ext>
+              </a:extLst>
+            </p:cNvPr>
+            <p:cNvSpPr/>
+            <p:nvPr/>
+          </p:nvSpPr>
+          <p:spPr>
+            <a:xfrm>
+              <a:off x="5819775" y="3352800"/>
+              <a:ext cx="1485900" cy="352425"/>
+            </a:xfrm>
+            <a:prstGeom prst="rect">
+              <a:avLst/>
+            </a:prstGeom>
+            <a:noFill/>
+            <a:ln>
+              <a:noFill/>
+            </a:ln>
+          </p:spPr>
+          <p:style>
+            <a:lnRef idx="2">
+              <a:schemeClr val="accent1">
+                <a:shade val="15000"/>
+              </a:schemeClr>
+            </a:lnRef>
+            <a:fillRef idx="1">
+              <a:schemeClr val="accent1"/>
+            </a:fillRef>
+            <a:effectRef idx="0">
+              <a:schemeClr val="accent1"/>
+            </a:effectRef>
+            <a:fontRef idx="minor">
+              <a:schemeClr val="lt1"/>
+            </a:fontRef>
+          </p:style>
+          <p:txBody>
+            <a:bodyPr rtlCol="0" anchor="ctr"/>
+            <a:lstStyle/>
+            <a:p>
+              <a:pPr algn="ctr"/>
+              <a:r>
+                <a:rPr lang="en-US" dirty="0">
+                  <a:solidFill>
+                    <a:schemeClr val="accent1">
+                      <a:lumMod val="75000"/>
+                    </a:schemeClr>
+                  </a:solidFill>
+                </a:rPr>
+                <a:t>Thread</a:t>
+              </a:r>
+              <a:endParaRPr lang="en-IL" dirty="0">
+                <a:solidFill>
+                  <a:schemeClr val="accent1">
+                    <a:lumMod val="75000"/>
+                  </a:schemeClr>
+                </a:solidFill>
+              </a:endParaRPr>
+            </a:p>
+          </p:txBody>
+        </p:sp>
+      </p:grpSp>
+      <p:sp>
+        <p:nvSpPr>
+          <p:cNvPr id="3" name="TextBox 2">
+            <a:extLst>
+              <a:ext uri="{FF2B5EF4-FFF2-40B4-BE49-F238E27FC236}">
+                <a16:creationId xmlns:a16="http://schemas.microsoft.com/office/drawing/2014/main" id="{92012332-261B-6AD1-9EDB-7A3AFF1D56EE}"/>
+              </a:ext>
+            </a:extLst>
+          </p:cNvPr>
+          <p:cNvSpPr txBox="1"/>
+          <p:nvPr/>
+        </p:nvSpPr>
+        <p:spPr>
+          <a:xfrm>
+            <a:off x="969110" y="4872846"/>
+            <a:ext cx="1547218" cy="1015663"/>
+          </a:xfrm>
+          <a:prstGeom prst="rect">
+            <a:avLst/>
+          </a:prstGeom>
+          <a:noFill/>
+        </p:spPr>
+        <p:txBody>
+          <a:bodyPr wrap="none" rtlCol="0">
+            <a:spAutoFit/>
+          </a:bodyPr>
+          <a:lstStyle/>
+          <a:p>
+            <a:pPr marL="171450" indent="-171450">
+              <a:buFont typeface="Arial" panose="020B0604020202020204" pitchFamily="34" charset="0"/>
+              <a:buChar char="•"/>
+            </a:pPr>
+            <a:r>
+              <a:rPr lang="en-US" sz="1200" dirty="0" err="1">
+                <a:ln w="0"/>
+                <a:solidFill>
+                  <a:schemeClr val="accent1"/>
+                </a:solidFill>
+                <a:effectLst>
+                  <a:outerShdw blurRad="38100" dist="25400" dir="5400000" algn="ctr" rotWithShape="0">
+                    <a:srgbClr val="6E747A">
+                      <a:alpha val="43000"/>
+                    </a:srgbClr>
+                  </a:outerShdw>
+                </a:effectLst>
+                <a:latin typeface="Consolas" panose="020B0609020204030204" pitchFamily="49" charset="0"/>
+              </a:rPr>
+              <a:t>setTimeout</a:t>
+            </a:r>
+            <a:endParaRPr lang="en-US" sz="1200" dirty="0">
+              <a:ln w="0"/>
+              <a:solidFill>
+                <a:schemeClr val="accent1"/>
+              </a:solidFill>
+              <a:effectLst>
+                <a:outerShdw blurRad="38100" dist="25400" dir="5400000" algn="ctr" rotWithShape="0">
+                  <a:srgbClr val="6E747A">
+                    <a:alpha val="43000"/>
+                  </a:srgbClr>
+                </a:outerShdw>
+              </a:effectLst>
+              <a:latin typeface="Consolas" panose="020B0609020204030204" pitchFamily="49" charset="0"/>
+            </a:endParaRPr>
+          </a:p>
+          <a:p>
+            <a:pPr marL="171450" indent="-171450">
+              <a:buFont typeface="Arial" panose="020B0604020202020204" pitchFamily="34" charset="0"/>
+              <a:buChar char="•"/>
+            </a:pPr>
+            <a:r>
+              <a:rPr lang="en-US" sz="1200" dirty="0" err="1">
+                <a:ln w="0"/>
+                <a:solidFill>
+                  <a:schemeClr val="accent1"/>
+                </a:solidFill>
+                <a:effectLst>
+                  <a:outerShdw blurRad="38100" dist="25400" dir="5400000" algn="ctr" rotWithShape="0">
+                    <a:srgbClr val="6E747A">
+                      <a:alpha val="43000"/>
+                    </a:srgbClr>
+                  </a:outerShdw>
+                </a:effectLst>
+                <a:latin typeface="Consolas" panose="020B0609020204030204" pitchFamily="49" charset="0"/>
+              </a:rPr>
+              <a:t>setInterval</a:t>
+            </a:r>
+            <a:endParaRPr lang="en-US" sz="1200" dirty="0">
+              <a:ln w="0"/>
+              <a:solidFill>
+                <a:schemeClr val="accent1"/>
+              </a:solidFill>
+              <a:effectLst>
+                <a:outerShdw blurRad="38100" dist="25400" dir="5400000" algn="ctr" rotWithShape="0">
+                  <a:srgbClr val="6E747A">
+                    <a:alpha val="43000"/>
+                  </a:srgbClr>
+                </a:outerShdw>
+              </a:effectLst>
+              <a:latin typeface="Consolas" panose="020B0609020204030204" pitchFamily="49" charset="0"/>
+            </a:endParaRPr>
+          </a:p>
+          <a:p>
+            <a:pPr marL="171450" indent="-171450">
+              <a:buFont typeface="Arial" panose="020B0604020202020204" pitchFamily="34" charset="0"/>
+              <a:buChar char="•"/>
+            </a:pPr>
+            <a:r>
+              <a:rPr lang="en-US" sz="1200" dirty="0">
+                <a:ln w="0"/>
+                <a:solidFill>
+                  <a:schemeClr val="accent1"/>
+                </a:solidFill>
+                <a:effectLst>
+                  <a:outerShdw blurRad="38100" dist="25400" dir="5400000" algn="ctr" rotWithShape="0">
+                    <a:srgbClr val="6E747A">
+                      <a:alpha val="43000"/>
+                    </a:srgbClr>
+                  </a:outerShdw>
+                </a:effectLst>
+                <a:latin typeface="Consolas" panose="020B0609020204030204" pitchFamily="49" charset="0"/>
+              </a:rPr>
+              <a:t>Event handlers</a:t>
+            </a:r>
+          </a:p>
+          <a:p>
+            <a:pPr marL="171450" indent="-171450">
+              <a:buFont typeface="Arial" panose="020B0604020202020204" pitchFamily="34" charset="0"/>
+              <a:buChar char="•"/>
+            </a:pPr>
+            <a:r>
+              <a:rPr lang="en-US" sz="1200" dirty="0">
+                <a:ln w="0"/>
+                <a:solidFill>
+                  <a:schemeClr val="accent1"/>
+                </a:solidFill>
+                <a:effectLst>
+                  <a:outerShdw blurRad="38100" dist="25400" dir="5400000" algn="ctr" rotWithShape="0">
+                    <a:srgbClr val="6E747A">
+                      <a:alpha val="43000"/>
+                    </a:srgbClr>
+                  </a:outerShdw>
+                </a:effectLst>
+                <a:latin typeface="Consolas" panose="020B0609020204030204" pitchFamily="49" charset="0"/>
+              </a:rPr>
+              <a:t>XHR callback</a:t>
+            </a:r>
+          </a:p>
+          <a:p>
+            <a:pPr marL="171450" indent="-171450">
+              <a:buFont typeface="Arial" panose="020B0604020202020204" pitchFamily="34" charset="0"/>
+              <a:buChar char="•"/>
+            </a:pPr>
+            <a:r>
+              <a:rPr lang="en-US" sz="1200" dirty="0">
+                <a:ln w="0"/>
+                <a:solidFill>
+                  <a:schemeClr val="accent1"/>
+                </a:solidFill>
+                <a:effectLst>
+                  <a:outerShdw blurRad="38100" dist="25400" dir="5400000" algn="ctr" rotWithShape="0">
+                    <a:srgbClr val="6E747A">
+                      <a:alpha val="43000"/>
+                    </a:srgbClr>
+                  </a:outerShdw>
+                </a:effectLst>
+                <a:latin typeface="Consolas" panose="020B0609020204030204" pitchFamily="49" charset="0"/>
+              </a:rPr>
+              <a:t>Script loaded</a:t>
+            </a:r>
+          </a:p>
+        </p:txBody>
+      </p:sp>
+      <p:sp>
+        <p:nvSpPr>
+          <p:cNvPr id="10" name="TextBox 9">
+            <a:extLst>
+              <a:ext uri="{FF2B5EF4-FFF2-40B4-BE49-F238E27FC236}">
+                <a16:creationId xmlns:a16="http://schemas.microsoft.com/office/drawing/2014/main" id="{299810AF-A6B0-C5F5-3A9C-713AF7CE9DAD}"/>
+              </a:ext>
+            </a:extLst>
+          </p:cNvPr>
+          <p:cNvSpPr txBox="1"/>
+          <p:nvPr/>
+        </p:nvSpPr>
+        <p:spPr>
+          <a:xfrm>
+            <a:off x="2818547" y="4863322"/>
+            <a:ext cx="1972015" cy="646331"/>
+          </a:xfrm>
+          <a:prstGeom prst="rect">
+            <a:avLst/>
+          </a:prstGeom>
+          <a:noFill/>
+        </p:spPr>
+        <p:txBody>
+          <a:bodyPr wrap="none" rtlCol="0">
+            <a:spAutoFit/>
+          </a:bodyPr>
+          <a:lstStyle/>
+          <a:p>
+            <a:pPr marL="171450" indent="-171450">
+              <a:buFont typeface="Arial" panose="020B0604020202020204" pitchFamily="34" charset="0"/>
+              <a:buChar char="•"/>
+            </a:pPr>
+            <a:r>
+              <a:rPr lang="en-US" sz="1200" dirty="0">
+                <a:ln w="0"/>
+                <a:solidFill>
+                  <a:schemeClr val="accent1"/>
+                </a:solidFill>
+                <a:effectLst>
+                  <a:outerShdw blurRad="38100" dist="25400" dir="5400000" algn="ctr" rotWithShape="0">
+                    <a:srgbClr val="6E747A">
+                      <a:alpha val="43000"/>
+                    </a:srgbClr>
+                  </a:outerShdw>
+                </a:effectLst>
+                <a:latin typeface="Consolas" panose="020B0609020204030204" pitchFamily="49" charset="0"/>
+              </a:rPr>
+              <a:t>Promise callbacks</a:t>
+            </a:r>
+          </a:p>
+          <a:p>
+            <a:pPr marL="171450" indent="-171450">
+              <a:buFont typeface="Arial" panose="020B0604020202020204" pitchFamily="34" charset="0"/>
+              <a:buChar char="•"/>
+            </a:pPr>
+            <a:r>
+              <a:rPr lang="en-US" sz="1200" dirty="0">
+                <a:ln w="0"/>
+                <a:solidFill>
+                  <a:schemeClr val="accent1"/>
+                </a:solidFill>
+                <a:effectLst>
+                  <a:outerShdw blurRad="38100" dist="25400" dir="5400000" algn="ctr" rotWithShape="0">
+                    <a:srgbClr val="6E747A">
+                      <a:alpha val="43000"/>
+                    </a:srgbClr>
+                  </a:outerShdw>
+                </a:effectLst>
+                <a:latin typeface="Consolas" panose="020B0609020204030204" pitchFamily="49" charset="0"/>
+              </a:rPr>
+              <a:t>async await (same…)</a:t>
+            </a:r>
+          </a:p>
+          <a:p>
+            <a:pPr marL="171450" indent="-171450">
+              <a:buFont typeface="Arial" panose="020B0604020202020204" pitchFamily="34" charset="0"/>
+              <a:buChar char="•"/>
+            </a:pPr>
+            <a:r>
+              <a:rPr lang="en-US" sz="1200" dirty="0" err="1">
+                <a:ln w="0"/>
+                <a:solidFill>
+                  <a:schemeClr val="accent1"/>
+                </a:solidFill>
+                <a:effectLst>
+                  <a:outerShdw blurRad="38100" dist="25400" dir="5400000" algn="ctr" rotWithShape="0">
+                    <a:srgbClr val="6E747A">
+                      <a:alpha val="43000"/>
+                    </a:srgbClr>
+                  </a:outerShdw>
+                </a:effectLst>
+                <a:latin typeface="Consolas" panose="020B0609020204030204" pitchFamily="49" charset="0"/>
+              </a:rPr>
+              <a:t>queueMicrotask</a:t>
+            </a:r>
+            <a:endParaRPr lang="en-US" sz="1200" dirty="0">
+              <a:ln w="0"/>
+              <a:solidFill>
+                <a:schemeClr val="accent1"/>
+              </a:solidFill>
+              <a:effectLst>
+                <a:outerShdw blurRad="38100" dist="25400" dir="5400000" algn="ctr" rotWithShape="0">
+                  <a:srgbClr val="6E747A">
+                    <a:alpha val="43000"/>
+                  </a:srgbClr>
+                </a:outerShdw>
+              </a:effectLst>
+              <a:latin typeface="Consolas" panose="020B0609020204030204" pitchFamily="49" charset="0"/>
+            </a:endParaRPr>
+          </a:p>
+        </p:txBody>
+      </p:sp>
+    </p:spTree>
+    <p:extLst>
+      <p:ext uri="{BB962C8B-B14F-4D97-AF65-F5344CB8AC3E}">
+        <p14:creationId xmlns:p14="http://schemas.microsoft.com/office/powerpoint/2010/main" val="2022994144"/>
+      </p:ext>
+    </p:extLst>
+  </p:cSld>
+  <p:clrMapOvr>
+    <a:masterClrMapping/>
+  </p:clrMapOvr>
+</p:sld>
+</file>
+
+<file path=ppt/slides/slide3.xml><?xml version="1.0" encoding="utf-8"?>
+<p:sld xmlns:a="http://schemas.openxmlformats.org/drawingml/2006/main" xmlns:r="http://schemas.openxmlformats.org/officeDocument/2006/relationships" xmlns:p="http://schemas.openxmlformats.org/presentationml/2006/main">
+  <p:cSld>
+    <p:spTree>
+      <p:nvGrpSpPr>
+        <p:cNvPr id="1" name=""/>
+        <p:cNvGrpSpPr/>
+        <p:nvPr/>
+      </p:nvGrpSpPr>
+      <p:grpSpPr>
+        <a:xfrm>
+          <a:off x="0" y="0"/>
+          <a:ext cx="0" cy="0"/>
+          <a:chOff x="0" y="0"/>
+          <a:chExt cx="0" cy="0"/>
+        </a:xfrm>
+      </p:grpSpPr>
+      <p:sp>
+        <p:nvSpPr>
+          <p:cNvPr id="2" name="Title 1">
+            <a:extLst>
+              <a:ext uri="{FF2B5EF4-FFF2-40B4-BE49-F238E27FC236}">
+                <a16:creationId xmlns:a16="http://schemas.microsoft.com/office/drawing/2014/main" id="{AEFD01CA-F8B8-8EE2-8F3B-3FCDD57C2C0D}"/>
+              </a:ext>
+            </a:extLst>
+          </p:cNvPr>
+          <p:cNvSpPr>
+            <a:spLocks noGrp="1"/>
+          </p:cNvSpPr>
+          <p:nvPr>
+            <p:ph type="title"/>
+          </p:nvPr>
+        </p:nvSpPr>
+        <p:spPr/>
+        <p:txBody>
+          <a:bodyPr/>
+          <a:lstStyle/>
+          <a:p>
+            <a:r>
+              <a:rPr lang="en-US" dirty="0"/>
+              <a:t>Zone</a:t>
+            </a:r>
+            <a:endParaRPr lang="en-IL" dirty="0"/>
+          </a:p>
+        </p:txBody>
+      </p:sp>
+      <p:sp>
+        <p:nvSpPr>
+          <p:cNvPr id="4" name="Rectangle 3">
+            <a:extLst>
+              <a:ext uri="{FF2B5EF4-FFF2-40B4-BE49-F238E27FC236}">
+                <a16:creationId xmlns:a16="http://schemas.microsoft.com/office/drawing/2014/main" id="{D3C270A1-FCB6-26FE-2FB8-EAF882BE5040}"/>
+              </a:ext>
+            </a:extLst>
+          </p:cNvPr>
+          <p:cNvSpPr/>
+          <p:nvPr/>
+        </p:nvSpPr>
+        <p:spPr>
+          <a:xfrm>
+            <a:off x="2818547" y="2505075"/>
+            <a:ext cx="1293017" cy="2305050"/>
+          </a:xfrm>
+          <a:prstGeom prst="rect">
+            <a:avLst/>
+          </a:prstGeom>
+        </p:spPr>
+        <p:style>
+          <a:lnRef idx="2">
+            <a:schemeClr val="dk1"/>
+          </a:lnRef>
+          <a:fillRef idx="1">
+            <a:schemeClr val="lt1"/>
+          </a:fillRef>
+          <a:effectRef idx="0">
+            <a:schemeClr val="dk1"/>
+          </a:effectRef>
+          <a:fontRef idx="minor">
+            <a:schemeClr val="dk1"/>
+          </a:fontRef>
+        </p:style>
+        <p:txBody>
+          <a:bodyPr rtlCol="0" anchor="b"/>
+          <a:lstStyle/>
+          <a:p>
+            <a:pPr algn="ctr"/>
+            <a:r>
+              <a:rPr lang="en-US" dirty="0" err="1">
+                <a:solidFill>
+                  <a:schemeClr val="dk1"/>
+                </a:solidFill>
+              </a:rPr>
+              <a:t>Microasks</a:t>
+            </a:r>
+            <a:r>
+              <a:rPr lang="en-US" dirty="0">
+                <a:solidFill>
+                  <a:schemeClr val="dk1"/>
+                </a:solidFill>
+              </a:rPr>
+              <a:t> Queue</a:t>
             </a:r>
             <a:endParaRPr lang="en-IL" dirty="0">
               <a:solidFill>
@@ -3960,7 +4656,7 @@
                   <a:schemeClr val="dk1"/>
                 </a:solidFill>
               </a:rPr>
-              <a:t>Microtasks Queue</a:t>
+              <a:t>Tasks Queue</a:t>
             </a:r>
             <a:endParaRPr lang="en-IL" dirty="0">
               <a:solidFill>
@@ -4416,7 +5112,7 @@
 </p:sld>
 </file>
 
-<file path=ppt/slides/slide3.xml><?xml version="1.0" encoding="utf-8"?>
+<file path=ppt/slides/slide4.xml><?xml version="1.0" encoding="utf-8"?>
 <p:sld xmlns:a="http://schemas.openxmlformats.org/drawingml/2006/main" xmlns:r="http://schemas.openxmlformats.org/officeDocument/2006/relationships" xmlns:p="http://schemas.openxmlformats.org/presentationml/2006/main">
   <p:cSld>
     <p:spTree>
@@ -4508,7 +5204,7 @@
                   <a:schemeClr val="dk1"/>
                 </a:solidFill>
               </a:rPr>
-              <a:t>Tasks Queue</a:t>
+              <a:t>Microtasks Queue</a:t>
             </a:r>
             <a:endParaRPr lang="en-IL" dirty="0">
               <a:solidFill>
@@ -4564,7 +5260,7 @@
                   <a:schemeClr val="dk1"/>
                 </a:solidFill>
               </a:rPr>
-              <a:t>Microtasks Queue</a:t>
+              <a:t>Tasks Queue</a:t>
             </a:r>
             <a:endParaRPr lang="en-IL" dirty="0">
               <a:solidFill>

--- a/slides/change detection.pptx
+++ b/slides/change detection.pptx
@@ -266,7 +266,7 @@
               <a:rPr lang="en-IL" smtClean="0"/>
               <a:t>16/08/2024</a:t>
             </a:fld>
-            <a:endParaRPr lang="en-IL"/>
+            <a:endParaRPr lang="en-IL" dirty="0"/>
           </a:p>
         </p:txBody>
       </p:sp>
@@ -291,7 +291,7 @@
           <a:bodyPr/>
           <a:lstStyle/>
           <a:p>
-            <a:endParaRPr lang="en-IL"/>
+            <a:endParaRPr lang="en-IL" dirty="0"/>
           </a:p>
         </p:txBody>
       </p:sp>
@@ -320,7 +320,7 @@
               <a:rPr lang="en-IL" smtClean="0"/>
               <a:t>‹#›</a:t>
             </a:fld>
-            <a:endParaRPr lang="en-IL"/>
+            <a:endParaRPr lang="en-IL" dirty="0"/>
           </a:p>
         </p:txBody>
       </p:sp>
@@ -466,7 +466,7 @@
               <a:rPr lang="en-IL" smtClean="0"/>
               <a:t>16/08/2024</a:t>
             </a:fld>
-            <a:endParaRPr lang="en-IL"/>
+            <a:endParaRPr lang="en-IL" dirty="0"/>
           </a:p>
         </p:txBody>
       </p:sp>
@@ -491,7 +491,7 @@
           <a:bodyPr/>
           <a:lstStyle/>
           <a:p>
-            <a:endParaRPr lang="en-IL"/>
+            <a:endParaRPr lang="en-IL" dirty="0"/>
           </a:p>
         </p:txBody>
       </p:sp>
@@ -520,7 +520,7 @@
               <a:rPr lang="en-IL" smtClean="0"/>
               <a:t>‹#›</a:t>
             </a:fld>
-            <a:endParaRPr lang="en-IL"/>
+            <a:endParaRPr lang="en-IL" dirty="0"/>
           </a:p>
         </p:txBody>
       </p:sp>
@@ -676,7 +676,7 @@
               <a:rPr lang="en-IL" smtClean="0"/>
               <a:t>16/08/2024</a:t>
             </a:fld>
-            <a:endParaRPr lang="en-IL"/>
+            <a:endParaRPr lang="en-IL" dirty="0"/>
           </a:p>
         </p:txBody>
       </p:sp>
@@ -701,7 +701,7 @@
           <a:bodyPr/>
           <a:lstStyle/>
           <a:p>
-            <a:endParaRPr lang="en-IL"/>
+            <a:endParaRPr lang="en-IL" dirty="0"/>
           </a:p>
         </p:txBody>
       </p:sp>
@@ -730,7 +730,7 @@
               <a:rPr lang="en-IL" smtClean="0"/>
               <a:t>‹#›</a:t>
             </a:fld>
-            <a:endParaRPr lang="en-IL"/>
+            <a:endParaRPr lang="en-IL" dirty="0"/>
           </a:p>
         </p:txBody>
       </p:sp>
@@ -876,7 +876,7 @@
               <a:rPr lang="en-IL" smtClean="0"/>
               <a:t>16/08/2024</a:t>
             </a:fld>
-            <a:endParaRPr lang="en-IL"/>
+            <a:endParaRPr lang="en-IL" dirty="0"/>
           </a:p>
         </p:txBody>
       </p:sp>
@@ -901,7 +901,7 @@
           <a:bodyPr/>
           <a:lstStyle/>
           <a:p>
-            <a:endParaRPr lang="en-IL"/>
+            <a:endParaRPr lang="en-IL" dirty="0"/>
           </a:p>
         </p:txBody>
       </p:sp>
@@ -930,7 +930,7 @@
               <a:rPr lang="en-IL" smtClean="0"/>
               <a:t>‹#›</a:t>
             </a:fld>
-            <a:endParaRPr lang="en-IL"/>
+            <a:endParaRPr lang="en-IL" dirty="0"/>
           </a:p>
         </p:txBody>
       </p:sp>
@@ -1152,7 +1152,7 @@
               <a:rPr lang="en-IL" smtClean="0"/>
               <a:t>16/08/2024</a:t>
             </a:fld>
-            <a:endParaRPr lang="en-IL"/>
+            <a:endParaRPr lang="en-IL" dirty="0"/>
           </a:p>
         </p:txBody>
       </p:sp>
@@ -1177,7 +1177,7 @@
           <a:bodyPr/>
           <a:lstStyle/>
           <a:p>
-            <a:endParaRPr lang="en-IL"/>
+            <a:endParaRPr lang="en-IL" dirty="0"/>
           </a:p>
         </p:txBody>
       </p:sp>
@@ -1206,7 +1206,7 @@
               <a:rPr lang="en-IL" smtClean="0"/>
               <a:t>‹#›</a:t>
             </a:fld>
-            <a:endParaRPr lang="en-IL"/>
+            <a:endParaRPr lang="en-IL" dirty="0"/>
           </a:p>
         </p:txBody>
       </p:sp>
@@ -1420,7 +1420,7 @@
               <a:rPr lang="en-IL" smtClean="0"/>
               <a:t>16/08/2024</a:t>
             </a:fld>
-            <a:endParaRPr lang="en-IL"/>
+            <a:endParaRPr lang="en-IL" dirty="0"/>
           </a:p>
         </p:txBody>
       </p:sp>
@@ -1445,7 +1445,7 @@
           <a:bodyPr/>
           <a:lstStyle/>
           <a:p>
-            <a:endParaRPr lang="en-IL"/>
+            <a:endParaRPr lang="en-IL" dirty="0"/>
           </a:p>
         </p:txBody>
       </p:sp>
@@ -1474,7 +1474,7 @@
               <a:rPr lang="en-IL" smtClean="0"/>
               <a:t>‹#›</a:t>
             </a:fld>
-            <a:endParaRPr lang="en-IL"/>
+            <a:endParaRPr lang="en-IL" dirty="0"/>
           </a:p>
         </p:txBody>
       </p:sp>
@@ -1835,7 +1835,7 @@
               <a:rPr lang="en-IL" smtClean="0"/>
               <a:t>16/08/2024</a:t>
             </a:fld>
-            <a:endParaRPr lang="en-IL"/>
+            <a:endParaRPr lang="en-IL" dirty="0"/>
           </a:p>
         </p:txBody>
       </p:sp>
@@ -1860,7 +1860,7 @@
           <a:bodyPr/>
           <a:lstStyle/>
           <a:p>
-            <a:endParaRPr lang="en-IL"/>
+            <a:endParaRPr lang="en-IL" dirty="0"/>
           </a:p>
         </p:txBody>
       </p:sp>
@@ -1889,7 +1889,7 @@
               <a:rPr lang="en-IL" smtClean="0"/>
               <a:t>‹#›</a:t>
             </a:fld>
-            <a:endParaRPr lang="en-IL"/>
+            <a:endParaRPr lang="en-IL" dirty="0"/>
           </a:p>
         </p:txBody>
       </p:sp>
@@ -1977,7 +1977,7 @@
               <a:rPr lang="en-IL" smtClean="0"/>
               <a:t>16/08/2024</a:t>
             </a:fld>
-            <a:endParaRPr lang="en-IL"/>
+            <a:endParaRPr lang="en-IL" dirty="0"/>
           </a:p>
         </p:txBody>
       </p:sp>
@@ -2002,7 +2002,7 @@
           <a:bodyPr/>
           <a:lstStyle/>
           <a:p>
-            <a:endParaRPr lang="en-IL"/>
+            <a:endParaRPr lang="en-IL" dirty="0"/>
           </a:p>
         </p:txBody>
       </p:sp>
@@ -2031,7 +2031,7 @@
               <a:rPr lang="en-IL" smtClean="0"/>
               <a:t>‹#›</a:t>
             </a:fld>
-            <a:endParaRPr lang="en-IL"/>
+            <a:endParaRPr lang="en-IL" dirty="0"/>
           </a:p>
         </p:txBody>
       </p:sp>
@@ -2090,7 +2090,7 @@
               <a:rPr lang="en-IL" smtClean="0"/>
               <a:t>16/08/2024</a:t>
             </a:fld>
-            <a:endParaRPr lang="en-IL"/>
+            <a:endParaRPr lang="en-IL" dirty="0"/>
           </a:p>
         </p:txBody>
       </p:sp>
@@ -2115,7 +2115,7 @@
           <a:bodyPr/>
           <a:lstStyle/>
           <a:p>
-            <a:endParaRPr lang="en-IL"/>
+            <a:endParaRPr lang="en-IL" dirty="0"/>
           </a:p>
         </p:txBody>
       </p:sp>
@@ -2144,7 +2144,7 @@
               <a:rPr lang="en-IL" smtClean="0"/>
               <a:t>‹#›</a:t>
             </a:fld>
-            <a:endParaRPr lang="en-IL"/>
+            <a:endParaRPr lang="en-IL" dirty="0"/>
           </a:p>
         </p:txBody>
       </p:sp>
@@ -2403,7 +2403,7 @@
               <a:rPr lang="en-IL" smtClean="0"/>
               <a:t>16/08/2024</a:t>
             </a:fld>
-            <a:endParaRPr lang="en-IL"/>
+            <a:endParaRPr lang="en-IL" dirty="0"/>
           </a:p>
         </p:txBody>
       </p:sp>
@@ -2428,7 +2428,7 @@
           <a:bodyPr/>
           <a:lstStyle/>
           <a:p>
-            <a:endParaRPr lang="en-IL"/>
+            <a:endParaRPr lang="en-IL" dirty="0"/>
           </a:p>
         </p:txBody>
       </p:sp>
@@ -2457,7 +2457,7 @@
               <a:rPr lang="en-IL" smtClean="0"/>
               <a:t>‹#›</a:t>
             </a:fld>
-            <a:endParaRPr lang="en-IL"/>
+            <a:endParaRPr lang="en-IL" dirty="0"/>
           </a:p>
         </p:txBody>
       </p:sp>
@@ -2592,7 +2592,7 @@
             </a:lvl9pPr>
           </a:lstStyle>
           <a:p>
-            <a:endParaRPr lang="en-IL"/>
+            <a:endParaRPr lang="en-IL" dirty="0"/>
           </a:p>
         </p:txBody>
       </p:sp>
@@ -2692,7 +2692,7 @@
               <a:rPr lang="en-IL" smtClean="0"/>
               <a:t>16/08/2024</a:t>
             </a:fld>
-            <a:endParaRPr lang="en-IL"/>
+            <a:endParaRPr lang="en-IL" dirty="0"/>
           </a:p>
         </p:txBody>
       </p:sp>
@@ -2717,7 +2717,7 @@
           <a:bodyPr/>
           <a:lstStyle/>
           <a:p>
-            <a:endParaRPr lang="en-IL"/>
+            <a:endParaRPr lang="en-IL" dirty="0"/>
           </a:p>
         </p:txBody>
       </p:sp>
@@ -2746,7 +2746,7 @@
               <a:rPr lang="en-IL" smtClean="0"/>
               <a:t>‹#›</a:t>
             </a:fld>
-            <a:endParaRPr lang="en-IL"/>
+            <a:endParaRPr lang="en-IL" dirty="0"/>
           </a:p>
         </p:txBody>
       </p:sp>
@@ -2958,7 +2958,7 @@
               <a:rPr lang="en-IL" smtClean="0"/>
               <a:t>16/08/2024</a:t>
             </a:fld>
-            <a:endParaRPr lang="en-IL"/>
+            <a:endParaRPr lang="en-IL" dirty="0"/>
           </a:p>
         </p:txBody>
       </p:sp>
@@ -3001,7 +3001,7 @@
             </a:lvl1pPr>
           </a:lstStyle>
           <a:p>
-            <a:endParaRPr lang="en-IL"/>
+            <a:endParaRPr lang="en-IL" dirty="0"/>
           </a:p>
         </p:txBody>
       </p:sp>
@@ -3048,7 +3048,7 @@
               <a:rPr lang="en-IL" smtClean="0"/>
               <a:t>‹#›</a:t>
             </a:fld>
-            <a:endParaRPr lang="en-IL"/>
+            <a:endParaRPr lang="en-IL" dirty="0"/>
           </a:p>
         </p:txBody>
       </p:sp>
@@ -4236,7 +4236,7 @@
               <a:buChar char="•"/>
             </a:pPr>
             <a:r>
-              <a:rPr lang="en-US" sz="1200" dirty="0" err="1">
+              <a:rPr lang="en-US" sz="1200" dirty="0">
                 <a:ln w="0"/>
                 <a:solidFill>
                   <a:schemeClr val="accent1"/>
@@ -4252,20 +4252,6 @@
               </a:rPr>
               <a:t>setTimeout</a:t>
             </a:r>
-            <a:endParaRPr lang="en-US" sz="1200" dirty="0">
-              <a:ln w="0"/>
-              <a:solidFill>
-                <a:schemeClr val="accent1"/>
-              </a:solidFill>
-              <a:effectLst>
-                <a:outerShdw blurRad="38100" dist="25400" dir="5400000" algn="ctr" rotWithShape="0">
-                  <a:srgbClr val="6E747A">
-                    <a:alpha val="43000"/>
-                  </a:srgbClr>
-                </a:outerShdw>
-              </a:effectLst>
-              <a:latin typeface="Consolas" panose="020B0609020204030204" pitchFamily="49" charset="0"/>
-            </a:endParaRPr>
           </a:p>
           <a:p>
             <a:pPr marL="171450" indent="-171450">
@@ -4273,7 +4259,7 @@
               <a:buChar char="•"/>
             </a:pPr>
             <a:r>
-              <a:rPr lang="en-US" sz="1200" dirty="0" err="1">
+              <a:rPr lang="en-US" sz="1200" dirty="0">
                 <a:ln w="0"/>
                 <a:solidFill>
                   <a:schemeClr val="accent1"/>
@@ -4289,20 +4275,6 @@
               </a:rPr>
               <a:t>setInterval</a:t>
             </a:r>
-            <a:endParaRPr lang="en-US" sz="1200" dirty="0">
-              <a:ln w="0"/>
-              <a:solidFill>
-                <a:schemeClr val="accent1"/>
-              </a:solidFill>
-              <a:effectLst>
-                <a:outerShdw blurRad="38100" dist="25400" dir="5400000" algn="ctr" rotWithShape="0">
-                  <a:srgbClr val="6E747A">
-                    <a:alpha val="43000"/>
-                  </a:srgbClr>
-                </a:outerShdw>
-              </a:effectLst>
-              <a:latin typeface="Consolas" panose="020B0609020204030204" pitchFamily="49" charset="0"/>
-            </a:endParaRPr>
           </a:p>
           <a:p>
             <a:pPr marL="171450" indent="-171450">
@@ -4454,7 +4426,7 @@
               <a:buChar char="•"/>
             </a:pPr>
             <a:r>
-              <a:rPr lang="en-US" sz="1200" dirty="0" err="1">
+              <a:rPr lang="en-US" sz="1200" dirty="0">
                 <a:ln w="0"/>
                 <a:solidFill>
                   <a:schemeClr val="accent1"/>
@@ -4470,20 +4442,6 @@
               </a:rPr>
               <a:t>queueMicrotask</a:t>
             </a:r>
-            <a:endParaRPr lang="en-US" sz="1200" dirty="0">
-              <a:ln w="0"/>
-              <a:solidFill>
-                <a:schemeClr val="accent1"/>
-              </a:solidFill>
-              <a:effectLst>
-                <a:outerShdw blurRad="38100" dist="25400" dir="5400000" algn="ctr" rotWithShape="0">
-                  <a:srgbClr val="6E747A">
-                    <a:alpha val="43000"/>
-                  </a:srgbClr>
-                </a:outerShdw>
-              </a:effectLst>
-              <a:latin typeface="Consolas" panose="020B0609020204030204" pitchFamily="49" charset="0"/>
-            </a:endParaRPr>
           </a:p>
         </p:txBody>
       </p:sp>
@@ -4587,20 +4545,12 @@
           <a:p>
             <a:pPr algn="ctr"/>
             <a:r>
-              <a:rPr lang="en-US" dirty="0" err="1">
-                <a:solidFill>
-                  <a:schemeClr val="dk1"/>
-                </a:solidFill>
-              </a:rPr>
-              <a:t>Microasks</a:t>
-            </a:r>
-            <a:r>
               <a:rPr lang="en-US" dirty="0">
                 <a:solidFill>
                   <a:schemeClr val="dk1"/>
                 </a:solidFill>
               </a:rPr>
-              <a:t> Queue</a:t>
+              <a:t>Microtasks Queue</a:t>
             </a:r>
             <a:endParaRPr lang="en-IL" dirty="0">
               <a:solidFill>

--- a/slides/change detection.pptx
+++ b/slides/change detection.pptx
@@ -5,13 +5,13 @@
     <p:sldMasterId id="2147483648" r:id="rId1"/>
   </p:sldMasterIdLst>
   <p:sldIdLst>
-    <p:sldId id="257" r:id="rId2"/>
-    <p:sldId id="260" r:id="rId3"/>
-    <p:sldId id="258" r:id="rId4"/>
-    <p:sldId id="259" r:id="rId5"/>
+    <p:sldId id="261" r:id="rId2"/>
+    <p:sldId id="262" r:id="rId3"/>
+    <p:sldId id="257" r:id="rId4"/>
+    <p:sldId id="263" r:id="rId5"/>
   </p:sldIdLst>
   <p:sldSz cx="12192000" cy="6858000"/>
-  <p:notesSz cx="6858000" cy="9144000"/>
+  <p:notesSz cx="7104063" cy="10234613"/>
   <p:defaultTextStyle>
     <a:defPPr>
       <a:defRPr lang="en-IL"/>
@@ -264,7 +264,7 @@
           <a:p>
             <a:fld id="{873D9E86-A63A-4693-A7D3-428A1A32DFD1}" type="datetimeFigureOut">
               <a:rPr lang="en-IL" smtClean="0"/>
-              <a:t>16/08/2024</a:t>
+              <a:t>20/08/2024</a:t>
             </a:fld>
             <a:endParaRPr lang="en-IL" dirty="0"/>
           </a:p>
@@ -464,7 +464,7 @@
           <a:p>
             <a:fld id="{873D9E86-A63A-4693-A7D3-428A1A32DFD1}" type="datetimeFigureOut">
               <a:rPr lang="en-IL" smtClean="0"/>
-              <a:t>16/08/2024</a:t>
+              <a:t>20/08/2024</a:t>
             </a:fld>
             <a:endParaRPr lang="en-IL" dirty="0"/>
           </a:p>
@@ -674,7 +674,7 @@
           <a:p>
             <a:fld id="{873D9E86-A63A-4693-A7D3-428A1A32DFD1}" type="datetimeFigureOut">
               <a:rPr lang="en-IL" smtClean="0"/>
-              <a:t>16/08/2024</a:t>
+              <a:t>20/08/2024</a:t>
             </a:fld>
             <a:endParaRPr lang="en-IL" dirty="0"/>
           </a:p>
@@ -874,7 +874,7 @@
           <a:p>
             <a:fld id="{873D9E86-A63A-4693-A7D3-428A1A32DFD1}" type="datetimeFigureOut">
               <a:rPr lang="en-IL" smtClean="0"/>
-              <a:t>16/08/2024</a:t>
+              <a:t>20/08/2024</a:t>
             </a:fld>
             <a:endParaRPr lang="en-IL" dirty="0"/>
           </a:p>
@@ -1150,7 +1150,7 @@
           <a:p>
             <a:fld id="{873D9E86-A63A-4693-A7D3-428A1A32DFD1}" type="datetimeFigureOut">
               <a:rPr lang="en-IL" smtClean="0"/>
-              <a:t>16/08/2024</a:t>
+              <a:t>20/08/2024</a:t>
             </a:fld>
             <a:endParaRPr lang="en-IL" dirty="0"/>
           </a:p>
@@ -1418,7 +1418,7 @@
           <a:p>
             <a:fld id="{873D9E86-A63A-4693-A7D3-428A1A32DFD1}" type="datetimeFigureOut">
               <a:rPr lang="en-IL" smtClean="0"/>
-              <a:t>16/08/2024</a:t>
+              <a:t>20/08/2024</a:t>
             </a:fld>
             <a:endParaRPr lang="en-IL" dirty="0"/>
           </a:p>
@@ -1833,7 +1833,7 @@
           <a:p>
             <a:fld id="{873D9E86-A63A-4693-A7D3-428A1A32DFD1}" type="datetimeFigureOut">
               <a:rPr lang="en-IL" smtClean="0"/>
-              <a:t>16/08/2024</a:t>
+              <a:t>20/08/2024</a:t>
             </a:fld>
             <a:endParaRPr lang="en-IL" dirty="0"/>
           </a:p>
@@ -1975,7 +1975,7 @@
           <a:p>
             <a:fld id="{873D9E86-A63A-4693-A7D3-428A1A32DFD1}" type="datetimeFigureOut">
               <a:rPr lang="en-IL" smtClean="0"/>
-              <a:t>16/08/2024</a:t>
+              <a:t>20/08/2024</a:t>
             </a:fld>
             <a:endParaRPr lang="en-IL" dirty="0"/>
           </a:p>
@@ -2088,7 +2088,7 @@
           <a:p>
             <a:fld id="{873D9E86-A63A-4693-A7D3-428A1A32DFD1}" type="datetimeFigureOut">
               <a:rPr lang="en-IL" smtClean="0"/>
-              <a:t>16/08/2024</a:t>
+              <a:t>20/08/2024</a:t>
             </a:fld>
             <a:endParaRPr lang="en-IL" dirty="0"/>
           </a:p>
@@ -2401,7 +2401,7 @@
           <a:p>
             <a:fld id="{873D9E86-A63A-4693-A7D3-428A1A32DFD1}" type="datetimeFigureOut">
               <a:rPr lang="en-IL" smtClean="0"/>
-              <a:t>16/08/2024</a:t>
+              <a:t>20/08/2024</a:t>
             </a:fld>
             <a:endParaRPr lang="en-IL" dirty="0"/>
           </a:p>
@@ -2690,7 +2690,7 @@
           <a:p>
             <a:fld id="{873D9E86-A63A-4693-A7D3-428A1A32DFD1}" type="datetimeFigureOut">
               <a:rPr lang="en-IL" smtClean="0"/>
-              <a:t>16/08/2024</a:t>
+              <a:t>20/08/2024</a:t>
             </a:fld>
             <a:endParaRPr lang="en-IL" dirty="0"/>
           </a:p>
@@ -2956,7 +2956,7 @@
           <a:p>
             <a:fld id="{873D9E86-A63A-4693-A7D3-428A1A32DFD1}" type="datetimeFigureOut">
               <a:rPr lang="en-IL" smtClean="0"/>
-              <a:t>16/08/2024</a:t>
+              <a:t>20/08/2024</a:t>
             </a:fld>
             <a:endParaRPr lang="en-IL" dirty="0"/>
           </a:p>
@@ -3386,7 +3386,7 @@
           <p:cNvPr id="2" name="Title 1">
             <a:extLst>
               <a:ext uri="{FF2B5EF4-FFF2-40B4-BE49-F238E27FC236}">
-                <a16:creationId xmlns:a16="http://schemas.microsoft.com/office/drawing/2014/main" id="{AEFD01CA-F8B8-8EE2-8F3B-3FCDD57C2C0D}"/>
+                <a16:creationId xmlns:a16="http://schemas.microsoft.com/office/drawing/2014/main" id="{A297C4D9-47C6-E1A0-32CC-9D1BCA16F68D}"/>
               </a:ext>
             </a:extLst>
           </p:cNvPr>
@@ -3404,7 +3404,7 @@
           <a:p>
             <a:r>
               <a:rPr lang="en-US" dirty="0"/>
-              <a:t>Thread and Tasks</a:t>
+              <a:t>Change Detection – What does it do?</a:t>
             </a:r>
             <a:endParaRPr lang="en-IL" dirty="0"/>
           </a:p>
@@ -3412,10 +3412,406 @@
       </p:sp>
       <p:sp>
         <p:nvSpPr>
-          <p:cNvPr id="4" name="Rectangle 3">
-            <a:extLst>
-              <a:ext uri="{FF2B5EF4-FFF2-40B4-BE49-F238E27FC236}">
-                <a16:creationId xmlns:a16="http://schemas.microsoft.com/office/drawing/2014/main" id="{D3C270A1-FCB6-26FE-2FB8-EAF882BE5040}"/>
+          <p:cNvPr id="5" name="TextBox 4">
+            <a:extLst>
+              <a:ext uri="{FF2B5EF4-FFF2-40B4-BE49-F238E27FC236}">
+                <a16:creationId xmlns:a16="http://schemas.microsoft.com/office/drawing/2014/main" id="{DB354612-0613-EB6B-97E9-7E724D726608}"/>
+              </a:ext>
+            </a:extLst>
+          </p:cNvPr>
+          <p:cNvSpPr txBox="1"/>
+          <p:nvPr/>
+        </p:nvSpPr>
+        <p:spPr>
+          <a:xfrm>
+            <a:off x="958487" y="2075208"/>
+            <a:ext cx="6097088" cy="461665"/>
+          </a:xfrm>
+          <a:prstGeom prst="rect">
+            <a:avLst/>
+          </a:prstGeom>
+          <a:noFill/>
+        </p:spPr>
+        <p:txBody>
+          <a:bodyPr wrap="square">
+            <a:spAutoFit/>
+          </a:bodyPr>
+          <a:lstStyle/>
+          <a:p>
+            <a:r>
+              <a:rPr lang="en-US" sz="2400" b="0" dirty="0">
+                <a:solidFill>
+                  <a:srgbClr val="808080"/>
+                </a:solidFill>
+                <a:effectLst/>
+                <a:highlight>
+                  <a:srgbClr val="1E1E1E"/>
+                </a:highlight>
+                <a:latin typeface="Consolas" panose="020B0609020204030204" pitchFamily="49" charset="0"/>
+              </a:rPr>
+              <a:t>&lt;</a:t>
+            </a:r>
+            <a:r>
+              <a:rPr lang="en-US" sz="2400" b="0" dirty="0">
+                <a:solidFill>
+                  <a:srgbClr val="569CD6"/>
+                </a:solidFill>
+                <a:effectLst/>
+                <a:highlight>
+                  <a:srgbClr val="1E1E1E"/>
+                </a:highlight>
+                <a:latin typeface="Consolas" panose="020B0609020204030204" pitchFamily="49" charset="0"/>
+              </a:rPr>
+              <a:t>h1</a:t>
+            </a:r>
+            <a:r>
+              <a:rPr lang="en-US" sz="2400" b="0" dirty="0">
+                <a:solidFill>
+                  <a:srgbClr val="808080"/>
+                </a:solidFill>
+                <a:effectLst/>
+                <a:highlight>
+                  <a:srgbClr val="1E1E1E"/>
+                </a:highlight>
+                <a:latin typeface="Consolas" panose="020B0609020204030204" pitchFamily="49" charset="0"/>
+              </a:rPr>
+              <a:t>&gt;</a:t>
+            </a:r>
+            <a:r>
+              <a:rPr lang="en-US" sz="2400" b="0" dirty="0">
+                <a:solidFill>
+                  <a:srgbClr val="D4D4D4"/>
+                </a:solidFill>
+                <a:effectLst/>
+                <a:highlight>
+                  <a:srgbClr val="1E1E1E"/>
+                </a:highlight>
+                <a:latin typeface="Consolas" panose="020B0609020204030204" pitchFamily="49" charset="0"/>
+              </a:rPr>
+              <a:t>Counter = {{counter}}</a:t>
+            </a:r>
+            <a:r>
+              <a:rPr lang="en-US" sz="2400" b="0" dirty="0">
+                <a:solidFill>
+                  <a:srgbClr val="808080"/>
+                </a:solidFill>
+                <a:effectLst/>
+                <a:highlight>
+                  <a:srgbClr val="1E1E1E"/>
+                </a:highlight>
+                <a:latin typeface="Consolas" panose="020B0609020204030204" pitchFamily="49" charset="0"/>
+              </a:rPr>
+              <a:t>&lt;/</a:t>
+            </a:r>
+            <a:r>
+              <a:rPr lang="en-US" sz="2400" b="0" dirty="0">
+                <a:solidFill>
+                  <a:srgbClr val="569CD6"/>
+                </a:solidFill>
+                <a:effectLst/>
+                <a:highlight>
+                  <a:srgbClr val="1E1E1E"/>
+                </a:highlight>
+                <a:latin typeface="Consolas" panose="020B0609020204030204" pitchFamily="49" charset="0"/>
+              </a:rPr>
+              <a:t>h1</a:t>
+            </a:r>
+            <a:r>
+              <a:rPr lang="en-US" sz="2400" b="0" dirty="0">
+                <a:solidFill>
+                  <a:srgbClr val="808080"/>
+                </a:solidFill>
+                <a:effectLst/>
+                <a:highlight>
+                  <a:srgbClr val="1E1E1E"/>
+                </a:highlight>
+                <a:latin typeface="Consolas" panose="020B0609020204030204" pitchFamily="49" charset="0"/>
+              </a:rPr>
+              <a:t>&gt;</a:t>
+            </a:r>
+            <a:endParaRPr lang="en-US" sz="2400" b="0" dirty="0">
+              <a:solidFill>
+                <a:srgbClr val="D4D4D4"/>
+              </a:solidFill>
+              <a:effectLst/>
+              <a:highlight>
+                <a:srgbClr val="1E1E1E"/>
+              </a:highlight>
+              <a:latin typeface="Consolas" panose="020B0609020204030204" pitchFamily="49" charset="0"/>
+            </a:endParaRPr>
+          </a:p>
+        </p:txBody>
+      </p:sp>
+      <p:sp>
+        <p:nvSpPr>
+          <p:cNvPr id="8" name="TextBox 7">
+            <a:extLst>
+              <a:ext uri="{FF2B5EF4-FFF2-40B4-BE49-F238E27FC236}">
+                <a16:creationId xmlns:a16="http://schemas.microsoft.com/office/drawing/2014/main" id="{085BFC0D-564D-3F95-DBC8-CCC52FD8D750}"/>
+              </a:ext>
+            </a:extLst>
+          </p:cNvPr>
+          <p:cNvSpPr txBox="1"/>
+          <p:nvPr/>
+        </p:nvSpPr>
+        <p:spPr>
+          <a:xfrm>
+            <a:off x="958487" y="2921391"/>
+            <a:ext cx="6097088" cy="1754326"/>
+          </a:xfrm>
+          <a:prstGeom prst="rect">
+            <a:avLst/>
+          </a:prstGeom>
+          <a:noFill/>
+        </p:spPr>
+        <p:txBody>
+          <a:bodyPr wrap="square">
+            <a:spAutoFit/>
+          </a:bodyPr>
+          <a:lstStyle/>
+          <a:p>
+            <a:r>
+              <a:rPr lang="pt-BR" sz="2400" b="0" dirty="0">
+                <a:solidFill>
+                  <a:srgbClr val="569CD6"/>
+                </a:solidFill>
+                <a:effectLst/>
+                <a:highlight>
+                  <a:srgbClr val="1E1E1E"/>
+                </a:highlight>
+                <a:latin typeface="Consolas" panose="020B0609020204030204" pitchFamily="49" charset="0"/>
+              </a:rPr>
+              <a:t>@if</a:t>
+            </a:r>
+            <a:r>
+              <a:rPr lang="pt-BR" sz="2400" b="0" dirty="0">
+                <a:solidFill>
+                  <a:srgbClr val="D4D4D4"/>
+                </a:solidFill>
+                <a:effectLst/>
+                <a:highlight>
+                  <a:srgbClr val="1E1E1E"/>
+                </a:highlight>
+                <a:latin typeface="Consolas" panose="020B0609020204030204" pitchFamily="49" charset="0"/>
+              </a:rPr>
+              <a:t>(counter % </a:t>
+            </a:r>
+            <a:r>
+              <a:rPr lang="pt-BR" sz="2400" b="0" dirty="0">
+                <a:solidFill>
+                  <a:srgbClr val="B5CEA8"/>
+                </a:solidFill>
+                <a:effectLst/>
+                <a:highlight>
+                  <a:srgbClr val="1E1E1E"/>
+                </a:highlight>
+                <a:latin typeface="Consolas" panose="020B0609020204030204" pitchFamily="49" charset="0"/>
+              </a:rPr>
+              <a:t>2</a:t>
+            </a:r>
+            <a:r>
+              <a:rPr lang="pt-BR" sz="2400" b="0" dirty="0">
+                <a:solidFill>
+                  <a:srgbClr val="D4D4D4"/>
+                </a:solidFill>
+                <a:effectLst/>
+                <a:highlight>
+                  <a:srgbClr val="1E1E1E"/>
+                </a:highlight>
+                <a:latin typeface="Consolas" panose="020B0609020204030204" pitchFamily="49" charset="0"/>
+              </a:rPr>
+              <a:t> === </a:t>
+            </a:r>
+            <a:r>
+              <a:rPr lang="pt-BR" sz="2400" b="0" dirty="0">
+                <a:solidFill>
+                  <a:srgbClr val="B5CEA8"/>
+                </a:solidFill>
+                <a:effectLst/>
+                <a:highlight>
+                  <a:srgbClr val="1E1E1E"/>
+                </a:highlight>
+                <a:latin typeface="Consolas" panose="020B0609020204030204" pitchFamily="49" charset="0"/>
+              </a:rPr>
+              <a:t>0</a:t>
+            </a:r>
+            <a:r>
+              <a:rPr lang="pt-BR" sz="2400" b="0" dirty="0">
+                <a:solidFill>
+                  <a:srgbClr val="D4D4D4"/>
+                </a:solidFill>
+                <a:effectLst/>
+                <a:highlight>
+                  <a:srgbClr val="1E1E1E"/>
+                </a:highlight>
+                <a:latin typeface="Consolas" panose="020B0609020204030204" pitchFamily="49" charset="0"/>
+              </a:rPr>
+              <a:t>) {</a:t>
+            </a:r>
+          </a:p>
+          <a:p>
+            <a:r>
+              <a:rPr lang="pt-BR" sz="2400" b="0" dirty="0">
+                <a:solidFill>
+                  <a:srgbClr val="D4D4D4"/>
+                </a:solidFill>
+                <a:effectLst/>
+                <a:highlight>
+                  <a:srgbClr val="1E1E1E"/>
+                </a:highlight>
+                <a:latin typeface="Consolas" panose="020B0609020204030204" pitchFamily="49" charset="0"/>
+              </a:rPr>
+              <a:t>    </a:t>
+            </a:r>
+            <a:r>
+              <a:rPr lang="pt-BR" sz="2400" b="0" dirty="0">
+                <a:solidFill>
+                  <a:srgbClr val="808080"/>
+                </a:solidFill>
+                <a:effectLst/>
+                <a:highlight>
+                  <a:srgbClr val="1E1E1E"/>
+                </a:highlight>
+                <a:latin typeface="Consolas" panose="020B0609020204030204" pitchFamily="49" charset="0"/>
+              </a:rPr>
+              <a:t>&lt;</a:t>
+            </a:r>
+            <a:r>
+              <a:rPr lang="pt-BR" sz="2400" b="0" dirty="0">
+                <a:solidFill>
+                  <a:srgbClr val="569CD6"/>
+                </a:solidFill>
+                <a:effectLst/>
+                <a:highlight>
+                  <a:srgbClr val="1E1E1E"/>
+                </a:highlight>
+                <a:latin typeface="Consolas" panose="020B0609020204030204" pitchFamily="49" charset="0"/>
+              </a:rPr>
+              <a:t>h2</a:t>
+            </a:r>
+            <a:r>
+              <a:rPr lang="pt-BR" sz="2400" b="0" dirty="0">
+                <a:solidFill>
+                  <a:srgbClr val="808080"/>
+                </a:solidFill>
+                <a:effectLst/>
+                <a:highlight>
+                  <a:srgbClr val="1E1E1E"/>
+                </a:highlight>
+                <a:latin typeface="Consolas" panose="020B0609020204030204" pitchFamily="49" charset="0"/>
+              </a:rPr>
+              <a:t>&gt;</a:t>
+            </a:r>
+            <a:r>
+              <a:rPr lang="pt-BR" sz="2400" b="0" dirty="0">
+                <a:solidFill>
+                  <a:srgbClr val="D4D4D4"/>
+                </a:solidFill>
+                <a:effectLst/>
+                <a:highlight>
+                  <a:srgbClr val="1E1E1E"/>
+                </a:highlight>
+                <a:latin typeface="Consolas" panose="020B0609020204030204" pitchFamily="49" charset="0"/>
+              </a:rPr>
+              <a:t>Even</a:t>
+            </a:r>
+            <a:r>
+              <a:rPr lang="pt-BR" sz="2400" b="0" dirty="0">
+                <a:solidFill>
+                  <a:srgbClr val="808080"/>
+                </a:solidFill>
+                <a:effectLst/>
+                <a:highlight>
+                  <a:srgbClr val="1E1E1E"/>
+                </a:highlight>
+                <a:latin typeface="Consolas" panose="020B0609020204030204" pitchFamily="49" charset="0"/>
+              </a:rPr>
+              <a:t>&lt;/</a:t>
+            </a:r>
+            <a:r>
+              <a:rPr lang="pt-BR" sz="2400" b="0" dirty="0">
+                <a:solidFill>
+                  <a:srgbClr val="569CD6"/>
+                </a:solidFill>
+                <a:effectLst/>
+                <a:highlight>
+                  <a:srgbClr val="1E1E1E"/>
+                </a:highlight>
+                <a:latin typeface="Consolas" panose="020B0609020204030204" pitchFamily="49" charset="0"/>
+              </a:rPr>
+              <a:t>h2</a:t>
+            </a:r>
+            <a:r>
+              <a:rPr lang="pt-BR" sz="2400" b="0" dirty="0">
+                <a:solidFill>
+                  <a:srgbClr val="808080"/>
+                </a:solidFill>
+                <a:effectLst/>
+                <a:highlight>
+                  <a:srgbClr val="1E1E1E"/>
+                </a:highlight>
+                <a:latin typeface="Consolas" panose="020B0609020204030204" pitchFamily="49" charset="0"/>
+              </a:rPr>
+              <a:t>&gt;</a:t>
+            </a:r>
+            <a:endParaRPr lang="pt-BR" sz="2400" b="0" dirty="0">
+              <a:solidFill>
+                <a:srgbClr val="D4D4D4"/>
+              </a:solidFill>
+              <a:effectLst/>
+              <a:highlight>
+                <a:srgbClr val="1E1E1E"/>
+              </a:highlight>
+              <a:latin typeface="Consolas" panose="020B0609020204030204" pitchFamily="49" charset="0"/>
+            </a:endParaRPr>
+          </a:p>
+          <a:p>
+            <a:r>
+              <a:rPr lang="pt-BR" sz="2400" b="0" dirty="0">
+                <a:solidFill>
+                  <a:srgbClr val="D4D4D4"/>
+                </a:solidFill>
+                <a:effectLst/>
+                <a:highlight>
+                  <a:srgbClr val="1E1E1E"/>
+                </a:highlight>
+                <a:latin typeface="Consolas" panose="020B0609020204030204" pitchFamily="49" charset="0"/>
+              </a:rPr>
+              <a:t>}</a:t>
+            </a:r>
+          </a:p>
+          <a:p>
+            <a:br>
+              <a:rPr lang="pt-BR" b="0" dirty="0">
+                <a:solidFill>
+                  <a:srgbClr val="D4D4D4"/>
+                </a:solidFill>
+                <a:effectLst/>
+                <a:highlight>
+                  <a:srgbClr val="1E1E1E"/>
+                </a:highlight>
+                <a:latin typeface="Consolas" panose="020B0609020204030204" pitchFamily="49" charset="0"/>
+              </a:rPr>
+            </a:br>
+            <a:endParaRPr lang="pt-BR" b="0" dirty="0">
+              <a:solidFill>
+                <a:srgbClr val="D4D4D4"/>
+              </a:solidFill>
+              <a:effectLst/>
+              <a:highlight>
+                <a:srgbClr val="1E1E1E"/>
+              </a:highlight>
+              <a:latin typeface="Consolas" panose="020B0609020204030204" pitchFamily="49" charset="0"/>
+            </a:endParaRPr>
+          </a:p>
+        </p:txBody>
+      </p:sp>
+      <p:sp>
+        <p:nvSpPr>
+          <p:cNvPr id="9" name="Oval 8">
+            <a:extLst>
+              <a:ext uri="{FF2B5EF4-FFF2-40B4-BE49-F238E27FC236}">
+                <a16:creationId xmlns:a16="http://schemas.microsoft.com/office/drawing/2014/main" id="{B87EEFB2-1A73-D45F-4BE1-501F35445E27}"/>
               </a:ext>
             </a:extLst>
           </p:cNvPr>
@@ -3424,8 +3820,255 @@
         </p:nvSpPr>
         <p:spPr>
           <a:xfrm>
-            <a:off x="2818547" y="2505075"/>
-            <a:ext cx="1293017" cy="2305050"/>
+            <a:off x="3331029" y="1907623"/>
+            <a:ext cx="1998617" cy="796834"/>
+          </a:xfrm>
+          <a:prstGeom prst="ellipse">
+            <a:avLst/>
+          </a:prstGeom>
+          <a:noFill/>
+          <a:ln w="76200" cap="flat" cmpd="sng" algn="ctr">
+            <a:solidFill>
+              <a:schemeClr val="accent2">
+                <a:alpha val="66000"/>
+              </a:schemeClr>
+            </a:solidFill>
+            <a:prstDash val="solid"/>
+            <a:round/>
+            <a:headEnd type="none" w="med" len="med"/>
+            <a:tailEnd type="none" w="med" len="med"/>
+          </a:ln>
+        </p:spPr>
+        <p:style>
+          <a:lnRef idx="0">
+            <a:scrgbClr r="0" g="0" b="0"/>
+          </a:lnRef>
+          <a:fillRef idx="0">
+            <a:scrgbClr r="0" g="0" b="0"/>
+          </a:fillRef>
+          <a:effectRef idx="0">
+            <a:scrgbClr r="0" g="0" b="0"/>
+          </a:effectRef>
+          <a:fontRef idx="minor">
+            <a:schemeClr val="accent2"/>
+          </a:fontRef>
+        </p:style>
+        <p:txBody>
+          <a:bodyPr rtlCol="0" anchor="ctr"/>
+          <a:lstStyle/>
+          <a:p>
+            <a:pPr algn="ctr"/>
+            <a:endParaRPr lang="en-IL"/>
+          </a:p>
+        </p:txBody>
+      </p:sp>
+      <p:sp>
+        <p:nvSpPr>
+          <p:cNvPr id="10" name="Oval 9">
+            <a:extLst>
+              <a:ext uri="{FF2B5EF4-FFF2-40B4-BE49-F238E27FC236}">
+                <a16:creationId xmlns:a16="http://schemas.microsoft.com/office/drawing/2014/main" id="{DA92F5B2-C106-1F2D-676D-8F16807F5FA9}"/>
+              </a:ext>
+            </a:extLst>
+          </p:cNvPr>
+          <p:cNvSpPr/>
+          <p:nvPr/>
+        </p:nvSpPr>
+        <p:spPr>
+          <a:xfrm>
+            <a:off x="1550126" y="2753807"/>
+            <a:ext cx="3381103" cy="796834"/>
+          </a:xfrm>
+          <a:prstGeom prst="ellipse">
+            <a:avLst/>
+          </a:prstGeom>
+          <a:noFill/>
+          <a:ln w="76200" cap="flat" cmpd="sng" algn="ctr">
+            <a:solidFill>
+              <a:schemeClr val="accent2">
+                <a:alpha val="66000"/>
+              </a:schemeClr>
+            </a:solidFill>
+            <a:prstDash val="solid"/>
+            <a:round/>
+            <a:headEnd type="none" w="med" len="med"/>
+            <a:tailEnd type="none" w="med" len="med"/>
+          </a:ln>
+        </p:spPr>
+        <p:style>
+          <a:lnRef idx="0">
+            <a:scrgbClr r="0" g="0" b="0"/>
+          </a:lnRef>
+          <a:fillRef idx="0">
+            <a:scrgbClr r="0" g="0" b="0"/>
+          </a:fillRef>
+          <a:effectRef idx="0">
+            <a:scrgbClr r="0" g="0" b="0"/>
+          </a:effectRef>
+          <a:fontRef idx="minor">
+            <a:schemeClr val="accent2"/>
+          </a:fontRef>
+        </p:style>
+        <p:txBody>
+          <a:bodyPr rtlCol="0" anchor="ctr"/>
+          <a:lstStyle/>
+          <a:p>
+            <a:pPr algn="ctr"/>
+            <a:endParaRPr lang="en-IL"/>
+          </a:p>
+        </p:txBody>
+      </p:sp>
+      <p:sp>
+        <p:nvSpPr>
+          <p:cNvPr id="11" name="TextBox 10">
+            <a:extLst>
+              <a:ext uri="{FF2B5EF4-FFF2-40B4-BE49-F238E27FC236}">
+                <a16:creationId xmlns:a16="http://schemas.microsoft.com/office/drawing/2014/main" id="{4A71F278-4B97-7AC8-73E6-CEB5783AE691}"/>
+              </a:ext>
+            </a:extLst>
+          </p:cNvPr>
+          <p:cNvSpPr txBox="1"/>
+          <p:nvPr/>
+        </p:nvSpPr>
+        <p:spPr>
+          <a:xfrm>
+            <a:off x="6708971" y="2586513"/>
+            <a:ext cx="3932903" cy="369332"/>
+          </a:xfrm>
+          <a:prstGeom prst="rect">
+            <a:avLst/>
+          </a:prstGeom>
+        </p:spPr>
+        <p:style>
+          <a:lnRef idx="1">
+            <a:schemeClr val="accent2"/>
+          </a:lnRef>
+          <a:fillRef idx="2">
+            <a:schemeClr val="accent2"/>
+          </a:fillRef>
+          <a:effectRef idx="1">
+            <a:schemeClr val="accent2"/>
+          </a:effectRef>
+          <a:fontRef idx="minor">
+            <a:schemeClr val="dk1"/>
+          </a:fontRef>
+        </p:style>
+        <p:txBody>
+          <a:bodyPr wrap="square" rtlCol="0">
+            <a:spAutoFit/>
+          </a:bodyPr>
+          <a:lstStyle/>
+          <a:p>
+            <a:r>
+              <a:rPr lang="en-US" dirty="0"/>
+              <a:t>Binding Expressions</a:t>
+            </a:r>
+            <a:endParaRPr lang="en-IL" dirty="0"/>
+          </a:p>
+        </p:txBody>
+      </p:sp>
+      <p:cxnSp>
+        <p:nvCxnSpPr>
+          <p:cNvPr id="13" name="Connector: Elbow 12">
+            <a:extLst>
+              <a:ext uri="{FF2B5EF4-FFF2-40B4-BE49-F238E27FC236}">
+                <a16:creationId xmlns:a16="http://schemas.microsoft.com/office/drawing/2014/main" id="{0A43A3CF-E8AE-C5D9-C71C-146008C5BB0A}"/>
+              </a:ext>
+            </a:extLst>
+          </p:cNvPr>
+          <p:cNvCxnSpPr>
+            <a:cxnSpLocks/>
+            <a:stCxn id="11" idx="1"/>
+            <a:endCxn id="9" idx="5"/>
+          </p:cNvCxnSpPr>
+          <p:nvPr/>
+        </p:nvCxnSpPr>
+        <p:spPr>
+          <a:xfrm rot="10800000">
+            <a:off x="5036955" y="2587763"/>
+            <a:ext cx="1672016" cy="183416"/>
+          </a:xfrm>
+          <a:prstGeom prst="bentConnector2">
+            <a:avLst/>
+          </a:prstGeom>
+          <a:ln>
+            <a:tailEnd type="triangle"/>
+          </a:ln>
+        </p:spPr>
+        <p:style>
+          <a:lnRef idx="2">
+            <a:schemeClr val="accent2"/>
+          </a:lnRef>
+          <a:fillRef idx="0">
+            <a:schemeClr val="accent2"/>
+          </a:fillRef>
+          <a:effectRef idx="1">
+            <a:schemeClr val="accent2"/>
+          </a:effectRef>
+          <a:fontRef idx="minor">
+            <a:schemeClr val="tx1"/>
+          </a:fontRef>
+        </p:style>
+      </p:cxnSp>
+      <p:cxnSp>
+        <p:nvCxnSpPr>
+          <p:cNvPr id="15" name="Connector: Elbow 14">
+            <a:extLst>
+              <a:ext uri="{FF2B5EF4-FFF2-40B4-BE49-F238E27FC236}">
+                <a16:creationId xmlns:a16="http://schemas.microsoft.com/office/drawing/2014/main" id="{1BB73B91-9800-54FB-06BA-D34D6E439678}"/>
+              </a:ext>
+            </a:extLst>
+          </p:cNvPr>
+          <p:cNvCxnSpPr>
+            <a:cxnSpLocks/>
+            <a:stCxn id="11" idx="1"/>
+            <a:endCxn id="10" idx="6"/>
+          </p:cNvCxnSpPr>
+          <p:nvPr/>
+        </p:nvCxnSpPr>
+        <p:spPr>
+          <a:xfrm rot="10800000" flipV="1">
+            <a:off x="4931229" y="2771178"/>
+            <a:ext cx="1777742" cy="381045"/>
+          </a:xfrm>
+          <a:prstGeom prst="bentConnector3">
+            <a:avLst/>
+          </a:prstGeom>
+          <a:ln>
+            <a:tailEnd type="triangle"/>
+          </a:ln>
+        </p:spPr>
+        <p:style>
+          <a:lnRef idx="2">
+            <a:schemeClr val="accent2"/>
+          </a:lnRef>
+          <a:fillRef idx="0">
+            <a:schemeClr val="accent2"/>
+          </a:fillRef>
+          <a:effectRef idx="1">
+            <a:schemeClr val="accent2"/>
+          </a:effectRef>
+          <a:fontRef idx="minor">
+            <a:schemeClr val="tx1"/>
+          </a:fontRef>
+        </p:style>
+      </p:cxnSp>
+      <p:sp>
+        <p:nvSpPr>
+          <p:cNvPr id="16" name="TextBox 15">
+            <a:extLst>
+              <a:ext uri="{FF2B5EF4-FFF2-40B4-BE49-F238E27FC236}">
+                <a16:creationId xmlns:a16="http://schemas.microsoft.com/office/drawing/2014/main" id="{15308FDD-9976-EE20-D7B3-E204B7D5C8B5}"/>
+              </a:ext>
+            </a:extLst>
+          </p:cNvPr>
+          <p:cNvSpPr txBox="1"/>
+          <p:nvPr/>
+        </p:nvSpPr>
+        <p:spPr>
+          <a:xfrm>
+            <a:off x="5889521" y="3902893"/>
+            <a:ext cx="5464279" cy="1323439"/>
           </a:xfrm>
           <a:prstGeom prst="rect">
             <a:avLst/>
@@ -3433,326 +4076,98 @@
         </p:spPr>
         <p:style>
           <a:lnRef idx="2">
-            <a:schemeClr val="dk1"/>
+            <a:schemeClr val="accent2"/>
           </a:lnRef>
           <a:fillRef idx="1">
             <a:schemeClr val="lt1"/>
           </a:fillRef>
           <a:effectRef idx="0">
-            <a:schemeClr val="dk1"/>
+            <a:schemeClr val="accent2"/>
           </a:effectRef>
           <a:fontRef idx="minor">
             <a:schemeClr val="dk1"/>
           </a:fontRef>
         </p:style>
         <p:txBody>
-          <a:bodyPr rtlCol="0" anchor="b"/>
-          <a:lstStyle/>
-          <a:p>
-            <a:pPr algn="ctr"/>
-            <a:r>
-              <a:rPr lang="en-US" dirty="0">
+          <a:bodyPr wrap="square" rtlCol="0">
+            <a:spAutoFit/>
+          </a:bodyPr>
+          <a:lstStyle/>
+          <a:p>
+            <a:pPr marL="285750" indent="-285750">
+              <a:buFont typeface="Arial" panose="020B0604020202020204" pitchFamily="34" charset="0"/>
+              <a:buChar char="•"/>
+            </a:pPr>
+            <a:r>
+              <a:rPr lang="en-US" sz="2000" dirty="0"/>
+              <a:t>Compare </a:t>
+            </a:r>
+            <a:r>
+              <a:rPr lang="en-US" sz="2000" b="1" dirty="0">
                 <a:solidFill>
-                  <a:schemeClr val="dk1"/>
+                  <a:schemeClr val="accent2"/>
                 </a:solidFill>
               </a:rPr>
-              <a:t>Tasks Queue</a:t>
-            </a:r>
-            <a:endParaRPr lang="en-IL" dirty="0">
+              <a:t>current</a:t>
+            </a:r>
+            <a:r>
+              <a:rPr lang="en-US" sz="2000" dirty="0"/>
+              <a:t> and the </a:t>
+            </a:r>
+            <a:r>
+              <a:rPr lang="en-US" sz="2000" b="1" dirty="0">
+                <a:solidFill>
+                  <a:schemeClr val="accent2"/>
+                </a:solidFill>
+              </a:rPr>
+              <a:t>previous</a:t>
+            </a:r>
+            <a:r>
+              <a:rPr lang="en-US" sz="2000" dirty="0"/>
+              <a:t> value of the binding expressions</a:t>
+            </a:r>
+          </a:p>
+          <a:p>
+            <a:pPr marL="285750" indent="-285750">
+              <a:buFont typeface="Arial" panose="020B0604020202020204" pitchFamily="34" charset="0"/>
+              <a:buChar char="•"/>
+            </a:pPr>
+            <a:r>
+              <a:rPr lang="en-US" sz="2000" dirty="0"/>
+              <a:t>If </a:t>
+            </a:r>
+            <a:r>
+              <a:rPr lang="en-US" sz="2000" b="1" dirty="0">
+                <a:solidFill>
+                  <a:schemeClr val="accent2"/>
+                </a:solidFill>
+              </a:rPr>
+              <a:t>changed</a:t>
+            </a:r>
+            <a:r>
+              <a:rPr lang="en-US" sz="2000" dirty="0"/>
+              <a:t>, update the proper place in the </a:t>
+            </a:r>
+            <a:r>
+              <a:rPr lang="en-US" sz="2000" b="1" dirty="0">
+                <a:solidFill>
+                  <a:schemeClr val="accent2"/>
+                </a:solidFill>
+              </a:rPr>
+              <a:t>DOM</a:t>
+            </a:r>
+            <a:endParaRPr lang="en-IL" sz="2000" b="1" dirty="0">
               <a:solidFill>
-                <a:schemeClr val="dk1"/>
+                <a:schemeClr val="accent2"/>
               </a:solidFill>
             </a:endParaRPr>
-          </a:p>
-        </p:txBody>
-      </p:sp>
-      <p:sp>
-        <p:nvSpPr>
-          <p:cNvPr id="6" name="Rectangle: Rounded Corners 5">
-            <a:extLst>
-              <a:ext uri="{FF2B5EF4-FFF2-40B4-BE49-F238E27FC236}">
-                <a16:creationId xmlns:a16="http://schemas.microsoft.com/office/drawing/2014/main" id="{4FE7DAB3-DE91-5AB5-B9AF-75B46A9FECBA}"/>
-              </a:ext>
-            </a:extLst>
-          </p:cNvPr>
-          <p:cNvSpPr/>
-          <p:nvPr/>
-        </p:nvSpPr>
-        <p:spPr>
-          <a:xfrm>
-            <a:off x="2928084" y="2705100"/>
-            <a:ext cx="1057276" cy="457200"/>
-          </a:xfrm>
-          <a:prstGeom prst="roundRect">
-            <a:avLst/>
-          </a:prstGeom>
-        </p:spPr>
-        <p:style>
-          <a:lnRef idx="2">
-            <a:schemeClr val="accent1">
-              <a:shade val="15000"/>
-            </a:schemeClr>
-          </a:lnRef>
-          <a:fillRef idx="1">
-            <a:schemeClr val="accent1"/>
-          </a:fillRef>
-          <a:effectRef idx="0">
-            <a:schemeClr val="accent1"/>
-          </a:effectRef>
-          <a:fontRef idx="minor">
-            <a:schemeClr val="lt1"/>
-          </a:fontRef>
-        </p:style>
-        <p:txBody>
-          <a:bodyPr rtlCol="0" anchor="ctr"/>
-          <a:lstStyle/>
-          <a:p>
-            <a:pPr algn="ctr"/>
-            <a:r>
-              <a:rPr lang="en-US" dirty="0"/>
-              <a:t>function</a:t>
-            </a:r>
-            <a:endParaRPr lang="en-IL" dirty="0"/>
-          </a:p>
-        </p:txBody>
-      </p:sp>
-      <p:sp>
-        <p:nvSpPr>
-          <p:cNvPr id="8" name="Rectangle: Rounded Corners 7">
-            <a:extLst>
-              <a:ext uri="{FF2B5EF4-FFF2-40B4-BE49-F238E27FC236}">
-                <a16:creationId xmlns:a16="http://schemas.microsoft.com/office/drawing/2014/main" id="{58D5E73B-C053-E5C5-FCC3-438FB73D12B4}"/>
-              </a:ext>
-            </a:extLst>
-          </p:cNvPr>
-          <p:cNvSpPr/>
-          <p:nvPr/>
-        </p:nvSpPr>
-        <p:spPr>
-          <a:xfrm>
-            <a:off x="2928084" y="3309937"/>
-            <a:ext cx="1057276" cy="457200"/>
-          </a:xfrm>
-          <a:prstGeom prst="roundRect">
-            <a:avLst/>
-          </a:prstGeom>
-        </p:spPr>
-        <p:style>
-          <a:lnRef idx="2">
-            <a:schemeClr val="accent1">
-              <a:shade val="15000"/>
-            </a:schemeClr>
-          </a:lnRef>
-          <a:fillRef idx="1">
-            <a:schemeClr val="accent1"/>
-          </a:fillRef>
-          <a:effectRef idx="0">
-            <a:schemeClr val="accent1"/>
-          </a:effectRef>
-          <a:fontRef idx="minor">
-            <a:schemeClr val="lt1"/>
-          </a:fontRef>
-        </p:style>
-        <p:txBody>
-          <a:bodyPr rtlCol="0" anchor="ctr"/>
-          <a:lstStyle/>
-          <a:p>
-            <a:pPr algn="ctr"/>
-            <a:r>
-              <a:rPr lang="en-US" dirty="0"/>
-              <a:t>function</a:t>
-            </a:r>
-            <a:endParaRPr lang="en-IL" dirty="0"/>
-          </a:p>
-        </p:txBody>
-      </p:sp>
-      <p:grpSp>
-        <p:nvGrpSpPr>
-          <p:cNvPr id="14" name="Group 13">
-            <a:extLst>
-              <a:ext uri="{FF2B5EF4-FFF2-40B4-BE49-F238E27FC236}">
-                <a16:creationId xmlns:a16="http://schemas.microsoft.com/office/drawing/2014/main" id="{BEA6FA22-1559-2FB8-ACB4-A33DBF5293D7}"/>
-              </a:ext>
-            </a:extLst>
-          </p:cNvPr>
-          <p:cNvGrpSpPr/>
-          <p:nvPr/>
-        </p:nvGrpSpPr>
-        <p:grpSpPr>
-          <a:xfrm>
-            <a:off x="4486276" y="2247900"/>
-            <a:ext cx="6553199" cy="533400"/>
-            <a:chOff x="3171826" y="3276600"/>
-            <a:chExt cx="6715125" cy="533400"/>
-          </a:xfrm>
-        </p:grpSpPr>
-        <p:sp>
-          <p:nvSpPr>
-            <p:cNvPr id="12" name="Cylinder 11">
-              <a:extLst>
-                <a:ext uri="{FF2B5EF4-FFF2-40B4-BE49-F238E27FC236}">
-                  <a16:creationId xmlns:a16="http://schemas.microsoft.com/office/drawing/2014/main" id="{EAD362C3-E0FA-6B12-A1F4-6B33EFAB54A3}"/>
-                </a:ext>
-              </a:extLst>
-            </p:cNvPr>
-            <p:cNvSpPr/>
-            <p:nvPr/>
-          </p:nvSpPr>
-          <p:spPr>
-            <a:xfrm rot="5400000">
-              <a:off x="6262689" y="185737"/>
-              <a:ext cx="533400" cy="6715125"/>
-            </a:xfrm>
-            <a:prstGeom prst="can">
-              <a:avLst>
-                <a:gd name="adj" fmla="val 39531"/>
-              </a:avLst>
-            </a:prstGeom>
-          </p:spPr>
-          <p:style>
-            <a:lnRef idx="1">
-              <a:schemeClr val="accent1"/>
-            </a:lnRef>
-            <a:fillRef idx="2">
-              <a:schemeClr val="accent1"/>
-            </a:fillRef>
-            <a:effectRef idx="1">
-              <a:schemeClr val="accent1"/>
-            </a:effectRef>
-            <a:fontRef idx="minor">
-              <a:schemeClr val="dk1"/>
-            </a:fontRef>
-          </p:style>
-          <p:txBody>
-            <a:bodyPr rtlCol="0" anchor="ctr"/>
-            <a:lstStyle/>
-            <a:p>
-              <a:pPr algn="ctr"/>
-              <a:endParaRPr lang="en-IL" dirty="0"/>
-            </a:p>
-          </p:txBody>
-        </p:sp>
-        <p:sp>
-          <p:nvSpPr>
-            <p:cNvPr id="13" name="Rectangle 12">
-              <a:extLst>
-                <a:ext uri="{FF2B5EF4-FFF2-40B4-BE49-F238E27FC236}">
-                  <a16:creationId xmlns:a16="http://schemas.microsoft.com/office/drawing/2014/main" id="{4885C1BD-FEB1-F6AC-94B1-6B7375AC94E1}"/>
-                </a:ext>
-              </a:extLst>
-            </p:cNvPr>
-            <p:cNvSpPr/>
-            <p:nvPr/>
-          </p:nvSpPr>
-          <p:spPr>
-            <a:xfrm>
-              <a:off x="5819775" y="3352800"/>
-              <a:ext cx="1485900" cy="352425"/>
-            </a:xfrm>
-            <a:prstGeom prst="rect">
-              <a:avLst/>
-            </a:prstGeom>
-            <a:noFill/>
-            <a:ln>
-              <a:noFill/>
-            </a:ln>
-          </p:spPr>
-          <p:style>
-            <a:lnRef idx="2">
-              <a:schemeClr val="accent1">
-                <a:shade val="15000"/>
-              </a:schemeClr>
-            </a:lnRef>
-            <a:fillRef idx="1">
-              <a:schemeClr val="accent1"/>
-            </a:fillRef>
-            <a:effectRef idx="0">
-              <a:schemeClr val="accent1"/>
-            </a:effectRef>
-            <a:fontRef idx="minor">
-              <a:schemeClr val="lt1"/>
-            </a:fontRef>
-          </p:style>
-          <p:txBody>
-            <a:bodyPr rtlCol="0" anchor="ctr"/>
-            <a:lstStyle/>
-            <a:p>
-              <a:pPr algn="ctr"/>
-              <a:r>
-                <a:rPr lang="en-US" dirty="0">
-                  <a:solidFill>
-                    <a:schemeClr val="accent1">
-                      <a:lumMod val="75000"/>
-                    </a:schemeClr>
-                  </a:solidFill>
-                </a:rPr>
-                <a:t>Thread</a:t>
-              </a:r>
-              <a:endParaRPr lang="en-IL" dirty="0">
-                <a:solidFill>
-                  <a:schemeClr val="accent1">
-                    <a:lumMod val="75000"/>
-                  </a:schemeClr>
-                </a:solidFill>
-              </a:endParaRPr>
-            </a:p>
-          </p:txBody>
-        </p:sp>
-      </p:grpSp>
-      <p:sp>
-        <p:nvSpPr>
-          <p:cNvPr id="3" name="Rectangle: Rounded Corners 2">
-            <a:extLst>
-              <a:ext uri="{FF2B5EF4-FFF2-40B4-BE49-F238E27FC236}">
-                <a16:creationId xmlns:a16="http://schemas.microsoft.com/office/drawing/2014/main" id="{A4290B72-3338-F5F6-7A61-815874A373F9}"/>
-              </a:ext>
-            </a:extLst>
-          </p:cNvPr>
-          <p:cNvSpPr/>
-          <p:nvPr/>
-        </p:nvSpPr>
-        <p:spPr>
-          <a:xfrm>
-            <a:off x="6167023" y="2285999"/>
-            <a:ext cx="1057276" cy="457200"/>
-          </a:xfrm>
-          <a:prstGeom prst="roundRect">
-            <a:avLst/>
-          </a:prstGeom>
-        </p:spPr>
-        <p:style>
-          <a:lnRef idx="2">
-            <a:schemeClr val="accent1">
-              <a:shade val="15000"/>
-            </a:schemeClr>
-          </a:lnRef>
-          <a:fillRef idx="1">
-            <a:schemeClr val="accent1"/>
-          </a:fillRef>
-          <a:effectRef idx="0">
-            <a:schemeClr val="accent1"/>
-          </a:effectRef>
-          <a:fontRef idx="minor">
-            <a:schemeClr val="lt1"/>
-          </a:fontRef>
-        </p:style>
-        <p:txBody>
-          <a:bodyPr rtlCol="0" anchor="ctr"/>
-          <a:lstStyle/>
-          <a:p>
-            <a:pPr algn="ctr"/>
-            <a:r>
-              <a:rPr lang="en-US" dirty="0"/>
-              <a:t>function</a:t>
-            </a:r>
-            <a:endParaRPr lang="en-IL" dirty="0"/>
           </a:p>
         </p:txBody>
       </p:sp>
     </p:spTree>
     <p:extLst>
       <p:ext uri="{BB962C8B-B14F-4D97-AF65-F5344CB8AC3E}">
-        <p14:creationId xmlns:p14="http://schemas.microsoft.com/office/powerpoint/2010/main" val="1796345340"/>
+        <p14:creationId xmlns:p14="http://schemas.microsoft.com/office/powerpoint/2010/main" val="1934637416"/>
       </p:ext>
     </p:extLst>
   </p:cSld>
@@ -3784,7 +4199,7 @@
           <p:cNvPr id="2" name="Title 1">
             <a:extLst>
               <a:ext uri="{FF2B5EF4-FFF2-40B4-BE49-F238E27FC236}">
-                <a16:creationId xmlns:a16="http://schemas.microsoft.com/office/drawing/2014/main" id="{AEFD01CA-F8B8-8EE2-8F3B-3FCDD57C2C0D}"/>
+                <a16:creationId xmlns:a16="http://schemas.microsoft.com/office/drawing/2014/main" id="{414885ED-B053-658D-2DFC-9E5A2251BBC7}"/>
               </a:ext>
             </a:extLst>
           </p:cNvPr>
@@ -3802,7 +4217,7 @@
           <a:p>
             <a:r>
               <a:rPr lang="en-US" dirty="0"/>
-              <a:t>Tasks and Microtasks</a:t>
+              <a:t>Change Detection – When does it happen?</a:t>
             </a:r>
             <a:endParaRPr lang="en-IL" dirty="0"/>
           </a:p>
@@ -3810,415 +4225,20 @@
       </p:sp>
       <p:sp>
         <p:nvSpPr>
-          <p:cNvPr id="4" name="Rectangle 3">
-            <a:extLst>
-              <a:ext uri="{FF2B5EF4-FFF2-40B4-BE49-F238E27FC236}">
-                <a16:creationId xmlns:a16="http://schemas.microsoft.com/office/drawing/2014/main" id="{D3C270A1-FCB6-26FE-2FB8-EAF882BE5040}"/>
-              </a:ext>
-            </a:extLst>
-          </p:cNvPr>
-          <p:cNvSpPr/>
+          <p:cNvPr id="3" name="TextBox 2">
+            <a:extLst>
+              <a:ext uri="{FF2B5EF4-FFF2-40B4-BE49-F238E27FC236}">
+                <a16:creationId xmlns:a16="http://schemas.microsoft.com/office/drawing/2014/main" id="{102E6854-69FD-9596-6C45-B1C14E971BC2}"/>
+              </a:ext>
+            </a:extLst>
+          </p:cNvPr>
+          <p:cNvSpPr txBox="1"/>
           <p:nvPr/>
         </p:nvSpPr>
         <p:spPr>
           <a:xfrm>
-            <a:off x="2818547" y="2505075"/>
-            <a:ext cx="1293017" cy="2305050"/>
-          </a:xfrm>
-          <a:prstGeom prst="rect">
-            <a:avLst/>
-          </a:prstGeom>
-        </p:spPr>
-        <p:style>
-          <a:lnRef idx="2">
-            <a:schemeClr val="dk1"/>
-          </a:lnRef>
-          <a:fillRef idx="1">
-            <a:schemeClr val="lt1"/>
-          </a:fillRef>
-          <a:effectRef idx="0">
-            <a:schemeClr val="dk1"/>
-          </a:effectRef>
-          <a:fontRef idx="minor">
-            <a:schemeClr val="dk1"/>
-          </a:fontRef>
-        </p:style>
-        <p:txBody>
-          <a:bodyPr rtlCol="0" anchor="b"/>
-          <a:lstStyle/>
-          <a:p>
-            <a:pPr algn="ctr"/>
-            <a:r>
-              <a:rPr lang="en-US" dirty="0">
-                <a:solidFill>
-                  <a:schemeClr val="dk1"/>
-                </a:solidFill>
-              </a:rPr>
-              <a:t>Microtasks Queue</a:t>
-            </a:r>
-            <a:endParaRPr lang="en-IL" dirty="0">
-              <a:solidFill>
-                <a:schemeClr val="dk1"/>
-              </a:solidFill>
-            </a:endParaRPr>
-          </a:p>
-        </p:txBody>
-      </p:sp>
-      <p:sp>
-        <p:nvSpPr>
-          <p:cNvPr id="5" name="Rectangle 4">
-            <a:extLst>
-              <a:ext uri="{FF2B5EF4-FFF2-40B4-BE49-F238E27FC236}">
-                <a16:creationId xmlns:a16="http://schemas.microsoft.com/office/drawing/2014/main" id="{55AFD42E-4192-17B4-8A1B-19FE961388B3}"/>
-              </a:ext>
-            </a:extLst>
-          </p:cNvPr>
-          <p:cNvSpPr/>
-          <p:nvPr/>
-        </p:nvSpPr>
-        <p:spPr>
-          <a:xfrm>
-            <a:off x="969110" y="2514599"/>
-            <a:ext cx="1293017" cy="2305050"/>
-          </a:xfrm>
-          <a:prstGeom prst="rect">
-            <a:avLst/>
-          </a:prstGeom>
-        </p:spPr>
-        <p:style>
-          <a:lnRef idx="2">
-            <a:schemeClr val="dk1"/>
-          </a:lnRef>
-          <a:fillRef idx="1">
-            <a:schemeClr val="lt1"/>
-          </a:fillRef>
-          <a:effectRef idx="0">
-            <a:schemeClr val="dk1"/>
-          </a:effectRef>
-          <a:fontRef idx="minor">
-            <a:schemeClr val="dk1"/>
-          </a:fontRef>
-        </p:style>
-        <p:txBody>
-          <a:bodyPr rtlCol="0" anchor="b"/>
-          <a:lstStyle/>
-          <a:p>
-            <a:pPr algn="ctr"/>
-            <a:r>
-              <a:rPr lang="en-US" dirty="0">
-                <a:solidFill>
-                  <a:schemeClr val="dk1"/>
-                </a:solidFill>
-              </a:rPr>
-              <a:t>Tasks Queue</a:t>
-            </a:r>
-            <a:endParaRPr lang="en-IL" dirty="0">
-              <a:solidFill>
-                <a:schemeClr val="dk1"/>
-              </a:solidFill>
-            </a:endParaRPr>
-          </a:p>
-        </p:txBody>
-      </p:sp>
-      <p:sp>
-        <p:nvSpPr>
-          <p:cNvPr id="6" name="Rectangle: Rounded Corners 5">
-            <a:extLst>
-              <a:ext uri="{FF2B5EF4-FFF2-40B4-BE49-F238E27FC236}">
-                <a16:creationId xmlns:a16="http://schemas.microsoft.com/office/drawing/2014/main" id="{4FE7DAB3-DE91-5AB5-B9AF-75B46A9FECBA}"/>
-              </a:ext>
-            </a:extLst>
-          </p:cNvPr>
-          <p:cNvSpPr/>
-          <p:nvPr/>
-        </p:nvSpPr>
-        <p:spPr>
-          <a:xfrm>
-            <a:off x="2928084" y="2705100"/>
-            <a:ext cx="1057276" cy="457200"/>
-          </a:xfrm>
-          <a:prstGeom prst="roundRect">
-            <a:avLst/>
-          </a:prstGeom>
-        </p:spPr>
-        <p:style>
-          <a:lnRef idx="2">
-            <a:schemeClr val="accent1">
-              <a:shade val="15000"/>
-            </a:schemeClr>
-          </a:lnRef>
-          <a:fillRef idx="1">
-            <a:schemeClr val="accent1"/>
-          </a:fillRef>
-          <a:effectRef idx="0">
-            <a:schemeClr val="accent1"/>
-          </a:effectRef>
-          <a:fontRef idx="minor">
-            <a:schemeClr val="lt1"/>
-          </a:fontRef>
-        </p:style>
-        <p:txBody>
-          <a:bodyPr rtlCol="0" anchor="ctr"/>
-          <a:lstStyle/>
-          <a:p>
-            <a:pPr algn="ctr"/>
-            <a:r>
-              <a:rPr lang="en-US" dirty="0"/>
-              <a:t>function</a:t>
-            </a:r>
-            <a:endParaRPr lang="en-IL" dirty="0"/>
-          </a:p>
-        </p:txBody>
-      </p:sp>
-      <p:sp>
-        <p:nvSpPr>
-          <p:cNvPr id="8" name="Rectangle: Rounded Corners 7">
-            <a:extLst>
-              <a:ext uri="{FF2B5EF4-FFF2-40B4-BE49-F238E27FC236}">
-                <a16:creationId xmlns:a16="http://schemas.microsoft.com/office/drawing/2014/main" id="{58D5E73B-C053-E5C5-FCC3-438FB73D12B4}"/>
-              </a:ext>
-            </a:extLst>
-          </p:cNvPr>
-          <p:cNvSpPr/>
-          <p:nvPr/>
-        </p:nvSpPr>
-        <p:spPr>
-          <a:xfrm>
-            <a:off x="2928084" y="3309937"/>
-            <a:ext cx="1057276" cy="457200"/>
-          </a:xfrm>
-          <a:prstGeom prst="roundRect">
-            <a:avLst/>
-          </a:prstGeom>
-        </p:spPr>
-        <p:style>
-          <a:lnRef idx="2">
-            <a:schemeClr val="accent1">
-              <a:shade val="15000"/>
-            </a:schemeClr>
-          </a:lnRef>
-          <a:fillRef idx="1">
-            <a:schemeClr val="accent1"/>
-          </a:fillRef>
-          <a:effectRef idx="0">
-            <a:schemeClr val="accent1"/>
-          </a:effectRef>
-          <a:fontRef idx="minor">
-            <a:schemeClr val="lt1"/>
-          </a:fontRef>
-        </p:style>
-        <p:txBody>
-          <a:bodyPr rtlCol="0" anchor="ctr"/>
-          <a:lstStyle/>
-          <a:p>
-            <a:pPr algn="ctr"/>
-            <a:r>
-              <a:rPr lang="en-US" dirty="0"/>
-              <a:t>function</a:t>
-            </a:r>
-            <a:endParaRPr lang="en-IL" dirty="0"/>
-          </a:p>
-        </p:txBody>
-      </p:sp>
-      <p:sp>
-        <p:nvSpPr>
-          <p:cNvPr id="9" name="Rectangle: Rounded Corners 8">
-            <a:extLst>
-              <a:ext uri="{FF2B5EF4-FFF2-40B4-BE49-F238E27FC236}">
-                <a16:creationId xmlns:a16="http://schemas.microsoft.com/office/drawing/2014/main" id="{F909F474-0491-4121-8BFD-A8CA99370D95}"/>
-              </a:ext>
-            </a:extLst>
-          </p:cNvPr>
-          <p:cNvSpPr/>
-          <p:nvPr/>
-        </p:nvSpPr>
-        <p:spPr>
-          <a:xfrm>
-            <a:off x="1086980" y="2719386"/>
-            <a:ext cx="1057276" cy="457200"/>
-          </a:xfrm>
-          <a:prstGeom prst="roundRect">
-            <a:avLst/>
-          </a:prstGeom>
-        </p:spPr>
-        <p:style>
-          <a:lnRef idx="2">
-            <a:schemeClr val="accent1">
-              <a:shade val="15000"/>
-            </a:schemeClr>
-          </a:lnRef>
-          <a:fillRef idx="1">
-            <a:schemeClr val="accent1"/>
-          </a:fillRef>
-          <a:effectRef idx="0">
-            <a:schemeClr val="accent1"/>
-          </a:effectRef>
-          <a:fontRef idx="minor">
-            <a:schemeClr val="lt1"/>
-          </a:fontRef>
-        </p:style>
-        <p:txBody>
-          <a:bodyPr rtlCol="0" anchor="ctr"/>
-          <a:lstStyle/>
-          <a:p>
-            <a:pPr algn="ctr"/>
-            <a:r>
-              <a:rPr lang="en-US" dirty="0"/>
-              <a:t>function</a:t>
-            </a:r>
-            <a:endParaRPr lang="en-IL" dirty="0"/>
-          </a:p>
-        </p:txBody>
-      </p:sp>
-      <p:grpSp>
-        <p:nvGrpSpPr>
-          <p:cNvPr id="14" name="Group 13">
-            <a:extLst>
-              <a:ext uri="{FF2B5EF4-FFF2-40B4-BE49-F238E27FC236}">
-                <a16:creationId xmlns:a16="http://schemas.microsoft.com/office/drawing/2014/main" id="{BEA6FA22-1559-2FB8-ACB4-A33DBF5293D7}"/>
-              </a:ext>
-            </a:extLst>
-          </p:cNvPr>
-          <p:cNvGrpSpPr/>
-          <p:nvPr/>
-        </p:nvGrpSpPr>
-        <p:grpSpPr>
-          <a:xfrm>
-            <a:off x="4486276" y="2247900"/>
-            <a:ext cx="6553199" cy="533400"/>
-            <a:chOff x="3171826" y="3276600"/>
-            <a:chExt cx="6715125" cy="533400"/>
-          </a:xfrm>
-        </p:grpSpPr>
-        <p:sp>
-          <p:nvSpPr>
-            <p:cNvPr id="12" name="Cylinder 11">
-              <a:extLst>
-                <a:ext uri="{FF2B5EF4-FFF2-40B4-BE49-F238E27FC236}">
-                  <a16:creationId xmlns:a16="http://schemas.microsoft.com/office/drawing/2014/main" id="{EAD362C3-E0FA-6B12-A1F4-6B33EFAB54A3}"/>
-                </a:ext>
-              </a:extLst>
-            </p:cNvPr>
-            <p:cNvSpPr/>
-            <p:nvPr/>
-          </p:nvSpPr>
-          <p:spPr>
-            <a:xfrm rot="5400000">
-              <a:off x="6262689" y="185737"/>
-              <a:ext cx="533400" cy="6715125"/>
-            </a:xfrm>
-            <a:prstGeom prst="can">
-              <a:avLst>
-                <a:gd name="adj" fmla="val 39531"/>
-              </a:avLst>
-            </a:prstGeom>
-          </p:spPr>
-          <p:style>
-            <a:lnRef idx="1">
-              <a:schemeClr val="accent1"/>
-            </a:lnRef>
-            <a:fillRef idx="2">
-              <a:schemeClr val="accent1"/>
-            </a:fillRef>
-            <a:effectRef idx="1">
-              <a:schemeClr val="accent1"/>
-            </a:effectRef>
-            <a:fontRef idx="minor">
-              <a:schemeClr val="dk1"/>
-            </a:fontRef>
-          </p:style>
-          <p:txBody>
-            <a:bodyPr rtlCol="0" anchor="ctr"/>
-            <a:lstStyle/>
-            <a:p>
-              <a:pPr algn="ctr"/>
-              <a:endParaRPr lang="en-IL" dirty="0"/>
-            </a:p>
-          </p:txBody>
-        </p:sp>
-        <p:sp>
-          <p:nvSpPr>
-            <p:cNvPr id="13" name="Rectangle 12">
-              <a:extLst>
-                <a:ext uri="{FF2B5EF4-FFF2-40B4-BE49-F238E27FC236}">
-                  <a16:creationId xmlns:a16="http://schemas.microsoft.com/office/drawing/2014/main" id="{4885C1BD-FEB1-F6AC-94B1-6B7375AC94E1}"/>
-                </a:ext>
-              </a:extLst>
-            </p:cNvPr>
-            <p:cNvSpPr/>
-            <p:nvPr/>
-          </p:nvSpPr>
-          <p:spPr>
-            <a:xfrm>
-              <a:off x="5819775" y="3352800"/>
-              <a:ext cx="1485900" cy="352425"/>
-            </a:xfrm>
-            <a:prstGeom prst="rect">
-              <a:avLst/>
-            </a:prstGeom>
-            <a:noFill/>
-            <a:ln>
-              <a:noFill/>
-            </a:ln>
-          </p:spPr>
-          <p:style>
-            <a:lnRef idx="2">
-              <a:schemeClr val="accent1">
-                <a:shade val="15000"/>
-              </a:schemeClr>
-            </a:lnRef>
-            <a:fillRef idx="1">
-              <a:schemeClr val="accent1"/>
-            </a:fillRef>
-            <a:effectRef idx="0">
-              <a:schemeClr val="accent1"/>
-            </a:effectRef>
-            <a:fontRef idx="minor">
-              <a:schemeClr val="lt1"/>
-            </a:fontRef>
-          </p:style>
-          <p:txBody>
-            <a:bodyPr rtlCol="0" anchor="ctr"/>
-            <a:lstStyle/>
-            <a:p>
-              <a:pPr algn="ctr"/>
-              <a:r>
-                <a:rPr lang="en-US" dirty="0">
-                  <a:solidFill>
-                    <a:schemeClr val="accent1">
-                      <a:lumMod val="75000"/>
-                    </a:schemeClr>
-                  </a:solidFill>
-                </a:rPr>
-                <a:t>Thread</a:t>
-              </a:r>
-              <a:endParaRPr lang="en-IL" dirty="0">
-                <a:solidFill>
-                  <a:schemeClr val="accent1">
-                    <a:lumMod val="75000"/>
-                  </a:schemeClr>
-                </a:solidFill>
-              </a:endParaRPr>
-            </a:p>
-          </p:txBody>
-        </p:sp>
-      </p:grpSp>
-      <p:sp>
-        <p:nvSpPr>
-          <p:cNvPr id="3" name="TextBox 2">
-            <a:extLst>
-              <a:ext uri="{FF2B5EF4-FFF2-40B4-BE49-F238E27FC236}">
-                <a16:creationId xmlns:a16="http://schemas.microsoft.com/office/drawing/2014/main" id="{92012332-261B-6AD1-9EDB-7A3AFF1D56EE}"/>
-              </a:ext>
-            </a:extLst>
-          </p:cNvPr>
-          <p:cNvSpPr txBox="1"/>
-          <p:nvPr/>
-        </p:nvSpPr>
-        <p:spPr>
-          <a:xfrm>
-            <a:off x="969110" y="4872846"/>
-            <a:ext cx="1547218" cy="1015663"/>
+            <a:off x="838200" y="1506022"/>
+            <a:ext cx="7625421" cy="3970318"/>
           </a:xfrm>
           <a:prstGeom prst="rect">
             <a:avLst/>
@@ -4231,224 +4251,124 @@
           </a:bodyPr>
           <a:lstStyle/>
           <a:p>
-            <a:pPr marL="171450" indent="-171450">
+            <a:r>
+              <a:rPr lang="en-US" sz="3200" dirty="0"/>
+              <a:t>Depends on the change detection strategy</a:t>
+            </a:r>
+          </a:p>
+          <a:p>
+            <a:pPr marL="342900" indent="-342900">
               <a:buFont typeface="Arial" panose="020B0604020202020204" pitchFamily="34" charset="0"/>
               <a:buChar char="•"/>
             </a:pPr>
             <a:r>
-              <a:rPr lang="en-US" sz="1200" dirty="0">
-                <a:ln w="0"/>
-                <a:solidFill>
-                  <a:schemeClr val="accent1"/>
-                </a:solidFill>
-                <a:effectLst>
-                  <a:outerShdw blurRad="38100" dist="25400" dir="5400000" algn="ctr" rotWithShape="0">
-                    <a:srgbClr val="6E747A">
-                      <a:alpha val="43000"/>
-                    </a:srgbClr>
-                  </a:outerShdw>
-                </a:effectLst>
-                <a:latin typeface="Consolas" panose="020B0609020204030204" pitchFamily="49" charset="0"/>
-              </a:rPr>
-              <a:t>setTimeout</a:t>
-            </a:r>
-          </a:p>
-          <a:p>
-            <a:pPr marL="171450" indent="-171450">
+              <a:rPr lang="en-US" sz="2800" dirty="0"/>
+              <a:t>On Push</a:t>
+            </a:r>
+          </a:p>
+          <a:p>
+            <a:pPr marL="800100" lvl="1" indent="-342900">
               <a:buFont typeface="Arial" panose="020B0604020202020204" pitchFamily="34" charset="0"/>
               <a:buChar char="•"/>
             </a:pPr>
             <a:r>
-              <a:rPr lang="en-US" sz="1200" dirty="0">
-                <a:ln w="0"/>
-                <a:solidFill>
-                  <a:schemeClr val="accent1"/>
-                </a:solidFill>
-                <a:effectLst>
-                  <a:outerShdw blurRad="38100" dist="25400" dir="5400000" algn="ctr" rotWithShape="0">
-                    <a:srgbClr val="6E747A">
-                      <a:alpha val="43000"/>
-                    </a:srgbClr>
-                  </a:outerShdw>
-                </a:effectLst>
-                <a:latin typeface="Consolas" panose="020B0609020204030204" pitchFamily="49" charset="0"/>
-              </a:rPr>
-              <a:t>setInterval</a:t>
-            </a:r>
-          </a:p>
-          <a:p>
-            <a:pPr marL="171450" indent="-171450">
+              <a:rPr lang="en-US" sz="2000" dirty="0"/>
+              <a:t>Angular inputs changes</a:t>
+            </a:r>
+          </a:p>
+          <a:p>
+            <a:pPr marL="800100" lvl="1" indent="-342900">
               <a:buFont typeface="Arial" panose="020B0604020202020204" pitchFamily="34" charset="0"/>
               <a:buChar char="•"/>
             </a:pPr>
             <a:r>
-              <a:rPr lang="en-US" sz="1200" dirty="0">
-                <a:ln w="0"/>
-                <a:solidFill>
-                  <a:schemeClr val="accent1"/>
-                </a:solidFill>
-                <a:effectLst>
-                  <a:outerShdw blurRad="38100" dist="25400" dir="5400000" algn="ctr" rotWithShape="0">
-                    <a:srgbClr val="6E747A">
-                      <a:alpha val="43000"/>
-                    </a:srgbClr>
-                  </a:outerShdw>
-                </a:effectLst>
-                <a:latin typeface="Consolas" panose="020B0609020204030204" pitchFamily="49" charset="0"/>
-              </a:rPr>
-              <a:t>Event handlers</a:t>
-            </a:r>
-          </a:p>
-          <a:p>
-            <a:pPr marL="171450" indent="-171450">
+              <a:rPr lang="en-US" sz="2000" dirty="0"/>
+              <a:t>Angular events triggered</a:t>
+            </a:r>
+          </a:p>
+          <a:p>
+            <a:pPr marL="800100" lvl="1" indent="-342900">
               <a:buFont typeface="Arial" panose="020B0604020202020204" pitchFamily="34" charset="0"/>
               <a:buChar char="•"/>
             </a:pPr>
             <a:r>
-              <a:rPr lang="en-US" sz="1200" dirty="0">
-                <a:ln w="0"/>
+              <a:rPr lang="en-US" sz="2000" dirty="0"/>
+              <a:t>When triggered using </a:t>
+            </a:r>
+            <a:r>
+              <a:rPr lang="en-US" sz="2000" dirty="0" err="1">
                 <a:solidFill>
-                  <a:schemeClr val="accent1"/>
+                  <a:schemeClr val="accent2"/>
                 </a:solidFill>
-                <a:effectLst>
-                  <a:outerShdw blurRad="38100" dist="25400" dir="5400000" algn="ctr" rotWithShape="0">
-                    <a:srgbClr val="6E747A">
-                      <a:alpha val="43000"/>
-                    </a:srgbClr>
-                  </a:outerShdw>
-                </a:effectLst>
                 <a:latin typeface="Consolas" panose="020B0609020204030204" pitchFamily="49" charset="0"/>
               </a:rPr>
-              <a:t>XHR callback</a:t>
-            </a:r>
-          </a:p>
-          <a:p>
-            <a:pPr marL="171450" indent="-171450">
+              <a:t>ChangeDetectorRef</a:t>
+            </a:r>
+            <a:endParaRPr lang="en-US" sz="2000" dirty="0">
+              <a:solidFill>
+                <a:schemeClr val="accent2"/>
+              </a:solidFill>
+              <a:latin typeface="Consolas" panose="020B0609020204030204" pitchFamily="49" charset="0"/>
+            </a:endParaRPr>
+          </a:p>
+          <a:p>
+            <a:pPr marL="800100" lvl="1" indent="-342900">
               <a:buFont typeface="Arial" panose="020B0604020202020204" pitchFamily="34" charset="0"/>
               <a:buChar char="•"/>
             </a:pPr>
             <a:r>
-              <a:rPr lang="en-US" sz="1200" dirty="0">
-                <a:ln w="0"/>
-                <a:solidFill>
-                  <a:schemeClr val="accent1"/>
-                </a:solidFill>
-                <a:effectLst>
-                  <a:outerShdw blurRad="38100" dist="25400" dir="5400000" algn="ctr" rotWithShape="0">
-                    <a:srgbClr val="6E747A">
-                      <a:alpha val="43000"/>
-                    </a:srgbClr>
-                  </a:outerShdw>
-                </a:effectLst>
-                <a:latin typeface="Consolas" panose="020B0609020204030204" pitchFamily="49" charset="0"/>
-              </a:rPr>
-              <a:t>Script loaded</a:t>
-            </a:r>
-          </a:p>
-        </p:txBody>
-      </p:sp>
-      <p:sp>
-        <p:nvSpPr>
-          <p:cNvPr id="10" name="TextBox 9">
-            <a:extLst>
-              <a:ext uri="{FF2B5EF4-FFF2-40B4-BE49-F238E27FC236}">
-                <a16:creationId xmlns:a16="http://schemas.microsoft.com/office/drawing/2014/main" id="{299810AF-A6B0-C5F5-3A9C-713AF7CE9DAD}"/>
-              </a:ext>
-            </a:extLst>
-          </p:cNvPr>
-          <p:cNvSpPr txBox="1"/>
-          <p:nvPr/>
-        </p:nvSpPr>
-        <p:spPr>
-          <a:xfrm>
-            <a:off x="2818547" y="4863322"/>
-            <a:ext cx="1972015" cy="646331"/>
-          </a:xfrm>
-          <a:prstGeom prst="rect">
-            <a:avLst/>
-          </a:prstGeom>
-          <a:noFill/>
-        </p:spPr>
-        <p:txBody>
-          <a:bodyPr wrap="none" rtlCol="0">
-            <a:spAutoFit/>
-          </a:bodyPr>
-          <a:lstStyle/>
-          <a:p>
-            <a:pPr marL="171450" indent="-171450">
+              <a:rPr lang="en-US" sz="2000" dirty="0"/>
+              <a:t>A few more selected triggers</a:t>
+            </a:r>
+          </a:p>
+          <a:p>
+            <a:pPr marL="342900" indent="-342900">
               <a:buFont typeface="Arial" panose="020B0604020202020204" pitchFamily="34" charset="0"/>
               <a:buChar char="•"/>
             </a:pPr>
             <a:r>
-              <a:rPr lang="en-US" sz="1200" dirty="0">
-                <a:ln w="0"/>
-                <a:solidFill>
-                  <a:schemeClr val="accent1"/>
-                </a:solidFill>
-                <a:effectLst>
-                  <a:outerShdw blurRad="38100" dist="25400" dir="5400000" algn="ctr" rotWithShape="0">
-                    <a:srgbClr val="6E747A">
-                      <a:alpha val="43000"/>
-                    </a:srgbClr>
-                  </a:outerShdw>
-                </a:effectLst>
-                <a:latin typeface="Consolas" panose="020B0609020204030204" pitchFamily="49" charset="0"/>
-              </a:rPr>
-              <a:t>Promise callbacks</a:t>
-            </a:r>
-          </a:p>
-          <a:p>
-            <a:pPr marL="171450" indent="-171450">
+              <a:rPr lang="en-US" sz="3200" dirty="0"/>
+              <a:t>Default</a:t>
+            </a:r>
+          </a:p>
+          <a:p>
+            <a:pPr marL="800100" lvl="1" indent="-342900">
               <a:buFont typeface="Arial" panose="020B0604020202020204" pitchFamily="34" charset="0"/>
               <a:buChar char="•"/>
             </a:pPr>
             <a:r>
-              <a:rPr lang="en-US" sz="1200" dirty="0">
-                <a:ln w="0"/>
-                <a:solidFill>
-                  <a:schemeClr val="accent1"/>
-                </a:solidFill>
-                <a:effectLst>
-                  <a:outerShdw blurRad="38100" dist="25400" dir="5400000" algn="ctr" rotWithShape="0">
-                    <a:srgbClr val="6E747A">
-                      <a:alpha val="43000"/>
-                    </a:srgbClr>
-                  </a:outerShdw>
-                </a:effectLst>
-                <a:latin typeface="Consolas" panose="020B0609020204030204" pitchFamily="49" charset="0"/>
-              </a:rPr>
-              <a:t>async await (same…)</a:t>
-            </a:r>
-          </a:p>
-          <a:p>
-            <a:pPr marL="171450" indent="-171450">
+              <a:rPr lang="en-US" sz="2400" dirty="0"/>
+              <a:t>Seems like all the time…</a:t>
+            </a:r>
+          </a:p>
+          <a:p>
+            <a:pPr marL="800100" lvl="1" indent="-342900">
               <a:buFont typeface="Arial" panose="020B0604020202020204" pitchFamily="34" charset="0"/>
               <a:buChar char="•"/>
             </a:pPr>
             <a:r>
-              <a:rPr lang="en-US" sz="1200" dirty="0">
-                <a:ln w="0"/>
-                <a:solidFill>
-                  <a:schemeClr val="accent1"/>
-                </a:solidFill>
-                <a:effectLst>
-                  <a:outerShdw blurRad="38100" dist="25400" dir="5400000" algn="ctr" rotWithShape="0">
-                    <a:srgbClr val="6E747A">
-                      <a:alpha val="43000"/>
-                    </a:srgbClr>
-                  </a:outerShdw>
-                </a:effectLst>
-                <a:latin typeface="Consolas" panose="020B0609020204030204" pitchFamily="49" charset="0"/>
-              </a:rPr>
-              <a:t>queueMicrotask</a:t>
-            </a:r>
+              <a:rPr lang="en-US" sz="2400" dirty="0"/>
+              <a:t>But how?</a:t>
+            </a:r>
+          </a:p>
+          <a:p>
+            <a:pPr marL="800100" lvl="1" indent="-342900">
+              <a:buFont typeface="Arial" panose="020B0604020202020204" pitchFamily="34" charset="0"/>
+              <a:buChar char="•"/>
+            </a:pPr>
+            <a:endParaRPr lang="en-US" sz="3200" dirty="0">
+              <a:solidFill>
+                <a:schemeClr val="accent2"/>
+              </a:solidFill>
+              <a:latin typeface="Consolas" panose="020B0609020204030204" pitchFamily="49" charset="0"/>
+            </a:endParaRPr>
           </a:p>
         </p:txBody>
       </p:sp>
     </p:spTree>
     <p:extLst>
       <p:ext uri="{BB962C8B-B14F-4D97-AF65-F5344CB8AC3E}">
-        <p14:creationId xmlns:p14="http://schemas.microsoft.com/office/powerpoint/2010/main" val="2022994144"/>
+        <p14:creationId xmlns:p14="http://schemas.microsoft.com/office/powerpoint/2010/main" val="3363111351"/>
       </p:ext>
     </p:extLst>
   </p:cSld>
@@ -4477,6 +4397,358 @@
       </p:grpSpPr>
       <p:sp>
         <p:nvSpPr>
+          <p:cNvPr id="7" name="TextBox 6">
+            <a:extLst>
+              <a:ext uri="{FF2B5EF4-FFF2-40B4-BE49-F238E27FC236}">
+                <a16:creationId xmlns:a16="http://schemas.microsoft.com/office/drawing/2014/main" id="{F947E181-5BF4-6C59-FE37-5F7A6CF56F9B}"/>
+              </a:ext>
+            </a:extLst>
+          </p:cNvPr>
+          <p:cNvSpPr txBox="1"/>
+          <p:nvPr/>
+        </p:nvSpPr>
+        <p:spPr>
+          <a:xfrm>
+            <a:off x="343233" y="3418756"/>
+            <a:ext cx="4945585" cy="3416320"/>
+          </a:xfrm>
+          <a:prstGeom prst="rect">
+            <a:avLst/>
+          </a:prstGeom>
+          <a:noFill/>
+        </p:spPr>
+        <p:txBody>
+          <a:bodyPr wrap="none" rtlCol="0">
+            <a:spAutoFit/>
+          </a:bodyPr>
+          <a:lstStyle/>
+          <a:p>
+            <a:pPr marL="171450" indent="-171450">
+              <a:buFont typeface="Arial" panose="020B0604020202020204" pitchFamily="34" charset="0"/>
+              <a:buChar char="•"/>
+            </a:pPr>
+            <a:r>
+              <a:rPr lang="en-US" sz="2400" dirty="0" err="1">
+                <a:ln w="0"/>
+                <a:solidFill>
+                  <a:schemeClr val="accent1"/>
+                </a:solidFill>
+                <a:effectLst>
+                  <a:outerShdw blurRad="38100" dist="25400" dir="5400000" algn="ctr" rotWithShape="0">
+                    <a:srgbClr val="6E747A">
+                      <a:alpha val="43000"/>
+                    </a:srgbClr>
+                  </a:outerShdw>
+                </a:effectLst>
+                <a:latin typeface="Consolas" panose="020B0609020204030204" pitchFamily="49" charset="0"/>
+              </a:rPr>
+              <a:t>setTimeout</a:t>
+            </a:r>
+            <a:r>
+              <a:rPr lang="en-US" sz="2400" dirty="0">
+                <a:ln w="0"/>
+                <a:solidFill>
+                  <a:schemeClr val="accent1"/>
+                </a:solidFill>
+                <a:effectLst>
+                  <a:outerShdw blurRad="38100" dist="25400" dir="5400000" algn="ctr" rotWithShape="0">
+                    <a:srgbClr val="6E747A">
+                      <a:alpha val="43000"/>
+                    </a:srgbClr>
+                  </a:outerShdw>
+                </a:effectLst>
+                <a:latin typeface="Consolas" panose="020B0609020204030204" pitchFamily="49" charset="0"/>
+              </a:rPr>
+              <a:t>         (      )</a:t>
+            </a:r>
+          </a:p>
+          <a:p>
+            <a:pPr marL="171450" indent="-171450">
+              <a:buFont typeface="Arial" panose="020B0604020202020204" pitchFamily="34" charset="0"/>
+              <a:buChar char="•"/>
+            </a:pPr>
+            <a:r>
+              <a:rPr lang="en-US" sz="2400" dirty="0" err="1">
+                <a:ln w="0"/>
+                <a:solidFill>
+                  <a:schemeClr val="accent1"/>
+                </a:solidFill>
+                <a:effectLst>
+                  <a:outerShdw blurRad="38100" dist="25400" dir="5400000" algn="ctr" rotWithShape="0">
+                    <a:srgbClr val="6E747A">
+                      <a:alpha val="43000"/>
+                    </a:srgbClr>
+                  </a:outerShdw>
+                </a:effectLst>
+                <a:latin typeface="Consolas" panose="020B0609020204030204" pitchFamily="49" charset="0"/>
+              </a:rPr>
+              <a:t>setInterval</a:t>
+            </a:r>
+            <a:r>
+              <a:rPr lang="en-US" sz="2400" dirty="0">
+                <a:ln w="0"/>
+                <a:solidFill>
+                  <a:schemeClr val="accent1"/>
+                </a:solidFill>
+                <a:effectLst>
+                  <a:outerShdw blurRad="38100" dist="25400" dir="5400000" algn="ctr" rotWithShape="0">
+                    <a:srgbClr val="6E747A">
+                      <a:alpha val="43000"/>
+                    </a:srgbClr>
+                  </a:outerShdw>
+                </a:effectLst>
+                <a:latin typeface="Consolas" panose="020B0609020204030204" pitchFamily="49" charset="0"/>
+              </a:rPr>
+              <a:t>        (      )</a:t>
+            </a:r>
+          </a:p>
+          <a:p>
+            <a:pPr marL="171450" indent="-171450">
+              <a:buFont typeface="Arial" panose="020B0604020202020204" pitchFamily="34" charset="0"/>
+              <a:buChar char="•"/>
+            </a:pPr>
+            <a:r>
+              <a:rPr lang="en-US" sz="2400" dirty="0" err="1">
+                <a:ln w="0"/>
+                <a:solidFill>
+                  <a:schemeClr val="accent1"/>
+                </a:solidFill>
+                <a:effectLst>
+                  <a:outerShdw blurRad="38100" dist="25400" dir="5400000" algn="ctr" rotWithShape="0">
+                    <a:srgbClr val="6E747A">
+                      <a:alpha val="43000"/>
+                    </a:srgbClr>
+                  </a:outerShdw>
+                </a:effectLst>
+                <a:latin typeface="Consolas" panose="020B0609020204030204" pitchFamily="49" charset="0"/>
+              </a:rPr>
+              <a:t>addEventHandler</a:t>
+            </a:r>
+            <a:r>
+              <a:rPr lang="en-US" sz="2400" dirty="0">
+                <a:ln w="0"/>
+                <a:solidFill>
+                  <a:schemeClr val="accent1"/>
+                </a:solidFill>
+                <a:effectLst>
+                  <a:outerShdw blurRad="38100" dist="25400" dir="5400000" algn="ctr" rotWithShape="0">
+                    <a:srgbClr val="6E747A">
+                      <a:alpha val="43000"/>
+                    </a:srgbClr>
+                  </a:outerShdw>
+                </a:effectLst>
+                <a:latin typeface="Consolas" panose="020B0609020204030204" pitchFamily="49" charset="0"/>
+              </a:rPr>
+              <a:t>    (      )</a:t>
+            </a:r>
+          </a:p>
+          <a:p>
+            <a:pPr marL="171450" indent="-171450">
+              <a:buFont typeface="Arial" panose="020B0604020202020204" pitchFamily="34" charset="0"/>
+              <a:buChar char="•"/>
+            </a:pPr>
+            <a:r>
+              <a:rPr lang="en-US" sz="2400" dirty="0" err="1">
+                <a:ln w="0"/>
+                <a:solidFill>
+                  <a:schemeClr val="accent1"/>
+                </a:solidFill>
+                <a:effectLst>
+                  <a:outerShdw blurRad="38100" dist="25400" dir="5400000" algn="ctr" rotWithShape="0">
+                    <a:srgbClr val="6E747A">
+                      <a:alpha val="43000"/>
+                    </a:srgbClr>
+                  </a:outerShdw>
+                </a:effectLst>
+                <a:latin typeface="Consolas" panose="020B0609020204030204" pitchFamily="49" charset="0"/>
+              </a:rPr>
+              <a:t>XHR.send</a:t>
+            </a:r>
+            <a:r>
+              <a:rPr lang="en-US" sz="2400" dirty="0">
+                <a:ln w="0"/>
+                <a:solidFill>
+                  <a:schemeClr val="accent1"/>
+                </a:solidFill>
+                <a:effectLst>
+                  <a:outerShdw blurRad="38100" dist="25400" dir="5400000" algn="ctr" rotWithShape="0">
+                    <a:srgbClr val="6E747A">
+                      <a:alpha val="43000"/>
+                    </a:srgbClr>
+                  </a:outerShdw>
+                </a:effectLst>
+                <a:latin typeface="Consolas" panose="020B0609020204030204" pitchFamily="49" charset="0"/>
+              </a:rPr>
+              <a:t>           (      )</a:t>
+            </a:r>
+          </a:p>
+          <a:p>
+            <a:pPr marL="171450" indent="-171450">
+              <a:buFont typeface="Arial" panose="020B0604020202020204" pitchFamily="34" charset="0"/>
+              <a:buChar char="•"/>
+            </a:pPr>
+            <a:r>
+              <a:rPr lang="en-US" sz="2400" dirty="0">
+                <a:ln w="0"/>
+                <a:solidFill>
+                  <a:schemeClr val="accent1"/>
+                </a:solidFill>
+                <a:effectLst>
+                  <a:outerShdw blurRad="38100" dist="25400" dir="5400000" algn="ctr" rotWithShape="0">
+                    <a:srgbClr val="6E747A">
+                      <a:alpha val="43000"/>
+                    </a:srgbClr>
+                  </a:outerShdw>
+                </a:effectLst>
+                <a:latin typeface="Consolas" panose="020B0609020204030204" pitchFamily="49" charset="0"/>
+              </a:rPr>
+              <a:t>Script file loaded (      )</a:t>
+            </a:r>
+          </a:p>
+          <a:p>
+            <a:pPr marL="171450" indent="-171450">
+              <a:buFont typeface="Arial" panose="020B0604020202020204" pitchFamily="34" charset="0"/>
+              <a:buChar char="•"/>
+            </a:pPr>
+            <a:r>
+              <a:rPr lang="en-US" sz="2400" dirty="0" err="1">
+                <a:ln w="0"/>
+                <a:solidFill>
+                  <a:schemeClr val="accent1"/>
+                </a:solidFill>
+                <a:effectLst>
+                  <a:outerShdw blurRad="38100" dist="25400" dir="5400000" algn="ctr" rotWithShape="0">
+                    <a:srgbClr val="6E747A">
+                      <a:alpha val="43000"/>
+                    </a:srgbClr>
+                  </a:outerShdw>
+                </a:effectLst>
+                <a:latin typeface="Consolas" panose="020B0609020204030204" pitchFamily="49" charset="0"/>
+              </a:rPr>
+              <a:t>Promise.then</a:t>
+            </a:r>
+            <a:r>
+              <a:rPr lang="en-US" sz="2400" dirty="0">
+                <a:ln w="0"/>
+                <a:solidFill>
+                  <a:schemeClr val="accent1"/>
+                </a:solidFill>
+                <a:effectLst>
+                  <a:outerShdw blurRad="38100" dist="25400" dir="5400000" algn="ctr" rotWithShape="0">
+                    <a:srgbClr val="6E747A">
+                      <a:alpha val="43000"/>
+                    </a:srgbClr>
+                  </a:outerShdw>
+                </a:effectLst>
+                <a:latin typeface="Consolas" panose="020B0609020204030204" pitchFamily="49" charset="0"/>
+              </a:rPr>
+              <a:t>       (      )</a:t>
+            </a:r>
+          </a:p>
+          <a:p>
+            <a:pPr marL="171450" indent="-171450">
+              <a:buFont typeface="Arial" panose="020B0604020202020204" pitchFamily="34" charset="0"/>
+              <a:buChar char="•"/>
+            </a:pPr>
+            <a:r>
+              <a:rPr lang="en-US" sz="2400" dirty="0" err="1">
+                <a:ln w="0"/>
+                <a:solidFill>
+                  <a:schemeClr val="accent1"/>
+                </a:solidFill>
+                <a:effectLst>
+                  <a:outerShdw blurRad="38100" dist="25400" dir="5400000" algn="ctr" rotWithShape="0">
+                    <a:srgbClr val="6E747A">
+                      <a:alpha val="43000"/>
+                    </a:srgbClr>
+                  </a:outerShdw>
+                </a:effectLst>
+                <a:latin typeface="Consolas" panose="020B0609020204030204" pitchFamily="49" charset="0"/>
+              </a:rPr>
+              <a:t>Promise.catch</a:t>
+            </a:r>
+            <a:r>
+              <a:rPr lang="en-US" sz="2400" dirty="0">
+                <a:ln w="0"/>
+                <a:solidFill>
+                  <a:schemeClr val="accent1"/>
+                </a:solidFill>
+                <a:effectLst>
+                  <a:outerShdw blurRad="38100" dist="25400" dir="5400000" algn="ctr" rotWithShape="0">
+                    <a:srgbClr val="6E747A">
+                      <a:alpha val="43000"/>
+                    </a:srgbClr>
+                  </a:outerShdw>
+                </a:effectLst>
+                <a:latin typeface="Consolas" panose="020B0609020204030204" pitchFamily="49" charset="0"/>
+              </a:rPr>
+              <a:t>      (      )</a:t>
+            </a:r>
+          </a:p>
+          <a:p>
+            <a:pPr marL="171450" indent="-171450">
+              <a:buFont typeface="Arial" panose="020B0604020202020204" pitchFamily="34" charset="0"/>
+              <a:buChar char="•"/>
+            </a:pPr>
+            <a:r>
+              <a:rPr lang="en-US" sz="2400" dirty="0" err="1">
+                <a:ln w="0"/>
+                <a:solidFill>
+                  <a:schemeClr val="accent1"/>
+                </a:solidFill>
+                <a:effectLst>
+                  <a:outerShdw blurRad="38100" dist="25400" dir="5400000" algn="ctr" rotWithShape="0">
+                    <a:srgbClr val="6E747A">
+                      <a:alpha val="43000"/>
+                    </a:srgbClr>
+                  </a:outerShdw>
+                </a:effectLst>
+                <a:latin typeface="Consolas" panose="020B0609020204030204" pitchFamily="49" charset="0"/>
+              </a:rPr>
+              <a:t>queueMicrotask</a:t>
+            </a:r>
+            <a:r>
+              <a:rPr lang="en-US" sz="2400" dirty="0">
+                <a:ln w="0"/>
+                <a:solidFill>
+                  <a:schemeClr val="accent1"/>
+                </a:solidFill>
+                <a:effectLst>
+                  <a:outerShdw blurRad="38100" dist="25400" dir="5400000" algn="ctr" rotWithShape="0">
+                    <a:srgbClr val="6E747A">
+                      <a:alpha val="43000"/>
+                    </a:srgbClr>
+                  </a:outerShdw>
+                </a:effectLst>
+                <a:latin typeface="Consolas" panose="020B0609020204030204" pitchFamily="49" charset="0"/>
+              </a:rPr>
+              <a:t>     (      )</a:t>
+            </a:r>
+          </a:p>
+          <a:p>
+            <a:pPr marL="171450" indent="-171450">
+              <a:buFont typeface="Arial" panose="020B0604020202020204" pitchFamily="34" charset="0"/>
+              <a:buChar char="•"/>
+            </a:pPr>
+            <a:endParaRPr lang="en-US" sz="2400" dirty="0">
+              <a:ln w="0"/>
+              <a:solidFill>
+                <a:schemeClr val="accent1"/>
+              </a:solidFill>
+              <a:effectLst>
+                <a:outerShdw blurRad="38100" dist="25400" dir="5400000" algn="ctr" rotWithShape="0">
+                  <a:srgbClr val="6E747A">
+                    <a:alpha val="43000"/>
+                  </a:srgbClr>
+                </a:outerShdw>
+              </a:effectLst>
+              <a:latin typeface="Consolas" panose="020B0609020204030204" pitchFamily="49" charset="0"/>
+            </a:endParaRPr>
+          </a:p>
+        </p:txBody>
+      </p:sp>
+      <p:sp>
+        <p:nvSpPr>
           <p:cNvPr id="2" name="Title 1">
             <a:extLst>
               <a:ext uri="{FF2B5EF4-FFF2-40B4-BE49-F238E27FC236}">
@@ -4498,7 +4770,7 @@
           <a:p>
             <a:r>
               <a:rPr lang="en-US" dirty="0"/>
-              <a:t>Zone</a:t>
+              <a:t>Thread and Tasks – Simplified</a:t>
             </a:r>
             <a:endParaRPr lang="en-IL" dirty="0"/>
           </a:p>
@@ -4518,8 +4790,8 @@
         </p:nvSpPr>
         <p:spPr>
           <a:xfrm>
-            <a:off x="2818547" y="2505075"/>
-            <a:ext cx="1293017" cy="2305050"/>
+            <a:off x="6288708" y="2237312"/>
+            <a:ext cx="1293017" cy="2590493"/>
           </a:xfrm>
           <a:prstGeom prst="rect">
             <a:avLst/>
@@ -4550,7 +4822,7 @@
                   <a:schemeClr val="dk1"/>
                 </a:solidFill>
               </a:rPr>
-              <a:t>Microtasks Queue</a:t>
+              <a:t>Tasks Queue</a:t>
             </a:r>
             <a:endParaRPr lang="en-IL" dirty="0">
               <a:solidFill>
@@ -4562,10 +4834,10 @@
       </p:sp>
       <p:sp>
         <p:nvSpPr>
-          <p:cNvPr id="5" name="Rectangle 4">
-            <a:extLst>
-              <a:ext uri="{FF2B5EF4-FFF2-40B4-BE49-F238E27FC236}">
-                <a16:creationId xmlns:a16="http://schemas.microsoft.com/office/drawing/2014/main" id="{55AFD42E-4192-17B4-8A1B-19FE961388B3}"/>
+          <p:cNvPr id="6" name="Rectangle: Rounded Corners 5">
+            <a:extLst>
+              <a:ext uri="{FF2B5EF4-FFF2-40B4-BE49-F238E27FC236}">
+                <a16:creationId xmlns:a16="http://schemas.microsoft.com/office/drawing/2014/main" id="{4FE7DAB3-DE91-5AB5-B9AF-75B46A9FECBA}"/>
               </a:ext>
             </a:extLst>
           </p:cNvPr>
@@ -4574,63 +4846,7 @@
         </p:nvSpPr>
         <p:spPr>
           <a:xfrm>
-            <a:off x="1356460" y="2505075"/>
-            <a:ext cx="1293017" cy="2305050"/>
-          </a:xfrm>
-          <a:prstGeom prst="rect">
-            <a:avLst/>
-          </a:prstGeom>
-        </p:spPr>
-        <p:style>
-          <a:lnRef idx="2">
-            <a:schemeClr val="dk1"/>
-          </a:lnRef>
-          <a:fillRef idx="1">
-            <a:schemeClr val="lt1"/>
-          </a:fillRef>
-          <a:effectRef idx="0">
-            <a:schemeClr val="dk1"/>
-          </a:effectRef>
-          <a:fontRef idx="minor">
-            <a:schemeClr val="dk1"/>
-          </a:fontRef>
-        </p:style>
-        <p:txBody>
-          <a:bodyPr rtlCol="0" anchor="b"/>
-          <a:lstStyle/>
-          <a:p>
-            <a:pPr algn="ctr"/>
-            <a:r>
-              <a:rPr lang="en-US" dirty="0">
-                <a:solidFill>
-                  <a:schemeClr val="dk1"/>
-                </a:solidFill>
-              </a:rPr>
-              <a:t>Tasks Queue</a:t>
-            </a:r>
-            <a:endParaRPr lang="en-IL" dirty="0">
-              <a:solidFill>
-                <a:schemeClr val="dk1"/>
-              </a:solidFill>
-            </a:endParaRPr>
-          </a:p>
-        </p:txBody>
-      </p:sp>
-      <p:sp>
-        <p:nvSpPr>
-          <p:cNvPr id="6" name="Rectangle: Rounded Corners 5">
-            <a:extLst>
-              <a:ext uri="{FF2B5EF4-FFF2-40B4-BE49-F238E27FC236}">
-                <a16:creationId xmlns:a16="http://schemas.microsoft.com/office/drawing/2014/main" id="{4FE7DAB3-DE91-5AB5-B9AF-75B46A9FECBA}"/>
-              </a:ext>
-            </a:extLst>
-          </p:cNvPr>
-          <p:cNvSpPr/>
-          <p:nvPr/>
-        </p:nvSpPr>
-        <p:spPr>
-          <a:xfrm>
-            <a:off x="2928084" y="2705100"/>
+            <a:off x="6419536" y="2402619"/>
             <a:ext cx="1057276" cy="457200"/>
           </a:xfrm>
           <a:prstGeom prst="roundRect">
@@ -4680,8 +4896,8 @@
         </p:nvSpPr>
         <p:spPr>
           <a:xfrm>
-            <a:off x="2928084" y="3309937"/>
-            <a:ext cx="1057276" cy="457200"/>
+            <a:off x="4036673" y="3545733"/>
+            <a:ext cx="872068" cy="262327"/>
           </a:xfrm>
           <a:prstGeom prst="roundRect">
             <a:avLst/>
@@ -4709,60 +4925,10 @@
           <a:p>
             <a:pPr algn="ctr"/>
             <a:r>
-              <a:rPr lang="en-US" dirty="0"/>
+              <a:rPr lang="en-US" sz="1400" dirty="0"/>
               <a:t>function</a:t>
             </a:r>
-            <a:endParaRPr lang="en-IL" dirty="0"/>
-          </a:p>
-        </p:txBody>
-      </p:sp>
-      <p:sp>
-        <p:nvSpPr>
-          <p:cNvPr id="9" name="Rectangle: Rounded Corners 8">
-            <a:extLst>
-              <a:ext uri="{FF2B5EF4-FFF2-40B4-BE49-F238E27FC236}">
-                <a16:creationId xmlns:a16="http://schemas.microsoft.com/office/drawing/2014/main" id="{F909F474-0491-4121-8BFD-A8CA99370D95}"/>
-              </a:ext>
-            </a:extLst>
-          </p:cNvPr>
-          <p:cNvSpPr/>
-          <p:nvPr/>
-        </p:nvSpPr>
-        <p:spPr>
-          <a:xfrm>
-            <a:off x="1474330" y="2709862"/>
-            <a:ext cx="1057276" cy="457200"/>
-          </a:xfrm>
-          <a:prstGeom prst="roundRect">
-            <a:avLst/>
-          </a:prstGeom>
-        </p:spPr>
-        <p:style>
-          <a:lnRef idx="2">
-            <a:schemeClr val="accent1">
-              <a:shade val="15000"/>
-            </a:schemeClr>
-          </a:lnRef>
-          <a:fillRef idx="1">
-            <a:schemeClr val="accent1"/>
-          </a:fillRef>
-          <a:effectRef idx="0">
-            <a:schemeClr val="accent1"/>
-          </a:effectRef>
-          <a:fontRef idx="minor">
-            <a:schemeClr val="lt1"/>
-          </a:fontRef>
-        </p:style>
-        <p:txBody>
-          <a:bodyPr rtlCol="0" anchor="ctr"/>
-          <a:lstStyle/>
-          <a:p>
-            <a:pPr algn="ctr"/>
-            <a:r>
-              <a:rPr lang="en-US" dirty="0"/>
-              <a:t>function</a:t>
-            </a:r>
-            <a:endParaRPr lang="en-IL" dirty="0"/>
+            <a:endParaRPr lang="en-IL" sz="1400" dirty="0"/>
           </a:p>
         </p:txBody>
       </p:sp>
@@ -4780,8 +4946,8 @@
         </p:nvGrpSpPr>
         <p:grpSpPr>
           <a:xfrm>
-            <a:off x="4486276" y="2247900"/>
-            <a:ext cx="6715124" cy="533400"/>
+            <a:off x="7809271" y="1542936"/>
+            <a:ext cx="3512494" cy="533400"/>
             <a:chOff x="3171826" y="3276600"/>
             <a:chExt cx="6715125" cy="533400"/>
           </a:xfrm>
@@ -4846,8 +5012,8 @@
           </p:nvSpPr>
           <p:spPr>
             <a:xfrm>
-              <a:off x="5819775" y="3352800"/>
-              <a:ext cx="1485900" cy="352425"/>
+              <a:off x="7435082" y="3367086"/>
+              <a:ext cx="2021282" cy="352425"/>
             </a:xfrm>
             <a:prstGeom prst="rect">
               <a:avLst/>
@@ -4901,10 +5067,10 @@
       </p:grpSp>
       <p:sp>
         <p:nvSpPr>
-          <p:cNvPr id="7" name="Rectangle 6">
-            <a:extLst>
-              <a:ext uri="{FF2B5EF4-FFF2-40B4-BE49-F238E27FC236}">
-                <a16:creationId xmlns:a16="http://schemas.microsoft.com/office/drawing/2014/main" id="{AFCFAB09-81CE-A134-D9A3-2D5B47FD0869}"/>
+          <p:cNvPr id="3" name="Rectangle: Rounded Corners 2">
+            <a:extLst>
+              <a:ext uri="{FF2B5EF4-FFF2-40B4-BE49-F238E27FC236}">
+                <a16:creationId xmlns:a16="http://schemas.microsoft.com/office/drawing/2014/main" id="{A4290B72-3338-F5F6-7A61-815874A373F9}"/>
               </a:ext>
             </a:extLst>
           </p:cNvPr>
@@ -4913,10 +5079,10 @@
         </p:nvSpPr>
         <p:spPr>
           <a:xfrm>
-            <a:off x="5433159" y="2324100"/>
-            <a:ext cx="1200150" cy="409575"/>
+            <a:off x="8225667" y="1581034"/>
+            <a:ext cx="1057276" cy="457200"/>
           </a:xfrm>
-          <a:prstGeom prst="rect">
+          <a:prstGeom prst="roundRect">
             <a:avLst/>
           </a:prstGeom>
         </p:spPr>
@@ -4951,10 +5117,10 @@
       </p:sp>
       <p:sp>
         <p:nvSpPr>
-          <p:cNvPr id="10" name="Rectangle 9">
-            <a:extLst>
-              <a:ext uri="{FF2B5EF4-FFF2-40B4-BE49-F238E27FC236}">
-                <a16:creationId xmlns:a16="http://schemas.microsoft.com/office/drawing/2014/main" id="{449744B3-6B64-6F29-DCAE-510E9F9F10FB}"/>
+          <p:cNvPr id="5" name="Rectangle: Rounded Corners 4">
+            <a:extLst>
+              <a:ext uri="{FF2B5EF4-FFF2-40B4-BE49-F238E27FC236}">
+                <a16:creationId xmlns:a16="http://schemas.microsoft.com/office/drawing/2014/main" id="{6580C167-42C3-EAED-3C61-7736BE66AB16}"/>
               </a:ext>
             </a:extLst>
           </p:cNvPr>
@@ -4963,24 +5129,24 @@
         </p:nvSpPr>
         <p:spPr>
           <a:xfrm>
-            <a:off x="4817943" y="2324100"/>
-            <a:ext cx="615216" cy="409575"/>
+            <a:off x="6426910" y="3532559"/>
+            <a:ext cx="1057276" cy="457200"/>
           </a:xfrm>
-          <a:prstGeom prst="rect">
+          <a:prstGeom prst="roundRect">
             <a:avLst/>
           </a:prstGeom>
         </p:spPr>
         <p:style>
           <a:lnRef idx="2">
-            <a:schemeClr val="accent2">
+            <a:schemeClr val="accent1">
               <a:shade val="15000"/>
             </a:schemeClr>
           </a:lnRef>
           <a:fillRef idx="1">
-            <a:schemeClr val="accent2"/>
+            <a:schemeClr val="accent1"/>
           </a:fillRef>
           <a:effectRef idx="0">
-            <a:schemeClr val="accent2"/>
+            <a:schemeClr val="accent1"/>
           </a:effectRef>
           <a:fontRef idx="minor">
             <a:schemeClr val="lt1"/>
@@ -4993,7 +5159,7 @@
             <a:pPr algn="ctr"/>
             <a:r>
               <a:rPr lang="en-US" dirty="0"/>
-              <a:t>Pre</a:t>
+              <a:t>function</a:t>
             </a:r>
             <a:endParaRPr lang="en-IL" dirty="0"/>
           </a:p>
@@ -5001,10 +5167,10 @@
       </p:sp>
       <p:sp>
         <p:nvSpPr>
-          <p:cNvPr id="11" name="Rectangle 10">
-            <a:extLst>
-              <a:ext uri="{FF2B5EF4-FFF2-40B4-BE49-F238E27FC236}">
-                <a16:creationId xmlns:a16="http://schemas.microsoft.com/office/drawing/2014/main" id="{6EFD603F-0307-99A8-04E7-46046BBEA3D9}"/>
+          <p:cNvPr id="15" name="Rectangle: Rounded Corners 14">
+            <a:extLst>
+              <a:ext uri="{FF2B5EF4-FFF2-40B4-BE49-F238E27FC236}">
+                <a16:creationId xmlns:a16="http://schemas.microsoft.com/office/drawing/2014/main" id="{4F49D9BA-7A2F-FD0C-1431-D1DD2348AABB}"/>
               </a:ext>
             </a:extLst>
           </p:cNvPr>
@@ -5013,24 +5179,24 @@
         </p:nvSpPr>
         <p:spPr>
           <a:xfrm>
-            <a:off x="6624884" y="2324100"/>
-            <a:ext cx="645073" cy="409575"/>
+            <a:off x="6419536" y="2971800"/>
+            <a:ext cx="1057276" cy="457200"/>
           </a:xfrm>
-          <a:prstGeom prst="rect">
+          <a:prstGeom prst="roundRect">
             <a:avLst/>
           </a:prstGeom>
         </p:spPr>
         <p:style>
           <a:lnRef idx="2">
-            <a:schemeClr val="accent2">
+            <a:schemeClr val="accent1">
               <a:shade val="15000"/>
             </a:schemeClr>
           </a:lnRef>
           <a:fillRef idx="1">
-            <a:schemeClr val="accent2"/>
+            <a:schemeClr val="accent1"/>
           </a:fillRef>
           <a:effectRef idx="0">
-            <a:schemeClr val="accent2"/>
+            <a:schemeClr val="accent1"/>
           </a:effectRef>
           <a:fontRef idx="minor">
             <a:schemeClr val="lt1"/>
@@ -5043,16 +5209,449 @@
             <a:pPr algn="ctr"/>
             <a:r>
               <a:rPr lang="en-US" dirty="0"/>
-              <a:t>Post</a:t>
+              <a:t>function</a:t>
             </a:r>
             <a:endParaRPr lang="en-IL" dirty="0"/>
           </a:p>
         </p:txBody>
       </p:sp>
+      <p:sp>
+        <p:nvSpPr>
+          <p:cNvPr id="16" name="Rectangle: Rounded Corners 15">
+            <a:extLst>
+              <a:ext uri="{FF2B5EF4-FFF2-40B4-BE49-F238E27FC236}">
+                <a16:creationId xmlns:a16="http://schemas.microsoft.com/office/drawing/2014/main" id="{3795549D-DB70-8E3E-6C0F-B30C88248505}"/>
+              </a:ext>
+            </a:extLst>
+          </p:cNvPr>
+          <p:cNvSpPr/>
+          <p:nvPr/>
+        </p:nvSpPr>
+        <p:spPr>
+          <a:xfrm>
+            <a:off x="4036673" y="6113714"/>
+            <a:ext cx="872068" cy="262327"/>
+          </a:xfrm>
+          <a:prstGeom prst="roundRect">
+            <a:avLst/>
+          </a:prstGeom>
+        </p:spPr>
+        <p:style>
+          <a:lnRef idx="2">
+            <a:schemeClr val="accent1">
+              <a:shade val="15000"/>
+            </a:schemeClr>
+          </a:lnRef>
+          <a:fillRef idx="1">
+            <a:schemeClr val="accent1"/>
+          </a:fillRef>
+          <a:effectRef idx="0">
+            <a:schemeClr val="accent1"/>
+          </a:effectRef>
+          <a:fontRef idx="minor">
+            <a:schemeClr val="lt1"/>
+          </a:fontRef>
+        </p:style>
+        <p:txBody>
+          <a:bodyPr rtlCol="0" anchor="ctr"/>
+          <a:lstStyle/>
+          <a:p>
+            <a:pPr algn="ctr"/>
+            <a:r>
+              <a:rPr lang="en-US" sz="1400" dirty="0"/>
+              <a:t>function</a:t>
+            </a:r>
+            <a:endParaRPr lang="en-IL" sz="1400" dirty="0"/>
+          </a:p>
+        </p:txBody>
+      </p:sp>
+      <p:sp>
+        <p:nvSpPr>
+          <p:cNvPr id="17" name="Rectangle: Rounded Corners 16">
+            <a:extLst>
+              <a:ext uri="{FF2B5EF4-FFF2-40B4-BE49-F238E27FC236}">
+                <a16:creationId xmlns:a16="http://schemas.microsoft.com/office/drawing/2014/main" id="{98575E42-935E-665E-3D27-E4DF64B344F2}"/>
+              </a:ext>
+            </a:extLst>
+          </p:cNvPr>
+          <p:cNvSpPr/>
+          <p:nvPr/>
+        </p:nvSpPr>
+        <p:spPr>
+          <a:xfrm>
+            <a:off x="4036673" y="3912587"/>
+            <a:ext cx="872068" cy="262327"/>
+          </a:xfrm>
+          <a:prstGeom prst="roundRect">
+            <a:avLst/>
+          </a:prstGeom>
+        </p:spPr>
+        <p:style>
+          <a:lnRef idx="2">
+            <a:schemeClr val="accent1">
+              <a:shade val="15000"/>
+            </a:schemeClr>
+          </a:lnRef>
+          <a:fillRef idx="1">
+            <a:schemeClr val="accent1"/>
+          </a:fillRef>
+          <a:effectRef idx="0">
+            <a:schemeClr val="accent1"/>
+          </a:effectRef>
+          <a:fontRef idx="minor">
+            <a:schemeClr val="lt1"/>
+          </a:fontRef>
+        </p:style>
+        <p:txBody>
+          <a:bodyPr rtlCol="0" anchor="ctr"/>
+          <a:lstStyle/>
+          <a:p>
+            <a:pPr algn="ctr"/>
+            <a:r>
+              <a:rPr lang="en-US" sz="1400" dirty="0"/>
+              <a:t>function</a:t>
+            </a:r>
+            <a:endParaRPr lang="en-IL" sz="1400" dirty="0"/>
+          </a:p>
+        </p:txBody>
+      </p:sp>
+      <p:sp>
+        <p:nvSpPr>
+          <p:cNvPr id="18" name="Rectangle: Rounded Corners 17">
+            <a:extLst>
+              <a:ext uri="{FF2B5EF4-FFF2-40B4-BE49-F238E27FC236}">
+                <a16:creationId xmlns:a16="http://schemas.microsoft.com/office/drawing/2014/main" id="{79B3588A-4514-3A52-A0AD-E6C51386CC60}"/>
+              </a:ext>
+            </a:extLst>
+          </p:cNvPr>
+          <p:cNvSpPr/>
+          <p:nvPr/>
+        </p:nvSpPr>
+        <p:spPr>
+          <a:xfrm>
+            <a:off x="4036673" y="5380003"/>
+            <a:ext cx="872068" cy="262327"/>
+          </a:xfrm>
+          <a:prstGeom prst="roundRect">
+            <a:avLst/>
+          </a:prstGeom>
+        </p:spPr>
+        <p:style>
+          <a:lnRef idx="2">
+            <a:schemeClr val="accent1">
+              <a:shade val="15000"/>
+            </a:schemeClr>
+          </a:lnRef>
+          <a:fillRef idx="1">
+            <a:schemeClr val="accent1"/>
+          </a:fillRef>
+          <a:effectRef idx="0">
+            <a:schemeClr val="accent1"/>
+          </a:effectRef>
+          <a:fontRef idx="minor">
+            <a:schemeClr val="lt1"/>
+          </a:fontRef>
+        </p:style>
+        <p:txBody>
+          <a:bodyPr rtlCol="0" anchor="ctr"/>
+          <a:lstStyle/>
+          <a:p>
+            <a:pPr algn="ctr"/>
+            <a:r>
+              <a:rPr lang="en-US" sz="1400" dirty="0"/>
+              <a:t>function</a:t>
+            </a:r>
+            <a:endParaRPr lang="en-IL" sz="1400" dirty="0"/>
+          </a:p>
+        </p:txBody>
+      </p:sp>
+      <p:sp>
+        <p:nvSpPr>
+          <p:cNvPr id="19" name="Rectangle: Rounded Corners 18">
+            <a:extLst>
+              <a:ext uri="{FF2B5EF4-FFF2-40B4-BE49-F238E27FC236}">
+                <a16:creationId xmlns:a16="http://schemas.microsoft.com/office/drawing/2014/main" id="{B7936FEB-66FC-DCB7-CF1C-A2A3DC4F781C}"/>
+              </a:ext>
+            </a:extLst>
+          </p:cNvPr>
+          <p:cNvSpPr/>
+          <p:nvPr/>
+        </p:nvSpPr>
+        <p:spPr>
+          <a:xfrm>
+            <a:off x="4036673" y="5013149"/>
+            <a:ext cx="872068" cy="262327"/>
+          </a:xfrm>
+          <a:prstGeom prst="roundRect">
+            <a:avLst/>
+          </a:prstGeom>
+        </p:spPr>
+        <p:style>
+          <a:lnRef idx="2">
+            <a:schemeClr val="accent1">
+              <a:shade val="15000"/>
+            </a:schemeClr>
+          </a:lnRef>
+          <a:fillRef idx="1">
+            <a:schemeClr val="accent1"/>
+          </a:fillRef>
+          <a:effectRef idx="0">
+            <a:schemeClr val="accent1"/>
+          </a:effectRef>
+          <a:fontRef idx="minor">
+            <a:schemeClr val="lt1"/>
+          </a:fontRef>
+        </p:style>
+        <p:txBody>
+          <a:bodyPr rtlCol="0" anchor="ctr"/>
+          <a:lstStyle/>
+          <a:p>
+            <a:pPr algn="ctr"/>
+            <a:r>
+              <a:rPr lang="en-US" sz="1400" dirty="0"/>
+              <a:t>function</a:t>
+            </a:r>
+            <a:endParaRPr lang="en-IL" sz="1400" dirty="0"/>
+          </a:p>
+        </p:txBody>
+      </p:sp>
+      <p:sp>
+        <p:nvSpPr>
+          <p:cNvPr id="20" name="Rectangle: Rounded Corners 19">
+            <a:extLst>
+              <a:ext uri="{FF2B5EF4-FFF2-40B4-BE49-F238E27FC236}">
+                <a16:creationId xmlns:a16="http://schemas.microsoft.com/office/drawing/2014/main" id="{508AF005-503A-F93C-E5A4-4360F55ED41E}"/>
+              </a:ext>
+            </a:extLst>
+          </p:cNvPr>
+          <p:cNvSpPr/>
+          <p:nvPr/>
+        </p:nvSpPr>
+        <p:spPr>
+          <a:xfrm>
+            <a:off x="4036673" y="4646295"/>
+            <a:ext cx="872068" cy="262327"/>
+          </a:xfrm>
+          <a:prstGeom prst="roundRect">
+            <a:avLst/>
+          </a:prstGeom>
+        </p:spPr>
+        <p:style>
+          <a:lnRef idx="2">
+            <a:schemeClr val="accent1">
+              <a:shade val="15000"/>
+            </a:schemeClr>
+          </a:lnRef>
+          <a:fillRef idx="1">
+            <a:schemeClr val="accent1"/>
+          </a:fillRef>
+          <a:effectRef idx="0">
+            <a:schemeClr val="accent1"/>
+          </a:effectRef>
+          <a:fontRef idx="minor">
+            <a:schemeClr val="lt1"/>
+          </a:fontRef>
+        </p:style>
+        <p:txBody>
+          <a:bodyPr rtlCol="0" anchor="ctr"/>
+          <a:lstStyle/>
+          <a:p>
+            <a:pPr algn="ctr"/>
+            <a:r>
+              <a:rPr lang="en-US" sz="1400" dirty="0"/>
+              <a:t>function</a:t>
+            </a:r>
+            <a:endParaRPr lang="en-IL" sz="1400" dirty="0"/>
+          </a:p>
+        </p:txBody>
+      </p:sp>
+      <p:sp>
+        <p:nvSpPr>
+          <p:cNvPr id="21" name="Rectangle: Rounded Corners 20">
+            <a:extLst>
+              <a:ext uri="{FF2B5EF4-FFF2-40B4-BE49-F238E27FC236}">
+                <a16:creationId xmlns:a16="http://schemas.microsoft.com/office/drawing/2014/main" id="{E82D0D9A-B0CB-8EF7-92C8-900C65AC0242}"/>
+              </a:ext>
+            </a:extLst>
+          </p:cNvPr>
+          <p:cNvSpPr/>
+          <p:nvPr/>
+        </p:nvSpPr>
+        <p:spPr>
+          <a:xfrm>
+            <a:off x="4036673" y="4279441"/>
+            <a:ext cx="872068" cy="262327"/>
+          </a:xfrm>
+          <a:prstGeom prst="roundRect">
+            <a:avLst/>
+          </a:prstGeom>
+        </p:spPr>
+        <p:style>
+          <a:lnRef idx="2">
+            <a:schemeClr val="accent1">
+              <a:shade val="15000"/>
+            </a:schemeClr>
+          </a:lnRef>
+          <a:fillRef idx="1">
+            <a:schemeClr val="accent1"/>
+          </a:fillRef>
+          <a:effectRef idx="0">
+            <a:schemeClr val="accent1"/>
+          </a:effectRef>
+          <a:fontRef idx="minor">
+            <a:schemeClr val="lt1"/>
+          </a:fontRef>
+        </p:style>
+        <p:txBody>
+          <a:bodyPr rtlCol="0" anchor="ctr"/>
+          <a:lstStyle/>
+          <a:p>
+            <a:pPr algn="ctr"/>
+            <a:r>
+              <a:rPr lang="en-US" sz="1400" dirty="0"/>
+              <a:t>function</a:t>
+            </a:r>
+            <a:endParaRPr lang="en-IL" sz="1400" dirty="0"/>
+          </a:p>
+        </p:txBody>
+      </p:sp>
+      <p:cxnSp>
+        <p:nvCxnSpPr>
+          <p:cNvPr id="23" name="Connector: Elbow 22">
+            <a:extLst>
+              <a:ext uri="{FF2B5EF4-FFF2-40B4-BE49-F238E27FC236}">
+                <a16:creationId xmlns:a16="http://schemas.microsoft.com/office/drawing/2014/main" id="{EA7B8942-8CAA-C374-4DA6-B341522C7E6C}"/>
+              </a:ext>
+            </a:extLst>
+          </p:cNvPr>
+          <p:cNvCxnSpPr>
+            <a:stCxn id="4" idx="0"/>
+            <a:endCxn id="12" idx="3"/>
+          </p:cNvCxnSpPr>
+          <p:nvPr/>
+        </p:nvCxnSpPr>
+        <p:spPr>
+          <a:xfrm rot="5400000" flipH="1" flipV="1">
+            <a:off x="7158406" y="1586447"/>
+            <a:ext cx="427676" cy="874054"/>
+          </a:xfrm>
+          <a:prstGeom prst="bentConnector2">
+            <a:avLst/>
+          </a:prstGeom>
+          <a:ln w="57150">
+            <a:tailEnd type="triangle"/>
+          </a:ln>
+        </p:spPr>
+        <p:style>
+          <a:lnRef idx="2">
+            <a:schemeClr val="accent1"/>
+          </a:lnRef>
+          <a:fillRef idx="0">
+            <a:schemeClr val="accent1"/>
+          </a:fillRef>
+          <a:effectRef idx="1">
+            <a:schemeClr val="accent1"/>
+          </a:effectRef>
+          <a:fontRef idx="minor">
+            <a:schemeClr val="tx1"/>
+          </a:fontRef>
+        </p:style>
+      </p:cxnSp>
+      <p:sp>
+        <p:nvSpPr>
+          <p:cNvPr id="24" name="Rectangle: Rounded Corners 23">
+            <a:extLst>
+              <a:ext uri="{FF2B5EF4-FFF2-40B4-BE49-F238E27FC236}">
+                <a16:creationId xmlns:a16="http://schemas.microsoft.com/office/drawing/2014/main" id="{C4C9F4D2-AC74-34E7-AE66-53ED81464A97}"/>
+              </a:ext>
+            </a:extLst>
+          </p:cNvPr>
+          <p:cNvSpPr/>
+          <p:nvPr/>
+        </p:nvSpPr>
+        <p:spPr>
+          <a:xfrm>
+            <a:off x="4036673" y="5746857"/>
+            <a:ext cx="872068" cy="262327"/>
+          </a:xfrm>
+          <a:prstGeom prst="roundRect">
+            <a:avLst/>
+          </a:prstGeom>
+        </p:spPr>
+        <p:style>
+          <a:lnRef idx="2">
+            <a:schemeClr val="accent1">
+              <a:shade val="15000"/>
+            </a:schemeClr>
+          </a:lnRef>
+          <a:fillRef idx="1">
+            <a:schemeClr val="accent1"/>
+          </a:fillRef>
+          <a:effectRef idx="0">
+            <a:schemeClr val="accent1"/>
+          </a:effectRef>
+          <a:fontRef idx="minor">
+            <a:schemeClr val="lt1"/>
+          </a:fontRef>
+        </p:style>
+        <p:txBody>
+          <a:bodyPr rtlCol="0" anchor="ctr"/>
+          <a:lstStyle/>
+          <a:p>
+            <a:pPr algn="ctr"/>
+            <a:r>
+              <a:rPr lang="en-US" sz="1400" dirty="0"/>
+              <a:t>function</a:t>
+            </a:r>
+            <a:endParaRPr lang="en-IL" sz="1400" dirty="0"/>
+          </a:p>
+        </p:txBody>
+      </p:sp>
+      <p:cxnSp>
+        <p:nvCxnSpPr>
+          <p:cNvPr id="26" name="Connector: Elbow 25">
+            <a:extLst>
+              <a:ext uri="{FF2B5EF4-FFF2-40B4-BE49-F238E27FC236}">
+                <a16:creationId xmlns:a16="http://schemas.microsoft.com/office/drawing/2014/main" id="{4B36AEF6-B8CF-3C32-6CFC-624CEB0CE730}"/>
+              </a:ext>
+            </a:extLst>
+          </p:cNvPr>
+          <p:cNvCxnSpPr>
+            <a:endCxn id="4" idx="2"/>
+          </p:cNvCxnSpPr>
+          <p:nvPr/>
+        </p:nvCxnSpPr>
+        <p:spPr>
+          <a:xfrm flipV="1">
+            <a:off x="5390535" y="4827805"/>
+            <a:ext cx="1544682" cy="316507"/>
+          </a:xfrm>
+          <a:prstGeom prst="bentConnector2">
+            <a:avLst/>
+          </a:prstGeom>
+          <a:ln w="57150">
+            <a:tailEnd type="triangle"/>
+          </a:ln>
+        </p:spPr>
+        <p:style>
+          <a:lnRef idx="2">
+            <a:schemeClr val="accent1"/>
+          </a:lnRef>
+          <a:fillRef idx="0">
+            <a:schemeClr val="accent1"/>
+          </a:fillRef>
+          <a:effectRef idx="1">
+            <a:schemeClr val="accent1"/>
+          </a:effectRef>
+          <a:fontRef idx="minor">
+            <a:schemeClr val="tx1"/>
+          </a:fontRef>
+        </p:style>
+      </p:cxnSp>
     </p:spTree>
     <p:extLst>
       <p:ext uri="{BB962C8B-B14F-4D97-AF65-F5344CB8AC3E}">
-        <p14:creationId xmlns:p14="http://schemas.microsoft.com/office/powerpoint/2010/main" val="2148812804"/>
+        <p14:creationId xmlns:p14="http://schemas.microsoft.com/office/powerpoint/2010/main" val="1796345340"/>
       </p:ext>
     </p:extLst>
   </p:cSld>
@@ -5081,6 +5680,390 @@
       </p:grpSpPr>
       <p:sp>
         <p:nvSpPr>
+          <p:cNvPr id="7" name="TextBox 6">
+            <a:extLst>
+              <a:ext uri="{FF2B5EF4-FFF2-40B4-BE49-F238E27FC236}">
+                <a16:creationId xmlns:a16="http://schemas.microsoft.com/office/drawing/2014/main" id="{F947E181-5BF4-6C59-FE37-5F7A6CF56F9B}"/>
+              </a:ext>
+            </a:extLst>
+          </p:cNvPr>
+          <p:cNvSpPr txBox="1"/>
+          <p:nvPr/>
+        </p:nvSpPr>
+        <p:spPr>
+          <a:xfrm>
+            <a:off x="343233" y="3418756"/>
+            <a:ext cx="4945585" cy="3416320"/>
+          </a:xfrm>
+          <a:prstGeom prst="rect">
+            <a:avLst/>
+          </a:prstGeom>
+          <a:noFill/>
+        </p:spPr>
+        <p:txBody>
+          <a:bodyPr wrap="none" rtlCol="0">
+            <a:spAutoFit/>
+          </a:bodyPr>
+          <a:lstStyle/>
+          <a:p>
+            <a:pPr marL="171450" indent="-171450">
+              <a:buFont typeface="Arial" panose="020B0604020202020204" pitchFamily="34" charset="0"/>
+              <a:buChar char="•"/>
+            </a:pPr>
+            <a:r>
+              <a:rPr lang="en-US" sz="2400" dirty="0" err="1">
+                <a:ln w="0"/>
+                <a:solidFill>
+                  <a:schemeClr val="accent2">
+                    <a:lumMod val="75000"/>
+                  </a:schemeClr>
+                </a:solidFill>
+                <a:effectLst>
+                  <a:outerShdw blurRad="38100" dist="25400" dir="5400000" algn="ctr" rotWithShape="0">
+                    <a:srgbClr val="6E747A">
+                      <a:alpha val="43000"/>
+                    </a:srgbClr>
+                  </a:outerShdw>
+                </a:effectLst>
+                <a:latin typeface="Consolas" panose="020B0609020204030204" pitchFamily="49" charset="0"/>
+              </a:rPr>
+              <a:t>setTimeout</a:t>
+            </a:r>
+            <a:r>
+              <a:rPr lang="en-US" sz="2400" dirty="0">
+                <a:ln w="0"/>
+                <a:solidFill>
+                  <a:schemeClr val="accent2">
+                    <a:lumMod val="75000"/>
+                  </a:schemeClr>
+                </a:solidFill>
+                <a:effectLst>
+                  <a:outerShdw blurRad="38100" dist="25400" dir="5400000" algn="ctr" rotWithShape="0">
+                    <a:srgbClr val="6E747A">
+                      <a:alpha val="43000"/>
+                    </a:srgbClr>
+                  </a:outerShdw>
+                </a:effectLst>
+                <a:latin typeface="Consolas" panose="020B0609020204030204" pitchFamily="49" charset="0"/>
+              </a:rPr>
+              <a:t>         (      )</a:t>
+            </a:r>
+          </a:p>
+          <a:p>
+            <a:pPr marL="171450" indent="-171450">
+              <a:buFont typeface="Arial" panose="020B0604020202020204" pitchFamily="34" charset="0"/>
+              <a:buChar char="•"/>
+            </a:pPr>
+            <a:r>
+              <a:rPr lang="en-US" sz="2400" dirty="0" err="1">
+                <a:ln w="0"/>
+                <a:solidFill>
+                  <a:schemeClr val="accent2">
+                    <a:lumMod val="75000"/>
+                  </a:schemeClr>
+                </a:solidFill>
+                <a:effectLst>
+                  <a:outerShdw blurRad="38100" dist="25400" dir="5400000" algn="ctr" rotWithShape="0">
+                    <a:srgbClr val="6E747A">
+                      <a:alpha val="43000"/>
+                    </a:srgbClr>
+                  </a:outerShdw>
+                </a:effectLst>
+                <a:latin typeface="Consolas" panose="020B0609020204030204" pitchFamily="49" charset="0"/>
+              </a:rPr>
+              <a:t>setInterval</a:t>
+            </a:r>
+            <a:r>
+              <a:rPr lang="en-US" sz="2400" dirty="0">
+                <a:ln w="0"/>
+                <a:solidFill>
+                  <a:schemeClr val="accent2">
+                    <a:lumMod val="75000"/>
+                  </a:schemeClr>
+                </a:solidFill>
+                <a:effectLst>
+                  <a:outerShdw blurRad="38100" dist="25400" dir="5400000" algn="ctr" rotWithShape="0">
+                    <a:srgbClr val="6E747A">
+                      <a:alpha val="43000"/>
+                    </a:srgbClr>
+                  </a:outerShdw>
+                </a:effectLst>
+                <a:latin typeface="Consolas" panose="020B0609020204030204" pitchFamily="49" charset="0"/>
+              </a:rPr>
+              <a:t>        (      )</a:t>
+            </a:r>
+          </a:p>
+          <a:p>
+            <a:pPr marL="171450" indent="-171450">
+              <a:buFont typeface="Arial" panose="020B0604020202020204" pitchFamily="34" charset="0"/>
+              <a:buChar char="•"/>
+            </a:pPr>
+            <a:r>
+              <a:rPr lang="en-US" sz="2400" dirty="0" err="1">
+                <a:ln w="0"/>
+                <a:solidFill>
+                  <a:schemeClr val="accent2">
+                    <a:lumMod val="75000"/>
+                  </a:schemeClr>
+                </a:solidFill>
+                <a:effectLst>
+                  <a:outerShdw blurRad="38100" dist="25400" dir="5400000" algn="ctr" rotWithShape="0">
+                    <a:srgbClr val="6E747A">
+                      <a:alpha val="43000"/>
+                    </a:srgbClr>
+                  </a:outerShdw>
+                </a:effectLst>
+                <a:latin typeface="Consolas" panose="020B0609020204030204" pitchFamily="49" charset="0"/>
+              </a:rPr>
+              <a:t>addEventHandler</a:t>
+            </a:r>
+            <a:r>
+              <a:rPr lang="en-US" sz="2400" dirty="0">
+                <a:ln w="0"/>
+                <a:solidFill>
+                  <a:schemeClr val="accent2">
+                    <a:lumMod val="75000"/>
+                  </a:schemeClr>
+                </a:solidFill>
+                <a:effectLst>
+                  <a:outerShdw blurRad="38100" dist="25400" dir="5400000" algn="ctr" rotWithShape="0">
+                    <a:srgbClr val="6E747A">
+                      <a:alpha val="43000"/>
+                    </a:srgbClr>
+                  </a:outerShdw>
+                </a:effectLst>
+                <a:latin typeface="Consolas" panose="020B0609020204030204" pitchFamily="49" charset="0"/>
+              </a:rPr>
+              <a:t>    (      )</a:t>
+            </a:r>
+          </a:p>
+          <a:p>
+            <a:pPr marL="171450" indent="-171450">
+              <a:buFont typeface="Arial" panose="020B0604020202020204" pitchFamily="34" charset="0"/>
+              <a:buChar char="•"/>
+            </a:pPr>
+            <a:r>
+              <a:rPr lang="en-US" sz="2400" dirty="0" err="1">
+                <a:ln w="0"/>
+                <a:solidFill>
+                  <a:schemeClr val="accent2">
+                    <a:lumMod val="75000"/>
+                  </a:schemeClr>
+                </a:solidFill>
+                <a:effectLst>
+                  <a:outerShdw blurRad="38100" dist="25400" dir="5400000" algn="ctr" rotWithShape="0">
+                    <a:srgbClr val="6E747A">
+                      <a:alpha val="43000"/>
+                    </a:srgbClr>
+                  </a:outerShdw>
+                </a:effectLst>
+                <a:latin typeface="Consolas" panose="020B0609020204030204" pitchFamily="49" charset="0"/>
+              </a:rPr>
+              <a:t>XHR.send</a:t>
+            </a:r>
+            <a:r>
+              <a:rPr lang="en-US" sz="2400" dirty="0">
+                <a:ln w="0"/>
+                <a:solidFill>
+                  <a:schemeClr val="accent2">
+                    <a:lumMod val="75000"/>
+                  </a:schemeClr>
+                </a:solidFill>
+                <a:effectLst>
+                  <a:outerShdw blurRad="38100" dist="25400" dir="5400000" algn="ctr" rotWithShape="0">
+                    <a:srgbClr val="6E747A">
+                      <a:alpha val="43000"/>
+                    </a:srgbClr>
+                  </a:outerShdw>
+                </a:effectLst>
+                <a:latin typeface="Consolas" panose="020B0609020204030204" pitchFamily="49" charset="0"/>
+              </a:rPr>
+              <a:t>           (      )</a:t>
+            </a:r>
+          </a:p>
+          <a:p>
+            <a:pPr marL="171450" indent="-171450">
+              <a:buFont typeface="Arial" panose="020B0604020202020204" pitchFamily="34" charset="0"/>
+              <a:buChar char="•"/>
+            </a:pPr>
+            <a:r>
+              <a:rPr lang="en-US" sz="2400" dirty="0">
+                <a:ln w="0"/>
+                <a:solidFill>
+                  <a:schemeClr val="accent2">
+                    <a:lumMod val="75000"/>
+                  </a:schemeClr>
+                </a:solidFill>
+                <a:effectLst>
+                  <a:outerShdw blurRad="38100" dist="25400" dir="5400000" algn="ctr" rotWithShape="0">
+                    <a:srgbClr val="6E747A">
+                      <a:alpha val="43000"/>
+                    </a:srgbClr>
+                  </a:outerShdw>
+                </a:effectLst>
+                <a:latin typeface="Consolas" panose="020B0609020204030204" pitchFamily="49" charset="0"/>
+              </a:rPr>
+              <a:t>Script file loaded (      )</a:t>
+            </a:r>
+          </a:p>
+          <a:p>
+            <a:pPr marL="171450" indent="-171450">
+              <a:buFont typeface="Arial" panose="020B0604020202020204" pitchFamily="34" charset="0"/>
+              <a:buChar char="•"/>
+            </a:pPr>
+            <a:r>
+              <a:rPr lang="en-US" sz="2400" dirty="0" err="1">
+                <a:ln w="0"/>
+                <a:solidFill>
+                  <a:schemeClr val="accent2">
+                    <a:lumMod val="75000"/>
+                  </a:schemeClr>
+                </a:solidFill>
+                <a:effectLst>
+                  <a:outerShdw blurRad="38100" dist="25400" dir="5400000" algn="ctr" rotWithShape="0">
+                    <a:srgbClr val="6E747A">
+                      <a:alpha val="43000"/>
+                    </a:srgbClr>
+                  </a:outerShdw>
+                </a:effectLst>
+                <a:latin typeface="Consolas" panose="020B0609020204030204" pitchFamily="49" charset="0"/>
+              </a:rPr>
+              <a:t>Promise.then</a:t>
+            </a:r>
+            <a:r>
+              <a:rPr lang="en-US" sz="2400" dirty="0">
+                <a:ln w="0"/>
+                <a:solidFill>
+                  <a:schemeClr val="accent2">
+                    <a:lumMod val="75000"/>
+                  </a:schemeClr>
+                </a:solidFill>
+                <a:effectLst>
+                  <a:outerShdw blurRad="38100" dist="25400" dir="5400000" algn="ctr" rotWithShape="0">
+                    <a:srgbClr val="6E747A">
+                      <a:alpha val="43000"/>
+                    </a:srgbClr>
+                  </a:outerShdw>
+                </a:effectLst>
+                <a:latin typeface="Consolas" panose="020B0609020204030204" pitchFamily="49" charset="0"/>
+              </a:rPr>
+              <a:t>       (      )</a:t>
+            </a:r>
+          </a:p>
+          <a:p>
+            <a:pPr marL="171450" indent="-171450">
+              <a:buFont typeface="Arial" panose="020B0604020202020204" pitchFamily="34" charset="0"/>
+              <a:buChar char="•"/>
+            </a:pPr>
+            <a:r>
+              <a:rPr lang="en-US" sz="2400" dirty="0" err="1">
+                <a:ln w="0"/>
+                <a:solidFill>
+                  <a:schemeClr val="accent2">
+                    <a:lumMod val="75000"/>
+                  </a:schemeClr>
+                </a:solidFill>
+                <a:effectLst>
+                  <a:outerShdw blurRad="38100" dist="25400" dir="5400000" algn="ctr" rotWithShape="0">
+                    <a:srgbClr val="6E747A">
+                      <a:alpha val="43000"/>
+                    </a:srgbClr>
+                  </a:outerShdw>
+                </a:effectLst>
+                <a:latin typeface="Consolas" panose="020B0609020204030204" pitchFamily="49" charset="0"/>
+              </a:rPr>
+              <a:t>Promise.catch</a:t>
+            </a:r>
+            <a:r>
+              <a:rPr lang="en-US" sz="2400" dirty="0">
+                <a:ln w="0"/>
+                <a:solidFill>
+                  <a:schemeClr val="accent2">
+                    <a:lumMod val="75000"/>
+                  </a:schemeClr>
+                </a:solidFill>
+                <a:effectLst>
+                  <a:outerShdw blurRad="38100" dist="25400" dir="5400000" algn="ctr" rotWithShape="0">
+                    <a:srgbClr val="6E747A">
+                      <a:alpha val="43000"/>
+                    </a:srgbClr>
+                  </a:outerShdw>
+                </a:effectLst>
+                <a:latin typeface="Consolas" panose="020B0609020204030204" pitchFamily="49" charset="0"/>
+              </a:rPr>
+              <a:t>      (      )</a:t>
+            </a:r>
+          </a:p>
+          <a:p>
+            <a:pPr marL="171450" indent="-171450">
+              <a:buFont typeface="Arial" panose="020B0604020202020204" pitchFamily="34" charset="0"/>
+              <a:buChar char="•"/>
+            </a:pPr>
+            <a:r>
+              <a:rPr lang="en-US" sz="2400" dirty="0" err="1">
+                <a:ln w="0"/>
+                <a:solidFill>
+                  <a:schemeClr val="accent2">
+                    <a:lumMod val="75000"/>
+                  </a:schemeClr>
+                </a:solidFill>
+                <a:effectLst>
+                  <a:outerShdw blurRad="38100" dist="25400" dir="5400000" algn="ctr" rotWithShape="0">
+                    <a:srgbClr val="6E747A">
+                      <a:alpha val="43000"/>
+                    </a:srgbClr>
+                  </a:outerShdw>
+                </a:effectLst>
+                <a:latin typeface="Consolas" panose="020B0609020204030204" pitchFamily="49" charset="0"/>
+              </a:rPr>
+              <a:t>queueMicrotask</a:t>
+            </a:r>
+            <a:r>
+              <a:rPr lang="en-US" sz="2400" dirty="0">
+                <a:ln w="0"/>
+                <a:solidFill>
+                  <a:schemeClr val="accent2">
+                    <a:lumMod val="75000"/>
+                  </a:schemeClr>
+                </a:solidFill>
+                <a:effectLst>
+                  <a:outerShdw blurRad="38100" dist="25400" dir="5400000" algn="ctr" rotWithShape="0">
+                    <a:srgbClr val="6E747A">
+                      <a:alpha val="43000"/>
+                    </a:srgbClr>
+                  </a:outerShdw>
+                </a:effectLst>
+                <a:latin typeface="Consolas" panose="020B0609020204030204" pitchFamily="49" charset="0"/>
+              </a:rPr>
+              <a:t>     (      )</a:t>
+            </a:r>
+          </a:p>
+          <a:p>
+            <a:pPr marL="171450" indent="-171450">
+              <a:buFont typeface="Arial" panose="020B0604020202020204" pitchFamily="34" charset="0"/>
+              <a:buChar char="•"/>
+            </a:pPr>
+            <a:endParaRPr lang="en-US" sz="2400" dirty="0">
+              <a:ln w="0"/>
+              <a:solidFill>
+                <a:schemeClr val="accent2">
+                  <a:lumMod val="75000"/>
+                </a:schemeClr>
+              </a:solidFill>
+              <a:effectLst>
+                <a:outerShdw blurRad="38100" dist="25400" dir="5400000" algn="ctr" rotWithShape="0">
+                  <a:srgbClr val="6E747A">
+                    <a:alpha val="43000"/>
+                  </a:srgbClr>
+                </a:outerShdw>
+              </a:effectLst>
+              <a:latin typeface="Consolas" panose="020B0609020204030204" pitchFamily="49" charset="0"/>
+            </a:endParaRPr>
+          </a:p>
+        </p:txBody>
+      </p:sp>
+      <p:sp>
+        <p:nvSpPr>
           <p:cNvPr id="2" name="Title 1">
             <a:extLst>
               <a:ext uri="{FF2B5EF4-FFF2-40B4-BE49-F238E27FC236}">
@@ -5102,7 +6085,7 @@
           <a:p>
             <a:r>
               <a:rPr lang="en-US" dirty="0"/>
-              <a:t>Angular Change Detection</a:t>
+              <a:t>Zone - Simplified</a:t>
             </a:r>
             <a:endParaRPr lang="en-IL" dirty="0"/>
           </a:p>
@@ -5122,8 +6105,8 @@
         </p:nvSpPr>
         <p:spPr>
           <a:xfrm>
-            <a:off x="2818547" y="2505075"/>
-            <a:ext cx="1293017" cy="2305050"/>
+            <a:off x="6096000" y="2237312"/>
+            <a:ext cx="2671916" cy="2590493"/>
           </a:xfrm>
           <a:prstGeom prst="rect">
             <a:avLst/>
@@ -5154,7 +6137,7 @@
                   <a:schemeClr val="dk1"/>
                 </a:solidFill>
               </a:rPr>
-              <a:t>Microtasks Queue</a:t>
+              <a:t>Tasks Queue</a:t>
             </a:r>
             <a:endParaRPr lang="en-IL" dirty="0">
               <a:solidFill>
@@ -5166,10 +6149,10 @@
       </p:sp>
       <p:sp>
         <p:nvSpPr>
-          <p:cNvPr id="5" name="Rectangle 4">
-            <a:extLst>
-              <a:ext uri="{FF2B5EF4-FFF2-40B4-BE49-F238E27FC236}">
-                <a16:creationId xmlns:a16="http://schemas.microsoft.com/office/drawing/2014/main" id="{55AFD42E-4192-17B4-8A1B-19FE961388B3}"/>
+          <p:cNvPr id="6" name="Rectangle: Rounded Corners 5">
+            <a:extLst>
+              <a:ext uri="{FF2B5EF4-FFF2-40B4-BE49-F238E27FC236}">
+                <a16:creationId xmlns:a16="http://schemas.microsoft.com/office/drawing/2014/main" id="{4FE7DAB3-DE91-5AB5-B9AF-75B46A9FECBA}"/>
               </a:ext>
             </a:extLst>
           </p:cNvPr>
@@ -5178,63 +6161,7 @@
         </p:nvSpPr>
         <p:spPr>
           <a:xfrm>
-            <a:off x="1356460" y="2505075"/>
-            <a:ext cx="1293017" cy="2305050"/>
-          </a:xfrm>
-          <a:prstGeom prst="rect">
-            <a:avLst/>
-          </a:prstGeom>
-        </p:spPr>
-        <p:style>
-          <a:lnRef idx="2">
-            <a:schemeClr val="dk1"/>
-          </a:lnRef>
-          <a:fillRef idx="1">
-            <a:schemeClr val="lt1"/>
-          </a:fillRef>
-          <a:effectRef idx="0">
-            <a:schemeClr val="dk1"/>
-          </a:effectRef>
-          <a:fontRef idx="minor">
-            <a:schemeClr val="dk1"/>
-          </a:fontRef>
-        </p:style>
-        <p:txBody>
-          <a:bodyPr rtlCol="0" anchor="b"/>
-          <a:lstStyle/>
-          <a:p>
-            <a:pPr algn="ctr"/>
-            <a:r>
-              <a:rPr lang="en-US" dirty="0">
-                <a:solidFill>
-                  <a:schemeClr val="dk1"/>
-                </a:solidFill>
-              </a:rPr>
-              <a:t>Tasks Queue</a:t>
-            </a:r>
-            <a:endParaRPr lang="en-IL" dirty="0">
-              <a:solidFill>
-                <a:schemeClr val="dk1"/>
-              </a:solidFill>
-            </a:endParaRPr>
-          </a:p>
-        </p:txBody>
-      </p:sp>
-      <p:sp>
-        <p:nvSpPr>
-          <p:cNvPr id="6" name="Rectangle: Rounded Corners 5">
-            <a:extLst>
-              <a:ext uri="{FF2B5EF4-FFF2-40B4-BE49-F238E27FC236}">
-                <a16:creationId xmlns:a16="http://schemas.microsoft.com/office/drawing/2014/main" id="{4FE7DAB3-DE91-5AB5-B9AF-75B46A9FECBA}"/>
-              </a:ext>
-            </a:extLst>
-          </p:cNvPr>
-          <p:cNvSpPr/>
-          <p:nvPr/>
-        </p:nvSpPr>
-        <p:spPr>
-          <a:xfrm>
-            <a:off x="2928084" y="2705100"/>
+            <a:off x="6898860" y="2402619"/>
             <a:ext cx="1057276" cy="457200"/>
           </a:xfrm>
           <a:prstGeom prst="roundRect">
@@ -5284,8 +6211,8 @@
         </p:nvSpPr>
         <p:spPr>
           <a:xfrm>
-            <a:off x="2928084" y="3309937"/>
-            <a:ext cx="1057276" cy="457200"/>
+            <a:off x="4036673" y="3545733"/>
+            <a:ext cx="872068" cy="262327"/>
           </a:xfrm>
           <a:prstGeom prst="roundRect">
             <a:avLst/>
@@ -5313,60 +6240,10 @@
           <a:p>
             <a:pPr algn="ctr"/>
             <a:r>
-              <a:rPr lang="en-US" dirty="0"/>
+              <a:rPr lang="en-US" sz="1400" dirty="0"/>
               <a:t>function</a:t>
             </a:r>
-            <a:endParaRPr lang="en-IL" dirty="0"/>
-          </a:p>
-        </p:txBody>
-      </p:sp>
-      <p:sp>
-        <p:nvSpPr>
-          <p:cNvPr id="9" name="Rectangle: Rounded Corners 8">
-            <a:extLst>
-              <a:ext uri="{FF2B5EF4-FFF2-40B4-BE49-F238E27FC236}">
-                <a16:creationId xmlns:a16="http://schemas.microsoft.com/office/drawing/2014/main" id="{F909F474-0491-4121-8BFD-A8CA99370D95}"/>
-              </a:ext>
-            </a:extLst>
-          </p:cNvPr>
-          <p:cNvSpPr/>
-          <p:nvPr/>
-        </p:nvSpPr>
-        <p:spPr>
-          <a:xfrm>
-            <a:off x="1474330" y="2709862"/>
-            <a:ext cx="1057276" cy="457200"/>
-          </a:xfrm>
-          <a:prstGeom prst="roundRect">
-            <a:avLst/>
-          </a:prstGeom>
-        </p:spPr>
-        <p:style>
-          <a:lnRef idx="2">
-            <a:schemeClr val="accent1">
-              <a:shade val="15000"/>
-            </a:schemeClr>
-          </a:lnRef>
-          <a:fillRef idx="1">
-            <a:schemeClr val="accent1"/>
-          </a:fillRef>
-          <a:effectRef idx="0">
-            <a:schemeClr val="accent1"/>
-          </a:effectRef>
-          <a:fontRef idx="minor">
-            <a:schemeClr val="lt1"/>
-          </a:fontRef>
-        </p:style>
-        <p:txBody>
-          <a:bodyPr rtlCol="0" anchor="ctr"/>
-          <a:lstStyle/>
-          <a:p>
-            <a:pPr algn="ctr"/>
-            <a:r>
-              <a:rPr lang="en-US" dirty="0"/>
-              <a:t>function</a:t>
-            </a:r>
-            <a:endParaRPr lang="en-IL" dirty="0"/>
+            <a:endParaRPr lang="en-IL" sz="1400" dirty="0"/>
           </a:p>
         </p:txBody>
       </p:sp>
@@ -5384,8 +6261,8 @@
         </p:nvGrpSpPr>
         <p:grpSpPr>
           <a:xfrm>
-            <a:off x="4486276" y="2247900"/>
-            <a:ext cx="6715124" cy="533400"/>
+            <a:off x="7809271" y="1542936"/>
+            <a:ext cx="3512494" cy="533400"/>
             <a:chOff x="3171826" y="3276600"/>
             <a:chExt cx="6715125" cy="533400"/>
           </a:xfrm>
@@ -5450,8 +6327,8 @@
           </p:nvSpPr>
           <p:spPr>
             <a:xfrm>
-              <a:off x="5819775" y="3352800"/>
-              <a:ext cx="1485900" cy="352425"/>
+              <a:off x="7435082" y="3367086"/>
+              <a:ext cx="2021282" cy="352425"/>
             </a:xfrm>
             <a:prstGeom prst="rect">
               <a:avLst/>
@@ -5482,6 +6359,16 @@
             <a:lstStyle/>
             <a:p>
               <a:pPr algn="r"/>
+              <a:r>
+                <a:rPr lang="en-US" dirty="0">
+                  <a:solidFill>
+                    <a:schemeClr val="accent1">
+                      <a:lumMod val="75000"/>
+                    </a:schemeClr>
+                  </a:solidFill>
+                </a:rPr>
+                <a:t>Thread</a:t>
+              </a:r>
               <a:endParaRPr lang="en-IL" dirty="0">
                 <a:solidFill>
                   <a:schemeClr val="accent1">
@@ -5495,10 +6382,10 @@
       </p:grpSp>
       <p:sp>
         <p:nvSpPr>
-          <p:cNvPr id="7" name="Rectangle 6">
-            <a:extLst>
-              <a:ext uri="{FF2B5EF4-FFF2-40B4-BE49-F238E27FC236}">
-                <a16:creationId xmlns:a16="http://schemas.microsoft.com/office/drawing/2014/main" id="{AFCFAB09-81CE-A134-D9A3-2D5B47FD0869}"/>
+          <p:cNvPr id="3" name="Rectangle: Rounded Corners 2">
+            <a:extLst>
+              <a:ext uri="{FF2B5EF4-FFF2-40B4-BE49-F238E27FC236}">
+                <a16:creationId xmlns:a16="http://schemas.microsoft.com/office/drawing/2014/main" id="{A4290B72-3338-F5F6-7A61-815874A373F9}"/>
               </a:ext>
             </a:extLst>
           </p:cNvPr>
@@ -5507,10 +6394,10 @@
         </p:nvSpPr>
         <p:spPr>
           <a:xfrm>
-            <a:off x="7046287" y="2324100"/>
-            <a:ext cx="1200150" cy="409575"/>
+            <a:off x="8545374" y="1581036"/>
+            <a:ext cx="1057276" cy="457200"/>
           </a:xfrm>
-          <a:prstGeom prst="rect">
+          <a:prstGeom prst="roundRect">
             <a:avLst/>
           </a:prstGeom>
         </p:spPr>
@@ -5545,10 +6432,10 @@
       </p:sp>
       <p:sp>
         <p:nvSpPr>
-          <p:cNvPr id="10" name="Rectangle 9">
-            <a:extLst>
-              <a:ext uri="{FF2B5EF4-FFF2-40B4-BE49-F238E27FC236}">
-                <a16:creationId xmlns:a16="http://schemas.microsoft.com/office/drawing/2014/main" id="{449744B3-6B64-6F29-DCAE-510E9F9F10FB}"/>
+          <p:cNvPr id="5" name="Rectangle: Rounded Corners 4">
+            <a:extLst>
+              <a:ext uri="{FF2B5EF4-FFF2-40B4-BE49-F238E27FC236}">
+                <a16:creationId xmlns:a16="http://schemas.microsoft.com/office/drawing/2014/main" id="{6580C167-42C3-EAED-3C61-7736BE66AB16}"/>
               </a:ext>
             </a:extLst>
           </p:cNvPr>
@@ -5557,8 +6444,543 @@
         </p:nvSpPr>
         <p:spPr>
           <a:xfrm>
-            <a:off x="4817943" y="2324100"/>
-            <a:ext cx="2228344" cy="409575"/>
+            <a:off x="6906234" y="3532559"/>
+            <a:ext cx="1057276" cy="457200"/>
+          </a:xfrm>
+          <a:prstGeom prst="roundRect">
+            <a:avLst/>
+          </a:prstGeom>
+        </p:spPr>
+        <p:style>
+          <a:lnRef idx="2">
+            <a:schemeClr val="accent1">
+              <a:shade val="15000"/>
+            </a:schemeClr>
+          </a:lnRef>
+          <a:fillRef idx="1">
+            <a:schemeClr val="accent1"/>
+          </a:fillRef>
+          <a:effectRef idx="0">
+            <a:schemeClr val="accent1"/>
+          </a:effectRef>
+          <a:fontRef idx="minor">
+            <a:schemeClr val="lt1"/>
+          </a:fontRef>
+        </p:style>
+        <p:txBody>
+          <a:bodyPr rtlCol="0" anchor="ctr"/>
+          <a:lstStyle/>
+          <a:p>
+            <a:pPr algn="ctr"/>
+            <a:r>
+              <a:rPr lang="en-US" dirty="0"/>
+              <a:t>function</a:t>
+            </a:r>
+            <a:endParaRPr lang="en-IL" dirty="0"/>
+          </a:p>
+        </p:txBody>
+      </p:sp>
+      <p:sp>
+        <p:nvSpPr>
+          <p:cNvPr id="15" name="Rectangle: Rounded Corners 14">
+            <a:extLst>
+              <a:ext uri="{FF2B5EF4-FFF2-40B4-BE49-F238E27FC236}">
+                <a16:creationId xmlns:a16="http://schemas.microsoft.com/office/drawing/2014/main" id="{4F49D9BA-7A2F-FD0C-1431-D1DD2348AABB}"/>
+              </a:ext>
+            </a:extLst>
+          </p:cNvPr>
+          <p:cNvSpPr/>
+          <p:nvPr/>
+        </p:nvSpPr>
+        <p:spPr>
+          <a:xfrm>
+            <a:off x="6898860" y="2971800"/>
+            <a:ext cx="1057276" cy="457200"/>
+          </a:xfrm>
+          <a:prstGeom prst="roundRect">
+            <a:avLst/>
+          </a:prstGeom>
+        </p:spPr>
+        <p:style>
+          <a:lnRef idx="2">
+            <a:schemeClr val="accent1">
+              <a:shade val="15000"/>
+            </a:schemeClr>
+          </a:lnRef>
+          <a:fillRef idx="1">
+            <a:schemeClr val="accent1"/>
+          </a:fillRef>
+          <a:effectRef idx="0">
+            <a:schemeClr val="accent1"/>
+          </a:effectRef>
+          <a:fontRef idx="minor">
+            <a:schemeClr val="lt1"/>
+          </a:fontRef>
+        </p:style>
+        <p:txBody>
+          <a:bodyPr rtlCol="0" anchor="ctr"/>
+          <a:lstStyle/>
+          <a:p>
+            <a:pPr algn="ctr"/>
+            <a:r>
+              <a:rPr lang="en-US" dirty="0"/>
+              <a:t>function</a:t>
+            </a:r>
+            <a:endParaRPr lang="en-IL" dirty="0"/>
+          </a:p>
+        </p:txBody>
+      </p:sp>
+      <p:sp>
+        <p:nvSpPr>
+          <p:cNvPr id="16" name="Rectangle: Rounded Corners 15">
+            <a:extLst>
+              <a:ext uri="{FF2B5EF4-FFF2-40B4-BE49-F238E27FC236}">
+                <a16:creationId xmlns:a16="http://schemas.microsoft.com/office/drawing/2014/main" id="{3795549D-DB70-8E3E-6C0F-B30C88248505}"/>
+              </a:ext>
+            </a:extLst>
+          </p:cNvPr>
+          <p:cNvSpPr/>
+          <p:nvPr/>
+        </p:nvSpPr>
+        <p:spPr>
+          <a:xfrm>
+            <a:off x="4036673" y="6113714"/>
+            <a:ext cx="872068" cy="262327"/>
+          </a:xfrm>
+          <a:prstGeom prst="roundRect">
+            <a:avLst/>
+          </a:prstGeom>
+        </p:spPr>
+        <p:style>
+          <a:lnRef idx="2">
+            <a:schemeClr val="accent1">
+              <a:shade val="15000"/>
+            </a:schemeClr>
+          </a:lnRef>
+          <a:fillRef idx="1">
+            <a:schemeClr val="accent1"/>
+          </a:fillRef>
+          <a:effectRef idx="0">
+            <a:schemeClr val="accent1"/>
+          </a:effectRef>
+          <a:fontRef idx="minor">
+            <a:schemeClr val="lt1"/>
+          </a:fontRef>
+        </p:style>
+        <p:txBody>
+          <a:bodyPr rtlCol="0" anchor="ctr"/>
+          <a:lstStyle/>
+          <a:p>
+            <a:pPr algn="ctr"/>
+            <a:r>
+              <a:rPr lang="en-US" sz="1400" dirty="0"/>
+              <a:t>function</a:t>
+            </a:r>
+            <a:endParaRPr lang="en-IL" sz="1400" dirty="0"/>
+          </a:p>
+        </p:txBody>
+      </p:sp>
+      <p:sp>
+        <p:nvSpPr>
+          <p:cNvPr id="17" name="Rectangle: Rounded Corners 16">
+            <a:extLst>
+              <a:ext uri="{FF2B5EF4-FFF2-40B4-BE49-F238E27FC236}">
+                <a16:creationId xmlns:a16="http://schemas.microsoft.com/office/drawing/2014/main" id="{98575E42-935E-665E-3D27-E4DF64B344F2}"/>
+              </a:ext>
+            </a:extLst>
+          </p:cNvPr>
+          <p:cNvSpPr/>
+          <p:nvPr/>
+        </p:nvSpPr>
+        <p:spPr>
+          <a:xfrm>
+            <a:off x="4036673" y="3912587"/>
+            <a:ext cx="872068" cy="262327"/>
+          </a:xfrm>
+          <a:prstGeom prst="roundRect">
+            <a:avLst/>
+          </a:prstGeom>
+        </p:spPr>
+        <p:style>
+          <a:lnRef idx="2">
+            <a:schemeClr val="accent1">
+              <a:shade val="15000"/>
+            </a:schemeClr>
+          </a:lnRef>
+          <a:fillRef idx="1">
+            <a:schemeClr val="accent1"/>
+          </a:fillRef>
+          <a:effectRef idx="0">
+            <a:schemeClr val="accent1"/>
+          </a:effectRef>
+          <a:fontRef idx="minor">
+            <a:schemeClr val="lt1"/>
+          </a:fontRef>
+        </p:style>
+        <p:txBody>
+          <a:bodyPr rtlCol="0" anchor="ctr"/>
+          <a:lstStyle/>
+          <a:p>
+            <a:pPr algn="ctr"/>
+            <a:r>
+              <a:rPr lang="en-US" sz="1400" dirty="0"/>
+              <a:t>function</a:t>
+            </a:r>
+            <a:endParaRPr lang="en-IL" sz="1400" dirty="0"/>
+          </a:p>
+        </p:txBody>
+      </p:sp>
+      <p:sp>
+        <p:nvSpPr>
+          <p:cNvPr id="18" name="Rectangle: Rounded Corners 17">
+            <a:extLst>
+              <a:ext uri="{FF2B5EF4-FFF2-40B4-BE49-F238E27FC236}">
+                <a16:creationId xmlns:a16="http://schemas.microsoft.com/office/drawing/2014/main" id="{79B3588A-4514-3A52-A0AD-E6C51386CC60}"/>
+              </a:ext>
+            </a:extLst>
+          </p:cNvPr>
+          <p:cNvSpPr/>
+          <p:nvPr/>
+        </p:nvSpPr>
+        <p:spPr>
+          <a:xfrm>
+            <a:off x="4036673" y="5380003"/>
+            <a:ext cx="872068" cy="262327"/>
+          </a:xfrm>
+          <a:prstGeom prst="roundRect">
+            <a:avLst/>
+          </a:prstGeom>
+        </p:spPr>
+        <p:style>
+          <a:lnRef idx="2">
+            <a:schemeClr val="accent1">
+              <a:shade val="15000"/>
+            </a:schemeClr>
+          </a:lnRef>
+          <a:fillRef idx="1">
+            <a:schemeClr val="accent1"/>
+          </a:fillRef>
+          <a:effectRef idx="0">
+            <a:schemeClr val="accent1"/>
+          </a:effectRef>
+          <a:fontRef idx="minor">
+            <a:schemeClr val="lt1"/>
+          </a:fontRef>
+        </p:style>
+        <p:txBody>
+          <a:bodyPr rtlCol="0" anchor="ctr"/>
+          <a:lstStyle/>
+          <a:p>
+            <a:pPr algn="ctr"/>
+            <a:r>
+              <a:rPr lang="en-US" sz="1400" dirty="0"/>
+              <a:t>function</a:t>
+            </a:r>
+            <a:endParaRPr lang="en-IL" sz="1400" dirty="0"/>
+          </a:p>
+        </p:txBody>
+      </p:sp>
+      <p:sp>
+        <p:nvSpPr>
+          <p:cNvPr id="19" name="Rectangle: Rounded Corners 18">
+            <a:extLst>
+              <a:ext uri="{FF2B5EF4-FFF2-40B4-BE49-F238E27FC236}">
+                <a16:creationId xmlns:a16="http://schemas.microsoft.com/office/drawing/2014/main" id="{B7936FEB-66FC-DCB7-CF1C-A2A3DC4F781C}"/>
+              </a:ext>
+            </a:extLst>
+          </p:cNvPr>
+          <p:cNvSpPr/>
+          <p:nvPr/>
+        </p:nvSpPr>
+        <p:spPr>
+          <a:xfrm>
+            <a:off x="4036673" y="5013149"/>
+            <a:ext cx="872068" cy="262327"/>
+          </a:xfrm>
+          <a:prstGeom prst="roundRect">
+            <a:avLst/>
+          </a:prstGeom>
+        </p:spPr>
+        <p:style>
+          <a:lnRef idx="2">
+            <a:schemeClr val="accent1">
+              <a:shade val="15000"/>
+            </a:schemeClr>
+          </a:lnRef>
+          <a:fillRef idx="1">
+            <a:schemeClr val="accent1"/>
+          </a:fillRef>
+          <a:effectRef idx="0">
+            <a:schemeClr val="accent1"/>
+          </a:effectRef>
+          <a:fontRef idx="minor">
+            <a:schemeClr val="lt1"/>
+          </a:fontRef>
+        </p:style>
+        <p:txBody>
+          <a:bodyPr rtlCol="0" anchor="ctr"/>
+          <a:lstStyle/>
+          <a:p>
+            <a:pPr algn="ctr"/>
+            <a:r>
+              <a:rPr lang="en-US" sz="1400" dirty="0"/>
+              <a:t>function</a:t>
+            </a:r>
+            <a:endParaRPr lang="en-IL" sz="1400" dirty="0"/>
+          </a:p>
+        </p:txBody>
+      </p:sp>
+      <p:sp>
+        <p:nvSpPr>
+          <p:cNvPr id="20" name="Rectangle: Rounded Corners 19">
+            <a:extLst>
+              <a:ext uri="{FF2B5EF4-FFF2-40B4-BE49-F238E27FC236}">
+                <a16:creationId xmlns:a16="http://schemas.microsoft.com/office/drawing/2014/main" id="{508AF005-503A-F93C-E5A4-4360F55ED41E}"/>
+              </a:ext>
+            </a:extLst>
+          </p:cNvPr>
+          <p:cNvSpPr/>
+          <p:nvPr/>
+        </p:nvSpPr>
+        <p:spPr>
+          <a:xfrm>
+            <a:off x="4036673" y="4646295"/>
+            <a:ext cx="872068" cy="262327"/>
+          </a:xfrm>
+          <a:prstGeom prst="roundRect">
+            <a:avLst/>
+          </a:prstGeom>
+        </p:spPr>
+        <p:style>
+          <a:lnRef idx="2">
+            <a:schemeClr val="accent1">
+              <a:shade val="15000"/>
+            </a:schemeClr>
+          </a:lnRef>
+          <a:fillRef idx="1">
+            <a:schemeClr val="accent1"/>
+          </a:fillRef>
+          <a:effectRef idx="0">
+            <a:schemeClr val="accent1"/>
+          </a:effectRef>
+          <a:fontRef idx="minor">
+            <a:schemeClr val="lt1"/>
+          </a:fontRef>
+        </p:style>
+        <p:txBody>
+          <a:bodyPr rtlCol="0" anchor="ctr"/>
+          <a:lstStyle/>
+          <a:p>
+            <a:pPr algn="ctr"/>
+            <a:r>
+              <a:rPr lang="en-US" sz="1400" dirty="0"/>
+              <a:t>function</a:t>
+            </a:r>
+            <a:endParaRPr lang="en-IL" sz="1400" dirty="0"/>
+          </a:p>
+        </p:txBody>
+      </p:sp>
+      <p:sp>
+        <p:nvSpPr>
+          <p:cNvPr id="21" name="Rectangle: Rounded Corners 20">
+            <a:extLst>
+              <a:ext uri="{FF2B5EF4-FFF2-40B4-BE49-F238E27FC236}">
+                <a16:creationId xmlns:a16="http://schemas.microsoft.com/office/drawing/2014/main" id="{E82D0D9A-B0CB-8EF7-92C8-900C65AC0242}"/>
+              </a:ext>
+            </a:extLst>
+          </p:cNvPr>
+          <p:cNvSpPr/>
+          <p:nvPr/>
+        </p:nvSpPr>
+        <p:spPr>
+          <a:xfrm>
+            <a:off x="4036673" y="4279441"/>
+            <a:ext cx="872068" cy="262327"/>
+          </a:xfrm>
+          <a:prstGeom prst="roundRect">
+            <a:avLst/>
+          </a:prstGeom>
+        </p:spPr>
+        <p:style>
+          <a:lnRef idx="2">
+            <a:schemeClr val="accent1">
+              <a:shade val="15000"/>
+            </a:schemeClr>
+          </a:lnRef>
+          <a:fillRef idx="1">
+            <a:schemeClr val="accent1"/>
+          </a:fillRef>
+          <a:effectRef idx="0">
+            <a:schemeClr val="accent1"/>
+          </a:effectRef>
+          <a:fontRef idx="minor">
+            <a:schemeClr val="lt1"/>
+          </a:fontRef>
+        </p:style>
+        <p:txBody>
+          <a:bodyPr rtlCol="0" anchor="ctr"/>
+          <a:lstStyle/>
+          <a:p>
+            <a:pPr algn="ctr"/>
+            <a:r>
+              <a:rPr lang="en-US" sz="1400" dirty="0"/>
+              <a:t>function</a:t>
+            </a:r>
+            <a:endParaRPr lang="en-IL" sz="1400" dirty="0"/>
+          </a:p>
+        </p:txBody>
+      </p:sp>
+      <p:cxnSp>
+        <p:nvCxnSpPr>
+          <p:cNvPr id="23" name="Connector: Elbow 22">
+            <a:extLst>
+              <a:ext uri="{FF2B5EF4-FFF2-40B4-BE49-F238E27FC236}">
+                <a16:creationId xmlns:a16="http://schemas.microsoft.com/office/drawing/2014/main" id="{EA7B8942-8CAA-C374-4DA6-B341522C7E6C}"/>
+              </a:ext>
+            </a:extLst>
+          </p:cNvPr>
+          <p:cNvCxnSpPr>
+            <a:cxnSpLocks/>
+            <a:stCxn id="4" idx="0"/>
+            <a:endCxn id="12" idx="3"/>
+          </p:cNvCxnSpPr>
+          <p:nvPr/>
+        </p:nvCxnSpPr>
+        <p:spPr>
+          <a:xfrm rot="5400000" flipH="1" flipV="1">
+            <a:off x="7406776" y="1834818"/>
+            <a:ext cx="427676" cy="377313"/>
+          </a:xfrm>
+          <a:prstGeom prst="bentConnector2">
+            <a:avLst/>
+          </a:prstGeom>
+          <a:ln w="57150">
+            <a:tailEnd type="triangle"/>
+          </a:ln>
+        </p:spPr>
+        <p:style>
+          <a:lnRef idx="2">
+            <a:schemeClr val="accent1"/>
+          </a:lnRef>
+          <a:fillRef idx="0">
+            <a:schemeClr val="accent1"/>
+          </a:fillRef>
+          <a:effectRef idx="1">
+            <a:schemeClr val="accent1"/>
+          </a:effectRef>
+          <a:fontRef idx="minor">
+            <a:schemeClr val="tx1"/>
+          </a:fontRef>
+        </p:style>
+      </p:cxnSp>
+      <p:sp>
+        <p:nvSpPr>
+          <p:cNvPr id="24" name="Rectangle: Rounded Corners 23">
+            <a:extLst>
+              <a:ext uri="{FF2B5EF4-FFF2-40B4-BE49-F238E27FC236}">
+                <a16:creationId xmlns:a16="http://schemas.microsoft.com/office/drawing/2014/main" id="{C4C9F4D2-AC74-34E7-AE66-53ED81464A97}"/>
+              </a:ext>
+            </a:extLst>
+          </p:cNvPr>
+          <p:cNvSpPr/>
+          <p:nvPr/>
+        </p:nvSpPr>
+        <p:spPr>
+          <a:xfrm>
+            <a:off x="4036673" y="5746857"/>
+            <a:ext cx="872068" cy="262327"/>
+          </a:xfrm>
+          <a:prstGeom prst="roundRect">
+            <a:avLst/>
+          </a:prstGeom>
+        </p:spPr>
+        <p:style>
+          <a:lnRef idx="2">
+            <a:schemeClr val="accent1">
+              <a:shade val="15000"/>
+            </a:schemeClr>
+          </a:lnRef>
+          <a:fillRef idx="1">
+            <a:schemeClr val="accent1"/>
+          </a:fillRef>
+          <a:effectRef idx="0">
+            <a:schemeClr val="accent1"/>
+          </a:effectRef>
+          <a:fontRef idx="minor">
+            <a:schemeClr val="lt1"/>
+          </a:fontRef>
+        </p:style>
+        <p:txBody>
+          <a:bodyPr rtlCol="0" anchor="ctr"/>
+          <a:lstStyle/>
+          <a:p>
+            <a:pPr algn="ctr"/>
+            <a:r>
+              <a:rPr lang="en-US" sz="1400" dirty="0"/>
+              <a:t>function</a:t>
+            </a:r>
+            <a:endParaRPr lang="en-IL" sz="1400" dirty="0"/>
+          </a:p>
+        </p:txBody>
+      </p:sp>
+      <p:cxnSp>
+        <p:nvCxnSpPr>
+          <p:cNvPr id="26" name="Connector: Elbow 25">
+            <a:extLst>
+              <a:ext uri="{FF2B5EF4-FFF2-40B4-BE49-F238E27FC236}">
+                <a16:creationId xmlns:a16="http://schemas.microsoft.com/office/drawing/2014/main" id="{4B36AEF6-B8CF-3C32-6CFC-624CEB0CE730}"/>
+              </a:ext>
+            </a:extLst>
+          </p:cNvPr>
+          <p:cNvCxnSpPr>
+            <a:cxnSpLocks/>
+            <a:endCxn id="4" idx="2"/>
+          </p:cNvCxnSpPr>
+          <p:nvPr/>
+        </p:nvCxnSpPr>
+        <p:spPr>
+          <a:xfrm flipV="1">
+            <a:off x="5390535" y="4827805"/>
+            <a:ext cx="2041423" cy="316507"/>
+          </a:xfrm>
+          <a:prstGeom prst="bentConnector2">
+            <a:avLst/>
+          </a:prstGeom>
+          <a:ln w="57150">
+            <a:tailEnd type="triangle"/>
+          </a:ln>
+        </p:spPr>
+        <p:style>
+          <a:lnRef idx="2">
+            <a:schemeClr val="accent1"/>
+          </a:lnRef>
+          <a:fillRef idx="0">
+            <a:schemeClr val="accent1"/>
+          </a:fillRef>
+          <a:effectRef idx="1">
+            <a:schemeClr val="accent1"/>
+          </a:effectRef>
+          <a:fontRef idx="minor">
+            <a:schemeClr val="tx1"/>
+          </a:fontRef>
+        </p:style>
+      </p:cxnSp>
+      <p:sp>
+        <p:nvSpPr>
+          <p:cNvPr id="11" name="Rectangle 10">
+            <a:extLst>
+              <a:ext uri="{FF2B5EF4-FFF2-40B4-BE49-F238E27FC236}">
+                <a16:creationId xmlns:a16="http://schemas.microsoft.com/office/drawing/2014/main" id="{41D153F7-1208-1437-704C-11604C81F40B}"/>
+              </a:ext>
+            </a:extLst>
+          </p:cNvPr>
+          <p:cNvSpPr/>
+          <p:nvPr/>
+        </p:nvSpPr>
+        <p:spPr>
+          <a:xfrm>
+            <a:off x="6268107" y="2418172"/>
+            <a:ext cx="615216" cy="409575"/>
           </a:xfrm>
           <a:prstGeom prst="rect">
             <a:avLst/>
@@ -5587,7 +7009,7 @@
             <a:pPr algn="ctr"/>
             <a:r>
               <a:rPr lang="en-US" dirty="0"/>
-              <a:t>Record Values</a:t>
+              <a:t>Pre</a:t>
             </a:r>
             <a:endParaRPr lang="en-IL" dirty="0"/>
           </a:p>
@@ -5595,10 +7017,10 @@
       </p:sp>
       <p:sp>
         <p:nvSpPr>
-          <p:cNvPr id="11" name="Rectangle 10">
-            <a:extLst>
-              <a:ext uri="{FF2B5EF4-FFF2-40B4-BE49-F238E27FC236}">
-                <a16:creationId xmlns:a16="http://schemas.microsoft.com/office/drawing/2014/main" id="{6EFD603F-0307-99A8-04E7-46046BBEA3D9}"/>
+          <p:cNvPr id="22" name="Rectangle 21">
+            <a:extLst>
+              <a:ext uri="{FF2B5EF4-FFF2-40B4-BE49-F238E27FC236}">
+                <a16:creationId xmlns:a16="http://schemas.microsoft.com/office/drawing/2014/main" id="{BE7A788C-49E5-A869-912C-56B3DCD24C79}"/>
               </a:ext>
             </a:extLst>
           </p:cNvPr>
@@ -5607,8 +7029,8 @@
         </p:nvSpPr>
         <p:spPr>
           <a:xfrm>
-            <a:off x="8246437" y="2324100"/>
-            <a:ext cx="1935788" cy="409575"/>
+            <a:off x="7971673" y="2418172"/>
+            <a:ext cx="645073" cy="409575"/>
           </a:xfrm>
           <a:prstGeom prst="rect">
             <a:avLst/>
@@ -5637,7 +7059,307 @@
             <a:pPr algn="ctr"/>
             <a:r>
               <a:rPr lang="en-US" dirty="0"/>
-              <a:t>Compare values</a:t>
+              <a:t>Post</a:t>
+            </a:r>
+            <a:endParaRPr lang="en-IL" dirty="0"/>
+          </a:p>
+        </p:txBody>
+      </p:sp>
+      <p:sp>
+        <p:nvSpPr>
+          <p:cNvPr id="30" name="Rectangle 29">
+            <a:extLst>
+              <a:ext uri="{FF2B5EF4-FFF2-40B4-BE49-F238E27FC236}">
+                <a16:creationId xmlns:a16="http://schemas.microsoft.com/office/drawing/2014/main" id="{C17CDBD5-CBDF-BC57-98F7-5E0AA741EA2B}"/>
+              </a:ext>
+            </a:extLst>
+          </p:cNvPr>
+          <p:cNvSpPr/>
+          <p:nvPr/>
+        </p:nvSpPr>
+        <p:spPr>
+          <a:xfrm>
+            <a:off x="6268107" y="2993309"/>
+            <a:ext cx="615216" cy="409575"/>
+          </a:xfrm>
+          <a:prstGeom prst="rect">
+            <a:avLst/>
+          </a:prstGeom>
+        </p:spPr>
+        <p:style>
+          <a:lnRef idx="2">
+            <a:schemeClr val="accent2">
+              <a:shade val="15000"/>
+            </a:schemeClr>
+          </a:lnRef>
+          <a:fillRef idx="1">
+            <a:schemeClr val="accent2"/>
+          </a:fillRef>
+          <a:effectRef idx="0">
+            <a:schemeClr val="accent2"/>
+          </a:effectRef>
+          <a:fontRef idx="minor">
+            <a:schemeClr val="lt1"/>
+          </a:fontRef>
+        </p:style>
+        <p:txBody>
+          <a:bodyPr rtlCol="0" anchor="ctr"/>
+          <a:lstStyle/>
+          <a:p>
+            <a:pPr algn="ctr"/>
+            <a:r>
+              <a:rPr lang="en-US" dirty="0"/>
+              <a:t>Pre</a:t>
+            </a:r>
+            <a:endParaRPr lang="en-IL" dirty="0"/>
+          </a:p>
+        </p:txBody>
+      </p:sp>
+      <p:sp>
+        <p:nvSpPr>
+          <p:cNvPr id="31" name="Rectangle 30">
+            <a:extLst>
+              <a:ext uri="{FF2B5EF4-FFF2-40B4-BE49-F238E27FC236}">
+                <a16:creationId xmlns:a16="http://schemas.microsoft.com/office/drawing/2014/main" id="{9514418E-0665-2064-85B1-56CC12D4B916}"/>
+              </a:ext>
+            </a:extLst>
+          </p:cNvPr>
+          <p:cNvSpPr/>
+          <p:nvPr/>
+        </p:nvSpPr>
+        <p:spPr>
+          <a:xfrm>
+            <a:off x="7971673" y="2993309"/>
+            <a:ext cx="645073" cy="409575"/>
+          </a:xfrm>
+          <a:prstGeom prst="rect">
+            <a:avLst/>
+          </a:prstGeom>
+        </p:spPr>
+        <p:style>
+          <a:lnRef idx="2">
+            <a:schemeClr val="accent2">
+              <a:shade val="15000"/>
+            </a:schemeClr>
+          </a:lnRef>
+          <a:fillRef idx="1">
+            <a:schemeClr val="accent2"/>
+          </a:fillRef>
+          <a:effectRef idx="0">
+            <a:schemeClr val="accent2"/>
+          </a:effectRef>
+          <a:fontRef idx="minor">
+            <a:schemeClr val="lt1"/>
+          </a:fontRef>
+        </p:style>
+        <p:txBody>
+          <a:bodyPr rtlCol="0" anchor="ctr"/>
+          <a:lstStyle/>
+          <a:p>
+            <a:pPr algn="ctr"/>
+            <a:r>
+              <a:rPr lang="en-US" dirty="0"/>
+              <a:t>Post</a:t>
+            </a:r>
+            <a:endParaRPr lang="en-IL" dirty="0"/>
+          </a:p>
+        </p:txBody>
+      </p:sp>
+      <p:sp>
+        <p:nvSpPr>
+          <p:cNvPr id="32" name="Rectangle 31">
+            <a:extLst>
+              <a:ext uri="{FF2B5EF4-FFF2-40B4-BE49-F238E27FC236}">
+                <a16:creationId xmlns:a16="http://schemas.microsoft.com/office/drawing/2014/main" id="{9BE13CCC-737A-222F-6F0B-A8320938BBA7}"/>
+              </a:ext>
+            </a:extLst>
+          </p:cNvPr>
+          <p:cNvSpPr/>
+          <p:nvPr/>
+        </p:nvSpPr>
+        <p:spPr>
+          <a:xfrm>
+            <a:off x="6283644" y="3547742"/>
+            <a:ext cx="615216" cy="409575"/>
+          </a:xfrm>
+          <a:prstGeom prst="rect">
+            <a:avLst/>
+          </a:prstGeom>
+        </p:spPr>
+        <p:style>
+          <a:lnRef idx="2">
+            <a:schemeClr val="accent2">
+              <a:shade val="15000"/>
+            </a:schemeClr>
+          </a:lnRef>
+          <a:fillRef idx="1">
+            <a:schemeClr val="accent2"/>
+          </a:fillRef>
+          <a:effectRef idx="0">
+            <a:schemeClr val="accent2"/>
+          </a:effectRef>
+          <a:fontRef idx="minor">
+            <a:schemeClr val="lt1"/>
+          </a:fontRef>
+        </p:style>
+        <p:txBody>
+          <a:bodyPr rtlCol="0" anchor="ctr"/>
+          <a:lstStyle/>
+          <a:p>
+            <a:pPr algn="ctr"/>
+            <a:r>
+              <a:rPr lang="en-US" dirty="0"/>
+              <a:t>Pre</a:t>
+            </a:r>
+            <a:endParaRPr lang="en-IL" dirty="0"/>
+          </a:p>
+        </p:txBody>
+      </p:sp>
+      <p:sp>
+        <p:nvSpPr>
+          <p:cNvPr id="33" name="Rectangle 32">
+            <a:extLst>
+              <a:ext uri="{FF2B5EF4-FFF2-40B4-BE49-F238E27FC236}">
+                <a16:creationId xmlns:a16="http://schemas.microsoft.com/office/drawing/2014/main" id="{EA1BDF40-6A9C-5218-1D14-20BC1B803A26}"/>
+              </a:ext>
+            </a:extLst>
+          </p:cNvPr>
+          <p:cNvSpPr/>
+          <p:nvPr/>
+        </p:nvSpPr>
+        <p:spPr>
+          <a:xfrm>
+            <a:off x="7987210" y="3547742"/>
+            <a:ext cx="645073" cy="409575"/>
+          </a:xfrm>
+          <a:prstGeom prst="rect">
+            <a:avLst/>
+          </a:prstGeom>
+        </p:spPr>
+        <p:style>
+          <a:lnRef idx="2">
+            <a:schemeClr val="accent2">
+              <a:shade val="15000"/>
+            </a:schemeClr>
+          </a:lnRef>
+          <a:fillRef idx="1">
+            <a:schemeClr val="accent2"/>
+          </a:fillRef>
+          <a:effectRef idx="0">
+            <a:schemeClr val="accent2"/>
+          </a:effectRef>
+          <a:fontRef idx="minor">
+            <a:schemeClr val="lt1"/>
+          </a:fontRef>
+        </p:style>
+        <p:txBody>
+          <a:bodyPr rtlCol="0" anchor="ctr"/>
+          <a:lstStyle/>
+          <a:p>
+            <a:pPr algn="ctr"/>
+            <a:r>
+              <a:rPr lang="en-US" dirty="0"/>
+              <a:t>Post</a:t>
+            </a:r>
+            <a:endParaRPr lang="en-IL" dirty="0"/>
+          </a:p>
+        </p:txBody>
+      </p:sp>
+      <p:sp>
+        <p:nvSpPr>
+          <p:cNvPr id="34" name="Rectangle 33">
+            <a:extLst>
+              <a:ext uri="{FF2B5EF4-FFF2-40B4-BE49-F238E27FC236}">
+                <a16:creationId xmlns:a16="http://schemas.microsoft.com/office/drawing/2014/main" id="{51A8A344-EFA4-A7D5-3037-EA32B85C8C2E}"/>
+              </a:ext>
+            </a:extLst>
+          </p:cNvPr>
+          <p:cNvSpPr/>
+          <p:nvPr/>
+        </p:nvSpPr>
+        <p:spPr>
+          <a:xfrm>
+            <a:off x="7914621" y="1616201"/>
+            <a:ext cx="615216" cy="409575"/>
+          </a:xfrm>
+          <a:prstGeom prst="rect">
+            <a:avLst/>
+          </a:prstGeom>
+        </p:spPr>
+        <p:style>
+          <a:lnRef idx="2">
+            <a:schemeClr val="accent2">
+              <a:shade val="15000"/>
+            </a:schemeClr>
+          </a:lnRef>
+          <a:fillRef idx="1">
+            <a:schemeClr val="accent2"/>
+          </a:fillRef>
+          <a:effectRef idx="0">
+            <a:schemeClr val="accent2"/>
+          </a:effectRef>
+          <a:fontRef idx="minor">
+            <a:schemeClr val="lt1"/>
+          </a:fontRef>
+        </p:style>
+        <p:txBody>
+          <a:bodyPr rtlCol="0" anchor="ctr"/>
+          <a:lstStyle/>
+          <a:p>
+            <a:pPr algn="ctr"/>
+            <a:r>
+              <a:rPr lang="en-US" dirty="0"/>
+              <a:t>Pre</a:t>
+            </a:r>
+            <a:endParaRPr lang="en-IL" dirty="0"/>
+          </a:p>
+        </p:txBody>
+      </p:sp>
+      <p:sp>
+        <p:nvSpPr>
+          <p:cNvPr id="35" name="Rectangle 34">
+            <a:extLst>
+              <a:ext uri="{FF2B5EF4-FFF2-40B4-BE49-F238E27FC236}">
+                <a16:creationId xmlns:a16="http://schemas.microsoft.com/office/drawing/2014/main" id="{BE7C3339-9C4D-571D-A771-ABAC9B892D65}"/>
+              </a:ext>
+            </a:extLst>
+          </p:cNvPr>
+          <p:cNvSpPr/>
+          <p:nvPr/>
+        </p:nvSpPr>
+        <p:spPr>
+          <a:xfrm>
+            <a:off x="9618187" y="1616201"/>
+            <a:ext cx="645073" cy="409575"/>
+          </a:xfrm>
+          <a:prstGeom prst="rect">
+            <a:avLst/>
+          </a:prstGeom>
+        </p:spPr>
+        <p:style>
+          <a:lnRef idx="2">
+            <a:schemeClr val="accent2">
+              <a:shade val="15000"/>
+            </a:schemeClr>
+          </a:lnRef>
+          <a:fillRef idx="1">
+            <a:schemeClr val="accent2"/>
+          </a:fillRef>
+          <a:effectRef idx="0">
+            <a:schemeClr val="accent2"/>
+          </a:effectRef>
+          <a:fontRef idx="minor">
+            <a:schemeClr val="lt1"/>
+          </a:fontRef>
+        </p:style>
+        <p:txBody>
+          <a:bodyPr rtlCol="0" anchor="ctr"/>
+          <a:lstStyle/>
+          <a:p>
+            <a:pPr algn="ctr"/>
+            <a:r>
+              <a:rPr lang="en-US" dirty="0"/>
+              <a:t>Post</a:t>
             </a:r>
             <a:endParaRPr lang="en-IL" dirty="0"/>
           </a:p>
@@ -5646,7 +7368,7 @@
     </p:spTree>
     <p:extLst>
       <p:ext uri="{BB962C8B-B14F-4D97-AF65-F5344CB8AC3E}">
-        <p14:creationId xmlns:p14="http://schemas.microsoft.com/office/powerpoint/2010/main" val="272856637"/>
+        <p14:creationId xmlns:p14="http://schemas.microsoft.com/office/powerpoint/2010/main" val="854986083"/>
       </p:ext>
     </p:extLst>
   </p:cSld>

--- a/slides/change detection.pptx
+++ b/slides/change detection.pptx
@@ -9,6 +9,9 @@
     <p:sldId id="262" r:id="rId3"/>
     <p:sldId id="257" r:id="rId4"/>
     <p:sldId id="263" r:id="rId5"/>
+    <p:sldId id="264" r:id="rId6"/>
+    <p:sldId id="265" r:id="rId7"/>
+    <p:sldId id="266" r:id="rId8"/>
   </p:sldIdLst>
   <p:sldSz cx="12192000" cy="6858000"/>
   <p:notesSz cx="7104063" cy="10234613"/>
@@ -264,7 +267,7 @@
           <a:p>
             <a:fld id="{873D9E86-A63A-4693-A7D3-428A1A32DFD1}" type="datetimeFigureOut">
               <a:rPr lang="en-IL" smtClean="0"/>
-              <a:t>20/08/2024</a:t>
+              <a:t>22/08/2024</a:t>
             </a:fld>
             <a:endParaRPr lang="en-IL" dirty="0"/>
           </a:p>
@@ -464,7 +467,7 @@
           <a:p>
             <a:fld id="{873D9E86-A63A-4693-A7D3-428A1A32DFD1}" type="datetimeFigureOut">
               <a:rPr lang="en-IL" smtClean="0"/>
-              <a:t>20/08/2024</a:t>
+              <a:t>22/08/2024</a:t>
             </a:fld>
             <a:endParaRPr lang="en-IL" dirty="0"/>
           </a:p>
@@ -674,7 +677,7 @@
           <a:p>
             <a:fld id="{873D9E86-A63A-4693-A7D3-428A1A32DFD1}" type="datetimeFigureOut">
               <a:rPr lang="en-IL" smtClean="0"/>
-              <a:t>20/08/2024</a:t>
+              <a:t>22/08/2024</a:t>
             </a:fld>
             <a:endParaRPr lang="en-IL" dirty="0"/>
           </a:p>
@@ -874,7 +877,7 @@
           <a:p>
             <a:fld id="{873D9E86-A63A-4693-A7D3-428A1A32DFD1}" type="datetimeFigureOut">
               <a:rPr lang="en-IL" smtClean="0"/>
-              <a:t>20/08/2024</a:t>
+              <a:t>22/08/2024</a:t>
             </a:fld>
             <a:endParaRPr lang="en-IL" dirty="0"/>
           </a:p>
@@ -1150,7 +1153,7 @@
           <a:p>
             <a:fld id="{873D9E86-A63A-4693-A7D3-428A1A32DFD1}" type="datetimeFigureOut">
               <a:rPr lang="en-IL" smtClean="0"/>
-              <a:t>20/08/2024</a:t>
+              <a:t>22/08/2024</a:t>
             </a:fld>
             <a:endParaRPr lang="en-IL" dirty="0"/>
           </a:p>
@@ -1418,7 +1421,7 @@
           <a:p>
             <a:fld id="{873D9E86-A63A-4693-A7D3-428A1A32DFD1}" type="datetimeFigureOut">
               <a:rPr lang="en-IL" smtClean="0"/>
-              <a:t>20/08/2024</a:t>
+              <a:t>22/08/2024</a:t>
             </a:fld>
             <a:endParaRPr lang="en-IL" dirty="0"/>
           </a:p>
@@ -1833,7 +1836,7 @@
           <a:p>
             <a:fld id="{873D9E86-A63A-4693-A7D3-428A1A32DFD1}" type="datetimeFigureOut">
               <a:rPr lang="en-IL" smtClean="0"/>
-              <a:t>20/08/2024</a:t>
+              <a:t>22/08/2024</a:t>
             </a:fld>
             <a:endParaRPr lang="en-IL" dirty="0"/>
           </a:p>
@@ -1975,7 +1978,7 @@
           <a:p>
             <a:fld id="{873D9E86-A63A-4693-A7D3-428A1A32DFD1}" type="datetimeFigureOut">
               <a:rPr lang="en-IL" smtClean="0"/>
-              <a:t>20/08/2024</a:t>
+              <a:t>22/08/2024</a:t>
             </a:fld>
             <a:endParaRPr lang="en-IL" dirty="0"/>
           </a:p>
@@ -2088,7 +2091,7 @@
           <a:p>
             <a:fld id="{873D9E86-A63A-4693-A7D3-428A1A32DFD1}" type="datetimeFigureOut">
               <a:rPr lang="en-IL" smtClean="0"/>
-              <a:t>20/08/2024</a:t>
+              <a:t>22/08/2024</a:t>
             </a:fld>
             <a:endParaRPr lang="en-IL" dirty="0"/>
           </a:p>
@@ -2401,7 +2404,7 @@
           <a:p>
             <a:fld id="{873D9E86-A63A-4693-A7D3-428A1A32DFD1}" type="datetimeFigureOut">
               <a:rPr lang="en-IL" smtClean="0"/>
-              <a:t>20/08/2024</a:t>
+              <a:t>22/08/2024</a:t>
             </a:fld>
             <a:endParaRPr lang="en-IL" dirty="0"/>
           </a:p>
@@ -2690,7 +2693,7 @@
           <a:p>
             <a:fld id="{873D9E86-A63A-4693-A7D3-428A1A32DFD1}" type="datetimeFigureOut">
               <a:rPr lang="en-IL" smtClean="0"/>
-              <a:t>20/08/2024</a:t>
+              <a:t>22/08/2024</a:t>
             </a:fld>
             <a:endParaRPr lang="en-IL" dirty="0"/>
           </a:p>
@@ -2956,7 +2959,7 @@
           <a:p>
             <a:fld id="{873D9E86-A63A-4693-A7D3-428A1A32DFD1}" type="datetimeFigureOut">
               <a:rPr lang="en-IL" smtClean="0"/>
-              <a:t>20/08/2024</a:t>
+              <a:t>22/08/2024</a:t>
             </a:fld>
             <a:endParaRPr lang="en-IL" dirty="0"/>
           </a:p>
@@ -7378,6 +7381,4006 @@
 </p:sld>
 </file>
 
+<file path=ppt/slides/slide5.xml><?xml version="1.0" encoding="utf-8"?>
+<p:sld xmlns:a="http://schemas.openxmlformats.org/drawingml/2006/main" xmlns:r="http://schemas.openxmlformats.org/officeDocument/2006/relationships" xmlns:p="http://schemas.openxmlformats.org/presentationml/2006/main">
+  <p:cSld>
+    <p:spTree>
+      <p:nvGrpSpPr>
+        <p:cNvPr id="1" name=""/>
+        <p:cNvGrpSpPr/>
+        <p:nvPr/>
+      </p:nvGrpSpPr>
+      <p:grpSpPr>
+        <a:xfrm>
+          <a:off x="0" y="0"/>
+          <a:ext cx="0" cy="0"/>
+          <a:chOff x="0" y="0"/>
+          <a:chExt cx="0" cy="0"/>
+        </a:xfrm>
+      </p:grpSpPr>
+      <p:sp>
+        <p:nvSpPr>
+          <p:cNvPr id="2" name="Title 1">
+            <a:extLst>
+              <a:ext uri="{FF2B5EF4-FFF2-40B4-BE49-F238E27FC236}">
+                <a16:creationId xmlns:a16="http://schemas.microsoft.com/office/drawing/2014/main" id="{B0BA4C4E-5F3F-E0C0-0206-4B8EE97E1BDE}"/>
+              </a:ext>
+            </a:extLst>
+          </p:cNvPr>
+          <p:cNvSpPr>
+            <a:spLocks noGrp="1"/>
+          </p:cNvSpPr>
+          <p:nvPr>
+            <p:ph type="title"/>
+          </p:nvPr>
+        </p:nvSpPr>
+        <p:spPr/>
+        <p:txBody>
+          <a:bodyPr/>
+          <a:lstStyle/>
+          <a:p>
+            <a:r>
+              <a:rPr lang="en-US" dirty="0"/>
+              <a:t>Writeable Signals</a:t>
+            </a:r>
+            <a:endParaRPr lang="en-IL" dirty="0"/>
+          </a:p>
+        </p:txBody>
+      </p:sp>
+      <p:grpSp>
+        <p:nvGrpSpPr>
+          <p:cNvPr id="17" name="Group 16">
+            <a:extLst>
+              <a:ext uri="{FF2B5EF4-FFF2-40B4-BE49-F238E27FC236}">
+                <a16:creationId xmlns:a16="http://schemas.microsoft.com/office/drawing/2014/main" id="{E554EF5D-1E7B-5A2A-1198-CA51ECA0CB73}"/>
+              </a:ext>
+            </a:extLst>
+          </p:cNvPr>
+          <p:cNvGrpSpPr/>
+          <p:nvPr/>
+        </p:nvGrpSpPr>
+        <p:grpSpPr>
+          <a:xfrm>
+            <a:off x="6509656" y="336615"/>
+            <a:ext cx="1896291" cy="1335519"/>
+            <a:chOff x="3786051" y="2393926"/>
+            <a:chExt cx="1896291" cy="1335519"/>
+          </a:xfrm>
+        </p:grpSpPr>
+        <p:grpSp>
+          <p:nvGrpSpPr>
+            <p:cNvPr id="11" name="Group 10">
+              <a:extLst>
+                <a:ext uri="{FF2B5EF4-FFF2-40B4-BE49-F238E27FC236}">
+                  <a16:creationId xmlns:a16="http://schemas.microsoft.com/office/drawing/2014/main" id="{FE17EF0B-EC16-6C7C-4939-F3E18E22396C}"/>
+                </a:ext>
+              </a:extLst>
+            </p:cNvPr>
+            <p:cNvGrpSpPr/>
+            <p:nvPr/>
+          </p:nvGrpSpPr>
+          <p:grpSpPr>
+            <a:xfrm>
+              <a:off x="4310743" y="2403882"/>
+              <a:ext cx="1371599" cy="1325563"/>
+              <a:chOff x="4310743" y="2403882"/>
+              <a:chExt cx="1371599" cy="1325563"/>
+            </a:xfrm>
+          </p:grpSpPr>
+          <p:sp>
+            <p:nvSpPr>
+              <p:cNvPr id="8" name="Arc 7">
+                <a:extLst>
+                  <a:ext uri="{FF2B5EF4-FFF2-40B4-BE49-F238E27FC236}">
+                    <a16:creationId xmlns:a16="http://schemas.microsoft.com/office/drawing/2014/main" id="{818488B4-F3B4-2D04-60D4-FD4BE1839220}"/>
+                  </a:ext>
+                </a:extLst>
+              </p:cNvPr>
+              <p:cNvSpPr/>
+              <p:nvPr/>
+            </p:nvSpPr>
+            <p:spPr>
+              <a:xfrm>
+                <a:off x="4624251" y="2684417"/>
+                <a:ext cx="764178" cy="744583"/>
+              </a:xfrm>
+              <a:prstGeom prst="arc">
+                <a:avLst>
+                  <a:gd name="adj1" fmla="val 17723274"/>
+                  <a:gd name="adj2" fmla="val 3496721"/>
+                </a:avLst>
+              </a:prstGeom>
+              <a:ln w="38100"/>
+            </p:spPr>
+            <p:style>
+              <a:lnRef idx="2">
+                <a:schemeClr val="accent1"/>
+              </a:lnRef>
+              <a:fillRef idx="0">
+                <a:schemeClr val="accent1"/>
+              </a:fillRef>
+              <a:effectRef idx="1">
+                <a:schemeClr val="accent1"/>
+              </a:effectRef>
+              <a:fontRef idx="minor">
+                <a:schemeClr val="tx1"/>
+              </a:fontRef>
+            </p:style>
+            <p:txBody>
+              <a:bodyPr rtlCol="0" anchor="ctr"/>
+              <a:lstStyle/>
+              <a:p>
+                <a:pPr algn="ctr"/>
+                <a:endParaRPr lang="en-IL"/>
+              </a:p>
+            </p:txBody>
+          </p:sp>
+          <p:sp>
+            <p:nvSpPr>
+              <p:cNvPr id="9" name="Arc 8">
+                <a:extLst>
+                  <a:ext uri="{FF2B5EF4-FFF2-40B4-BE49-F238E27FC236}">
+                    <a16:creationId xmlns:a16="http://schemas.microsoft.com/office/drawing/2014/main" id="{65393712-F88A-1ECA-EC24-E4E9CADE4C52}"/>
+                  </a:ext>
+                </a:extLst>
+              </p:cNvPr>
+              <p:cNvSpPr/>
+              <p:nvPr/>
+            </p:nvSpPr>
+            <p:spPr>
+              <a:xfrm>
+                <a:off x="4310743" y="2403882"/>
+                <a:ext cx="1371599" cy="1325563"/>
+              </a:xfrm>
+              <a:prstGeom prst="arc">
+                <a:avLst>
+                  <a:gd name="adj1" fmla="val 17387564"/>
+                  <a:gd name="adj2" fmla="val 3608383"/>
+                </a:avLst>
+              </a:prstGeom>
+              <a:ln w="9525"/>
+            </p:spPr>
+            <p:style>
+              <a:lnRef idx="2">
+                <a:schemeClr val="accent1"/>
+              </a:lnRef>
+              <a:fillRef idx="0">
+                <a:schemeClr val="accent1"/>
+              </a:fillRef>
+              <a:effectRef idx="1">
+                <a:schemeClr val="accent1"/>
+              </a:effectRef>
+              <a:fontRef idx="minor">
+                <a:schemeClr val="tx1"/>
+              </a:fontRef>
+            </p:style>
+            <p:txBody>
+              <a:bodyPr rtlCol="0" anchor="ctr"/>
+              <a:lstStyle/>
+              <a:p>
+                <a:pPr algn="ctr"/>
+                <a:endParaRPr lang="en-IL"/>
+              </a:p>
+            </p:txBody>
+          </p:sp>
+          <p:sp>
+            <p:nvSpPr>
+              <p:cNvPr id="10" name="Arc 9">
+                <a:extLst>
+                  <a:ext uri="{FF2B5EF4-FFF2-40B4-BE49-F238E27FC236}">
+                    <a16:creationId xmlns:a16="http://schemas.microsoft.com/office/drawing/2014/main" id="{2249479B-63C0-1CBF-0DC8-EAFC632F09AD}"/>
+                  </a:ext>
+                </a:extLst>
+              </p:cNvPr>
+              <p:cNvSpPr/>
+              <p:nvPr/>
+            </p:nvSpPr>
+            <p:spPr>
+              <a:xfrm>
+                <a:off x="4454434" y="2532016"/>
+                <a:ext cx="1086395" cy="1049384"/>
+              </a:xfrm>
+              <a:prstGeom prst="arc">
+                <a:avLst>
+                  <a:gd name="adj1" fmla="val 17478740"/>
+                  <a:gd name="adj2" fmla="val 3538996"/>
+                </a:avLst>
+              </a:prstGeom>
+            </p:spPr>
+            <p:style>
+              <a:lnRef idx="2">
+                <a:schemeClr val="accent1"/>
+              </a:lnRef>
+              <a:fillRef idx="0">
+                <a:schemeClr val="accent1"/>
+              </a:fillRef>
+              <a:effectRef idx="1">
+                <a:schemeClr val="accent1"/>
+              </a:effectRef>
+              <a:fontRef idx="minor">
+                <a:schemeClr val="tx1"/>
+              </a:fontRef>
+            </p:style>
+            <p:txBody>
+              <a:bodyPr rtlCol="0" anchor="ctr"/>
+              <a:lstStyle/>
+              <a:p>
+                <a:pPr algn="ctr"/>
+                <a:endParaRPr lang="en-IL"/>
+              </a:p>
+            </p:txBody>
+          </p:sp>
+        </p:grpSp>
+        <p:grpSp>
+          <p:nvGrpSpPr>
+            <p:cNvPr id="12" name="Group 11">
+              <a:extLst>
+                <a:ext uri="{FF2B5EF4-FFF2-40B4-BE49-F238E27FC236}">
+                  <a16:creationId xmlns:a16="http://schemas.microsoft.com/office/drawing/2014/main" id="{F3D16E19-3804-FA2E-5143-999ABC472C7E}"/>
+                </a:ext>
+              </a:extLst>
+            </p:cNvPr>
+            <p:cNvGrpSpPr/>
+            <p:nvPr/>
+          </p:nvGrpSpPr>
+          <p:grpSpPr>
+            <a:xfrm flipH="1">
+              <a:off x="3786051" y="2393926"/>
+              <a:ext cx="1371599" cy="1325563"/>
+              <a:chOff x="4310743" y="2403882"/>
+              <a:chExt cx="1371599" cy="1325563"/>
+            </a:xfrm>
+          </p:grpSpPr>
+          <p:sp>
+            <p:nvSpPr>
+              <p:cNvPr id="13" name="Arc 12">
+                <a:extLst>
+                  <a:ext uri="{FF2B5EF4-FFF2-40B4-BE49-F238E27FC236}">
+                    <a16:creationId xmlns:a16="http://schemas.microsoft.com/office/drawing/2014/main" id="{5E8CAB93-998D-7BB1-FC5D-0051A575E7B9}"/>
+                  </a:ext>
+                </a:extLst>
+              </p:cNvPr>
+              <p:cNvSpPr/>
+              <p:nvPr/>
+            </p:nvSpPr>
+            <p:spPr>
+              <a:xfrm>
+                <a:off x="4624251" y="2684417"/>
+                <a:ext cx="764178" cy="744583"/>
+              </a:xfrm>
+              <a:prstGeom prst="arc">
+                <a:avLst>
+                  <a:gd name="adj1" fmla="val 17723274"/>
+                  <a:gd name="adj2" fmla="val 3496721"/>
+                </a:avLst>
+              </a:prstGeom>
+              <a:ln w="38100"/>
+            </p:spPr>
+            <p:style>
+              <a:lnRef idx="2">
+                <a:schemeClr val="accent1"/>
+              </a:lnRef>
+              <a:fillRef idx="0">
+                <a:schemeClr val="accent1"/>
+              </a:fillRef>
+              <a:effectRef idx="1">
+                <a:schemeClr val="accent1"/>
+              </a:effectRef>
+              <a:fontRef idx="minor">
+                <a:schemeClr val="tx1"/>
+              </a:fontRef>
+            </p:style>
+            <p:txBody>
+              <a:bodyPr rtlCol="0" anchor="ctr"/>
+              <a:lstStyle/>
+              <a:p>
+                <a:pPr algn="ctr"/>
+                <a:endParaRPr lang="en-IL"/>
+              </a:p>
+            </p:txBody>
+          </p:sp>
+          <p:sp>
+            <p:nvSpPr>
+              <p:cNvPr id="14" name="Arc 13">
+                <a:extLst>
+                  <a:ext uri="{FF2B5EF4-FFF2-40B4-BE49-F238E27FC236}">
+                    <a16:creationId xmlns:a16="http://schemas.microsoft.com/office/drawing/2014/main" id="{B8E11E6A-C016-1557-3472-51A478259718}"/>
+                  </a:ext>
+                </a:extLst>
+              </p:cNvPr>
+              <p:cNvSpPr/>
+              <p:nvPr/>
+            </p:nvSpPr>
+            <p:spPr>
+              <a:xfrm>
+                <a:off x="4310743" y="2403882"/>
+                <a:ext cx="1371599" cy="1325563"/>
+              </a:xfrm>
+              <a:prstGeom prst="arc">
+                <a:avLst>
+                  <a:gd name="adj1" fmla="val 17387564"/>
+                  <a:gd name="adj2" fmla="val 3608383"/>
+                </a:avLst>
+              </a:prstGeom>
+              <a:ln w="9525"/>
+            </p:spPr>
+            <p:style>
+              <a:lnRef idx="2">
+                <a:schemeClr val="accent1"/>
+              </a:lnRef>
+              <a:fillRef idx="0">
+                <a:schemeClr val="accent1"/>
+              </a:fillRef>
+              <a:effectRef idx="1">
+                <a:schemeClr val="accent1"/>
+              </a:effectRef>
+              <a:fontRef idx="minor">
+                <a:schemeClr val="tx1"/>
+              </a:fontRef>
+            </p:style>
+            <p:txBody>
+              <a:bodyPr rtlCol="0" anchor="ctr"/>
+              <a:lstStyle/>
+              <a:p>
+                <a:pPr algn="ctr"/>
+                <a:endParaRPr lang="en-IL"/>
+              </a:p>
+            </p:txBody>
+          </p:sp>
+          <p:sp>
+            <p:nvSpPr>
+              <p:cNvPr id="15" name="Arc 14">
+                <a:extLst>
+                  <a:ext uri="{FF2B5EF4-FFF2-40B4-BE49-F238E27FC236}">
+                    <a16:creationId xmlns:a16="http://schemas.microsoft.com/office/drawing/2014/main" id="{5938F8BB-D311-2624-C7A5-DC6676CA0A18}"/>
+                  </a:ext>
+                </a:extLst>
+              </p:cNvPr>
+              <p:cNvSpPr/>
+              <p:nvPr/>
+            </p:nvSpPr>
+            <p:spPr>
+              <a:xfrm>
+                <a:off x="4454434" y="2532016"/>
+                <a:ext cx="1086395" cy="1049384"/>
+              </a:xfrm>
+              <a:prstGeom prst="arc">
+                <a:avLst>
+                  <a:gd name="adj1" fmla="val 17478740"/>
+                  <a:gd name="adj2" fmla="val 3538996"/>
+                </a:avLst>
+              </a:prstGeom>
+            </p:spPr>
+            <p:style>
+              <a:lnRef idx="2">
+                <a:schemeClr val="accent1"/>
+              </a:lnRef>
+              <a:fillRef idx="0">
+                <a:schemeClr val="accent1"/>
+              </a:fillRef>
+              <a:effectRef idx="1">
+                <a:schemeClr val="accent1"/>
+              </a:effectRef>
+              <a:fontRef idx="minor">
+                <a:schemeClr val="tx1"/>
+              </a:fontRef>
+            </p:style>
+            <p:txBody>
+              <a:bodyPr rtlCol="0" anchor="ctr"/>
+              <a:lstStyle/>
+              <a:p>
+                <a:pPr algn="ctr"/>
+                <a:endParaRPr lang="en-IL"/>
+              </a:p>
+            </p:txBody>
+          </p:sp>
+        </p:grpSp>
+        <p:sp>
+          <p:nvSpPr>
+            <p:cNvPr id="16" name="Oval 15">
+              <a:extLst>
+                <a:ext uri="{FF2B5EF4-FFF2-40B4-BE49-F238E27FC236}">
+                  <a16:creationId xmlns:a16="http://schemas.microsoft.com/office/drawing/2014/main" id="{43F123D3-B6EB-DA6E-910E-9AD1762B8854}"/>
+                </a:ext>
+              </a:extLst>
+            </p:cNvPr>
+            <p:cNvSpPr/>
+            <p:nvPr/>
+          </p:nvSpPr>
+          <p:spPr>
+            <a:xfrm>
+              <a:off x="4369525" y="2781219"/>
+              <a:ext cx="757645" cy="531065"/>
+            </a:xfrm>
+            <a:prstGeom prst="ellipse">
+              <a:avLst/>
+            </a:prstGeom>
+          </p:spPr>
+          <p:style>
+            <a:lnRef idx="2">
+              <a:schemeClr val="accent1"/>
+            </a:lnRef>
+            <a:fillRef idx="1">
+              <a:schemeClr val="lt1"/>
+            </a:fillRef>
+            <a:effectRef idx="0">
+              <a:schemeClr val="accent1"/>
+            </a:effectRef>
+            <a:fontRef idx="minor">
+              <a:schemeClr val="dk1"/>
+            </a:fontRef>
+          </p:style>
+          <p:txBody>
+            <a:bodyPr rtlCol="0" anchor="ctr"/>
+            <a:lstStyle/>
+            <a:p>
+              <a:pPr algn="ctr"/>
+              <a:r>
+                <a:rPr lang="en-US" dirty="0"/>
+                <a:t>42</a:t>
+              </a:r>
+              <a:endParaRPr lang="en-IL" dirty="0"/>
+            </a:p>
+          </p:txBody>
+        </p:sp>
+      </p:grpSp>
+      <p:sp>
+        <p:nvSpPr>
+          <p:cNvPr id="18" name="TextBox 17">
+            <a:extLst>
+              <a:ext uri="{FF2B5EF4-FFF2-40B4-BE49-F238E27FC236}">
+                <a16:creationId xmlns:a16="http://schemas.microsoft.com/office/drawing/2014/main" id="{80C11250-6B0E-734A-F321-68F6FB767646}"/>
+              </a:ext>
+            </a:extLst>
+          </p:cNvPr>
+          <p:cNvSpPr txBox="1"/>
+          <p:nvPr/>
+        </p:nvSpPr>
+        <p:spPr>
+          <a:xfrm>
+            <a:off x="838200" y="1623585"/>
+            <a:ext cx="4134722" cy="3539430"/>
+          </a:xfrm>
+          <a:prstGeom prst="rect">
+            <a:avLst/>
+          </a:prstGeom>
+          <a:noFill/>
+        </p:spPr>
+        <p:txBody>
+          <a:bodyPr wrap="none" rtlCol="0">
+            <a:spAutoFit/>
+          </a:bodyPr>
+          <a:lstStyle/>
+          <a:p>
+            <a:pPr marL="914400" lvl="1" indent="-457200">
+              <a:buFont typeface="Arial" panose="020B0604020202020204" pitchFamily="34" charset="0"/>
+              <a:buChar char="•"/>
+            </a:pPr>
+            <a:r>
+              <a:rPr lang="en-US" sz="2800" dirty="0">
+                <a:solidFill>
+                  <a:schemeClr val="accent1">
+                    <a:lumMod val="75000"/>
+                  </a:schemeClr>
+                </a:solidFill>
+              </a:rPr>
+              <a:t>Creating a signal</a:t>
+            </a:r>
+          </a:p>
+          <a:p>
+            <a:pPr marL="914400" lvl="1" indent="-457200">
+              <a:buFont typeface="Arial" panose="020B0604020202020204" pitchFamily="34" charset="0"/>
+              <a:buChar char="•"/>
+            </a:pPr>
+            <a:endParaRPr lang="en-US" sz="2800" dirty="0">
+              <a:solidFill>
+                <a:schemeClr val="accent1">
+                  <a:lumMod val="75000"/>
+                </a:schemeClr>
+              </a:solidFill>
+            </a:endParaRPr>
+          </a:p>
+          <a:p>
+            <a:pPr marL="914400" lvl="1" indent="-457200">
+              <a:buFont typeface="Arial" panose="020B0604020202020204" pitchFamily="34" charset="0"/>
+              <a:buChar char="•"/>
+            </a:pPr>
+            <a:r>
+              <a:rPr lang="en-US" sz="2800" dirty="0">
+                <a:solidFill>
+                  <a:schemeClr val="accent1">
+                    <a:lumMod val="75000"/>
+                  </a:schemeClr>
+                </a:solidFill>
+              </a:rPr>
+              <a:t>Reading the value</a:t>
+            </a:r>
+            <a:br>
+              <a:rPr lang="en-US" sz="2800" dirty="0">
+                <a:solidFill>
+                  <a:schemeClr val="accent1">
+                    <a:lumMod val="75000"/>
+                  </a:schemeClr>
+                </a:solidFill>
+              </a:rPr>
+            </a:br>
+            <a:r>
+              <a:rPr lang="en-US" sz="2800" dirty="0">
+                <a:solidFill>
+                  <a:schemeClr val="accent1">
+                    <a:lumMod val="75000"/>
+                  </a:schemeClr>
+                </a:solidFill>
+              </a:rPr>
+              <a:t>	</a:t>
+            </a:r>
+          </a:p>
+          <a:p>
+            <a:pPr marL="914400" lvl="1" indent="-457200">
+              <a:buFont typeface="Arial" panose="020B0604020202020204" pitchFamily="34" charset="0"/>
+              <a:buChar char="•"/>
+            </a:pPr>
+            <a:r>
+              <a:rPr lang="en-US" sz="2800" dirty="0">
+                <a:solidFill>
+                  <a:schemeClr val="accent1">
+                    <a:lumMod val="75000"/>
+                  </a:schemeClr>
+                </a:solidFill>
+              </a:rPr>
+              <a:t>Binding to the value</a:t>
+            </a:r>
+            <a:br>
+              <a:rPr lang="en-US" sz="2800" dirty="0">
+                <a:solidFill>
+                  <a:schemeClr val="accent1">
+                    <a:lumMod val="75000"/>
+                  </a:schemeClr>
+                </a:solidFill>
+              </a:rPr>
+            </a:br>
+            <a:br>
+              <a:rPr lang="en-US" sz="2800" dirty="0">
+                <a:solidFill>
+                  <a:schemeClr val="accent1">
+                    <a:lumMod val="75000"/>
+                  </a:schemeClr>
+                </a:solidFill>
+              </a:rPr>
+            </a:br>
+            <a:endParaRPr lang="en-US" sz="2800" dirty="0">
+              <a:solidFill>
+                <a:schemeClr val="accent1">
+                  <a:lumMod val="75000"/>
+                </a:schemeClr>
+              </a:solidFill>
+            </a:endParaRPr>
+          </a:p>
+          <a:p>
+            <a:pPr marL="914400" lvl="1" indent="-457200">
+              <a:buFont typeface="Arial" panose="020B0604020202020204" pitchFamily="34" charset="0"/>
+              <a:buChar char="•"/>
+            </a:pPr>
+            <a:r>
+              <a:rPr lang="en-US" sz="2800" dirty="0">
+                <a:solidFill>
+                  <a:schemeClr val="accent1">
+                    <a:lumMod val="75000"/>
+                  </a:schemeClr>
+                </a:solidFill>
+              </a:rPr>
+              <a:t>Modifying the value</a:t>
+            </a:r>
+          </a:p>
+        </p:txBody>
+      </p:sp>
+      <p:sp>
+        <p:nvSpPr>
+          <p:cNvPr id="21" name="TextBox 20">
+            <a:extLst>
+              <a:ext uri="{FF2B5EF4-FFF2-40B4-BE49-F238E27FC236}">
+                <a16:creationId xmlns:a16="http://schemas.microsoft.com/office/drawing/2014/main" id="{8007F317-0D7B-28FC-C890-C02560262B83}"/>
+              </a:ext>
+            </a:extLst>
+          </p:cNvPr>
+          <p:cNvSpPr txBox="1"/>
+          <p:nvPr/>
+        </p:nvSpPr>
+        <p:spPr>
+          <a:xfrm>
+            <a:off x="2564674" y="2162635"/>
+            <a:ext cx="6570616" cy="338554"/>
+          </a:xfrm>
+          <a:prstGeom prst="rect">
+            <a:avLst/>
+          </a:prstGeom>
+          <a:solidFill>
+            <a:schemeClr val="tx2">
+              <a:lumMod val="10000"/>
+              <a:lumOff val="90000"/>
+            </a:schemeClr>
+          </a:solidFill>
+          <a:ln w="6350">
+            <a:solidFill>
+              <a:schemeClr val="accent1"/>
+            </a:solidFill>
+          </a:ln>
+          <a:effectLst>
+            <a:outerShdw blurRad="50800" dist="38100" dir="2700000" algn="tl" rotWithShape="0">
+              <a:prstClr val="black">
+                <a:alpha val="40000"/>
+              </a:prstClr>
+            </a:outerShdw>
+          </a:effectLst>
+        </p:spPr>
+        <p:txBody>
+          <a:bodyPr wrap="square">
+            <a:spAutoFit/>
+          </a:bodyPr>
+          <a:lstStyle/>
+          <a:p>
+            <a:r>
+              <a:rPr lang="en-US" sz="1600" b="0" dirty="0" err="1">
+                <a:solidFill>
+                  <a:srgbClr val="0000FF"/>
+                </a:solidFill>
+                <a:effectLst/>
+                <a:latin typeface="Consolas" panose="020B0609020204030204" pitchFamily="49" charset="0"/>
+              </a:rPr>
+              <a:t>readonly</a:t>
+            </a:r>
+            <a:r>
+              <a:rPr lang="en-US" sz="1600" b="0" dirty="0">
+                <a:solidFill>
+                  <a:srgbClr val="000000"/>
+                </a:solidFill>
+                <a:effectLst/>
+                <a:latin typeface="Consolas" panose="020B0609020204030204" pitchFamily="49" charset="0"/>
+              </a:rPr>
+              <a:t> </a:t>
+            </a:r>
+            <a:r>
+              <a:rPr lang="en-US" sz="1600" b="0" dirty="0" err="1">
+                <a:solidFill>
+                  <a:srgbClr val="000000"/>
+                </a:solidFill>
+                <a:effectLst/>
+                <a:latin typeface="Consolas" panose="020B0609020204030204" pitchFamily="49" charset="0"/>
+              </a:rPr>
+              <a:t>firstSignal</a:t>
+            </a:r>
+            <a:r>
+              <a:rPr lang="en-US" sz="1600" b="0" dirty="0">
+                <a:solidFill>
+                  <a:srgbClr val="000000"/>
+                </a:solidFill>
+                <a:effectLst/>
+                <a:latin typeface="Consolas" panose="020B0609020204030204" pitchFamily="49" charset="0"/>
+              </a:rPr>
+              <a:t> = signal(</a:t>
+            </a:r>
+            <a:r>
+              <a:rPr lang="en-US" sz="1600" b="0" dirty="0">
+                <a:solidFill>
+                  <a:srgbClr val="098658"/>
+                </a:solidFill>
+                <a:effectLst/>
+                <a:latin typeface="Consolas" panose="020B0609020204030204" pitchFamily="49" charset="0"/>
+              </a:rPr>
+              <a:t>42</a:t>
+            </a:r>
+            <a:r>
+              <a:rPr lang="en-US" sz="1600" b="0" dirty="0">
+                <a:solidFill>
+                  <a:srgbClr val="000000"/>
+                </a:solidFill>
+                <a:effectLst/>
+                <a:latin typeface="Consolas" panose="020B0609020204030204" pitchFamily="49" charset="0"/>
+              </a:rPr>
+              <a:t>);</a:t>
+            </a:r>
+          </a:p>
+        </p:txBody>
+      </p:sp>
+      <p:sp>
+        <p:nvSpPr>
+          <p:cNvPr id="25" name="TextBox 24">
+            <a:extLst>
+              <a:ext uri="{FF2B5EF4-FFF2-40B4-BE49-F238E27FC236}">
+                <a16:creationId xmlns:a16="http://schemas.microsoft.com/office/drawing/2014/main" id="{7E32ECB8-1B1D-268E-5374-C25E04991D62}"/>
+              </a:ext>
+            </a:extLst>
+          </p:cNvPr>
+          <p:cNvSpPr txBox="1"/>
+          <p:nvPr/>
+        </p:nvSpPr>
+        <p:spPr>
+          <a:xfrm>
+            <a:off x="2564674" y="5184200"/>
+            <a:ext cx="6570617" cy="584775"/>
+          </a:xfrm>
+          <a:prstGeom prst="rect">
+            <a:avLst/>
+          </a:prstGeom>
+          <a:solidFill>
+            <a:schemeClr val="tx2">
+              <a:lumMod val="10000"/>
+              <a:lumOff val="90000"/>
+            </a:schemeClr>
+          </a:solidFill>
+          <a:ln w="6350">
+            <a:solidFill>
+              <a:schemeClr val="accent1"/>
+            </a:solidFill>
+          </a:ln>
+          <a:effectLst>
+            <a:outerShdw blurRad="50800" dist="38100" dir="2700000" algn="tl" rotWithShape="0">
+              <a:prstClr val="black">
+                <a:alpha val="40000"/>
+              </a:prstClr>
+            </a:outerShdw>
+          </a:effectLst>
+        </p:spPr>
+        <p:txBody>
+          <a:bodyPr wrap="square">
+            <a:spAutoFit/>
+          </a:bodyPr>
+          <a:lstStyle/>
+          <a:p>
+            <a:r>
+              <a:rPr lang="en-US" sz="1600" b="0" dirty="0" err="1">
+                <a:solidFill>
+                  <a:srgbClr val="0000FF"/>
+                </a:solidFill>
+                <a:effectLst/>
+                <a:latin typeface="Consolas" panose="020B0609020204030204" pitchFamily="49" charset="0"/>
+              </a:rPr>
+              <a:t>this</a:t>
+            </a:r>
+            <a:r>
+              <a:rPr lang="en-US" sz="1600" b="0" dirty="0" err="1">
+                <a:solidFill>
+                  <a:srgbClr val="000000"/>
+                </a:solidFill>
+                <a:effectLst/>
+                <a:latin typeface="Consolas" panose="020B0609020204030204" pitchFamily="49" charset="0"/>
+              </a:rPr>
+              <a:t>.firstSignal.set</a:t>
+            </a:r>
+            <a:r>
+              <a:rPr lang="en-US" sz="1600" b="0" dirty="0">
+                <a:solidFill>
+                  <a:srgbClr val="000000"/>
+                </a:solidFill>
+                <a:effectLst/>
+                <a:latin typeface="Consolas" panose="020B0609020204030204" pitchFamily="49" charset="0"/>
+              </a:rPr>
+              <a:t>(</a:t>
+            </a:r>
+            <a:r>
+              <a:rPr lang="en-US" sz="1600" b="0" dirty="0">
+                <a:solidFill>
+                  <a:srgbClr val="098658"/>
+                </a:solidFill>
+                <a:effectLst/>
+                <a:latin typeface="Consolas" panose="020B0609020204030204" pitchFamily="49" charset="0"/>
+              </a:rPr>
+              <a:t>10</a:t>
+            </a:r>
+            <a:r>
+              <a:rPr lang="en-US" sz="1600" b="0" dirty="0">
+                <a:solidFill>
+                  <a:srgbClr val="000000"/>
+                </a:solidFill>
+                <a:effectLst/>
+                <a:latin typeface="Consolas" panose="020B0609020204030204" pitchFamily="49" charset="0"/>
+              </a:rPr>
+              <a:t>);</a:t>
+            </a:r>
+          </a:p>
+          <a:p>
+            <a:r>
+              <a:rPr lang="en-US" sz="1600" b="0" dirty="0" err="1">
+                <a:solidFill>
+                  <a:srgbClr val="0000FF"/>
+                </a:solidFill>
+                <a:effectLst/>
+                <a:latin typeface="Consolas" panose="020B0609020204030204" pitchFamily="49" charset="0"/>
+              </a:rPr>
+              <a:t>this</a:t>
+            </a:r>
+            <a:r>
+              <a:rPr lang="en-US" sz="1600" b="0" dirty="0" err="1">
+                <a:solidFill>
+                  <a:srgbClr val="000000"/>
+                </a:solidFill>
+                <a:effectLst/>
+                <a:latin typeface="Consolas" panose="020B0609020204030204" pitchFamily="49" charset="0"/>
+              </a:rPr>
+              <a:t>.firstSignal.update</a:t>
+            </a:r>
+            <a:r>
+              <a:rPr lang="en-US" sz="1600" b="0" dirty="0">
+                <a:solidFill>
+                  <a:srgbClr val="000000"/>
+                </a:solidFill>
+                <a:effectLst/>
+                <a:latin typeface="Consolas" panose="020B0609020204030204" pitchFamily="49" charset="0"/>
+              </a:rPr>
+              <a:t>(value </a:t>
+            </a:r>
+            <a:r>
+              <a:rPr lang="en-US" sz="1600" b="0" dirty="0">
+                <a:solidFill>
+                  <a:srgbClr val="0000FF"/>
+                </a:solidFill>
+                <a:effectLst/>
+                <a:latin typeface="Consolas" panose="020B0609020204030204" pitchFamily="49" charset="0"/>
+              </a:rPr>
+              <a:t>=&gt;</a:t>
+            </a:r>
+            <a:r>
+              <a:rPr lang="en-US" sz="1600" b="0" dirty="0">
+                <a:solidFill>
+                  <a:srgbClr val="000000"/>
+                </a:solidFill>
+                <a:effectLst/>
+                <a:latin typeface="Consolas" panose="020B0609020204030204" pitchFamily="49" charset="0"/>
+              </a:rPr>
+              <a:t> value + </a:t>
+            </a:r>
+            <a:r>
+              <a:rPr lang="en-US" sz="1600" b="0" dirty="0">
+                <a:solidFill>
+                  <a:srgbClr val="098658"/>
+                </a:solidFill>
+                <a:effectLst/>
+                <a:latin typeface="Consolas" panose="020B0609020204030204" pitchFamily="49" charset="0"/>
+              </a:rPr>
+              <a:t>1</a:t>
+            </a:r>
+            <a:r>
+              <a:rPr lang="en-US" sz="1600" b="0" dirty="0">
+                <a:solidFill>
+                  <a:srgbClr val="000000"/>
+                </a:solidFill>
+                <a:effectLst/>
+                <a:latin typeface="Consolas" panose="020B0609020204030204" pitchFamily="49" charset="0"/>
+              </a:rPr>
+              <a:t>);</a:t>
+            </a:r>
+          </a:p>
+        </p:txBody>
+      </p:sp>
+      <p:sp>
+        <p:nvSpPr>
+          <p:cNvPr id="27" name="TextBox 26">
+            <a:extLst>
+              <a:ext uri="{FF2B5EF4-FFF2-40B4-BE49-F238E27FC236}">
+                <a16:creationId xmlns:a16="http://schemas.microsoft.com/office/drawing/2014/main" id="{057CE1A6-BC5D-ECF7-9BF0-EC8B7775B60B}"/>
+              </a:ext>
+            </a:extLst>
+          </p:cNvPr>
+          <p:cNvSpPr txBox="1"/>
+          <p:nvPr/>
+        </p:nvSpPr>
+        <p:spPr>
+          <a:xfrm>
+            <a:off x="2564674" y="3825233"/>
+            <a:ext cx="6570616" cy="861774"/>
+          </a:xfrm>
+          <a:prstGeom prst="rect">
+            <a:avLst/>
+          </a:prstGeom>
+          <a:solidFill>
+            <a:schemeClr val="tx2">
+              <a:lumMod val="10000"/>
+              <a:lumOff val="90000"/>
+            </a:schemeClr>
+          </a:solidFill>
+          <a:ln w="6350">
+            <a:solidFill>
+              <a:schemeClr val="accent1"/>
+            </a:solidFill>
+          </a:ln>
+          <a:effectLst>
+            <a:outerShdw blurRad="50800" dist="38100" dir="2700000" algn="tl" rotWithShape="0">
+              <a:prstClr val="black">
+                <a:alpha val="40000"/>
+              </a:prstClr>
+            </a:outerShdw>
+          </a:effectLst>
+        </p:spPr>
+        <p:txBody>
+          <a:bodyPr wrap="square">
+            <a:spAutoFit/>
+          </a:bodyPr>
+          <a:lstStyle/>
+          <a:p>
+            <a:r>
+              <a:rPr lang="en-US" sz="1600" b="0" dirty="0">
+                <a:solidFill>
+                  <a:srgbClr val="800000"/>
+                </a:solidFill>
+                <a:effectLst/>
+                <a:latin typeface="Consolas" panose="020B0609020204030204" pitchFamily="49" charset="0"/>
+              </a:rPr>
+              <a:t>&lt;h1&gt;</a:t>
+            </a:r>
+            <a:endParaRPr lang="en-US" sz="1600" b="0" dirty="0">
+              <a:solidFill>
+                <a:srgbClr val="000000"/>
+              </a:solidFill>
+              <a:effectLst/>
+              <a:latin typeface="Consolas" panose="020B0609020204030204" pitchFamily="49" charset="0"/>
+            </a:endParaRPr>
+          </a:p>
+          <a:p>
+            <a:r>
+              <a:rPr lang="en-US" sz="1600" b="0" dirty="0">
+                <a:solidFill>
+                  <a:srgbClr val="000000"/>
+                </a:solidFill>
+                <a:effectLst/>
+                <a:latin typeface="Consolas" panose="020B0609020204030204" pitchFamily="49" charset="0"/>
+              </a:rPr>
+              <a:t>    First Signal: {{</a:t>
+            </a:r>
+            <a:r>
+              <a:rPr lang="en-US" sz="1600" b="0" dirty="0" err="1">
+                <a:solidFill>
+                  <a:srgbClr val="000000"/>
+                </a:solidFill>
+                <a:effectLst/>
+                <a:latin typeface="Consolas" panose="020B0609020204030204" pitchFamily="49" charset="0"/>
+              </a:rPr>
+              <a:t>firstSignal</a:t>
+            </a:r>
+            <a:r>
+              <a:rPr lang="en-US" sz="1600" b="0" dirty="0">
+                <a:solidFill>
+                  <a:srgbClr val="000000"/>
+                </a:solidFill>
+                <a:effectLst/>
+                <a:latin typeface="Consolas" panose="020B0609020204030204" pitchFamily="49" charset="0"/>
+              </a:rPr>
+              <a:t>()}}</a:t>
+            </a:r>
+          </a:p>
+          <a:p>
+            <a:r>
+              <a:rPr lang="en-US" sz="1600" b="0" dirty="0">
+                <a:solidFill>
+                  <a:srgbClr val="800000"/>
+                </a:solidFill>
+                <a:effectLst/>
+                <a:latin typeface="Consolas" panose="020B0609020204030204" pitchFamily="49" charset="0"/>
+              </a:rPr>
+              <a:t>&lt;/h1&gt;</a:t>
+            </a:r>
+            <a:endParaRPr lang="en-US" sz="1600" b="0" dirty="0">
+              <a:solidFill>
+                <a:srgbClr val="000000"/>
+              </a:solidFill>
+              <a:effectLst/>
+              <a:latin typeface="Consolas" panose="020B0609020204030204" pitchFamily="49" charset="0"/>
+            </a:endParaRPr>
+          </a:p>
+        </p:txBody>
+      </p:sp>
+      <p:sp>
+        <p:nvSpPr>
+          <p:cNvPr id="29" name="TextBox 28">
+            <a:extLst>
+              <a:ext uri="{FF2B5EF4-FFF2-40B4-BE49-F238E27FC236}">
+                <a16:creationId xmlns:a16="http://schemas.microsoft.com/office/drawing/2014/main" id="{788A2B57-8790-4D1A-614A-D4A54F9CA39B}"/>
+              </a:ext>
+            </a:extLst>
+          </p:cNvPr>
+          <p:cNvSpPr txBox="1"/>
+          <p:nvPr/>
+        </p:nvSpPr>
+        <p:spPr>
+          <a:xfrm>
+            <a:off x="2564673" y="3015326"/>
+            <a:ext cx="6570617" cy="338554"/>
+          </a:xfrm>
+          <a:prstGeom prst="rect">
+            <a:avLst/>
+          </a:prstGeom>
+          <a:solidFill>
+            <a:schemeClr val="tx2">
+              <a:lumMod val="10000"/>
+              <a:lumOff val="90000"/>
+            </a:schemeClr>
+          </a:solidFill>
+          <a:ln w="6350">
+            <a:solidFill>
+              <a:schemeClr val="accent1"/>
+            </a:solidFill>
+          </a:ln>
+          <a:effectLst>
+            <a:outerShdw blurRad="50800" dist="38100" dir="2700000" algn="tl" rotWithShape="0">
+              <a:prstClr val="black">
+                <a:alpha val="40000"/>
+              </a:prstClr>
+            </a:outerShdw>
+          </a:effectLst>
+        </p:spPr>
+        <p:txBody>
+          <a:bodyPr wrap="square">
+            <a:spAutoFit/>
+          </a:bodyPr>
+          <a:lstStyle/>
+          <a:p>
+            <a:r>
+              <a:rPr lang="en-US" sz="1600" b="0" dirty="0">
+                <a:solidFill>
+                  <a:srgbClr val="0000FF"/>
+                </a:solidFill>
+                <a:effectLst/>
+                <a:latin typeface="Consolas" panose="020B0609020204030204" pitchFamily="49" charset="0"/>
+              </a:rPr>
+              <a:t>let</a:t>
+            </a:r>
+            <a:r>
+              <a:rPr lang="en-US" sz="1600" b="0" dirty="0">
+                <a:solidFill>
+                  <a:srgbClr val="000000"/>
+                </a:solidFill>
+                <a:effectLst/>
+                <a:latin typeface="Consolas" panose="020B0609020204030204" pitchFamily="49" charset="0"/>
+              </a:rPr>
+              <a:t> </a:t>
+            </a:r>
+            <a:r>
+              <a:rPr lang="en-US" sz="1600" b="0" dirty="0" err="1">
+                <a:solidFill>
+                  <a:srgbClr val="000000"/>
+                </a:solidFill>
+                <a:effectLst/>
+                <a:latin typeface="Consolas" panose="020B0609020204030204" pitchFamily="49" charset="0"/>
+              </a:rPr>
+              <a:t>val</a:t>
+            </a:r>
+            <a:r>
+              <a:rPr lang="en-US" sz="1600" b="0" dirty="0">
+                <a:solidFill>
+                  <a:srgbClr val="000000"/>
+                </a:solidFill>
+                <a:effectLst/>
+                <a:latin typeface="Consolas" panose="020B0609020204030204" pitchFamily="49" charset="0"/>
+              </a:rPr>
+              <a:t> = </a:t>
+            </a:r>
+            <a:r>
+              <a:rPr lang="en-US" sz="1600" b="0" dirty="0" err="1">
+                <a:solidFill>
+                  <a:srgbClr val="0000FF"/>
+                </a:solidFill>
+                <a:effectLst/>
+                <a:latin typeface="Consolas" panose="020B0609020204030204" pitchFamily="49" charset="0"/>
+              </a:rPr>
+              <a:t>this</a:t>
+            </a:r>
+            <a:r>
+              <a:rPr lang="en-US" sz="1600" b="0" dirty="0" err="1">
+                <a:solidFill>
+                  <a:srgbClr val="000000"/>
+                </a:solidFill>
+                <a:effectLst/>
+                <a:latin typeface="Consolas" panose="020B0609020204030204" pitchFamily="49" charset="0"/>
+              </a:rPr>
+              <a:t>.firstSignal</a:t>
+            </a:r>
+            <a:r>
+              <a:rPr lang="en-US" sz="1600" b="0" dirty="0">
+                <a:solidFill>
+                  <a:srgbClr val="000000"/>
+                </a:solidFill>
+                <a:effectLst/>
+                <a:latin typeface="Consolas" panose="020B0609020204030204" pitchFamily="49" charset="0"/>
+              </a:rPr>
+              <a:t>();</a:t>
+            </a:r>
+            <a:endParaRPr lang="en-US" sz="1600" b="0" dirty="0">
+              <a:solidFill>
+                <a:srgbClr val="000000"/>
+              </a:solidFill>
+              <a:effectLst/>
+              <a:highlight>
+                <a:srgbClr val="FFFFFF"/>
+              </a:highlight>
+              <a:latin typeface="Consolas" panose="020B0609020204030204" pitchFamily="49" charset="0"/>
+            </a:endParaRPr>
+          </a:p>
+        </p:txBody>
+      </p:sp>
+    </p:spTree>
+    <p:extLst>
+      <p:ext uri="{BB962C8B-B14F-4D97-AF65-F5344CB8AC3E}">
+        <p14:creationId xmlns:p14="http://schemas.microsoft.com/office/powerpoint/2010/main" val="465493486"/>
+      </p:ext>
+    </p:extLst>
+  </p:cSld>
+  <p:clrMapOvr>
+    <a:masterClrMapping/>
+  </p:clrMapOvr>
+</p:sld>
+</file>
+
+<file path=ppt/slides/slide6.xml><?xml version="1.0" encoding="utf-8"?>
+<p:sld xmlns:a="http://schemas.openxmlformats.org/drawingml/2006/main" xmlns:r="http://schemas.openxmlformats.org/officeDocument/2006/relationships" xmlns:p="http://schemas.openxmlformats.org/presentationml/2006/main">
+  <p:cSld>
+    <p:spTree>
+      <p:nvGrpSpPr>
+        <p:cNvPr id="1" name=""/>
+        <p:cNvGrpSpPr/>
+        <p:nvPr/>
+      </p:nvGrpSpPr>
+      <p:grpSpPr>
+        <a:xfrm>
+          <a:off x="0" y="0"/>
+          <a:ext cx="0" cy="0"/>
+          <a:chOff x="0" y="0"/>
+          <a:chExt cx="0" cy="0"/>
+        </a:xfrm>
+      </p:grpSpPr>
+      <p:sp>
+        <p:nvSpPr>
+          <p:cNvPr id="2" name="Title 1">
+            <a:extLst>
+              <a:ext uri="{FF2B5EF4-FFF2-40B4-BE49-F238E27FC236}">
+                <a16:creationId xmlns:a16="http://schemas.microsoft.com/office/drawing/2014/main" id="{B0BA4C4E-5F3F-E0C0-0206-4B8EE97E1BDE}"/>
+              </a:ext>
+            </a:extLst>
+          </p:cNvPr>
+          <p:cNvSpPr>
+            <a:spLocks noGrp="1"/>
+          </p:cNvSpPr>
+          <p:nvPr>
+            <p:ph type="title"/>
+          </p:nvPr>
+        </p:nvSpPr>
+        <p:spPr/>
+        <p:txBody>
+          <a:bodyPr/>
+          <a:lstStyle/>
+          <a:p>
+            <a:r>
+              <a:rPr lang="en-US" dirty="0"/>
+              <a:t>Computed Signals</a:t>
+            </a:r>
+            <a:endParaRPr lang="en-IL" dirty="0"/>
+          </a:p>
+        </p:txBody>
+      </p:sp>
+      <p:grpSp>
+        <p:nvGrpSpPr>
+          <p:cNvPr id="17" name="Group 16">
+            <a:extLst>
+              <a:ext uri="{FF2B5EF4-FFF2-40B4-BE49-F238E27FC236}">
+                <a16:creationId xmlns:a16="http://schemas.microsoft.com/office/drawing/2014/main" id="{E554EF5D-1E7B-5A2A-1198-CA51ECA0CB73}"/>
+              </a:ext>
+            </a:extLst>
+          </p:cNvPr>
+          <p:cNvGrpSpPr/>
+          <p:nvPr/>
+        </p:nvGrpSpPr>
+        <p:grpSpPr>
+          <a:xfrm>
+            <a:off x="8442959" y="290947"/>
+            <a:ext cx="1896291" cy="1335519"/>
+            <a:chOff x="3786051" y="2393926"/>
+            <a:chExt cx="1896291" cy="1335519"/>
+          </a:xfrm>
+        </p:grpSpPr>
+        <p:grpSp>
+          <p:nvGrpSpPr>
+            <p:cNvPr id="11" name="Group 10">
+              <a:extLst>
+                <a:ext uri="{FF2B5EF4-FFF2-40B4-BE49-F238E27FC236}">
+                  <a16:creationId xmlns:a16="http://schemas.microsoft.com/office/drawing/2014/main" id="{FE17EF0B-EC16-6C7C-4939-F3E18E22396C}"/>
+                </a:ext>
+              </a:extLst>
+            </p:cNvPr>
+            <p:cNvGrpSpPr/>
+            <p:nvPr/>
+          </p:nvGrpSpPr>
+          <p:grpSpPr>
+            <a:xfrm>
+              <a:off x="4310743" y="2403882"/>
+              <a:ext cx="1371599" cy="1325563"/>
+              <a:chOff x="4310743" y="2403882"/>
+              <a:chExt cx="1371599" cy="1325563"/>
+            </a:xfrm>
+          </p:grpSpPr>
+          <p:sp>
+            <p:nvSpPr>
+              <p:cNvPr id="8" name="Arc 7">
+                <a:extLst>
+                  <a:ext uri="{FF2B5EF4-FFF2-40B4-BE49-F238E27FC236}">
+                    <a16:creationId xmlns:a16="http://schemas.microsoft.com/office/drawing/2014/main" id="{818488B4-F3B4-2D04-60D4-FD4BE1839220}"/>
+                  </a:ext>
+                </a:extLst>
+              </p:cNvPr>
+              <p:cNvSpPr/>
+              <p:nvPr/>
+            </p:nvSpPr>
+            <p:spPr>
+              <a:xfrm>
+                <a:off x="4624251" y="2684417"/>
+                <a:ext cx="764178" cy="744583"/>
+              </a:xfrm>
+              <a:prstGeom prst="arc">
+                <a:avLst>
+                  <a:gd name="adj1" fmla="val 17723274"/>
+                  <a:gd name="adj2" fmla="val 3496721"/>
+                </a:avLst>
+              </a:prstGeom>
+              <a:ln w="38100"/>
+            </p:spPr>
+            <p:style>
+              <a:lnRef idx="2">
+                <a:schemeClr val="accent1"/>
+              </a:lnRef>
+              <a:fillRef idx="0">
+                <a:schemeClr val="accent1"/>
+              </a:fillRef>
+              <a:effectRef idx="1">
+                <a:schemeClr val="accent1"/>
+              </a:effectRef>
+              <a:fontRef idx="minor">
+                <a:schemeClr val="tx1"/>
+              </a:fontRef>
+            </p:style>
+            <p:txBody>
+              <a:bodyPr rtlCol="0" anchor="ctr"/>
+              <a:lstStyle/>
+              <a:p>
+                <a:pPr algn="ctr"/>
+                <a:endParaRPr lang="en-IL"/>
+              </a:p>
+            </p:txBody>
+          </p:sp>
+          <p:sp>
+            <p:nvSpPr>
+              <p:cNvPr id="9" name="Arc 8">
+                <a:extLst>
+                  <a:ext uri="{FF2B5EF4-FFF2-40B4-BE49-F238E27FC236}">
+                    <a16:creationId xmlns:a16="http://schemas.microsoft.com/office/drawing/2014/main" id="{65393712-F88A-1ECA-EC24-E4E9CADE4C52}"/>
+                  </a:ext>
+                </a:extLst>
+              </p:cNvPr>
+              <p:cNvSpPr/>
+              <p:nvPr/>
+            </p:nvSpPr>
+            <p:spPr>
+              <a:xfrm>
+                <a:off x="4310743" y="2403882"/>
+                <a:ext cx="1371599" cy="1325563"/>
+              </a:xfrm>
+              <a:prstGeom prst="arc">
+                <a:avLst>
+                  <a:gd name="adj1" fmla="val 17387564"/>
+                  <a:gd name="adj2" fmla="val 3608383"/>
+                </a:avLst>
+              </a:prstGeom>
+              <a:ln w="9525"/>
+            </p:spPr>
+            <p:style>
+              <a:lnRef idx="2">
+                <a:schemeClr val="accent1"/>
+              </a:lnRef>
+              <a:fillRef idx="0">
+                <a:schemeClr val="accent1"/>
+              </a:fillRef>
+              <a:effectRef idx="1">
+                <a:schemeClr val="accent1"/>
+              </a:effectRef>
+              <a:fontRef idx="minor">
+                <a:schemeClr val="tx1"/>
+              </a:fontRef>
+            </p:style>
+            <p:txBody>
+              <a:bodyPr rtlCol="0" anchor="ctr"/>
+              <a:lstStyle/>
+              <a:p>
+                <a:pPr algn="ctr"/>
+                <a:endParaRPr lang="en-IL"/>
+              </a:p>
+            </p:txBody>
+          </p:sp>
+          <p:sp>
+            <p:nvSpPr>
+              <p:cNvPr id="10" name="Arc 9">
+                <a:extLst>
+                  <a:ext uri="{FF2B5EF4-FFF2-40B4-BE49-F238E27FC236}">
+                    <a16:creationId xmlns:a16="http://schemas.microsoft.com/office/drawing/2014/main" id="{2249479B-63C0-1CBF-0DC8-EAFC632F09AD}"/>
+                  </a:ext>
+                </a:extLst>
+              </p:cNvPr>
+              <p:cNvSpPr/>
+              <p:nvPr/>
+            </p:nvSpPr>
+            <p:spPr>
+              <a:xfrm>
+                <a:off x="4454434" y="2532016"/>
+                <a:ext cx="1086395" cy="1049384"/>
+              </a:xfrm>
+              <a:prstGeom prst="arc">
+                <a:avLst>
+                  <a:gd name="adj1" fmla="val 17478740"/>
+                  <a:gd name="adj2" fmla="val 3538996"/>
+                </a:avLst>
+              </a:prstGeom>
+            </p:spPr>
+            <p:style>
+              <a:lnRef idx="2">
+                <a:schemeClr val="accent1"/>
+              </a:lnRef>
+              <a:fillRef idx="0">
+                <a:schemeClr val="accent1"/>
+              </a:fillRef>
+              <a:effectRef idx="1">
+                <a:schemeClr val="accent1"/>
+              </a:effectRef>
+              <a:fontRef idx="minor">
+                <a:schemeClr val="tx1"/>
+              </a:fontRef>
+            </p:style>
+            <p:txBody>
+              <a:bodyPr rtlCol="0" anchor="ctr"/>
+              <a:lstStyle/>
+              <a:p>
+                <a:pPr algn="ctr"/>
+                <a:endParaRPr lang="en-IL"/>
+              </a:p>
+            </p:txBody>
+          </p:sp>
+        </p:grpSp>
+        <p:grpSp>
+          <p:nvGrpSpPr>
+            <p:cNvPr id="12" name="Group 11">
+              <a:extLst>
+                <a:ext uri="{FF2B5EF4-FFF2-40B4-BE49-F238E27FC236}">
+                  <a16:creationId xmlns:a16="http://schemas.microsoft.com/office/drawing/2014/main" id="{F3D16E19-3804-FA2E-5143-999ABC472C7E}"/>
+                </a:ext>
+              </a:extLst>
+            </p:cNvPr>
+            <p:cNvGrpSpPr/>
+            <p:nvPr/>
+          </p:nvGrpSpPr>
+          <p:grpSpPr>
+            <a:xfrm flipH="1">
+              <a:off x="3786051" y="2393926"/>
+              <a:ext cx="1371599" cy="1325563"/>
+              <a:chOff x="4310743" y="2403882"/>
+              <a:chExt cx="1371599" cy="1325563"/>
+            </a:xfrm>
+          </p:grpSpPr>
+          <p:sp>
+            <p:nvSpPr>
+              <p:cNvPr id="13" name="Arc 12">
+                <a:extLst>
+                  <a:ext uri="{FF2B5EF4-FFF2-40B4-BE49-F238E27FC236}">
+                    <a16:creationId xmlns:a16="http://schemas.microsoft.com/office/drawing/2014/main" id="{5E8CAB93-998D-7BB1-FC5D-0051A575E7B9}"/>
+                  </a:ext>
+                </a:extLst>
+              </p:cNvPr>
+              <p:cNvSpPr/>
+              <p:nvPr/>
+            </p:nvSpPr>
+            <p:spPr>
+              <a:xfrm>
+                <a:off x="4624251" y="2684417"/>
+                <a:ext cx="764178" cy="744583"/>
+              </a:xfrm>
+              <a:prstGeom prst="arc">
+                <a:avLst>
+                  <a:gd name="adj1" fmla="val 17723274"/>
+                  <a:gd name="adj2" fmla="val 3496721"/>
+                </a:avLst>
+              </a:prstGeom>
+              <a:ln w="38100"/>
+            </p:spPr>
+            <p:style>
+              <a:lnRef idx="2">
+                <a:schemeClr val="accent1"/>
+              </a:lnRef>
+              <a:fillRef idx="0">
+                <a:schemeClr val="accent1"/>
+              </a:fillRef>
+              <a:effectRef idx="1">
+                <a:schemeClr val="accent1"/>
+              </a:effectRef>
+              <a:fontRef idx="minor">
+                <a:schemeClr val="tx1"/>
+              </a:fontRef>
+            </p:style>
+            <p:txBody>
+              <a:bodyPr rtlCol="0" anchor="ctr"/>
+              <a:lstStyle/>
+              <a:p>
+                <a:pPr algn="ctr"/>
+                <a:endParaRPr lang="en-IL"/>
+              </a:p>
+            </p:txBody>
+          </p:sp>
+          <p:sp>
+            <p:nvSpPr>
+              <p:cNvPr id="14" name="Arc 13">
+                <a:extLst>
+                  <a:ext uri="{FF2B5EF4-FFF2-40B4-BE49-F238E27FC236}">
+                    <a16:creationId xmlns:a16="http://schemas.microsoft.com/office/drawing/2014/main" id="{B8E11E6A-C016-1557-3472-51A478259718}"/>
+                  </a:ext>
+                </a:extLst>
+              </p:cNvPr>
+              <p:cNvSpPr/>
+              <p:nvPr/>
+            </p:nvSpPr>
+            <p:spPr>
+              <a:xfrm>
+                <a:off x="4310743" y="2403882"/>
+                <a:ext cx="1371599" cy="1325563"/>
+              </a:xfrm>
+              <a:prstGeom prst="arc">
+                <a:avLst>
+                  <a:gd name="adj1" fmla="val 17387564"/>
+                  <a:gd name="adj2" fmla="val 3608383"/>
+                </a:avLst>
+              </a:prstGeom>
+              <a:ln w="9525"/>
+            </p:spPr>
+            <p:style>
+              <a:lnRef idx="2">
+                <a:schemeClr val="accent1"/>
+              </a:lnRef>
+              <a:fillRef idx="0">
+                <a:schemeClr val="accent1"/>
+              </a:fillRef>
+              <a:effectRef idx="1">
+                <a:schemeClr val="accent1"/>
+              </a:effectRef>
+              <a:fontRef idx="minor">
+                <a:schemeClr val="tx1"/>
+              </a:fontRef>
+            </p:style>
+            <p:txBody>
+              <a:bodyPr rtlCol="0" anchor="ctr"/>
+              <a:lstStyle/>
+              <a:p>
+                <a:pPr algn="ctr"/>
+                <a:endParaRPr lang="en-IL"/>
+              </a:p>
+            </p:txBody>
+          </p:sp>
+          <p:sp>
+            <p:nvSpPr>
+              <p:cNvPr id="15" name="Arc 14">
+                <a:extLst>
+                  <a:ext uri="{FF2B5EF4-FFF2-40B4-BE49-F238E27FC236}">
+                    <a16:creationId xmlns:a16="http://schemas.microsoft.com/office/drawing/2014/main" id="{5938F8BB-D311-2624-C7A5-DC6676CA0A18}"/>
+                  </a:ext>
+                </a:extLst>
+              </p:cNvPr>
+              <p:cNvSpPr/>
+              <p:nvPr/>
+            </p:nvSpPr>
+            <p:spPr>
+              <a:xfrm>
+                <a:off x="4454434" y="2532016"/>
+                <a:ext cx="1086395" cy="1049384"/>
+              </a:xfrm>
+              <a:prstGeom prst="arc">
+                <a:avLst>
+                  <a:gd name="adj1" fmla="val 17478740"/>
+                  <a:gd name="adj2" fmla="val 3538996"/>
+                </a:avLst>
+              </a:prstGeom>
+            </p:spPr>
+            <p:style>
+              <a:lnRef idx="2">
+                <a:schemeClr val="accent1"/>
+              </a:lnRef>
+              <a:fillRef idx="0">
+                <a:schemeClr val="accent1"/>
+              </a:fillRef>
+              <a:effectRef idx="1">
+                <a:schemeClr val="accent1"/>
+              </a:effectRef>
+              <a:fontRef idx="minor">
+                <a:schemeClr val="tx1"/>
+              </a:fontRef>
+            </p:style>
+            <p:txBody>
+              <a:bodyPr rtlCol="0" anchor="ctr"/>
+              <a:lstStyle/>
+              <a:p>
+                <a:pPr algn="ctr"/>
+                <a:endParaRPr lang="en-IL"/>
+              </a:p>
+            </p:txBody>
+          </p:sp>
+        </p:grpSp>
+        <p:sp>
+          <p:nvSpPr>
+            <p:cNvPr id="16" name="Oval 15">
+              <a:extLst>
+                <a:ext uri="{FF2B5EF4-FFF2-40B4-BE49-F238E27FC236}">
+                  <a16:creationId xmlns:a16="http://schemas.microsoft.com/office/drawing/2014/main" id="{43F123D3-B6EB-DA6E-910E-9AD1762B8854}"/>
+                </a:ext>
+              </a:extLst>
+            </p:cNvPr>
+            <p:cNvSpPr/>
+            <p:nvPr/>
+          </p:nvSpPr>
+          <p:spPr>
+            <a:xfrm>
+              <a:off x="4369525" y="2781219"/>
+              <a:ext cx="757645" cy="531065"/>
+            </a:xfrm>
+            <a:prstGeom prst="ellipse">
+              <a:avLst/>
+            </a:prstGeom>
+          </p:spPr>
+          <p:style>
+            <a:lnRef idx="2">
+              <a:schemeClr val="accent1"/>
+            </a:lnRef>
+            <a:fillRef idx="1">
+              <a:schemeClr val="lt1"/>
+            </a:fillRef>
+            <a:effectRef idx="0">
+              <a:schemeClr val="accent1"/>
+            </a:effectRef>
+            <a:fontRef idx="minor">
+              <a:schemeClr val="dk1"/>
+            </a:fontRef>
+          </p:style>
+          <p:txBody>
+            <a:bodyPr rtlCol="0" anchor="ctr"/>
+            <a:lstStyle/>
+            <a:p>
+              <a:pPr algn="ctr"/>
+              <a:r>
+                <a:rPr lang="en-US" dirty="0"/>
+                <a:t>20</a:t>
+              </a:r>
+              <a:endParaRPr lang="en-IL" dirty="0"/>
+            </a:p>
+          </p:txBody>
+        </p:sp>
+      </p:grpSp>
+      <p:sp>
+        <p:nvSpPr>
+          <p:cNvPr id="18" name="TextBox 17">
+            <a:extLst>
+              <a:ext uri="{FF2B5EF4-FFF2-40B4-BE49-F238E27FC236}">
+                <a16:creationId xmlns:a16="http://schemas.microsoft.com/office/drawing/2014/main" id="{80C11250-6B0E-734A-F321-68F6FB767646}"/>
+              </a:ext>
+            </a:extLst>
+          </p:cNvPr>
+          <p:cNvSpPr txBox="1"/>
+          <p:nvPr/>
+        </p:nvSpPr>
+        <p:spPr>
+          <a:xfrm>
+            <a:off x="838200" y="1630115"/>
+            <a:ext cx="5349350" cy="3970318"/>
+          </a:xfrm>
+          <a:prstGeom prst="rect">
+            <a:avLst/>
+          </a:prstGeom>
+          <a:noFill/>
+        </p:spPr>
+        <p:txBody>
+          <a:bodyPr wrap="none" rtlCol="0">
+            <a:spAutoFit/>
+          </a:bodyPr>
+          <a:lstStyle/>
+          <a:p>
+            <a:pPr marL="914400" lvl="1" indent="-457200">
+              <a:buFont typeface="Arial" panose="020B0604020202020204" pitchFamily="34" charset="0"/>
+              <a:buChar char="•"/>
+            </a:pPr>
+            <a:r>
+              <a:rPr lang="en-US" sz="2800" dirty="0">
+                <a:solidFill>
+                  <a:schemeClr val="accent1">
+                    <a:lumMod val="75000"/>
+                  </a:schemeClr>
+                </a:solidFill>
+              </a:rPr>
+              <a:t>Creating a computed signal</a:t>
+            </a:r>
+          </a:p>
+          <a:p>
+            <a:pPr marL="914400" lvl="1" indent="-457200">
+              <a:buFont typeface="Arial" panose="020B0604020202020204" pitchFamily="34" charset="0"/>
+              <a:buChar char="•"/>
+            </a:pPr>
+            <a:endParaRPr lang="en-US" sz="2800" dirty="0">
+              <a:solidFill>
+                <a:schemeClr val="accent1">
+                  <a:lumMod val="75000"/>
+                </a:schemeClr>
+              </a:solidFill>
+            </a:endParaRPr>
+          </a:p>
+          <a:p>
+            <a:pPr marL="914400" lvl="1" indent="-457200">
+              <a:buFont typeface="Arial" panose="020B0604020202020204" pitchFamily="34" charset="0"/>
+              <a:buChar char="•"/>
+            </a:pPr>
+            <a:r>
+              <a:rPr lang="en-US" sz="2800" dirty="0">
+                <a:solidFill>
+                  <a:schemeClr val="accent1">
+                    <a:lumMod val="75000"/>
+                  </a:schemeClr>
+                </a:solidFill>
+              </a:rPr>
+              <a:t>Reading the value</a:t>
+            </a:r>
+            <a:br>
+              <a:rPr lang="en-US" sz="2800" dirty="0">
+                <a:solidFill>
+                  <a:schemeClr val="accent1">
+                    <a:lumMod val="75000"/>
+                  </a:schemeClr>
+                </a:solidFill>
+              </a:rPr>
+            </a:br>
+            <a:r>
+              <a:rPr lang="en-US" sz="2800" dirty="0">
+                <a:solidFill>
+                  <a:schemeClr val="accent1">
+                    <a:lumMod val="75000"/>
+                  </a:schemeClr>
+                </a:solidFill>
+              </a:rPr>
+              <a:t>	</a:t>
+            </a:r>
+          </a:p>
+          <a:p>
+            <a:pPr marL="914400" lvl="1" indent="-457200">
+              <a:buFont typeface="Arial" panose="020B0604020202020204" pitchFamily="34" charset="0"/>
+              <a:buChar char="•"/>
+            </a:pPr>
+            <a:r>
+              <a:rPr lang="en-US" sz="2800" dirty="0">
+                <a:solidFill>
+                  <a:schemeClr val="accent1">
+                    <a:lumMod val="75000"/>
+                  </a:schemeClr>
+                </a:solidFill>
+              </a:rPr>
+              <a:t>Binding to the value</a:t>
+            </a:r>
+            <a:br>
+              <a:rPr lang="en-US" sz="2800" dirty="0">
+                <a:solidFill>
+                  <a:schemeClr val="accent1">
+                    <a:lumMod val="75000"/>
+                  </a:schemeClr>
+                </a:solidFill>
+              </a:rPr>
+            </a:br>
+            <a:br>
+              <a:rPr lang="en-US" sz="2800" dirty="0">
+                <a:solidFill>
+                  <a:schemeClr val="accent1">
+                    <a:lumMod val="75000"/>
+                  </a:schemeClr>
+                </a:solidFill>
+              </a:rPr>
+            </a:br>
+            <a:endParaRPr lang="en-US" sz="2800" dirty="0">
+              <a:solidFill>
+                <a:schemeClr val="accent1">
+                  <a:lumMod val="75000"/>
+                </a:schemeClr>
+              </a:solidFill>
+            </a:endParaRPr>
+          </a:p>
+          <a:p>
+            <a:pPr lvl="1"/>
+            <a:endParaRPr lang="en-US" sz="2800" strike="sngStrike" dirty="0">
+              <a:solidFill>
+                <a:schemeClr val="accent1">
+                  <a:lumMod val="75000"/>
+                </a:schemeClr>
+              </a:solidFill>
+            </a:endParaRPr>
+          </a:p>
+          <a:p>
+            <a:pPr marL="914400" lvl="1" indent="-457200">
+              <a:buFont typeface="Arial" panose="020B0604020202020204" pitchFamily="34" charset="0"/>
+              <a:buChar char="•"/>
+            </a:pPr>
+            <a:r>
+              <a:rPr lang="en-US" sz="2800" strike="sngStrike" dirty="0">
+                <a:solidFill>
+                  <a:schemeClr val="accent1">
+                    <a:lumMod val="75000"/>
+                  </a:schemeClr>
+                </a:solidFill>
+              </a:rPr>
+              <a:t>Modifying the value</a:t>
+            </a:r>
+          </a:p>
+        </p:txBody>
+      </p:sp>
+      <p:sp>
+        <p:nvSpPr>
+          <p:cNvPr id="21" name="TextBox 20">
+            <a:extLst>
+              <a:ext uri="{FF2B5EF4-FFF2-40B4-BE49-F238E27FC236}">
+                <a16:creationId xmlns:a16="http://schemas.microsoft.com/office/drawing/2014/main" id="{8007F317-0D7B-28FC-C890-C02560262B83}"/>
+              </a:ext>
+            </a:extLst>
+          </p:cNvPr>
+          <p:cNvSpPr txBox="1"/>
+          <p:nvPr/>
+        </p:nvSpPr>
+        <p:spPr>
+          <a:xfrm>
+            <a:off x="2564674" y="2169165"/>
+            <a:ext cx="6570616" cy="338554"/>
+          </a:xfrm>
+          <a:prstGeom prst="rect">
+            <a:avLst/>
+          </a:prstGeom>
+          <a:solidFill>
+            <a:schemeClr val="tx2">
+              <a:lumMod val="10000"/>
+              <a:lumOff val="90000"/>
+            </a:schemeClr>
+          </a:solidFill>
+          <a:ln w="6350">
+            <a:solidFill>
+              <a:schemeClr val="accent1"/>
+            </a:solidFill>
+          </a:ln>
+          <a:effectLst>
+            <a:outerShdw blurRad="50800" dist="38100" dir="2700000" algn="tl" rotWithShape="0">
+              <a:prstClr val="black">
+                <a:alpha val="40000"/>
+              </a:prstClr>
+            </a:outerShdw>
+          </a:effectLst>
+        </p:spPr>
+        <p:txBody>
+          <a:bodyPr wrap="square">
+            <a:spAutoFit/>
+          </a:bodyPr>
+          <a:lstStyle/>
+          <a:p>
+            <a:r>
+              <a:rPr lang="en-US" sz="1600" b="0" dirty="0" err="1">
+                <a:solidFill>
+                  <a:srgbClr val="0000FF"/>
+                </a:solidFill>
+                <a:effectLst/>
+                <a:latin typeface="Consolas" panose="020B0609020204030204" pitchFamily="49" charset="0"/>
+              </a:rPr>
+              <a:t>readonly</a:t>
+            </a:r>
+            <a:r>
+              <a:rPr lang="en-US" sz="1600" b="0" dirty="0">
+                <a:solidFill>
+                  <a:srgbClr val="000000"/>
+                </a:solidFill>
+                <a:effectLst/>
+                <a:latin typeface="Consolas" panose="020B0609020204030204" pitchFamily="49" charset="0"/>
+              </a:rPr>
+              <a:t> derived = computed(</a:t>
+            </a:r>
+            <a:r>
+              <a:rPr lang="en-US" sz="1600" b="0" dirty="0">
+                <a:solidFill>
+                  <a:srgbClr val="098658"/>
+                </a:solidFill>
+                <a:effectLst/>
+                <a:latin typeface="Consolas" panose="020B0609020204030204" pitchFamily="49" charset="0"/>
+              </a:rPr>
+              <a:t>() =&gt; </a:t>
+            </a:r>
+            <a:r>
+              <a:rPr lang="en-US" sz="1600" b="0" dirty="0" err="1">
+                <a:solidFill>
+                  <a:srgbClr val="098658"/>
+                </a:solidFill>
+                <a:effectLst/>
+                <a:latin typeface="Consolas" panose="020B0609020204030204" pitchFamily="49" charset="0"/>
+              </a:rPr>
+              <a:t>firstSignal</a:t>
+            </a:r>
+            <a:r>
+              <a:rPr lang="en-US" sz="1600" b="0" dirty="0">
+                <a:solidFill>
+                  <a:srgbClr val="098658"/>
+                </a:solidFill>
+                <a:effectLst/>
+                <a:latin typeface="Consolas" panose="020B0609020204030204" pitchFamily="49" charset="0"/>
+              </a:rPr>
+              <a:t>() * 2</a:t>
+            </a:r>
+            <a:r>
+              <a:rPr lang="en-US" sz="1600" b="0" dirty="0">
+                <a:solidFill>
+                  <a:srgbClr val="000000"/>
+                </a:solidFill>
+                <a:effectLst/>
+                <a:latin typeface="Consolas" panose="020B0609020204030204" pitchFamily="49" charset="0"/>
+              </a:rPr>
+              <a:t>);</a:t>
+            </a:r>
+          </a:p>
+        </p:txBody>
+      </p:sp>
+      <p:sp>
+        <p:nvSpPr>
+          <p:cNvPr id="27" name="TextBox 26">
+            <a:extLst>
+              <a:ext uri="{FF2B5EF4-FFF2-40B4-BE49-F238E27FC236}">
+                <a16:creationId xmlns:a16="http://schemas.microsoft.com/office/drawing/2014/main" id="{057CE1A6-BC5D-ECF7-9BF0-EC8B7775B60B}"/>
+              </a:ext>
+            </a:extLst>
+          </p:cNvPr>
+          <p:cNvSpPr txBox="1"/>
+          <p:nvPr/>
+        </p:nvSpPr>
+        <p:spPr>
+          <a:xfrm>
+            <a:off x="2564674" y="3874547"/>
+            <a:ext cx="6570616" cy="861774"/>
+          </a:xfrm>
+          <a:prstGeom prst="rect">
+            <a:avLst/>
+          </a:prstGeom>
+          <a:solidFill>
+            <a:schemeClr val="tx2">
+              <a:lumMod val="10000"/>
+              <a:lumOff val="90000"/>
+            </a:schemeClr>
+          </a:solidFill>
+          <a:ln w="6350">
+            <a:solidFill>
+              <a:schemeClr val="accent1"/>
+            </a:solidFill>
+          </a:ln>
+          <a:effectLst>
+            <a:outerShdw blurRad="50800" dist="38100" dir="2700000" algn="tl" rotWithShape="0">
+              <a:prstClr val="black">
+                <a:alpha val="40000"/>
+              </a:prstClr>
+            </a:outerShdw>
+          </a:effectLst>
+        </p:spPr>
+        <p:txBody>
+          <a:bodyPr wrap="square">
+            <a:spAutoFit/>
+          </a:bodyPr>
+          <a:lstStyle/>
+          <a:p>
+            <a:r>
+              <a:rPr lang="en-US" sz="1600" b="0" dirty="0">
+                <a:solidFill>
+                  <a:srgbClr val="800000"/>
+                </a:solidFill>
+                <a:effectLst/>
+                <a:latin typeface="Consolas" panose="020B0609020204030204" pitchFamily="49" charset="0"/>
+              </a:rPr>
+              <a:t>&lt;h1&gt;</a:t>
+            </a:r>
+            <a:endParaRPr lang="en-US" sz="1600" b="0" dirty="0">
+              <a:solidFill>
+                <a:srgbClr val="000000"/>
+              </a:solidFill>
+              <a:effectLst/>
+              <a:latin typeface="Consolas" panose="020B0609020204030204" pitchFamily="49" charset="0"/>
+            </a:endParaRPr>
+          </a:p>
+          <a:p>
+            <a:r>
+              <a:rPr lang="en-US" sz="1600" b="0" dirty="0">
+                <a:solidFill>
+                  <a:srgbClr val="000000"/>
+                </a:solidFill>
+                <a:effectLst/>
+                <a:latin typeface="Consolas" panose="020B0609020204030204" pitchFamily="49" charset="0"/>
+              </a:rPr>
+              <a:t>    Derived Signal: {{derived()}} </a:t>
+            </a:r>
+            <a:r>
+              <a:rPr lang="en-US" sz="1600" b="0" dirty="0">
+                <a:solidFill>
+                  <a:srgbClr val="098658"/>
+                </a:solidFill>
+                <a:effectLst/>
+                <a:latin typeface="Consolas" panose="020B0609020204030204" pitchFamily="49" charset="0"/>
+              </a:rPr>
+              <a:t>// same as writeable</a:t>
+            </a:r>
+            <a:endParaRPr lang="en-US" sz="1600" b="0" dirty="0">
+              <a:solidFill>
+                <a:srgbClr val="000000"/>
+              </a:solidFill>
+              <a:effectLst/>
+              <a:latin typeface="Consolas" panose="020B0609020204030204" pitchFamily="49" charset="0"/>
+            </a:endParaRPr>
+          </a:p>
+          <a:p>
+            <a:r>
+              <a:rPr lang="en-US" sz="1600" b="0" dirty="0">
+                <a:solidFill>
+                  <a:srgbClr val="800000"/>
+                </a:solidFill>
+                <a:effectLst/>
+                <a:latin typeface="Consolas" panose="020B0609020204030204" pitchFamily="49" charset="0"/>
+              </a:rPr>
+              <a:t>&lt;/h1&gt;</a:t>
+            </a:r>
+            <a:endParaRPr lang="en-US" sz="1600" b="0" dirty="0">
+              <a:solidFill>
+                <a:srgbClr val="000000"/>
+              </a:solidFill>
+              <a:effectLst/>
+              <a:latin typeface="Consolas" panose="020B0609020204030204" pitchFamily="49" charset="0"/>
+            </a:endParaRPr>
+          </a:p>
+        </p:txBody>
+      </p:sp>
+      <p:sp>
+        <p:nvSpPr>
+          <p:cNvPr id="29" name="TextBox 28">
+            <a:extLst>
+              <a:ext uri="{FF2B5EF4-FFF2-40B4-BE49-F238E27FC236}">
+                <a16:creationId xmlns:a16="http://schemas.microsoft.com/office/drawing/2014/main" id="{788A2B57-8790-4D1A-614A-D4A54F9CA39B}"/>
+              </a:ext>
+            </a:extLst>
+          </p:cNvPr>
+          <p:cNvSpPr txBox="1"/>
+          <p:nvPr/>
+        </p:nvSpPr>
+        <p:spPr>
+          <a:xfrm>
+            <a:off x="2564673" y="3021856"/>
+            <a:ext cx="6570617" cy="338554"/>
+          </a:xfrm>
+          <a:prstGeom prst="rect">
+            <a:avLst/>
+          </a:prstGeom>
+          <a:solidFill>
+            <a:schemeClr val="tx2">
+              <a:lumMod val="10000"/>
+              <a:lumOff val="90000"/>
+            </a:schemeClr>
+          </a:solidFill>
+          <a:ln w="6350">
+            <a:solidFill>
+              <a:schemeClr val="accent1"/>
+            </a:solidFill>
+          </a:ln>
+          <a:effectLst>
+            <a:outerShdw blurRad="50800" dist="38100" dir="2700000" algn="tl" rotWithShape="0">
+              <a:prstClr val="black">
+                <a:alpha val="40000"/>
+              </a:prstClr>
+            </a:outerShdw>
+          </a:effectLst>
+        </p:spPr>
+        <p:txBody>
+          <a:bodyPr wrap="square">
+            <a:spAutoFit/>
+          </a:bodyPr>
+          <a:lstStyle/>
+          <a:p>
+            <a:r>
+              <a:rPr lang="en-US" sz="1600" b="0" dirty="0">
+                <a:solidFill>
+                  <a:srgbClr val="0000FF"/>
+                </a:solidFill>
+                <a:effectLst/>
+                <a:latin typeface="Consolas" panose="020B0609020204030204" pitchFamily="49" charset="0"/>
+              </a:rPr>
+              <a:t>let</a:t>
+            </a:r>
+            <a:r>
+              <a:rPr lang="en-US" sz="1600" b="0" dirty="0">
+                <a:solidFill>
+                  <a:srgbClr val="000000"/>
+                </a:solidFill>
+                <a:effectLst/>
+                <a:latin typeface="Consolas" panose="020B0609020204030204" pitchFamily="49" charset="0"/>
+              </a:rPr>
+              <a:t> </a:t>
+            </a:r>
+            <a:r>
+              <a:rPr lang="en-US" sz="1600" b="0" dirty="0" err="1">
+                <a:solidFill>
+                  <a:srgbClr val="000000"/>
+                </a:solidFill>
+                <a:effectLst/>
+                <a:latin typeface="Consolas" panose="020B0609020204030204" pitchFamily="49" charset="0"/>
+              </a:rPr>
+              <a:t>val</a:t>
+            </a:r>
+            <a:r>
+              <a:rPr lang="en-US" sz="1600" b="0" dirty="0">
+                <a:solidFill>
+                  <a:srgbClr val="000000"/>
+                </a:solidFill>
+                <a:effectLst/>
+                <a:latin typeface="Consolas" panose="020B0609020204030204" pitchFamily="49" charset="0"/>
+              </a:rPr>
+              <a:t> = </a:t>
+            </a:r>
+            <a:r>
+              <a:rPr lang="en-US" sz="1600" b="0" dirty="0" err="1">
+                <a:solidFill>
+                  <a:srgbClr val="0000FF"/>
+                </a:solidFill>
+                <a:effectLst/>
+                <a:latin typeface="Consolas" panose="020B0609020204030204" pitchFamily="49" charset="0"/>
+              </a:rPr>
+              <a:t>this</a:t>
+            </a:r>
+            <a:r>
+              <a:rPr lang="en-US" sz="1600" b="0" dirty="0" err="1">
+                <a:solidFill>
+                  <a:srgbClr val="000000"/>
+                </a:solidFill>
+                <a:effectLst/>
+                <a:latin typeface="Consolas" panose="020B0609020204030204" pitchFamily="49" charset="0"/>
+              </a:rPr>
+              <a:t>.derived</a:t>
+            </a:r>
+            <a:r>
+              <a:rPr lang="en-US" sz="1600" b="0" dirty="0">
+                <a:solidFill>
+                  <a:srgbClr val="000000"/>
+                </a:solidFill>
+                <a:effectLst/>
+                <a:latin typeface="Consolas" panose="020B0609020204030204" pitchFamily="49" charset="0"/>
+              </a:rPr>
+              <a:t>(); </a:t>
+            </a:r>
+            <a:r>
+              <a:rPr lang="en-US" sz="1600" b="0" dirty="0">
+                <a:solidFill>
+                  <a:srgbClr val="098658"/>
+                </a:solidFill>
+                <a:effectLst/>
+                <a:latin typeface="Consolas" panose="020B0609020204030204" pitchFamily="49" charset="0"/>
+              </a:rPr>
+              <a:t>// same as writeable</a:t>
+            </a:r>
+            <a:endParaRPr lang="en-US" sz="1600" b="0" dirty="0">
+              <a:solidFill>
+                <a:srgbClr val="000000"/>
+              </a:solidFill>
+              <a:effectLst/>
+              <a:highlight>
+                <a:srgbClr val="FFFFFF"/>
+              </a:highlight>
+              <a:latin typeface="Consolas" panose="020B0609020204030204" pitchFamily="49" charset="0"/>
+            </a:endParaRPr>
+          </a:p>
+        </p:txBody>
+      </p:sp>
+      <p:grpSp>
+        <p:nvGrpSpPr>
+          <p:cNvPr id="3" name="Group 2">
+            <a:extLst>
+              <a:ext uri="{FF2B5EF4-FFF2-40B4-BE49-F238E27FC236}">
+                <a16:creationId xmlns:a16="http://schemas.microsoft.com/office/drawing/2014/main" id="{80F83C38-503D-7148-F996-793A65402657}"/>
+              </a:ext>
+            </a:extLst>
+          </p:cNvPr>
+          <p:cNvGrpSpPr/>
+          <p:nvPr/>
+        </p:nvGrpSpPr>
+        <p:grpSpPr>
+          <a:xfrm>
+            <a:off x="5406933" y="300903"/>
+            <a:ext cx="1896291" cy="1335519"/>
+            <a:chOff x="3786051" y="2393926"/>
+            <a:chExt cx="1896291" cy="1335519"/>
+          </a:xfrm>
+        </p:grpSpPr>
+        <p:grpSp>
+          <p:nvGrpSpPr>
+            <p:cNvPr id="4" name="Group 3">
+              <a:extLst>
+                <a:ext uri="{FF2B5EF4-FFF2-40B4-BE49-F238E27FC236}">
+                  <a16:creationId xmlns:a16="http://schemas.microsoft.com/office/drawing/2014/main" id="{FBE728B1-5AFD-8C24-3F11-9CB6237E311F}"/>
+                </a:ext>
+              </a:extLst>
+            </p:cNvPr>
+            <p:cNvGrpSpPr/>
+            <p:nvPr/>
+          </p:nvGrpSpPr>
+          <p:grpSpPr>
+            <a:xfrm>
+              <a:off x="4310743" y="2403882"/>
+              <a:ext cx="1371599" cy="1325563"/>
+              <a:chOff x="4310743" y="2403882"/>
+              <a:chExt cx="1371599" cy="1325563"/>
+            </a:xfrm>
+          </p:grpSpPr>
+          <p:sp>
+            <p:nvSpPr>
+              <p:cNvPr id="22" name="Arc 21">
+                <a:extLst>
+                  <a:ext uri="{FF2B5EF4-FFF2-40B4-BE49-F238E27FC236}">
+                    <a16:creationId xmlns:a16="http://schemas.microsoft.com/office/drawing/2014/main" id="{B712BD84-656D-3A96-1976-22E8E2DE7ED7}"/>
+                  </a:ext>
+                </a:extLst>
+              </p:cNvPr>
+              <p:cNvSpPr/>
+              <p:nvPr/>
+            </p:nvSpPr>
+            <p:spPr>
+              <a:xfrm>
+                <a:off x="4624251" y="2684417"/>
+                <a:ext cx="764178" cy="744583"/>
+              </a:xfrm>
+              <a:prstGeom prst="arc">
+                <a:avLst>
+                  <a:gd name="adj1" fmla="val 17723274"/>
+                  <a:gd name="adj2" fmla="val 3496721"/>
+                </a:avLst>
+              </a:prstGeom>
+              <a:ln w="38100"/>
+            </p:spPr>
+            <p:style>
+              <a:lnRef idx="2">
+                <a:schemeClr val="accent1"/>
+              </a:lnRef>
+              <a:fillRef idx="0">
+                <a:schemeClr val="accent1"/>
+              </a:fillRef>
+              <a:effectRef idx="1">
+                <a:schemeClr val="accent1"/>
+              </a:effectRef>
+              <a:fontRef idx="minor">
+                <a:schemeClr val="tx1"/>
+              </a:fontRef>
+            </p:style>
+            <p:txBody>
+              <a:bodyPr rtlCol="0" anchor="ctr"/>
+              <a:lstStyle/>
+              <a:p>
+                <a:pPr algn="ctr"/>
+                <a:endParaRPr lang="en-IL"/>
+              </a:p>
+            </p:txBody>
+          </p:sp>
+          <p:sp>
+            <p:nvSpPr>
+              <p:cNvPr id="23" name="Arc 22">
+                <a:extLst>
+                  <a:ext uri="{FF2B5EF4-FFF2-40B4-BE49-F238E27FC236}">
+                    <a16:creationId xmlns:a16="http://schemas.microsoft.com/office/drawing/2014/main" id="{CDDE9786-D483-6909-EDB9-74F6AC6B769F}"/>
+                  </a:ext>
+                </a:extLst>
+              </p:cNvPr>
+              <p:cNvSpPr/>
+              <p:nvPr/>
+            </p:nvSpPr>
+            <p:spPr>
+              <a:xfrm>
+                <a:off x="4310743" y="2403882"/>
+                <a:ext cx="1371599" cy="1325563"/>
+              </a:xfrm>
+              <a:prstGeom prst="arc">
+                <a:avLst>
+                  <a:gd name="adj1" fmla="val 17387564"/>
+                  <a:gd name="adj2" fmla="val 3608383"/>
+                </a:avLst>
+              </a:prstGeom>
+              <a:ln w="9525"/>
+            </p:spPr>
+            <p:style>
+              <a:lnRef idx="2">
+                <a:schemeClr val="accent1"/>
+              </a:lnRef>
+              <a:fillRef idx="0">
+                <a:schemeClr val="accent1"/>
+              </a:fillRef>
+              <a:effectRef idx="1">
+                <a:schemeClr val="accent1"/>
+              </a:effectRef>
+              <a:fontRef idx="minor">
+                <a:schemeClr val="tx1"/>
+              </a:fontRef>
+            </p:style>
+            <p:txBody>
+              <a:bodyPr rtlCol="0" anchor="ctr"/>
+              <a:lstStyle/>
+              <a:p>
+                <a:pPr algn="ctr"/>
+                <a:endParaRPr lang="en-IL"/>
+              </a:p>
+            </p:txBody>
+          </p:sp>
+          <p:sp>
+            <p:nvSpPr>
+              <p:cNvPr id="24" name="Arc 23">
+                <a:extLst>
+                  <a:ext uri="{FF2B5EF4-FFF2-40B4-BE49-F238E27FC236}">
+                    <a16:creationId xmlns:a16="http://schemas.microsoft.com/office/drawing/2014/main" id="{076D6D9D-250E-D1D7-08B2-BA79E8F9D60D}"/>
+                  </a:ext>
+                </a:extLst>
+              </p:cNvPr>
+              <p:cNvSpPr/>
+              <p:nvPr/>
+            </p:nvSpPr>
+            <p:spPr>
+              <a:xfrm>
+                <a:off x="4454434" y="2532016"/>
+                <a:ext cx="1086395" cy="1049384"/>
+              </a:xfrm>
+              <a:prstGeom prst="arc">
+                <a:avLst>
+                  <a:gd name="adj1" fmla="val 17478740"/>
+                  <a:gd name="adj2" fmla="val 3538996"/>
+                </a:avLst>
+              </a:prstGeom>
+            </p:spPr>
+            <p:style>
+              <a:lnRef idx="2">
+                <a:schemeClr val="accent1"/>
+              </a:lnRef>
+              <a:fillRef idx="0">
+                <a:schemeClr val="accent1"/>
+              </a:fillRef>
+              <a:effectRef idx="1">
+                <a:schemeClr val="accent1"/>
+              </a:effectRef>
+              <a:fontRef idx="minor">
+                <a:schemeClr val="tx1"/>
+              </a:fontRef>
+            </p:style>
+            <p:txBody>
+              <a:bodyPr rtlCol="0" anchor="ctr"/>
+              <a:lstStyle/>
+              <a:p>
+                <a:pPr algn="ctr"/>
+                <a:endParaRPr lang="en-IL"/>
+              </a:p>
+            </p:txBody>
+          </p:sp>
+        </p:grpSp>
+        <p:grpSp>
+          <p:nvGrpSpPr>
+            <p:cNvPr id="5" name="Group 4">
+              <a:extLst>
+                <a:ext uri="{FF2B5EF4-FFF2-40B4-BE49-F238E27FC236}">
+                  <a16:creationId xmlns:a16="http://schemas.microsoft.com/office/drawing/2014/main" id="{7F8D8456-10DA-5847-4FA7-68517752F647}"/>
+                </a:ext>
+              </a:extLst>
+            </p:cNvPr>
+            <p:cNvGrpSpPr/>
+            <p:nvPr/>
+          </p:nvGrpSpPr>
+          <p:grpSpPr>
+            <a:xfrm flipH="1">
+              <a:off x="3786051" y="2393926"/>
+              <a:ext cx="1371599" cy="1325563"/>
+              <a:chOff x="4310743" y="2403882"/>
+              <a:chExt cx="1371599" cy="1325563"/>
+            </a:xfrm>
+          </p:grpSpPr>
+          <p:sp>
+            <p:nvSpPr>
+              <p:cNvPr id="7" name="Arc 6">
+                <a:extLst>
+                  <a:ext uri="{FF2B5EF4-FFF2-40B4-BE49-F238E27FC236}">
+                    <a16:creationId xmlns:a16="http://schemas.microsoft.com/office/drawing/2014/main" id="{45B68922-2DBB-4C27-9431-30807568D2A9}"/>
+                  </a:ext>
+                </a:extLst>
+              </p:cNvPr>
+              <p:cNvSpPr/>
+              <p:nvPr/>
+            </p:nvSpPr>
+            <p:spPr>
+              <a:xfrm>
+                <a:off x="4624251" y="2684417"/>
+                <a:ext cx="764178" cy="744583"/>
+              </a:xfrm>
+              <a:prstGeom prst="arc">
+                <a:avLst>
+                  <a:gd name="adj1" fmla="val 17723274"/>
+                  <a:gd name="adj2" fmla="val 3496721"/>
+                </a:avLst>
+              </a:prstGeom>
+              <a:ln w="38100"/>
+            </p:spPr>
+            <p:style>
+              <a:lnRef idx="2">
+                <a:schemeClr val="accent1"/>
+              </a:lnRef>
+              <a:fillRef idx="0">
+                <a:schemeClr val="accent1"/>
+              </a:fillRef>
+              <a:effectRef idx="1">
+                <a:schemeClr val="accent1"/>
+              </a:effectRef>
+              <a:fontRef idx="minor">
+                <a:schemeClr val="tx1"/>
+              </a:fontRef>
+            </p:style>
+            <p:txBody>
+              <a:bodyPr rtlCol="0" anchor="ctr"/>
+              <a:lstStyle/>
+              <a:p>
+                <a:pPr algn="ctr"/>
+                <a:endParaRPr lang="en-IL"/>
+              </a:p>
+            </p:txBody>
+          </p:sp>
+          <p:sp>
+            <p:nvSpPr>
+              <p:cNvPr id="19" name="Arc 18">
+                <a:extLst>
+                  <a:ext uri="{FF2B5EF4-FFF2-40B4-BE49-F238E27FC236}">
+                    <a16:creationId xmlns:a16="http://schemas.microsoft.com/office/drawing/2014/main" id="{8AC1A9DA-99D8-EB01-C414-A94DFC952506}"/>
+                  </a:ext>
+                </a:extLst>
+              </p:cNvPr>
+              <p:cNvSpPr/>
+              <p:nvPr/>
+            </p:nvSpPr>
+            <p:spPr>
+              <a:xfrm>
+                <a:off x="4310743" y="2403882"/>
+                <a:ext cx="1371599" cy="1325563"/>
+              </a:xfrm>
+              <a:prstGeom prst="arc">
+                <a:avLst>
+                  <a:gd name="adj1" fmla="val 17387564"/>
+                  <a:gd name="adj2" fmla="val 3608383"/>
+                </a:avLst>
+              </a:prstGeom>
+              <a:ln w="9525"/>
+            </p:spPr>
+            <p:style>
+              <a:lnRef idx="2">
+                <a:schemeClr val="accent1"/>
+              </a:lnRef>
+              <a:fillRef idx="0">
+                <a:schemeClr val="accent1"/>
+              </a:fillRef>
+              <a:effectRef idx="1">
+                <a:schemeClr val="accent1"/>
+              </a:effectRef>
+              <a:fontRef idx="minor">
+                <a:schemeClr val="tx1"/>
+              </a:fontRef>
+            </p:style>
+            <p:txBody>
+              <a:bodyPr rtlCol="0" anchor="ctr"/>
+              <a:lstStyle/>
+              <a:p>
+                <a:pPr algn="ctr"/>
+                <a:endParaRPr lang="en-IL"/>
+              </a:p>
+            </p:txBody>
+          </p:sp>
+          <p:sp>
+            <p:nvSpPr>
+              <p:cNvPr id="20" name="Arc 19">
+                <a:extLst>
+                  <a:ext uri="{FF2B5EF4-FFF2-40B4-BE49-F238E27FC236}">
+                    <a16:creationId xmlns:a16="http://schemas.microsoft.com/office/drawing/2014/main" id="{A29C02F0-5122-1FEE-9D2A-10E5658FF783}"/>
+                  </a:ext>
+                </a:extLst>
+              </p:cNvPr>
+              <p:cNvSpPr/>
+              <p:nvPr/>
+            </p:nvSpPr>
+            <p:spPr>
+              <a:xfrm>
+                <a:off x="4454434" y="2532016"/>
+                <a:ext cx="1086395" cy="1049384"/>
+              </a:xfrm>
+              <a:prstGeom prst="arc">
+                <a:avLst>
+                  <a:gd name="adj1" fmla="val 17478740"/>
+                  <a:gd name="adj2" fmla="val 3538996"/>
+                </a:avLst>
+              </a:prstGeom>
+            </p:spPr>
+            <p:style>
+              <a:lnRef idx="2">
+                <a:schemeClr val="accent1"/>
+              </a:lnRef>
+              <a:fillRef idx="0">
+                <a:schemeClr val="accent1"/>
+              </a:fillRef>
+              <a:effectRef idx="1">
+                <a:schemeClr val="accent1"/>
+              </a:effectRef>
+              <a:fontRef idx="minor">
+                <a:schemeClr val="tx1"/>
+              </a:fontRef>
+            </p:style>
+            <p:txBody>
+              <a:bodyPr rtlCol="0" anchor="ctr"/>
+              <a:lstStyle/>
+              <a:p>
+                <a:pPr algn="ctr"/>
+                <a:endParaRPr lang="en-IL"/>
+              </a:p>
+            </p:txBody>
+          </p:sp>
+        </p:grpSp>
+        <p:sp>
+          <p:nvSpPr>
+            <p:cNvPr id="6" name="Oval 5">
+              <a:extLst>
+                <a:ext uri="{FF2B5EF4-FFF2-40B4-BE49-F238E27FC236}">
+                  <a16:creationId xmlns:a16="http://schemas.microsoft.com/office/drawing/2014/main" id="{3D869CD3-CC34-C206-7569-CCC947134425}"/>
+                </a:ext>
+              </a:extLst>
+            </p:cNvPr>
+            <p:cNvSpPr/>
+            <p:nvPr/>
+          </p:nvSpPr>
+          <p:spPr>
+            <a:xfrm>
+              <a:off x="4369525" y="2781219"/>
+              <a:ext cx="757645" cy="531065"/>
+            </a:xfrm>
+            <a:prstGeom prst="ellipse">
+              <a:avLst/>
+            </a:prstGeom>
+          </p:spPr>
+          <p:style>
+            <a:lnRef idx="2">
+              <a:schemeClr val="accent1"/>
+            </a:lnRef>
+            <a:fillRef idx="1">
+              <a:schemeClr val="lt1"/>
+            </a:fillRef>
+            <a:effectRef idx="0">
+              <a:schemeClr val="accent1"/>
+            </a:effectRef>
+            <a:fontRef idx="minor">
+              <a:schemeClr val="dk1"/>
+            </a:fontRef>
+          </p:style>
+          <p:txBody>
+            <a:bodyPr rtlCol="0" anchor="ctr"/>
+            <a:lstStyle/>
+            <a:p>
+              <a:pPr algn="ctr"/>
+              <a:r>
+                <a:rPr lang="en-US" dirty="0"/>
+                <a:t>10</a:t>
+              </a:r>
+              <a:endParaRPr lang="en-IL" dirty="0"/>
+            </a:p>
+          </p:txBody>
+        </p:sp>
+      </p:grpSp>
+      <p:sp>
+        <p:nvSpPr>
+          <p:cNvPr id="26" name="Arrow: Right 25">
+            <a:extLst>
+              <a:ext uri="{FF2B5EF4-FFF2-40B4-BE49-F238E27FC236}">
+                <a16:creationId xmlns:a16="http://schemas.microsoft.com/office/drawing/2014/main" id="{A50915DB-9D92-1BFE-63B9-4722822A678A}"/>
+              </a:ext>
+            </a:extLst>
+          </p:cNvPr>
+          <p:cNvSpPr/>
+          <p:nvPr/>
+        </p:nvSpPr>
+        <p:spPr>
+          <a:xfrm>
+            <a:off x="7498080" y="714683"/>
+            <a:ext cx="714100" cy="483417"/>
+          </a:xfrm>
+          <a:prstGeom prst="rightArrow">
+            <a:avLst/>
+          </a:prstGeom>
+          <a:ln w="9525"/>
+        </p:spPr>
+        <p:style>
+          <a:lnRef idx="2">
+            <a:schemeClr val="accent1"/>
+          </a:lnRef>
+          <a:fillRef idx="1">
+            <a:schemeClr val="lt1"/>
+          </a:fillRef>
+          <a:effectRef idx="0">
+            <a:schemeClr val="accent1"/>
+          </a:effectRef>
+          <a:fontRef idx="minor">
+            <a:schemeClr val="dk1"/>
+          </a:fontRef>
+        </p:style>
+        <p:txBody>
+          <a:bodyPr rtlCol="0" anchor="ctr"/>
+          <a:lstStyle/>
+          <a:p>
+            <a:pPr algn="ctr"/>
+            <a:r>
+              <a:rPr lang="en-US" sz="800" dirty="0"/>
+              <a:t>X =&gt; X *2</a:t>
+            </a:r>
+            <a:endParaRPr lang="en-IL" sz="800" dirty="0"/>
+          </a:p>
+        </p:txBody>
+      </p:sp>
+    </p:spTree>
+    <p:extLst>
+      <p:ext uri="{BB962C8B-B14F-4D97-AF65-F5344CB8AC3E}">
+        <p14:creationId xmlns:p14="http://schemas.microsoft.com/office/powerpoint/2010/main" val="879430381"/>
+      </p:ext>
+    </p:extLst>
+  </p:cSld>
+  <p:clrMapOvr>
+    <a:masterClrMapping/>
+  </p:clrMapOvr>
+</p:sld>
+</file>
+
+<file path=ppt/slides/slide7.xml><?xml version="1.0" encoding="utf-8"?>
+<p:sld xmlns:a="http://schemas.openxmlformats.org/drawingml/2006/main" xmlns:r="http://schemas.openxmlformats.org/officeDocument/2006/relationships" xmlns:p="http://schemas.openxmlformats.org/presentationml/2006/main">
+  <p:cSld>
+    <p:spTree>
+      <p:nvGrpSpPr>
+        <p:cNvPr id="1" name=""/>
+        <p:cNvGrpSpPr/>
+        <p:nvPr/>
+      </p:nvGrpSpPr>
+      <p:grpSpPr>
+        <a:xfrm>
+          <a:off x="0" y="0"/>
+          <a:ext cx="0" cy="0"/>
+          <a:chOff x="0" y="0"/>
+          <a:chExt cx="0" cy="0"/>
+        </a:xfrm>
+      </p:grpSpPr>
+      <p:sp>
+        <p:nvSpPr>
+          <p:cNvPr id="6" name="TextBox 5">
+            <a:extLst>
+              <a:ext uri="{FF2B5EF4-FFF2-40B4-BE49-F238E27FC236}">
+                <a16:creationId xmlns:a16="http://schemas.microsoft.com/office/drawing/2014/main" id="{47F117F1-F0B6-1280-97C5-26919CC62269}"/>
+              </a:ext>
+            </a:extLst>
+          </p:cNvPr>
+          <p:cNvSpPr txBox="1"/>
+          <p:nvPr/>
+        </p:nvSpPr>
+        <p:spPr>
+          <a:xfrm>
+            <a:off x="920931" y="1404257"/>
+            <a:ext cx="6557555" cy="5232202"/>
+          </a:xfrm>
+          <a:prstGeom prst="rect">
+            <a:avLst/>
+          </a:prstGeom>
+          <a:noFill/>
+        </p:spPr>
+        <p:txBody>
+          <a:bodyPr wrap="square" rtlCol="0">
+            <a:spAutoFit/>
+          </a:bodyPr>
+          <a:lstStyle/>
+          <a:p>
+            <a:pPr marL="285750" indent="-285750">
+              <a:buFont typeface="Arial" panose="020B0604020202020204" pitchFamily="34" charset="0"/>
+              <a:buChar char="•"/>
+            </a:pPr>
+            <a:r>
+              <a:rPr lang="en-US" sz="2000" dirty="0">
+                <a:solidFill>
+                  <a:schemeClr val="accent6">
+                    <a:lumMod val="75000"/>
+                  </a:schemeClr>
+                </a:solidFill>
+              </a:rPr>
+              <a:t>It’s ok to</a:t>
+            </a:r>
+          </a:p>
+          <a:p>
+            <a:pPr marL="742950" lvl="1" indent="-285750">
+              <a:buFont typeface="Arial" panose="020B0604020202020204" pitchFamily="34" charset="0"/>
+              <a:buChar char="•"/>
+            </a:pPr>
+            <a:r>
+              <a:rPr lang="en-US" dirty="0"/>
+              <a:t>Use more than one signal</a:t>
+            </a:r>
+            <a:br>
+              <a:rPr lang="en-US" dirty="0"/>
+            </a:br>
+            <a:endParaRPr lang="en-US" dirty="0"/>
+          </a:p>
+          <a:p>
+            <a:pPr marL="742950" lvl="1" indent="-285750">
+              <a:buFont typeface="Arial" panose="020B0604020202020204" pitchFamily="34" charset="0"/>
+              <a:buChar char="•"/>
+            </a:pPr>
+            <a:r>
+              <a:rPr lang="en-US" dirty="0"/>
+              <a:t>Use writeable or computed signals</a:t>
+            </a:r>
+            <a:br>
+              <a:rPr lang="en-US" dirty="0"/>
+            </a:br>
+            <a:endParaRPr lang="en-US" dirty="0"/>
+          </a:p>
+          <a:p>
+            <a:pPr marL="742950" lvl="1" indent="-285750">
+              <a:buFont typeface="Arial" panose="020B0604020202020204" pitchFamily="34" charset="0"/>
+              <a:buChar char="•"/>
+            </a:pPr>
+            <a:r>
+              <a:rPr lang="en-US" dirty="0"/>
+              <a:t>Use constants and immutable </a:t>
+            </a:r>
+            <a:br>
+              <a:rPr lang="en-US" dirty="0"/>
+            </a:br>
+            <a:r>
+              <a:rPr lang="en-US" dirty="0"/>
+              <a:t>non-signal data</a:t>
+            </a:r>
+            <a:br>
+              <a:rPr lang="en-US" dirty="0"/>
+            </a:br>
+            <a:endParaRPr lang="en-US" sz="2000" dirty="0"/>
+          </a:p>
+          <a:p>
+            <a:pPr marL="285750" indent="-285750">
+              <a:buFont typeface="Arial" panose="020B0604020202020204" pitchFamily="34" charset="0"/>
+              <a:buChar char="•"/>
+            </a:pPr>
+            <a:r>
+              <a:rPr lang="en-US" sz="2000" dirty="0">
+                <a:solidFill>
+                  <a:srgbClr val="C00000"/>
+                </a:solidFill>
+              </a:rPr>
+              <a:t>But don’t</a:t>
+            </a:r>
+          </a:p>
+          <a:p>
+            <a:pPr marL="742950" lvl="1" indent="-285750">
+              <a:buFont typeface="Arial" panose="020B0604020202020204" pitchFamily="34" charset="0"/>
+              <a:buChar char="•"/>
+            </a:pPr>
+            <a:r>
+              <a:rPr lang="en-US" dirty="0"/>
+              <a:t>Use asynchronous code</a:t>
+            </a:r>
+            <a:br>
+              <a:rPr lang="en-US" dirty="0"/>
+            </a:br>
+            <a:endParaRPr lang="en-US" dirty="0"/>
+          </a:p>
+          <a:p>
+            <a:pPr marL="742950" lvl="1" indent="-285750">
+              <a:buFont typeface="Arial" panose="020B0604020202020204" pitchFamily="34" charset="0"/>
+              <a:buChar char="•"/>
+            </a:pPr>
+            <a:r>
+              <a:rPr lang="en-US" dirty="0"/>
+              <a:t>Use changeable data that is not signal</a:t>
+            </a:r>
+            <a:br>
+              <a:rPr lang="en-US" dirty="0"/>
+            </a:br>
+            <a:endParaRPr lang="en-US" dirty="0"/>
+          </a:p>
+          <a:p>
+            <a:pPr marL="742950" lvl="1" indent="-285750">
+              <a:buFont typeface="Arial" panose="020B0604020202020204" pitchFamily="34" charset="0"/>
+              <a:buChar char="•"/>
+            </a:pPr>
+            <a:r>
+              <a:rPr lang="en-US" dirty="0"/>
+              <a:t>Cause side effects</a:t>
+            </a:r>
+            <a:br>
+              <a:rPr lang="en-US" dirty="0"/>
+            </a:br>
+            <a:endParaRPr lang="en-US" dirty="0"/>
+          </a:p>
+          <a:p>
+            <a:pPr marL="742950" lvl="1" indent="-285750">
+              <a:buFont typeface="Arial" panose="020B0604020202020204" pitchFamily="34" charset="0"/>
+              <a:buChar char="•"/>
+            </a:pPr>
+            <a:r>
+              <a:rPr lang="en-US" dirty="0"/>
+              <a:t>Modify or create other signals</a:t>
+            </a:r>
+          </a:p>
+          <a:p>
+            <a:pPr marL="742950" lvl="1" indent="-285750">
+              <a:buFont typeface="Arial" panose="020B0604020202020204" pitchFamily="34" charset="0"/>
+              <a:buChar char="•"/>
+            </a:pPr>
+            <a:endParaRPr lang="en-US" sz="2000" dirty="0"/>
+          </a:p>
+          <a:p>
+            <a:pPr marL="742950" lvl="1" indent="-285750">
+              <a:buFont typeface="Arial" panose="020B0604020202020204" pitchFamily="34" charset="0"/>
+              <a:buChar char="•"/>
+            </a:pPr>
+            <a:endParaRPr lang="en-US" sz="2000" dirty="0"/>
+          </a:p>
+        </p:txBody>
+      </p:sp>
+      <p:sp>
+        <p:nvSpPr>
+          <p:cNvPr id="2" name="Title 1">
+            <a:extLst>
+              <a:ext uri="{FF2B5EF4-FFF2-40B4-BE49-F238E27FC236}">
+                <a16:creationId xmlns:a16="http://schemas.microsoft.com/office/drawing/2014/main" id="{2CC01AF6-9E02-179B-C8F3-16464B2D0EFA}"/>
+              </a:ext>
+            </a:extLst>
+          </p:cNvPr>
+          <p:cNvSpPr>
+            <a:spLocks noGrp="1"/>
+          </p:cNvSpPr>
+          <p:nvPr>
+            <p:ph type="title"/>
+          </p:nvPr>
+        </p:nvSpPr>
+        <p:spPr/>
+        <p:txBody>
+          <a:bodyPr/>
+          <a:lstStyle/>
+          <a:p>
+            <a:r>
+              <a:rPr lang="en-US" dirty="0"/>
+              <a:t>Computed signals</a:t>
+            </a:r>
+            <a:endParaRPr lang="en-IL" dirty="0"/>
+          </a:p>
+        </p:txBody>
+      </p:sp>
+      <p:sp>
+        <p:nvSpPr>
+          <p:cNvPr id="4" name="TextBox 3">
+            <a:extLst>
+              <a:ext uri="{FF2B5EF4-FFF2-40B4-BE49-F238E27FC236}">
+                <a16:creationId xmlns:a16="http://schemas.microsoft.com/office/drawing/2014/main" id="{E6701082-3E0D-1911-1FBB-E0E7BD9909AA}"/>
+              </a:ext>
+            </a:extLst>
+          </p:cNvPr>
+          <p:cNvSpPr txBox="1"/>
+          <p:nvPr/>
+        </p:nvSpPr>
+        <p:spPr>
+          <a:xfrm>
+            <a:off x="5982785" y="1772084"/>
+            <a:ext cx="4643847" cy="338554"/>
+          </a:xfrm>
+          <a:prstGeom prst="rect">
+            <a:avLst/>
+          </a:prstGeom>
+          <a:solidFill>
+            <a:schemeClr val="accent6">
+              <a:lumMod val="20000"/>
+              <a:lumOff val="80000"/>
+            </a:schemeClr>
+          </a:solidFill>
+          <a:ln w="6350">
+            <a:solidFill>
+              <a:schemeClr val="accent1"/>
+            </a:solidFill>
+          </a:ln>
+          <a:effectLst>
+            <a:outerShdw blurRad="50800" dist="38100" dir="2700000" algn="tl" rotWithShape="0">
+              <a:prstClr val="black">
+                <a:alpha val="40000"/>
+              </a:prstClr>
+            </a:outerShdw>
+          </a:effectLst>
+        </p:spPr>
+        <p:txBody>
+          <a:bodyPr wrap="square">
+            <a:spAutoFit/>
+          </a:bodyPr>
+          <a:lstStyle>
+            <a:defPPr>
+              <a:defRPr lang="en-IL"/>
+            </a:defPPr>
+            <a:lvl1pPr>
+              <a:defRPr sz="1600" b="0">
+                <a:solidFill>
+                  <a:srgbClr val="0000FF"/>
+                </a:solidFill>
+                <a:effectLst/>
+                <a:latin typeface="Consolas" panose="020B0609020204030204" pitchFamily="49" charset="0"/>
+              </a:defRPr>
+            </a:lvl1pPr>
+          </a:lstStyle>
+          <a:p>
+            <a:r>
+              <a:rPr lang="en-US" dirty="0">
+                <a:solidFill>
+                  <a:schemeClr val="tx1"/>
+                </a:solidFill>
+              </a:rPr>
+              <a:t>computed(</a:t>
+            </a:r>
+            <a:r>
+              <a:rPr lang="en-US" dirty="0">
+                <a:solidFill>
+                  <a:schemeClr val="accent6">
+                    <a:lumMod val="75000"/>
+                  </a:schemeClr>
+                </a:solidFill>
+              </a:rPr>
+              <a:t>() =&gt; x() * y()</a:t>
+            </a:r>
+            <a:r>
+              <a:rPr lang="en-US" dirty="0">
+                <a:solidFill>
+                  <a:schemeClr val="tx1"/>
+                </a:solidFill>
+              </a:rPr>
+              <a:t>)</a:t>
+            </a:r>
+            <a:endParaRPr lang="en-IL" dirty="0">
+              <a:solidFill>
+                <a:schemeClr val="tx1"/>
+              </a:solidFill>
+            </a:endParaRPr>
+          </a:p>
+        </p:txBody>
+      </p:sp>
+      <p:pic>
+        <p:nvPicPr>
+          <p:cNvPr id="1026" name="Picture 2" descr="Green check mark | Free SVG">
+            <a:extLst>
+              <a:ext uri="{FF2B5EF4-FFF2-40B4-BE49-F238E27FC236}">
+                <a16:creationId xmlns:a16="http://schemas.microsoft.com/office/drawing/2014/main" id="{54A3BFC1-F50D-E15D-6AFA-91C534106762}"/>
+              </a:ext>
+            </a:extLst>
+          </p:cNvPr>
+          <p:cNvPicPr>
+            <a:picLocks noChangeAspect="1" noChangeArrowheads="1"/>
+          </p:cNvPicPr>
+          <p:nvPr/>
+        </p:nvPicPr>
+        <p:blipFill>
+          <a:blip r:embed="rId2">
+            <a:duotone>
+              <a:prstClr val="black"/>
+              <a:schemeClr val="accent6">
+                <a:tint val="45000"/>
+                <a:satMod val="400000"/>
+              </a:schemeClr>
+            </a:duotone>
+            <a:extLst>
+              <a:ext uri="{BEBA8EAE-BF5A-486C-A8C5-ECC9F3942E4B}">
+                <a14:imgProps xmlns:a14="http://schemas.microsoft.com/office/drawing/2010/main">
+                  <a14:imgLayer r:embed="rId3">
+                    <a14:imgEffect>
+                      <a14:artisticPencilGrayscale/>
+                    </a14:imgEffect>
+                    <a14:imgEffect>
+                      <a14:saturation sat="33000"/>
+                    </a14:imgEffect>
+                  </a14:imgLayer>
+                </a14:imgProps>
+              </a:ext>
+              <a:ext uri="{28A0092B-C50C-407E-A947-70E740481C1C}">
+                <a14:useLocalDpi xmlns:a14="http://schemas.microsoft.com/office/drawing/2010/main" val="0"/>
+              </a:ext>
+            </a:extLst>
+          </a:blip>
+          <a:srcRect/>
+          <a:stretch>
+            <a:fillRect/>
+          </a:stretch>
+        </p:blipFill>
+        <p:spPr bwMode="auto">
+          <a:xfrm>
+            <a:off x="5591988" y="1761207"/>
+            <a:ext cx="349431" cy="349431"/>
+          </a:xfrm>
+          <a:prstGeom prst="rect">
+            <a:avLst/>
+          </a:prstGeom>
+          <a:noFill/>
+          <a:extLst>
+            <a:ext uri="{909E8E84-426E-40DD-AFC4-6F175D3DCCD1}">
+              <a14:hiddenFill xmlns:a14="http://schemas.microsoft.com/office/drawing/2010/main">
+                <a:solidFill>
+                  <a:srgbClr val="FFFFFF"/>
+                </a:solidFill>
+              </a14:hiddenFill>
+            </a:ext>
+          </a:extLst>
+        </p:spPr>
+      </p:pic>
+      <p:sp>
+        <p:nvSpPr>
+          <p:cNvPr id="7" name="TextBox 6">
+            <a:extLst>
+              <a:ext uri="{FF2B5EF4-FFF2-40B4-BE49-F238E27FC236}">
+                <a16:creationId xmlns:a16="http://schemas.microsoft.com/office/drawing/2014/main" id="{BAECCF81-9C9B-A825-043F-89FD1A9AA62E}"/>
+              </a:ext>
+            </a:extLst>
+          </p:cNvPr>
+          <p:cNvSpPr txBox="1"/>
+          <p:nvPr/>
+        </p:nvSpPr>
+        <p:spPr>
+          <a:xfrm>
+            <a:off x="5982785" y="2277181"/>
+            <a:ext cx="4643847" cy="338554"/>
+          </a:xfrm>
+          <a:prstGeom prst="rect">
+            <a:avLst/>
+          </a:prstGeom>
+          <a:solidFill>
+            <a:schemeClr val="accent6">
+              <a:lumMod val="20000"/>
+              <a:lumOff val="80000"/>
+            </a:schemeClr>
+          </a:solidFill>
+          <a:ln w="6350">
+            <a:solidFill>
+              <a:schemeClr val="accent1"/>
+            </a:solidFill>
+          </a:ln>
+          <a:effectLst>
+            <a:outerShdw blurRad="50800" dist="38100" dir="2700000" algn="tl" rotWithShape="0">
+              <a:prstClr val="black">
+                <a:alpha val="40000"/>
+              </a:prstClr>
+            </a:outerShdw>
+          </a:effectLst>
+        </p:spPr>
+        <p:txBody>
+          <a:bodyPr wrap="square">
+            <a:spAutoFit/>
+          </a:bodyPr>
+          <a:lstStyle>
+            <a:defPPr>
+              <a:defRPr lang="en-IL"/>
+            </a:defPPr>
+            <a:lvl1pPr>
+              <a:defRPr sz="1600" b="0">
+                <a:solidFill>
+                  <a:srgbClr val="0000FF"/>
+                </a:solidFill>
+                <a:effectLst/>
+                <a:latin typeface="Consolas" panose="020B0609020204030204" pitchFamily="49" charset="0"/>
+              </a:defRPr>
+            </a:lvl1pPr>
+          </a:lstStyle>
+          <a:p>
+            <a:r>
+              <a:rPr lang="en-US" dirty="0">
+                <a:solidFill>
+                  <a:schemeClr val="tx1"/>
+                </a:solidFill>
+              </a:rPr>
+              <a:t>computed(</a:t>
+            </a:r>
+            <a:r>
+              <a:rPr lang="en-US" dirty="0">
+                <a:solidFill>
+                  <a:schemeClr val="accent6">
+                    <a:lumMod val="75000"/>
+                  </a:schemeClr>
+                </a:solidFill>
+              </a:rPr>
+              <a:t>() =&gt; x() * derived()</a:t>
+            </a:r>
+            <a:r>
+              <a:rPr lang="en-US" dirty="0">
+                <a:solidFill>
+                  <a:schemeClr val="tx1"/>
+                </a:solidFill>
+              </a:rPr>
+              <a:t>)</a:t>
+            </a:r>
+            <a:endParaRPr lang="en-IL" dirty="0">
+              <a:solidFill>
+                <a:schemeClr val="tx1"/>
+              </a:solidFill>
+            </a:endParaRPr>
+          </a:p>
+        </p:txBody>
+      </p:sp>
+      <p:pic>
+        <p:nvPicPr>
+          <p:cNvPr id="8" name="Picture 2" descr="Green check mark | Free SVG">
+            <a:extLst>
+              <a:ext uri="{FF2B5EF4-FFF2-40B4-BE49-F238E27FC236}">
+                <a16:creationId xmlns:a16="http://schemas.microsoft.com/office/drawing/2014/main" id="{08B06622-4D88-2039-8E07-62451D13E676}"/>
+              </a:ext>
+            </a:extLst>
+          </p:cNvPr>
+          <p:cNvPicPr>
+            <a:picLocks noChangeAspect="1" noChangeArrowheads="1"/>
+          </p:cNvPicPr>
+          <p:nvPr/>
+        </p:nvPicPr>
+        <p:blipFill>
+          <a:blip r:embed="rId2">
+            <a:duotone>
+              <a:prstClr val="black"/>
+              <a:schemeClr val="accent6">
+                <a:tint val="45000"/>
+                <a:satMod val="400000"/>
+              </a:schemeClr>
+            </a:duotone>
+            <a:extLst>
+              <a:ext uri="{BEBA8EAE-BF5A-486C-A8C5-ECC9F3942E4B}">
+                <a14:imgProps xmlns:a14="http://schemas.microsoft.com/office/drawing/2010/main">
+                  <a14:imgLayer r:embed="rId3">
+                    <a14:imgEffect>
+                      <a14:artisticPencilGrayscale/>
+                    </a14:imgEffect>
+                    <a14:imgEffect>
+                      <a14:saturation sat="33000"/>
+                    </a14:imgEffect>
+                  </a14:imgLayer>
+                </a14:imgProps>
+              </a:ext>
+              <a:ext uri="{28A0092B-C50C-407E-A947-70E740481C1C}">
+                <a14:useLocalDpi xmlns:a14="http://schemas.microsoft.com/office/drawing/2010/main" val="0"/>
+              </a:ext>
+            </a:extLst>
+          </a:blip>
+          <a:srcRect/>
+          <a:stretch>
+            <a:fillRect/>
+          </a:stretch>
+        </p:blipFill>
+        <p:spPr bwMode="auto">
+          <a:xfrm>
+            <a:off x="5591987" y="2271742"/>
+            <a:ext cx="349431" cy="349431"/>
+          </a:xfrm>
+          <a:prstGeom prst="rect">
+            <a:avLst/>
+          </a:prstGeom>
+          <a:noFill/>
+          <a:extLst>
+            <a:ext uri="{909E8E84-426E-40DD-AFC4-6F175D3DCCD1}">
+              <a14:hiddenFill xmlns:a14="http://schemas.microsoft.com/office/drawing/2010/main">
+                <a:solidFill>
+                  <a:srgbClr val="FFFFFF"/>
+                </a:solidFill>
+              </a14:hiddenFill>
+            </a:ext>
+          </a:extLst>
+        </p:spPr>
+      </p:pic>
+      <p:sp>
+        <p:nvSpPr>
+          <p:cNvPr id="9" name="TextBox 8">
+            <a:extLst>
+              <a:ext uri="{FF2B5EF4-FFF2-40B4-BE49-F238E27FC236}">
+                <a16:creationId xmlns:a16="http://schemas.microsoft.com/office/drawing/2014/main" id="{771040F5-6784-7610-80DA-BE3808427DFE}"/>
+              </a:ext>
+            </a:extLst>
+          </p:cNvPr>
+          <p:cNvSpPr txBox="1"/>
+          <p:nvPr/>
+        </p:nvSpPr>
+        <p:spPr>
+          <a:xfrm>
+            <a:off x="5982785" y="2823962"/>
+            <a:ext cx="4643847" cy="338554"/>
+          </a:xfrm>
+          <a:prstGeom prst="rect">
+            <a:avLst/>
+          </a:prstGeom>
+          <a:solidFill>
+            <a:schemeClr val="accent6">
+              <a:lumMod val="20000"/>
+              <a:lumOff val="80000"/>
+            </a:schemeClr>
+          </a:solidFill>
+          <a:ln w="6350">
+            <a:solidFill>
+              <a:schemeClr val="accent1"/>
+            </a:solidFill>
+          </a:ln>
+          <a:effectLst>
+            <a:outerShdw blurRad="50800" dist="38100" dir="2700000" algn="tl" rotWithShape="0">
+              <a:prstClr val="black">
+                <a:alpha val="40000"/>
+              </a:prstClr>
+            </a:outerShdw>
+          </a:effectLst>
+        </p:spPr>
+        <p:txBody>
+          <a:bodyPr wrap="square">
+            <a:spAutoFit/>
+          </a:bodyPr>
+          <a:lstStyle>
+            <a:defPPr>
+              <a:defRPr lang="en-IL"/>
+            </a:defPPr>
+            <a:lvl1pPr>
+              <a:defRPr sz="1600" b="0">
+                <a:solidFill>
+                  <a:srgbClr val="0000FF"/>
+                </a:solidFill>
+                <a:effectLst/>
+                <a:latin typeface="Consolas" panose="020B0609020204030204" pitchFamily="49" charset="0"/>
+              </a:defRPr>
+            </a:lvl1pPr>
+          </a:lstStyle>
+          <a:p>
+            <a:r>
+              <a:rPr lang="en-US" dirty="0">
+                <a:solidFill>
+                  <a:schemeClr val="tx1"/>
+                </a:solidFill>
+              </a:rPr>
+              <a:t>computed(</a:t>
+            </a:r>
+            <a:r>
+              <a:rPr lang="en-US" dirty="0">
+                <a:solidFill>
+                  <a:schemeClr val="accent6">
+                    <a:lumMod val="75000"/>
+                  </a:schemeClr>
+                </a:solidFill>
+              </a:rPr>
+              <a:t>() =&gt; x() * </a:t>
+            </a:r>
+            <a:r>
+              <a:rPr lang="en-US" dirty="0" err="1">
+                <a:solidFill>
+                  <a:schemeClr val="accent6">
+                    <a:lumMod val="75000"/>
+                  </a:schemeClr>
+                </a:solidFill>
+              </a:rPr>
+              <a:t>Math.PI</a:t>
+            </a:r>
+            <a:r>
+              <a:rPr lang="en-US" dirty="0">
+                <a:solidFill>
+                  <a:schemeClr val="tx1"/>
+                </a:solidFill>
+              </a:rPr>
+              <a:t>)</a:t>
+            </a:r>
+            <a:endParaRPr lang="en-IL" dirty="0">
+              <a:solidFill>
+                <a:schemeClr val="tx1"/>
+              </a:solidFill>
+            </a:endParaRPr>
+          </a:p>
+        </p:txBody>
+      </p:sp>
+      <p:pic>
+        <p:nvPicPr>
+          <p:cNvPr id="10" name="Picture 2" descr="Green check mark | Free SVG">
+            <a:extLst>
+              <a:ext uri="{FF2B5EF4-FFF2-40B4-BE49-F238E27FC236}">
+                <a16:creationId xmlns:a16="http://schemas.microsoft.com/office/drawing/2014/main" id="{E37FD1A1-883F-1268-D6B7-1D52CFD57FB5}"/>
+              </a:ext>
+            </a:extLst>
+          </p:cNvPr>
+          <p:cNvPicPr>
+            <a:picLocks noChangeAspect="1" noChangeArrowheads="1"/>
+          </p:cNvPicPr>
+          <p:nvPr/>
+        </p:nvPicPr>
+        <p:blipFill>
+          <a:blip r:embed="rId2">
+            <a:duotone>
+              <a:prstClr val="black"/>
+              <a:schemeClr val="accent6">
+                <a:tint val="45000"/>
+                <a:satMod val="400000"/>
+              </a:schemeClr>
+            </a:duotone>
+            <a:extLst>
+              <a:ext uri="{BEBA8EAE-BF5A-486C-A8C5-ECC9F3942E4B}">
+                <a14:imgProps xmlns:a14="http://schemas.microsoft.com/office/drawing/2010/main">
+                  <a14:imgLayer r:embed="rId3">
+                    <a14:imgEffect>
+                      <a14:artisticPencilGrayscale/>
+                    </a14:imgEffect>
+                    <a14:imgEffect>
+                      <a14:saturation sat="33000"/>
+                    </a14:imgEffect>
+                  </a14:imgLayer>
+                </a14:imgProps>
+              </a:ext>
+              <a:ext uri="{28A0092B-C50C-407E-A947-70E740481C1C}">
+                <a14:useLocalDpi xmlns:a14="http://schemas.microsoft.com/office/drawing/2010/main" val="0"/>
+              </a:ext>
+            </a:extLst>
+          </a:blip>
+          <a:srcRect/>
+          <a:stretch>
+            <a:fillRect/>
+          </a:stretch>
+        </p:blipFill>
+        <p:spPr bwMode="auto">
+          <a:xfrm>
+            <a:off x="5591986" y="2816249"/>
+            <a:ext cx="349431" cy="349431"/>
+          </a:xfrm>
+          <a:prstGeom prst="rect">
+            <a:avLst/>
+          </a:prstGeom>
+          <a:noFill/>
+          <a:extLst>
+            <a:ext uri="{909E8E84-426E-40DD-AFC4-6F175D3DCCD1}">
+              <a14:hiddenFill xmlns:a14="http://schemas.microsoft.com/office/drawing/2010/main">
+                <a:solidFill>
+                  <a:srgbClr val="FFFFFF"/>
+                </a:solidFill>
+              </a14:hiddenFill>
+            </a:ext>
+          </a:extLst>
+        </p:spPr>
+      </p:pic>
+      <p:sp>
+        <p:nvSpPr>
+          <p:cNvPr id="11" name="TextBox 10">
+            <a:extLst>
+              <a:ext uri="{FF2B5EF4-FFF2-40B4-BE49-F238E27FC236}">
+                <a16:creationId xmlns:a16="http://schemas.microsoft.com/office/drawing/2014/main" id="{20447013-555D-8B4D-2DF6-976835D07683}"/>
+              </a:ext>
+            </a:extLst>
+          </p:cNvPr>
+          <p:cNvSpPr txBox="1"/>
+          <p:nvPr/>
+        </p:nvSpPr>
+        <p:spPr>
+          <a:xfrm>
+            <a:off x="5982785" y="3994296"/>
+            <a:ext cx="4643847" cy="338554"/>
+          </a:xfrm>
+          <a:prstGeom prst="rect">
+            <a:avLst/>
+          </a:prstGeom>
+          <a:solidFill>
+            <a:schemeClr val="accent2">
+              <a:lumMod val="20000"/>
+              <a:lumOff val="80000"/>
+            </a:schemeClr>
+          </a:solidFill>
+          <a:ln w="6350">
+            <a:solidFill>
+              <a:schemeClr val="accent1"/>
+            </a:solidFill>
+          </a:ln>
+          <a:effectLst>
+            <a:outerShdw blurRad="50800" dist="38100" dir="2700000" algn="tl" rotWithShape="0">
+              <a:prstClr val="black">
+                <a:alpha val="40000"/>
+              </a:prstClr>
+            </a:outerShdw>
+          </a:effectLst>
+        </p:spPr>
+        <p:txBody>
+          <a:bodyPr wrap="square">
+            <a:spAutoFit/>
+          </a:bodyPr>
+          <a:lstStyle>
+            <a:defPPr>
+              <a:defRPr lang="en-IL"/>
+            </a:defPPr>
+            <a:lvl1pPr>
+              <a:defRPr sz="1600" b="0">
+                <a:solidFill>
+                  <a:srgbClr val="0000FF"/>
+                </a:solidFill>
+                <a:effectLst/>
+                <a:latin typeface="Consolas" panose="020B0609020204030204" pitchFamily="49" charset="0"/>
+              </a:defRPr>
+            </a:lvl1pPr>
+          </a:lstStyle>
+          <a:p>
+            <a:r>
+              <a:rPr lang="en-US" dirty="0">
+                <a:solidFill>
+                  <a:schemeClr val="tx1"/>
+                </a:solidFill>
+              </a:rPr>
+              <a:t>computed(</a:t>
+            </a:r>
+            <a:r>
+              <a:rPr lang="en-US" dirty="0">
+                <a:solidFill>
+                  <a:srgbClr val="C00000"/>
+                </a:solidFill>
+              </a:rPr>
+              <a:t>async</a:t>
+            </a:r>
+            <a:r>
+              <a:rPr lang="en-US" dirty="0">
+                <a:solidFill>
+                  <a:schemeClr val="tx1"/>
+                </a:solidFill>
+              </a:rPr>
+              <a:t> </a:t>
+            </a:r>
+            <a:r>
+              <a:rPr lang="en-US" dirty="0">
+                <a:solidFill>
+                  <a:schemeClr val="accent6">
+                    <a:lumMod val="75000"/>
+                  </a:schemeClr>
+                </a:solidFill>
+              </a:rPr>
+              <a:t>() =&gt; x() * </a:t>
+            </a:r>
+            <a:r>
+              <a:rPr lang="en-US" dirty="0">
+                <a:solidFill>
+                  <a:srgbClr val="C00000"/>
+                </a:solidFill>
+              </a:rPr>
+              <a:t>await</a:t>
+            </a:r>
+            <a:r>
+              <a:rPr lang="en-US" dirty="0"/>
+              <a:t> </a:t>
+            </a:r>
+            <a:r>
+              <a:rPr lang="en-US" dirty="0">
+                <a:solidFill>
+                  <a:schemeClr val="accent6">
+                    <a:lumMod val="75000"/>
+                  </a:schemeClr>
+                </a:solidFill>
+              </a:rPr>
+              <a:t>calc()</a:t>
+            </a:r>
+            <a:r>
+              <a:rPr lang="en-US" dirty="0">
+                <a:solidFill>
+                  <a:schemeClr val="tx1"/>
+                </a:solidFill>
+              </a:rPr>
+              <a:t>)</a:t>
+            </a:r>
+            <a:endParaRPr lang="en-IL" dirty="0">
+              <a:solidFill>
+                <a:schemeClr val="tx1"/>
+              </a:solidFill>
+            </a:endParaRPr>
+          </a:p>
+        </p:txBody>
+      </p:sp>
+      <p:pic>
+        <p:nvPicPr>
+          <p:cNvPr id="1028" name="Picture 4">
+            <a:extLst>
+              <a:ext uri="{FF2B5EF4-FFF2-40B4-BE49-F238E27FC236}">
+                <a16:creationId xmlns:a16="http://schemas.microsoft.com/office/drawing/2014/main" id="{D703F4FC-2ED2-79D4-CE9E-CA1358AA18BC}"/>
+              </a:ext>
+            </a:extLst>
+          </p:cNvPr>
+          <p:cNvPicPr>
+            <a:picLocks noChangeAspect="1" noChangeArrowheads="1"/>
+          </p:cNvPicPr>
+          <p:nvPr/>
+        </p:nvPicPr>
+        <p:blipFill>
+          <a:blip r:embed="rId4">
+            <a:duotone>
+              <a:prstClr val="black"/>
+              <a:srgbClr val="FF0000">
+                <a:tint val="45000"/>
+                <a:satMod val="400000"/>
+              </a:srgbClr>
+            </a:duotone>
+            <a:extLst>
+              <a:ext uri="{BEBA8EAE-BF5A-486C-A8C5-ECC9F3942E4B}">
+                <a14:imgProps xmlns:a14="http://schemas.microsoft.com/office/drawing/2010/main">
+                  <a14:imgLayer r:embed="rId5">
+                    <a14:imgEffect>
+                      <a14:artisticPencilGrayscale/>
+                    </a14:imgEffect>
+                  </a14:imgLayer>
+                </a14:imgProps>
+              </a:ext>
+              <a:ext uri="{28A0092B-C50C-407E-A947-70E740481C1C}">
+                <a14:useLocalDpi xmlns:a14="http://schemas.microsoft.com/office/drawing/2010/main" val="0"/>
+              </a:ext>
+            </a:extLst>
+          </a:blip>
+          <a:srcRect/>
+          <a:stretch>
+            <a:fillRect/>
+          </a:stretch>
+        </p:blipFill>
+        <p:spPr bwMode="auto">
+          <a:xfrm>
+            <a:off x="5591985" y="4040543"/>
+            <a:ext cx="349431" cy="250698"/>
+          </a:xfrm>
+          <a:prstGeom prst="rect">
+            <a:avLst/>
+          </a:prstGeom>
+          <a:noFill/>
+          <a:extLst>
+            <a:ext uri="{909E8E84-426E-40DD-AFC4-6F175D3DCCD1}">
+              <a14:hiddenFill xmlns:a14="http://schemas.microsoft.com/office/drawing/2010/main">
+                <a:solidFill>
+                  <a:srgbClr val="FFFFFF"/>
+                </a:solidFill>
+              </a14:hiddenFill>
+            </a:ext>
+          </a:extLst>
+        </p:spPr>
+      </p:pic>
+      <p:sp>
+        <p:nvSpPr>
+          <p:cNvPr id="12" name="TextBox 11">
+            <a:extLst>
+              <a:ext uri="{FF2B5EF4-FFF2-40B4-BE49-F238E27FC236}">
+                <a16:creationId xmlns:a16="http://schemas.microsoft.com/office/drawing/2014/main" id="{3464D3A9-65F5-D23F-A4BD-F4A44AC24C38}"/>
+              </a:ext>
+            </a:extLst>
+          </p:cNvPr>
+          <p:cNvSpPr txBox="1"/>
+          <p:nvPr/>
+        </p:nvSpPr>
+        <p:spPr>
+          <a:xfrm>
+            <a:off x="5982785" y="4525519"/>
+            <a:ext cx="4643847" cy="338554"/>
+          </a:xfrm>
+          <a:prstGeom prst="rect">
+            <a:avLst/>
+          </a:prstGeom>
+          <a:solidFill>
+            <a:schemeClr val="accent2">
+              <a:lumMod val="20000"/>
+              <a:lumOff val="80000"/>
+            </a:schemeClr>
+          </a:solidFill>
+          <a:ln w="6350">
+            <a:solidFill>
+              <a:schemeClr val="accent1"/>
+            </a:solidFill>
+          </a:ln>
+          <a:effectLst>
+            <a:outerShdw blurRad="50800" dist="38100" dir="2700000" algn="tl" rotWithShape="0">
+              <a:prstClr val="black">
+                <a:alpha val="40000"/>
+              </a:prstClr>
+            </a:outerShdw>
+          </a:effectLst>
+        </p:spPr>
+        <p:txBody>
+          <a:bodyPr wrap="square">
+            <a:spAutoFit/>
+          </a:bodyPr>
+          <a:lstStyle>
+            <a:defPPr>
+              <a:defRPr lang="en-IL"/>
+            </a:defPPr>
+            <a:lvl1pPr>
+              <a:defRPr sz="1600" b="0">
+                <a:solidFill>
+                  <a:srgbClr val="0000FF"/>
+                </a:solidFill>
+                <a:effectLst/>
+                <a:latin typeface="Consolas" panose="020B0609020204030204" pitchFamily="49" charset="0"/>
+              </a:defRPr>
+            </a:lvl1pPr>
+          </a:lstStyle>
+          <a:p>
+            <a:r>
+              <a:rPr lang="en-US" dirty="0">
+                <a:solidFill>
+                  <a:schemeClr val="tx1"/>
+                </a:solidFill>
+              </a:rPr>
+              <a:t>computed(</a:t>
+            </a:r>
+            <a:r>
+              <a:rPr lang="en-US" dirty="0">
+                <a:solidFill>
+                  <a:schemeClr val="accent6">
+                    <a:lumMod val="75000"/>
+                  </a:schemeClr>
+                </a:solidFill>
+              </a:rPr>
+              <a:t>() =&gt; x() * </a:t>
+            </a:r>
+            <a:r>
+              <a:rPr lang="en-US" dirty="0" err="1">
+                <a:solidFill>
+                  <a:srgbClr val="C00000"/>
+                </a:solidFill>
+              </a:rPr>
+              <a:t>Date.now</a:t>
+            </a:r>
+            <a:r>
+              <a:rPr lang="en-US" dirty="0">
+                <a:solidFill>
+                  <a:srgbClr val="C00000"/>
+                </a:solidFill>
+              </a:rPr>
+              <a:t>()</a:t>
+            </a:r>
+            <a:r>
+              <a:rPr lang="en-US" dirty="0">
+                <a:solidFill>
+                  <a:schemeClr val="tx1"/>
+                </a:solidFill>
+              </a:rPr>
+              <a:t>)</a:t>
+            </a:r>
+            <a:endParaRPr lang="en-IL" dirty="0">
+              <a:solidFill>
+                <a:schemeClr val="tx1"/>
+              </a:solidFill>
+            </a:endParaRPr>
+          </a:p>
+        </p:txBody>
+      </p:sp>
+      <p:pic>
+        <p:nvPicPr>
+          <p:cNvPr id="13" name="Picture 4">
+            <a:extLst>
+              <a:ext uri="{FF2B5EF4-FFF2-40B4-BE49-F238E27FC236}">
+                <a16:creationId xmlns:a16="http://schemas.microsoft.com/office/drawing/2014/main" id="{99C37AF9-9BC5-F075-7D04-B23DC931C98F}"/>
+              </a:ext>
+            </a:extLst>
+          </p:cNvPr>
+          <p:cNvPicPr>
+            <a:picLocks noChangeAspect="1" noChangeArrowheads="1"/>
+          </p:cNvPicPr>
+          <p:nvPr/>
+        </p:nvPicPr>
+        <p:blipFill>
+          <a:blip r:embed="rId4">
+            <a:duotone>
+              <a:prstClr val="black"/>
+              <a:srgbClr val="FF0000">
+                <a:tint val="45000"/>
+                <a:satMod val="400000"/>
+              </a:srgbClr>
+            </a:duotone>
+            <a:extLst>
+              <a:ext uri="{BEBA8EAE-BF5A-486C-A8C5-ECC9F3942E4B}">
+                <a14:imgProps xmlns:a14="http://schemas.microsoft.com/office/drawing/2010/main">
+                  <a14:imgLayer r:embed="rId5">
+                    <a14:imgEffect>
+                      <a14:artisticPencilGrayscale/>
+                    </a14:imgEffect>
+                  </a14:imgLayer>
+                </a14:imgProps>
+              </a:ext>
+              <a:ext uri="{28A0092B-C50C-407E-A947-70E740481C1C}">
+                <a14:useLocalDpi xmlns:a14="http://schemas.microsoft.com/office/drawing/2010/main" val="0"/>
+              </a:ext>
+            </a:extLst>
+          </a:blip>
+          <a:srcRect/>
+          <a:stretch>
+            <a:fillRect/>
+          </a:stretch>
+        </p:blipFill>
+        <p:spPr bwMode="auto">
+          <a:xfrm>
+            <a:off x="5591984" y="4585050"/>
+            <a:ext cx="349431" cy="250698"/>
+          </a:xfrm>
+          <a:prstGeom prst="rect">
+            <a:avLst/>
+          </a:prstGeom>
+          <a:noFill/>
+          <a:extLst>
+            <a:ext uri="{909E8E84-426E-40DD-AFC4-6F175D3DCCD1}">
+              <a14:hiddenFill xmlns:a14="http://schemas.microsoft.com/office/drawing/2010/main">
+                <a:solidFill>
+                  <a:srgbClr val="FFFFFF"/>
+                </a:solidFill>
+              </a14:hiddenFill>
+            </a:ext>
+          </a:extLst>
+        </p:spPr>
+      </p:pic>
+      <p:pic>
+        <p:nvPicPr>
+          <p:cNvPr id="14" name="Picture 4">
+            <a:extLst>
+              <a:ext uri="{FF2B5EF4-FFF2-40B4-BE49-F238E27FC236}">
+                <a16:creationId xmlns:a16="http://schemas.microsoft.com/office/drawing/2014/main" id="{BE4914CE-4289-40A9-B739-71CF7036235D}"/>
+              </a:ext>
+            </a:extLst>
+          </p:cNvPr>
+          <p:cNvPicPr>
+            <a:picLocks noChangeAspect="1" noChangeArrowheads="1"/>
+          </p:cNvPicPr>
+          <p:nvPr/>
+        </p:nvPicPr>
+        <p:blipFill>
+          <a:blip r:embed="rId4">
+            <a:duotone>
+              <a:prstClr val="black"/>
+              <a:srgbClr val="FF0000">
+                <a:tint val="45000"/>
+                <a:satMod val="400000"/>
+              </a:srgbClr>
+            </a:duotone>
+            <a:extLst>
+              <a:ext uri="{BEBA8EAE-BF5A-486C-A8C5-ECC9F3942E4B}">
+                <a14:imgProps xmlns:a14="http://schemas.microsoft.com/office/drawing/2010/main">
+                  <a14:imgLayer r:embed="rId5">
+                    <a14:imgEffect>
+                      <a14:artisticPencilGrayscale/>
+                    </a14:imgEffect>
+                  </a14:imgLayer>
+                </a14:imgProps>
+              </a:ext>
+              <a:ext uri="{28A0092B-C50C-407E-A947-70E740481C1C}">
+                <a14:useLocalDpi xmlns:a14="http://schemas.microsoft.com/office/drawing/2010/main" val="0"/>
+              </a:ext>
+            </a:extLst>
+          </a:blip>
+          <a:srcRect/>
+          <a:stretch>
+            <a:fillRect/>
+          </a:stretch>
+        </p:blipFill>
+        <p:spPr bwMode="auto">
+          <a:xfrm>
+            <a:off x="5589799" y="5129557"/>
+            <a:ext cx="349431" cy="250698"/>
+          </a:xfrm>
+          <a:prstGeom prst="rect">
+            <a:avLst/>
+          </a:prstGeom>
+          <a:noFill/>
+          <a:extLst>
+            <a:ext uri="{909E8E84-426E-40DD-AFC4-6F175D3DCCD1}">
+              <a14:hiddenFill xmlns:a14="http://schemas.microsoft.com/office/drawing/2010/main">
+                <a:solidFill>
+                  <a:srgbClr val="FFFFFF"/>
+                </a:solidFill>
+              </a14:hiddenFill>
+            </a:ext>
+          </a:extLst>
+        </p:spPr>
+      </p:pic>
+      <p:sp>
+        <p:nvSpPr>
+          <p:cNvPr id="15" name="TextBox 14">
+            <a:extLst>
+              <a:ext uri="{FF2B5EF4-FFF2-40B4-BE49-F238E27FC236}">
+                <a16:creationId xmlns:a16="http://schemas.microsoft.com/office/drawing/2014/main" id="{58D4BD24-CE25-1A0A-9D8E-CD5C2E85A479}"/>
+              </a:ext>
+            </a:extLst>
+          </p:cNvPr>
+          <p:cNvSpPr txBox="1"/>
+          <p:nvPr/>
+        </p:nvSpPr>
+        <p:spPr>
+          <a:xfrm>
+            <a:off x="5982785" y="5115189"/>
+            <a:ext cx="4643847" cy="338554"/>
+          </a:xfrm>
+          <a:prstGeom prst="rect">
+            <a:avLst/>
+          </a:prstGeom>
+          <a:solidFill>
+            <a:schemeClr val="accent2">
+              <a:lumMod val="20000"/>
+              <a:lumOff val="80000"/>
+            </a:schemeClr>
+          </a:solidFill>
+          <a:ln w="6350">
+            <a:solidFill>
+              <a:schemeClr val="accent1"/>
+            </a:solidFill>
+          </a:ln>
+          <a:effectLst>
+            <a:outerShdw blurRad="50800" dist="38100" dir="2700000" algn="tl" rotWithShape="0">
+              <a:prstClr val="black">
+                <a:alpha val="40000"/>
+              </a:prstClr>
+            </a:outerShdw>
+          </a:effectLst>
+        </p:spPr>
+        <p:txBody>
+          <a:bodyPr wrap="square">
+            <a:spAutoFit/>
+          </a:bodyPr>
+          <a:lstStyle>
+            <a:defPPr>
+              <a:defRPr lang="en-IL"/>
+            </a:defPPr>
+            <a:lvl1pPr>
+              <a:defRPr sz="1600" b="0">
+                <a:solidFill>
+                  <a:srgbClr val="0000FF"/>
+                </a:solidFill>
+                <a:effectLst/>
+                <a:latin typeface="Consolas" panose="020B0609020204030204" pitchFamily="49" charset="0"/>
+              </a:defRPr>
+            </a:lvl1pPr>
+          </a:lstStyle>
+          <a:p>
+            <a:r>
+              <a:rPr lang="en-US" dirty="0">
+                <a:solidFill>
+                  <a:schemeClr val="tx1"/>
+                </a:solidFill>
+              </a:rPr>
+              <a:t>computed(</a:t>
+            </a:r>
+            <a:r>
+              <a:rPr lang="en-US" dirty="0">
+                <a:solidFill>
+                  <a:schemeClr val="accent6">
+                    <a:lumMod val="75000"/>
+                  </a:schemeClr>
+                </a:solidFill>
+              </a:rPr>
+              <a:t>() =&gt; x() * </a:t>
+            </a:r>
+            <a:r>
+              <a:rPr lang="en-US" dirty="0" err="1">
+                <a:solidFill>
+                  <a:srgbClr val="C00000"/>
+                </a:solidFill>
+              </a:rPr>
+              <a:t>j++</a:t>
+            </a:r>
+            <a:r>
+              <a:rPr lang="en-US" dirty="0">
+                <a:solidFill>
+                  <a:schemeClr val="tx1"/>
+                </a:solidFill>
+              </a:rPr>
+              <a:t>)</a:t>
+            </a:r>
+            <a:endParaRPr lang="en-IL" dirty="0">
+              <a:solidFill>
+                <a:schemeClr val="tx1"/>
+              </a:solidFill>
+            </a:endParaRPr>
+          </a:p>
+        </p:txBody>
+      </p:sp>
+      <p:sp>
+        <p:nvSpPr>
+          <p:cNvPr id="16" name="TextBox 15">
+            <a:extLst>
+              <a:ext uri="{FF2B5EF4-FFF2-40B4-BE49-F238E27FC236}">
+                <a16:creationId xmlns:a16="http://schemas.microsoft.com/office/drawing/2014/main" id="{E14D0A32-6D27-6B63-06FD-09395DB198AF}"/>
+              </a:ext>
+            </a:extLst>
+          </p:cNvPr>
+          <p:cNvSpPr txBox="1"/>
+          <p:nvPr/>
+        </p:nvSpPr>
+        <p:spPr>
+          <a:xfrm>
+            <a:off x="5982785" y="5626818"/>
+            <a:ext cx="4643847" cy="1077218"/>
+          </a:xfrm>
+          <a:prstGeom prst="rect">
+            <a:avLst/>
+          </a:prstGeom>
+          <a:solidFill>
+            <a:schemeClr val="accent2">
+              <a:lumMod val="20000"/>
+              <a:lumOff val="80000"/>
+            </a:schemeClr>
+          </a:solidFill>
+          <a:ln w="6350">
+            <a:solidFill>
+              <a:schemeClr val="accent1"/>
+            </a:solidFill>
+          </a:ln>
+          <a:effectLst>
+            <a:outerShdw blurRad="50800" dist="38100" dir="2700000" algn="tl" rotWithShape="0">
+              <a:prstClr val="black">
+                <a:alpha val="40000"/>
+              </a:prstClr>
+            </a:outerShdw>
+          </a:effectLst>
+        </p:spPr>
+        <p:txBody>
+          <a:bodyPr wrap="square">
+            <a:spAutoFit/>
+          </a:bodyPr>
+          <a:lstStyle>
+            <a:defPPr>
+              <a:defRPr lang="en-IL"/>
+            </a:defPPr>
+            <a:lvl1pPr>
+              <a:defRPr sz="1600" b="0">
+                <a:solidFill>
+                  <a:srgbClr val="0000FF"/>
+                </a:solidFill>
+                <a:effectLst/>
+                <a:latin typeface="Consolas" panose="020B0609020204030204" pitchFamily="49" charset="0"/>
+              </a:defRPr>
+            </a:lvl1pPr>
+          </a:lstStyle>
+          <a:p>
+            <a:r>
+              <a:rPr lang="en-US" dirty="0">
+                <a:solidFill>
+                  <a:schemeClr val="tx1"/>
+                </a:solidFill>
+              </a:rPr>
+              <a:t>computed(</a:t>
+            </a:r>
+            <a:r>
+              <a:rPr lang="en-US" dirty="0">
+                <a:solidFill>
+                  <a:schemeClr val="accent6">
+                    <a:lumMod val="75000"/>
+                  </a:schemeClr>
+                </a:solidFill>
+              </a:rPr>
+              <a:t>() =&gt; {</a:t>
+            </a:r>
+          </a:p>
+          <a:p>
+            <a:r>
+              <a:rPr lang="en-US" dirty="0">
+                <a:solidFill>
+                  <a:schemeClr val="accent6">
+                    <a:lumMod val="75000"/>
+                  </a:schemeClr>
+                </a:solidFill>
+              </a:rPr>
+              <a:t>    </a:t>
+            </a:r>
+            <a:r>
+              <a:rPr lang="en-US" dirty="0" err="1">
+                <a:solidFill>
+                  <a:srgbClr val="C00000"/>
+                </a:solidFill>
+              </a:rPr>
+              <a:t>x.update</a:t>
+            </a:r>
+            <a:r>
+              <a:rPr lang="en-US" dirty="0">
+                <a:solidFill>
+                  <a:srgbClr val="C00000"/>
+                </a:solidFill>
+              </a:rPr>
+              <a:t>(v =&gt; v + 1);</a:t>
+            </a:r>
+          </a:p>
+          <a:p>
+            <a:r>
+              <a:rPr lang="en-US" dirty="0">
+                <a:solidFill>
+                  <a:schemeClr val="accent6">
+                    <a:lumMod val="75000"/>
+                  </a:schemeClr>
+                </a:solidFill>
+              </a:rPr>
+              <a:t>    return x() * 10;</a:t>
+            </a:r>
+          </a:p>
+          <a:p>
+            <a:r>
+              <a:rPr lang="en-US" dirty="0">
+                <a:solidFill>
+                  <a:schemeClr val="accent6">
+                    <a:lumMod val="75000"/>
+                  </a:schemeClr>
+                </a:solidFill>
+              </a:rPr>
+              <a:t>}</a:t>
+            </a:r>
+            <a:r>
+              <a:rPr lang="en-US" dirty="0">
+                <a:solidFill>
+                  <a:schemeClr val="tx1"/>
+                </a:solidFill>
+              </a:rPr>
+              <a:t>)</a:t>
+            </a:r>
+            <a:endParaRPr lang="en-IL" dirty="0">
+              <a:solidFill>
+                <a:schemeClr val="tx1"/>
+              </a:solidFill>
+            </a:endParaRPr>
+          </a:p>
+        </p:txBody>
+      </p:sp>
+      <p:pic>
+        <p:nvPicPr>
+          <p:cNvPr id="17" name="Picture 4">
+            <a:extLst>
+              <a:ext uri="{FF2B5EF4-FFF2-40B4-BE49-F238E27FC236}">
+                <a16:creationId xmlns:a16="http://schemas.microsoft.com/office/drawing/2014/main" id="{FC44A2F8-83B4-C124-B127-49A9A43A8584}"/>
+              </a:ext>
+            </a:extLst>
+          </p:cNvPr>
+          <p:cNvPicPr>
+            <a:picLocks noChangeAspect="1" noChangeArrowheads="1"/>
+          </p:cNvPicPr>
+          <p:nvPr/>
+        </p:nvPicPr>
+        <p:blipFill>
+          <a:blip r:embed="rId4">
+            <a:duotone>
+              <a:prstClr val="black"/>
+              <a:srgbClr val="FF0000">
+                <a:tint val="45000"/>
+                <a:satMod val="400000"/>
+              </a:srgbClr>
+            </a:duotone>
+            <a:extLst>
+              <a:ext uri="{BEBA8EAE-BF5A-486C-A8C5-ECC9F3942E4B}">
+                <a14:imgProps xmlns:a14="http://schemas.microsoft.com/office/drawing/2010/main">
+                  <a14:imgLayer r:embed="rId5">
+                    <a14:imgEffect>
+                      <a14:artisticPencilGrayscale/>
+                    </a14:imgEffect>
+                  </a14:imgLayer>
+                </a14:imgProps>
+              </a:ext>
+              <a:ext uri="{28A0092B-C50C-407E-A947-70E740481C1C}">
+                <a14:useLocalDpi xmlns:a14="http://schemas.microsoft.com/office/drawing/2010/main" val="0"/>
+              </a:ext>
+            </a:extLst>
+          </a:blip>
+          <a:srcRect/>
+          <a:stretch>
+            <a:fillRect/>
+          </a:stretch>
+        </p:blipFill>
+        <p:spPr bwMode="auto">
+          <a:xfrm>
+            <a:off x="5589798" y="5674064"/>
+            <a:ext cx="349431" cy="250698"/>
+          </a:xfrm>
+          <a:prstGeom prst="rect">
+            <a:avLst/>
+          </a:prstGeom>
+          <a:noFill/>
+          <a:extLst>
+            <a:ext uri="{909E8E84-426E-40DD-AFC4-6F175D3DCCD1}">
+              <a14:hiddenFill xmlns:a14="http://schemas.microsoft.com/office/drawing/2010/main">
+                <a:solidFill>
+                  <a:srgbClr val="FFFFFF"/>
+                </a:solidFill>
+              </a14:hiddenFill>
+            </a:ext>
+          </a:extLst>
+        </p:spPr>
+      </p:pic>
+    </p:spTree>
+    <p:extLst>
+      <p:ext uri="{BB962C8B-B14F-4D97-AF65-F5344CB8AC3E}">
+        <p14:creationId xmlns:p14="http://schemas.microsoft.com/office/powerpoint/2010/main" val="590626680"/>
+      </p:ext>
+    </p:extLst>
+  </p:cSld>
+  <p:clrMapOvr>
+    <a:masterClrMapping/>
+  </p:clrMapOvr>
+</p:sld>
+</file>
+
 <file path=ppt/theme/theme1.xml><?xml version="1.0" encoding="utf-8"?>
 <a:theme xmlns:a="http://schemas.openxmlformats.org/drawingml/2006/main" name="Office Theme">
   <a:themeElements>

--- a/slides/change detection.pptx
+++ b/slides/change detection.pptx
@@ -12,6 +12,8 @@
     <p:sldId id="264" r:id="rId6"/>
     <p:sldId id="265" r:id="rId7"/>
     <p:sldId id="266" r:id="rId8"/>
+    <p:sldId id="267" r:id="rId9"/>
+    <p:sldId id="269" r:id="rId10"/>
   </p:sldIdLst>
   <p:sldSz cx="12192000" cy="6858000"/>
   <p:notesSz cx="7104063" cy="10234613"/>
@@ -11381,6 +11383,1095 @@
 </p:sld>
 </file>
 
+<file path=ppt/slides/slide8.xml><?xml version="1.0" encoding="utf-8"?>
+<p:sld xmlns:a="http://schemas.openxmlformats.org/drawingml/2006/main" xmlns:r="http://schemas.openxmlformats.org/officeDocument/2006/relationships" xmlns:p="http://schemas.openxmlformats.org/presentationml/2006/main">
+  <p:cSld>
+    <p:spTree>
+      <p:nvGrpSpPr>
+        <p:cNvPr id="1" name=""/>
+        <p:cNvGrpSpPr/>
+        <p:nvPr/>
+      </p:nvGrpSpPr>
+      <p:grpSpPr>
+        <a:xfrm>
+          <a:off x="0" y="0"/>
+          <a:ext cx="0" cy="0"/>
+          <a:chOff x="0" y="0"/>
+          <a:chExt cx="0" cy="0"/>
+        </a:xfrm>
+      </p:grpSpPr>
+      <p:sp>
+        <p:nvSpPr>
+          <p:cNvPr id="2" name="Title 1">
+            <a:extLst>
+              <a:ext uri="{FF2B5EF4-FFF2-40B4-BE49-F238E27FC236}">
+                <a16:creationId xmlns:a16="http://schemas.microsoft.com/office/drawing/2014/main" id="{375078DF-2F43-5250-1880-928501545BC6}"/>
+              </a:ext>
+            </a:extLst>
+          </p:cNvPr>
+          <p:cNvSpPr>
+            <a:spLocks noGrp="1"/>
+          </p:cNvSpPr>
+          <p:nvPr>
+            <p:ph type="title"/>
+          </p:nvPr>
+        </p:nvSpPr>
+        <p:spPr/>
+        <p:txBody>
+          <a:bodyPr/>
+          <a:lstStyle/>
+          <a:p>
+            <a:r>
+              <a:rPr lang="en-US" dirty="0"/>
+              <a:t>Effects</a:t>
+            </a:r>
+            <a:endParaRPr lang="en-IL" dirty="0"/>
+          </a:p>
+        </p:txBody>
+      </p:sp>
+      <p:sp>
+        <p:nvSpPr>
+          <p:cNvPr id="3" name="TextBox 2">
+            <a:extLst>
+              <a:ext uri="{FF2B5EF4-FFF2-40B4-BE49-F238E27FC236}">
+                <a16:creationId xmlns:a16="http://schemas.microsoft.com/office/drawing/2014/main" id="{BFC87CB8-C000-C755-F809-4AC976FF526D}"/>
+              </a:ext>
+            </a:extLst>
+          </p:cNvPr>
+          <p:cNvSpPr txBox="1"/>
+          <p:nvPr/>
+        </p:nvSpPr>
+        <p:spPr>
+          <a:xfrm>
+            <a:off x="838201" y="1310076"/>
+            <a:ext cx="6156960" cy="3539430"/>
+          </a:xfrm>
+          <a:prstGeom prst="rect">
+            <a:avLst/>
+          </a:prstGeom>
+          <a:noFill/>
+        </p:spPr>
+        <p:txBody>
+          <a:bodyPr wrap="square" rtlCol="0">
+            <a:spAutoFit/>
+          </a:bodyPr>
+          <a:lstStyle/>
+          <a:p>
+            <a:pPr marL="914400" lvl="1" indent="-457200">
+              <a:buFont typeface="Arial" panose="020B0604020202020204" pitchFamily="34" charset="0"/>
+              <a:buChar char="•"/>
+            </a:pPr>
+            <a:r>
+              <a:rPr lang="en-US" sz="2800" dirty="0">
+                <a:solidFill>
+                  <a:schemeClr val="accent1">
+                    <a:lumMod val="75000"/>
+                  </a:schemeClr>
+                </a:solidFill>
+              </a:rPr>
+              <a:t>Effects are functions that:</a:t>
+            </a:r>
+          </a:p>
+          <a:p>
+            <a:pPr marL="1371600" lvl="2" indent="-457200">
+              <a:buFont typeface="Arial" panose="020B0604020202020204" pitchFamily="34" charset="0"/>
+              <a:buChar char="•"/>
+            </a:pPr>
+            <a:r>
+              <a:rPr lang="en-US" sz="2800" dirty="0">
+                <a:solidFill>
+                  <a:schemeClr val="accent1">
+                    <a:lumMod val="75000"/>
+                  </a:schemeClr>
+                </a:solidFill>
+              </a:rPr>
+              <a:t>Rely on signals</a:t>
+            </a:r>
+          </a:p>
+          <a:p>
+            <a:pPr marL="1371600" lvl="2" indent="-457200">
+              <a:buFont typeface="Arial" panose="020B0604020202020204" pitchFamily="34" charset="0"/>
+              <a:buChar char="•"/>
+            </a:pPr>
+            <a:r>
+              <a:rPr lang="en-US" sz="2800" dirty="0">
+                <a:solidFill>
+                  <a:schemeClr val="accent1">
+                    <a:lumMod val="75000"/>
+                  </a:schemeClr>
+                </a:solidFill>
+              </a:rPr>
+              <a:t>Are executed when the signals change</a:t>
+            </a:r>
+          </a:p>
+          <a:p>
+            <a:pPr marL="1371600" lvl="2" indent="-457200">
+              <a:buFont typeface="Arial" panose="020B0604020202020204" pitchFamily="34" charset="0"/>
+              <a:buChar char="•"/>
+            </a:pPr>
+            <a:r>
+              <a:rPr lang="en-US" sz="2800" dirty="0">
+                <a:solidFill>
+                  <a:schemeClr val="accent1">
+                    <a:lumMod val="75000"/>
+                  </a:schemeClr>
+                </a:solidFill>
+              </a:rPr>
+              <a:t>Auto-magically subscribe and unsubscribe to the signals</a:t>
+            </a:r>
+          </a:p>
+          <a:p>
+            <a:pPr marL="1371600" lvl="2" indent="-457200">
+              <a:buFont typeface="Arial" panose="020B0604020202020204" pitchFamily="34" charset="0"/>
+              <a:buChar char="•"/>
+            </a:pPr>
+            <a:endParaRPr lang="en-US" sz="2800" dirty="0">
+              <a:solidFill>
+                <a:schemeClr val="accent1">
+                  <a:lumMod val="75000"/>
+                </a:schemeClr>
+              </a:solidFill>
+            </a:endParaRPr>
+          </a:p>
+          <a:p>
+            <a:pPr marL="914400" lvl="1" indent="-457200">
+              <a:buFont typeface="Arial" panose="020B0604020202020204" pitchFamily="34" charset="0"/>
+              <a:buChar char="•"/>
+            </a:pPr>
+            <a:endParaRPr lang="en-US" sz="2800" dirty="0">
+              <a:solidFill>
+                <a:schemeClr val="accent1">
+                  <a:lumMod val="75000"/>
+                </a:schemeClr>
+              </a:solidFill>
+            </a:endParaRPr>
+          </a:p>
+        </p:txBody>
+      </p:sp>
+    </p:spTree>
+    <p:extLst>
+      <p:ext uri="{BB962C8B-B14F-4D97-AF65-F5344CB8AC3E}">
+        <p14:creationId xmlns:p14="http://schemas.microsoft.com/office/powerpoint/2010/main" val="1901994295"/>
+      </p:ext>
+    </p:extLst>
+  </p:cSld>
+  <p:clrMapOvr>
+    <a:masterClrMapping/>
+  </p:clrMapOvr>
+</p:sld>
+</file>
+
+<file path=ppt/slides/slide9.xml><?xml version="1.0" encoding="utf-8"?>
+<p:sld xmlns:a="http://schemas.openxmlformats.org/drawingml/2006/main" xmlns:r="http://schemas.openxmlformats.org/officeDocument/2006/relationships" xmlns:p="http://schemas.openxmlformats.org/presentationml/2006/main">
+  <p:cSld>
+    <p:spTree>
+      <p:nvGrpSpPr>
+        <p:cNvPr id="1" name=""/>
+        <p:cNvGrpSpPr/>
+        <p:nvPr/>
+      </p:nvGrpSpPr>
+      <p:grpSpPr>
+        <a:xfrm>
+          <a:off x="0" y="0"/>
+          <a:ext cx="0" cy="0"/>
+          <a:chOff x="0" y="0"/>
+          <a:chExt cx="0" cy="0"/>
+        </a:xfrm>
+      </p:grpSpPr>
+      <p:sp>
+        <p:nvSpPr>
+          <p:cNvPr id="6" name="TextBox 5">
+            <a:extLst>
+              <a:ext uri="{FF2B5EF4-FFF2-40B4-BE49-F238E27FC236}">
+                <a16:creationId xmlns:a16="http://schemas.microsoft.com/office/drawing/2014/main" id="{47F117F1-F0B6-1280-97C5-26919CC62269}"/>
+              </a:ext>
+            </a:extLst>
+          </p:cNvPr>
+          <p:cNvSpPr txBox="1"/>
+          <p:nvPr/>
+        </p:nvSpPr>
+        <p:spPr>
+          <a:xfrm>
+            <a:off x="920931" y="1404257"/>
+            <a:ext cx="6557555" cy="2954655"/>
+          </a:xfrm>
+          <a:prstGeom prst="rect">
+            <a:avLst/>
+          </a:prstGeom>
+          <a:noFill/>
+        </p:spPr>
+        <p:txBody>
+          <a:bodyPr wrap="square" rtlCol="0">
+            <a:spAutoFit/>
+          </a:bodyPr>
+          <a:lstStyle/>
+          <a:p>
+            <a:pPr marL="285750" indent="-285750">
+              <a:buFont typeface="Arial" panose="020B0604020202020204" pitchFamily="34" charset="0"/>
+              <a:buChar char="•"/>
+            </a:pPr>
+            <a:r>
+              <a:rPr lang="en-US" sz="2000" dirty="0">
+                <a:solidFill>
+                  <a:schemeClr val="accent6">
+                    <a:lumMod val="75000"/>
+                  </a:schemeClr>
+                </a:solidFill>
+              </a:rPr>
+              <a:t>It’s ok to</a:t>
+            </a:r>
+          </a:p>
+          <a:p>
+            <a:pPr marL="742950" lvl="1" indent="-285750">
+              <a:buFont typeface="Arial" panose="020B0604020202020204" pitchFamily="34" charset="0"/>
+              <a:buChar char="•"/>
+            </a:pPr>
+            <a:r>
+              <a:rPr lang="en-US" dirty="0"/>
+              <a:t>Use more than one signal</a:t>
+            </a:r>
+            <a:br>
+              <a:rPr lang="en-US" dirty="0"/>
+            </a:br>
+            <a:endParaRPr lang="en-US" dirty="0"/>
+          </a:p>
+          <a:p>
+            <a:pPr marL="742950" lvl="1" indent="-285750">
+              <a:buFont typeface="Arial" panose="020B0604020202020204" pitchFamily="34" charset="0"/>
+              <a:buChar char="•"/>
+            </a:pPr>
+            <a:r>
+              <a:rPr lang="en-US" dirty="0"/>
+              <a:t>Use async code</a:t>
+            </a:r>
+            <a:br>
+              <a:rPr lang="en-US" dirty="0"/>
+            </a:br>
+            <a:endParaRPr lang="en-US" dirty="0"/>
+          </a:p>
+          <a:p>
+            <a:pPr marL="742950" lvl="1" indent="-285750">
+              <a:buFont typeface="Arial" panose="020B0604020202020204" pitchFamily="34" charset="0"/>
+              <a:buChar char="•"/>
+            </a:pPr>
+            <a:r>
+              <a:rPr lang="en-US" dirty="0"/>
+              <a:t>Cause side effects</a:t>
+            </a:r>
+            <a:br>
+              <a:rPr lang="en-US" dirty="0"/>
+            </a:br>
+            <a:endParaRPr lang="en-US" sz="2000" dirty="0"/>
+          </a:p>
+          <a:p>
+            <a:pPr marL="285750" indent="-285750">
+              <a:buFont typeface="Arial" panose="020B0604020202020204" pitchFamily="34" charset="0"/>
+              <a:buChar char="•"/>
+            </a:pPr>
+            <a:r>
+              <a:rPr lang="en-US" sz="2000" dirty="0">
+                <a:solidFill>
+                  <a:srgbClr val="C00000"/>
+                </a:solidFill>
+              </a:rPr>
+              <a:t>But don’t</a:t>
+            </a:r>
+          </a:p>
+          <a:p>
+            <a:pPr marL="742950" lvl="1" indent="-285750">
+              <a:buFont typeface="Arial" panose="020B0604020202020204" pitchFamily="34" charset="0"/>
+              <a:buChar char="•"/>
+            </a:pPr>
+            <a:r>
+              <a:rPr lang="en-US" dirty="0"/>
+              <a:t>Modify any signals</a:t>
+            </a:r>
+            <a:br>
+              <a:rPr lang="en-US" dirty="0"/>
+            </a:br>
+            <a:endParaRPr lang="en-US" dirty="0"/>
+          </a:p>
+        </p:txBody>
+      </p:sp>
+      <p:sp>
+        <p:nvSpPr>
+          <p:cNvPr id="2" name="Title 1">
+            <a:extLst>
+              <a:ext uri="{FF2B5EF4-FFF2-40B4-BE49-F238E27FC236}">
+                <a16:creationId xmlns:a16="http://schemas.microsoft.com/office/drawing/2014/main" id="{2CC01AF6-9E02-179B-C8F3-16464B2D0EFA}"/>
+              </a:ext>
+            </a:extLst>
+          </p:cNvPr>
+          <p:cNvSpPr>
+            <a:spLocks noGrp="1"/>
+          </p:cNvSpPr>
+          <p:nvPr>
+            <p:ph type="title"/>
+          </p:nvPr>
+        </p:nvSpPr>
+        <p:spPr/>
+        <p:txBody>
+          <a:bodyPr/>
+          <a:lstStyle/>
+          <a:p>
+            <a:r>
+              <a:rPr lang="en-US" dirty="0"/>
+              <a:t>Effects</a:t>
+            </a:r>
+            <a:endParaRPr lang="en-IL" dirty="0"/>
+          </a:p>
+        </p:txBody>
+      </p:sp>
+      <p:sp>
+        <p:nvSpPr>
+          <p:cNvPr id="4" name="TextBox 3">
+            <a:extLst>
+              <a:ext uri="{FF2B5EF4-FFF2-40B4-BE49-F238E27FC236}">
+                <a16:creationId xmlns:a16="http://schemas.microsoft.com/office/drawing/2014/main" id="{E6701082-3E0D-1911-1FBB-E0E7BD9909AA}"/>
+              </a:ext>
+            </a:extLst>
+          </p:cNvPr>
+          <p:cNvSpPr txBox="1"/>
+          <p:nvPr/>
+        </p:nvSpPr>
+        <p:spPr>
+          <a:xfrm>
+            <a:off x="5982785" y="1772084"/>
+            <a:ext cx="4950826" cy="338554"/>
+          </a:xfrm>
+          <a:prstGeom prst="rect">
+            <a:avLst/>
+          </a:prstGeom>
+          <a:solidFill>
+            <a:schemeClr val="accent6">
+              <a:lumMod val="20000"/>
+              <a:lumOff val="80000"/>
+            </a:schemeClr>
+          </a:solidFill>
+          <a:ln w="6350">
+            <a:solidFill>
+              <a:schemeClr val="accent1"/>
+            </a:solidFill>
+          </a:ln>
+          <a:effectLst>
+            <a:outerShdw blurRad="50800" dist="38100" dir="2700000" algn="tl" rotWithShape="0">
+              <a:prstClr val="black">
+                <a:alpha val="40000"/>
+              </a:prstClr>
+            </a:outerShdw>
+          </a:effectLst>
+        </p:spPr>
+        <p:txBody>
+          <a:bodyPr wrap="square">
+            <a:spAutoFit/>
+          </a:bodyPr>
+          <a:lstStyle>
+            <a:defPPr>
+              <a:defRPr lang="en-IL"/>
+            </a:defPPr>
+            <a:lvl1pPr>
+              <a:defRPr sz="1600" b="0">
+                <a:solidFill>
+                  <a:srgbClr val="0000FF"/>
+                </a:solidFill>
+                <a:effectLst/>
+                <a:latin typeface="Consolas" panose="020B0609020204030204" pitchFamily="49" charset="0"/>
+              </a:defRPr>
+            </a:lvl1pPr>
+          </a:lstStyle>
+          <a:p>
+            <a:r>
+              <a:rPr lang="en-US" dirty="0">
+                <a:solidFill>
+                  <a:schemeClr val="tx1"/>
+                </a:solidFill>
+              </a:rPr>
+              <a:t>effect(</a:t>
+            </a:r>
+            <a:r>
+              <a:rPr lang="en-US" dirty="0">
+                <a:solidFill>
+                  <a:schemeClr val="accent6">
+                    <a:lumMod val="75000"/>
+                  </a:schemeClr>
+                </a:solidFill>
+              </a:rPr>
+              <a:t>() =&gt; console.log(x() * y())</a:t>
+            </a:r>
+            <a:r>
+              <a:rPr lang="en-US" dirty="0">
+                <a:solidFill>
+                  <a:schemeClr val="tx1"/>
+                </a:solidFill>
+              </a:rPr>
+              <a:t>)</a:t>
+            </a:r>
+            <a:endParaRPr lang="en-IL" dirty="0">
+              <a:solidFill>
+                <a:schemeClr val="tx1"/>
+              </a:solidFill>
+            </a:endParaRPr>
+          </a:p>
+        </p:txBody>
+      </p:sp>
+      <p:pic>
+        <p:nvPicPr>
+          <p:cNvPr id="1026" name="Picture 2" descr="Green check mark | Free SVG">
+            <a:extLst>
+              <a:ext uri="{FF2B5EF4-FFF2-40B4-BE49-F238E27FC236}">
+                <a16:creationId xmlns:a16="http://schemas.microsoft.com/office/drawing/2014/main" id="{54A3BFC1-F50D-E15D-6AFA-91C534106762}"/>
+              </a:ext>
+            </a:extLst>
+          </p:cNvPr>
+          <p:cNvPicPr>
+            <a:picLocks noChangeAspect="1" noChangeArrowheads="1"/>
+          </p:cNvPicPr>
+          <p:nvPr/>
+        </p:nvPicPr>
+        <p:blipFill>
+          <a:blip r:embed="rId2">
+            <a:duotone>
+              <a:prstClr val="black"/>
+              <a:schemeClr val="accent6">
+                <a:tint val="45000"/>
+                <a:satMod val="400000"/>
+              </a:schemeClr>
+            </a:duotone>
+            <a:extLst>
+              <a:ext uri="{BEBA8EAE-BF5A-486C-A8C5-ECC9F3942E4B}">
+                <a14:imgProps xmlns:a14="http://schemas.microsoft.com/office/drawing/2010/main">
+                  <a14:imgLayer r:embed="rId3">
+                    <a14:imgEffect>
+                      <a14:artisticPencilGrayscale/>
+                    </a14:imgEffect>
+                    <a14:imgEffect>
+                      <a14:saturation sat="33000"/>
+                    </a14:imgEffect>
+                  </a14:imgLayer>
+                </a14:imgProps>
+              </a:ext>
+              <a:ext uri="{28A0092B-C50C-407E-A947-70E740481C1C}">
+                <a14:useLocalDpi xmlns:a14="http://schemas.microsoft.com/office/drawing/2010/main" val="0"/>
+              </a:ext>
+            </a:extLst>
+          </a:blip>
+          <a:srcRect/>
+          <a:stretch>
+            <a:fillRect/>
+          </a:stretch>
+        </p:blipFill>
+        <p:spPr bwMode="auto">
+          <a:xfrm>
+            <a:off x="5591988" y="1761207"/>
+            <a:ext cx="349431" cy="349431"/>
+          </a:xfrm>
+          <a:prstGeom prst="rect">
+            <a:avLst/>
+          </a:prstGeom>
+          <a:noFill/>
+          <a:extLst>
+            <a:ext uri="{909E8E84-426E-40DD-AFC4-6F175D3DCCD1}">
+              <a14:hiddenFill xmlns:a14="http://schemas.microsoft.com/office/drawing/2010/main">
+                <a:solidFill>
+                  <a:srgbClr val="FFFFFF"/>
+                </a:solidFill>
+              </a14:hiddenFill>
+            </a:ext>
+          </a:extLst>
+        </p:spPr>
+      </p:pic>
+      <p:sp>
+        <p:nvSpPr>
+          <p:cNvPr id="7" name="TextBox 6">
+            <a:extLst>
+              <a:ext uri="{FF2B5EF4-FFF2-40B4-BE49-F238E27FC236}">
+                <a16:creationId xmlns:a16="http://schemas.microsoft.com/office/drawing/2014/main" id="{BAECCF81-9C9B-A825-043F-89FD1A9AA62E}"/>
+              </a:ext>
+            </a:extLst>
+          </p:cNvPr>
+          <p:cNvSpPr txBox="1"/>
+          <p:nvPr/>
+        </p:nvSpPr>
+        <p:spPr>
+          <a:xfrm>
+            <a:off x="5982785" y="2277181"/>
+            <a:ext cx="4950826" cy="338554"/>
+          </a:xfrm>
+          <a:prstGeom prst="rect">
+            <a:avLst/>
+          </a:prstGeom>
+          <a:solidFill>
+            <a:schemeClr val="accent6">
+              <a:lumMod val="20000"/>
+              <a:lumOff val="80000"/>
+            </a:schemeClr>
+          </a:solidFill>
+          <a:ln w="6350">
+            <a:solidFill>
+              <a:schemeClr val="accent1"/>
+            </a:solidFill>
+          </a:ln>
+          <a:effectLst>
+            <a:outerShdw blurRad="50800" dist="38100" dir="2700000" algn="tl" rotWithShape="0">
+              <a:prstClr val="black">
+                <a:alpha val="40000"/>
+              </a:prstClr>
+            </a:outerShdw>
+          </a:effectLst>
+        </p:spPr>
+        <p:txBody>
+          <a:bodyPr wrap="square">
+            <a:spAutoFit/>
+          </a:bodyPr>
+          <a:lstStyle>
+            <a:defPPr>
+              <a:defRPr lang="en-IL"/>
+            </a:defPPr>
+            <a:lvl1pPr>
+              <a:defRPr sz="1600" b="0">
+                <a:solidFill>
+                  <a:srgbClr val="0000FF"/>
+                </a:solidFill>
+                <a:effectLst/>
+                <a:latin typeface="Consolas" panose="020B0609020204030204" pitchFamily="49" charset="0"/>
+              </a:defRPr>
+            </a:lvl1pPr>
+          </a:lstStyle>
+          <a:p>
+            <a:r>
+              <a:rPr lang="en-US" dirty="0">
+                <a:solidFill>
+                  <a:schemeClr val="tx1"/>
+                </a:solidFill>
+              </a:rPr>
+              <a:t>effect(</a:t>
+            </a:r>
+            <a:r>
+              <a:rPr lang="en-US" dirty="0">
+                <a:solidFill>
+                  <a:schemeClr val="tx2">
+                    <a:lumMod val="75000"/>
+                    <a:lumOff val="25000"/>
+                  </a:schemeClr>
+                </a:solidFill>
+              </a:rPr>
+              <a:t>async</a:t>
+            </a:r>
+            <a:r>
+              <a:rPr lang="en-US" dirty="0">
+                <a:solidFill>
+                  <a:schemeClr val="tx1"/>
+                </a:solidFill>
+              </a:rPr>
+              <a:t> </a:t>
+            </a:r>
+            <a:r>
+              <a:rPr lang="en-US" dirty="0">
+                <a:solidFill>
+                  <a:schemeClr val="accent6">
+                    <a:lumMod val="75000"/>
+                  </a:schemeClr>
+                </a:solidFill>
+              </a:rPr>
+              <a:t>() =&gt; </a:t>
+            </a:r>
+            <a:r>
+              <a:rPr lang="en-US" dirty="0">
+                <a:solidFill>
+                  <a:schemeClr val="tx2">
+                    <a:lumMod val="75000"/>
+                    <a:lumOff val="25000"/>
+                  </a:schemeClr>
+                </a:solidFill>
+              </a:rPr>
+              <a:t>await</a:t>
+            </a:r>
+            <a:r>
+              <a:rPr lang="en-US" dirty="0">
+                <a:solidFill>
+                  <a:schemeClr val="accent6">
+                    <a:lumMod val="75000"/>
+                  </a:schemeClr>
+                </a:solidFill>
+              </a:rPr>
+              <a:t> </a:t>
+            </a:r>
+            <a:r>
+              <a:rPr lang="en-US" dirty="0" err="1">
+                <a:solidFill>
+                  <a:schemeClr val="accent6">
+                    <a:lumMod val="75000"/>
+                  </a:schemeClr>
+                </a:solidFill>
+              </a:rPr>
+              <a:t>service.set</a:t>
+            </a:r>
+            <a:r>
+              <a:rPr lang="en-US" dirty="0">
+                <a:solidFill>
+                  <a:schemeClr val="accent6">
+                    <a:lumMod val="75000"/>
+                  </a:schemeClr>
+                </a:solidFill>
+              </a:rPr>
+              <a:t>(x())</a:t>
+            </a:r>
+            <a:r>
+              <a:rPr lang="en-US" dirty="0">
+                <a:solidFill>
+                  <a:schemeClr val="tx1"/>
+                </a:solidFill>
+              </a:rPr>
+              <a:t>)</a:t>
+            </a:r>
+            <a:endParaRPr lang="en-IL" dirty="0">
+              <a:solidFill>
+                <a:schemeClr val="tx1"/>
+              </a:solidFill>
+            </a:endParaRPr>
+          </a:p>
+        </p:txBody>
+      </p:sp>
+      <p:pic>
+        <p:nvPicPr>
+          <p:cNvPr id="8" name="Picture 2" descr="Green check mark | Free SVG">
+            <a:extLst>
+              <a:ext uri="{FF2B5EF4-FFF2-40B4-BE49-F238E27FC236}">
+                <a16:creationId xmlns:a16="http://schemas.microsoft.com/office/drawing/2014/main" id="{08B06622-4D88-2039-8E07-62451D13E676}"/>
+              </a:ext>
+            </a:extLst>
+          </p:cNvPr>
+          <p:cNvPicPr>
+            <a:picLocks noChangeAspect="1" noChangeArrowheads="1"/>
+          </p:cNvPicPr>
+          <p:nvPr/>
+        </p:nvPicPr>
+        <p:blipFill>
+          <a:blip r:embed="rId2">
+            <a:duotone>
+              <a:prstClr val="black"/>
+              <a:schemeClr val="accent6">
+                <a:tint val="45000"/>
+                <a:satMod val="400000"/>
+              </a:schemeClr>
+            </a:duotone>
+            <a:extLst>
+              <a:ext uri="{BEBA8EAE-BF5A-486C-A8C5-ECC9F3942E4B}">
+                <a14:imgProps xmlns:a14="http://schemas.microsoft.com/office/drawing/2010/main">
+                  <a14:imgLayer r:embed="rId3">
+                    <a14:imgEffect>
+                      <a14:artisticPencilGrayscale/>
+                    </a14:imgEffect>
+                    <a14:imgEffect>
+                      <a14:saturation sat="33000"/>
+                    </a14:imgEffect>
+                  </a14:imgLayer>
+                </a14:imgProps>
+              </a:ext>
+              <a:ext uri="{28A0092B-C50C-407E-A947-70E740481C1C}">
+                <a14:useLocalDpi xmlns:a14="http://schemas.microsoft.com/office/drawing/2010/main" val="0"/>
+              </a:ext>
+            </a:extLst>
+          </a:blip>
+          <a:srcRect/>
+          <a:stretch>
+            <a:fillRect/>
+          </a:stretch>
+        </p:blipFill>
+        <p:spPr bwMode="auto">
+          <a:xfrm>
+            <a:off x="5591987" y="2271742"/>
+            <a:ext cx="349431" cy="349431"/>
+          </a:xfrm>
+          <a:prstGeom prst="rect">
+            <a:avLst/>
+          </a:prstGeom>
+          <a:noFill/>
+          <a:extLst>
+            <a:ext uri="{909E8E84-426E-40DD-AFC4-6F175D3DCCD1}">
+              <a14:hiddenFill xmlns:a14="http://schemas.microsoft.com/office/drawing/2010/main">
+                <a:solidFill>
+                  <a:srgbClr val="FFFFFF"/>
+                </a:solidFill>
+              </a14:hiddenFill>
+            </a:ext>
+          </a:extLst>
+        </p:spPr>
+      </p:pic>
+      <p:sp>
+        <p:nvSpPr>
+          <p:cNvPr id="9" name="TextBox 8">
+            <a:extLst>
+              <a:ext uri="{FF2B5EF4-FFF2-40B4-BE49-F238E27FC236}">
+                <a16:creationId xmlns:a16="http://schemas.microsoft.com/office/drawing/2014/main" id="{771040F5-6784-7610-80DA-BE3808427DFE}"/>
+              </a:ext>
+            </a:extLst>
+          </p:cNvPr>
+          <p:cNvSpPr txBox="1"/>
+          <p:nvPr/>
+        </p:nvSpPr>
+        <p:spPr>
+          <a:xfrm>
+            <a:off x="5982785" y="2823962"/>
+            <a:ext cx="4950826" cy="338554"/>
+          </a:xfrm>
+          <a:prstGeom prst="rect">
+            <a:avLst/>
+          </a:prstGeom>
+          <a:solidFill>
+            <a:schemeClr val="accent6">
+              <a:lumMod val="20000"/>
+              <a:lumOff val="80000"/>
+            </a:schemeClr>
+          </a:solidFill>
+          <a:ln w="6350">
+            <a:solidFill>
+              <a:schemeClr val="accent1"/>
+            </a:solidFill>
+          </a:ln>
+          <a:effectLst>
+            <a:outerShdw blurRad="50800" dist="38100" dir="2700000" algn="tl" rotWithShape="0">
+              <a:prstClr val="black">
+                <a:alpha val="40000"/>
+              </a:prstClr>
+            </a:outerShdw>
+          </a:effectLst>
+        </p:spPr>
+        <p:txBody>
+          <a:bodyPr wrap="square">
+            <a:spAutoFit/>
+          </a:bodyPr>
+          <a:lstStyle>
+            <a:defPPr>
+              <a:defRPr lang="en-IL"/>
+            </a:defPPr>
+            <a:lvl1pPr>
+              <a:defRPr sz="1600" b="0">
+                <a:solidFill>
+                  <a:srgbClr val="0000FF"/>
+                </a:solidFill>
+                <a:effectLst/>
+                <a:latin typeface="Consolas" panose="020B0609020204030204" pitchFamily="49" charset="0"/>
+              </a:defRPr>
+            </a:lvl1pPr>
+          </a:lstStyle>
+          <a:p>
+            <a:r>
+              <a:rPr lang="en-US" dirty="0">
+                <a:solidFill>
+                  <a:schemeClr val="tx1"/>
+                </a:solidFill>
+              </a:rPr>
+              <a:t>effect(</a:t>
+            </a:r>
+            <a:r>
+              <a:rPr lang="en-US" dirty="0">
+                <a:solidFill>
+                  <a:schemeClr val="accent6">
+                    <a:lumMod val="75000"/>
+                  </a:schemeClr>
+                </a:solidFill>
+              </a:rPr>
+              <a:t>() =&gt; </a:t>
+            </a:r>
+            <a:r>
+              <a:rPr lang="en-US" dirty="0" err="1">
+                <a:solidFill>
+                  <a:schemeClr val="accent6">
+                    <a:lumMod val="75000"/>
+                  </a:schemeClr>
+                </a:solidFill>
+              </a:rPr>
+              <a:t>storage.save</a:t>
+            </a:r>
+            <a:r>
+              <a:rPr lang="en-US" dirty="0">
+                <a:solidFill>
+                  <a:schemeClr val="accent6">
+                    <a:lumMod val="75000"/>
+                  </a:schemeClr>
+                </a:solidFill>
+              </a:rPr>
+              <a:t>(x())</a:t>
+            </a:r>
+            <a:r>
+              <a:rPr lang="en-US" dirty="0">
+                <a:solidFill>
+                  <a:schemeClr val="tx1"/>
+                </a:solidFill>
+              </a:rPr>
+              <a:t>)</a:t>
+            </a:r>
+            <a:endParaRPr lang="en-IL" dirty="0">
+              <a:solidFill>
+                <a:schemeClr val="tx1"/>
+              </a:solidFill>
+            </a:endParaRPr>
+          </a:p>
+        </p:txBody>
+      </p:sp>
+      <p:pic>
+        <p:nvPicPr>
+          <p:cNvPr id="10" name="Picture 2" descr="Green check mark | Free SVG">
+            <a:extLst>
+              <a:ext uri="{FF2B5EF4-FFF2-40B4-BE49-F238E27FC236}">
+                <a16:creationId xmlns:a16="http://schemas.microsoft.com/office/drawing/2014/main" id="{E37FD1A1-883F-1268-D6B7-1D52CFD57FB5}"/>
+              </a:ext>
+            </a:extLst>
+          </p:cNvPr>
+          <p:cNvPicPr>
+            <a:picLocks noChangeAspect="1" noChangeArrowheads="1"/>
+          </p:cNvPicPr>
+          <p:nvPr/>
+        </p:nvPicPr>
+        <p:blipFill>
+          <a:blip r:embed="rId2">
+            <a:duotone>
+              <a:prstClr val="black"/>
+              <a:schemeClr val="accent6">
+                <a:tint val="45000"/>
+                <a:satMod val="400000"/>
+              </a:schemeClr>
+            </a:duotone>
+            <a:extLst>
+              <a:ext uri="{BEBA8EAE-BF5A-486C-A8C5-ECC9F3942E4B}">
+                <a14:imgProps xmlns:a14="http://schemas.microsoft.com/office/drawing/2010/main">
+                  <a14:imgLayer r:embed="rId3">
+                    <a14:imgEffect>
+                      <a14:artisticPencilGrayscale/>
+                    </a14:imgEffect>
+                    <a14:imgEffect>
+                      <a14:saturation sat="33000"/>
+                    </a14:imgEffect>
+                  </a14:imgLayer>
+                </a14:imgProps>
+              </a:ext>
+              <a:ext uri="{28A0092B-C50C-407E-A947-70E740481C1C}">
+                <a14:useLocalDpi xmlns:a14="http://schemas.microsoft.com/office/drawing/2010/main" val="0"/>
+              </a:ext>
+            </a:extLst>
+          </a:blip>
+          <a:srcRect/>
+          <a:stretch>
+            <a:fillRect/>
+          </a:stretch>
+        </p:blipFill>
+        <p:spPr bwMode="auto">
+          <a:xfrm>
+            <a:off x="5591986" y="2816249"/>
+            <a:ext cx="349431" cy="349431"/>
+          </a:xfrm>
+          <a:prstGeom prst="rect">
+            <a:avLst/>
+          </a:prstGeom>
+          <a:noFill/>
+          <a:extLst>
+            <a:ext uri="{909E8E84-426E-40DD-AFC4-6F175D3DCCD1}">
+              <a14:hiddenFill xmlns:a14="http://schemas.microsoft.com/office/drawing/2010/main">
+                <a:solidFill>
+                  <a:srgbClr val="FFFFFF"/>
+                </a:solidFill>
+              </a14:hiddenFill>
+            </a:ext>
+          </a:extLst>
+        </p:spPr>
+      </p:pic>
+      <p:sp>
+        <p:nvSpPr>
+          <p:cNvPr id="11" name="TextBox 10">
+            <a:extLst>
+              <a:ext uri="{FF2B5EF4-FFF2-40B4-BE49-F238E27FC236}">
+                <a16:creationId xmlns:a16="http://schemas.microsoft.com/office/drawing/2014/main" id="{20447013-555D-8B4D-2DF6-976835D07683}"/>
+              </a:ext>
+            </a:extLst>
+          </p:cNvPr>
+          <p:cNvSpPr txBox="1"/>
+          <p:nvPr/>
+        </p:nvSpPr>
+        <p:spPr>
+          <a:xfrm>
+            <a:off x="5941417" y="3720239"/>
+            <a:ext cx="4992194" cy="338554"/>
+          </a:xfrm>
+          <a:prstGeom prst="rect">
+            <a:avLst/>
+          </a:prstGeom>
+          <a:solidFill>
+            <a:schemeClr val="accent2">
+              <a:lumMod val="20000"/>
+              <a:lumOff val="80000"/>
+            </a:schemeClr>
+          </a:solidFill>
+          <a:ln w="6350">
+            <a:solidFill>
+              <a:schemeClr val="accent1"/>
+            </a:solidFill>
+          </a:ln>
+          <a:effectLst>
+            <a:outerShdw blurRad="50800" dist="38100" dir="2700000" algn="tl" rotWithShape="0">
+              <a:prstClr val="black">
+                <a:alpha val="40000"/>
+              </a:prstClr>
+            </a:outerShdw>
+          </a:effectLst>
+        </p:spPr>
+        <p:txBody>
+          <a:bodyPr wrap="square">
+            <a:spAutoFit/>
+          </a:bodyPr>
+          <a:lstStyle>
+            <a:defPPr>
+              <a:defRPr lang="en-IL"/>
+            </a:defPPr>
+            <a:lvl1pPr>
+              <a:defRPr sz="1600" b="0">
+                <a:solidFill>
+                  <a:srgbClr val="0000FF"/>
+                </a:solidFill>
+                <a:effectLst/>
+                <a:latin typeface="Consolas" panose="020B0609020204030204" pitchFamily="49" charset="0"/>
+              </a:defRPr>
+            </a:lvl1pPr>
+          </a:lstStyle>
+          <a:p>
+            <a:r>
+              <a:rPr lang="en-US" dirty="0">
+                <a:solidFill>
+                  <a:schemeClr val="tx1"/>
+                </a:solidFill>
+              </a:rPr>
+              <a:t>effect(</a:t>
+            </a:r>
+            <a:r>
+              <a:rPr lang="en-US" dirty="0">
+                <a:solidFill>
+                  <a:schemeClr val="accent6">
+                    <a:lumMod val="75000"/>
+                  </a:schemeClr>
+                </a:solidFill>
+              </a:rPr>
+              <a:t>() =&gt; </a:t>
+            </a:r>
+            <a:r>
+              <a:rPr lang="en-US" dirty="0" err="1">
+                <a:solidFill>
+                  <a:schemeClr val="accent6">
+                    <a:lumMod val="75000"/>
+                  </a:schemeClr>
+                </a:solidFill>
+              </a:rPr>
+              <a:t>x.</a:t>
+            </a:r>
+            <a:r>
+              <a:rPr lang="en-US" dirty="0" err="1">
+                <a:solidFill>
+                  <a:srgbClr val="FF0000"/>
+                </a:solidFill>
+              </a:rPr>
+              <a:t>set</a:t>
+            </a:r>
+            <a:r>
+              <a:rPr lang="en-US" dirty="0">
+                <a:solidFill>
+                  <a:schemeClr val="accent6">
+                    <a:lumMod val="75000"/>
+                  </a:schemeClr>
+                </a:solidFill>
+              </a:rPr>
+              <a:t>(10)</a:t>
+            </a:r>
+            <a:r>
+              <a:rPr lang="en-US" dirty="0">
+                <a:solidFill>
+                  <a:schemeClr val="tx1"/>
+                </a:solidFill>
+              </a:rPr>
+              <a:t>)</a:t>
+            </a:r>
+            <a:endParaRPr lang="en-IL" dirty="0">
+              <a:solidFill>
+                <a:schemeClr val="tx1"/>
+              </a:solidFill>
+            </a:endParaRPr>
+          </a:p>
+        </p:txBody>
+      </p:sp>
+      <p:pic>
+        <p:nvPicPr>
+          <p:cNvPr id="1028" name="Picture 4">
+            <a:extLst>
+              <a:ext uri="{FF2B5EF4-FFF2-40B4-BE49-F238E27FC236}">
+                <a16:creationId xmlns:a16="http://schemas.microsoft.com/office/drawing/2014/main" id="{D703F4FC-2ED2-79D4-CE9E-CA1358AA18BC}"/>
+              </a:ext>
+            </a:extLst>
+          </p:cNvPr>
+          <p:cNvPicPr>
+            <a:picLocks noChangeAspect="1" noChangeArrowheads="1"/>
+          </p:cNvPicPr>
+          <p:nvPr/>
+        </p:nvPicPr>
+        <p:blipFill>
+          <a:blip r:embed="rId4">
+            <a:duotone>
+              <a:prstClr val="black"/>
+              <a:srgbClr val="FF0000">
+                <a:tint val="45000"/>
+                <a:satMod val="400000"/>
+              </a:srgbClr>
+            </a:duotone>
+            <a:extLst>
+              <a:ext uri="{BEBA8EAE-BF5A-486C-A8C5-ECC9F3942E4B}">
+                <a14:imgProps xmlns:a14="http://schemas.microsoft.com/office/drawing/2010/main">
+                  <a14:imgLayer r:embed="rId5">
+                    <a14:imgEffect>
+                      <a14:artisticPencilGrayscale/>
+                    </a14:imgEffect>
+                  </a14:imgLayer>
+                </a14:imgProps>
+              </a:ext>
+              <a:ext uri="{28A0092B-C50C-407E-A947-70E740481C1C}">
+                <a14:useLocalDpi xmlns:a14="http://schemas.microsoft.com/office/drawing/2010/main" val="0"/>
+              </a:ext>
+            </a:extLst>
+          </a:blip>
+          <a:srcRect/>
+          <a:stretch>
+            <a:fillRect/>
+          </a:stretch>
+        </p:blipFill>
+        <p:spPr bwMode="auto">
+          <a:xfrm>
+            <a:off x="5550617" y="3766486"/>
+            <a:ext cx="349431" cy="250698"/>
+          </a:xfrm>
+          <a:prstGeom prst="rect">
+            <a:avLst/>
+          </a:prstGeom>
+          <a:noFill/>
+          <a:extLst>
+            <a:ext uri="{909E8E84-426E-40DD-AFC4-6F175D3DCCD1}">
+              <a14:hiddenFill xmlns:a14="http://schemas.microsoft.com/office/drawing/2010/main">
+                <a:solidFill>
+                  <a:srgbClr val="FFFFFF"/>
+                </a:solidFill>
+              </a14:hiddenFill>
+            </a:ext>
+          </a:extLst>
+        </p:spPr>
+      </p:pic>
+    </p:spTree>
+    <p:extLst>
+      <p:ext uri="{BB962C8B-B14F-4D97-AF65-F5344CB8AC3E}">
+        <p14:creationId xmlns:p14="http://schemas.microsoft.com/office/powerpoint/2010/main" val="1743862280"/>
+      </p:ext>
+    </p:extLst>
+  </p:cSld>
+  <p:clrMapOvr>
+    <a:masterClrMapping/>
+  </p:clrMapOvr>
+</p:sld>
+</file>
+
 <file path=ppt/theme/theme1.xml><?xml version="1.0" encoding="utf-8"?>
 <a:theme xmlns:a="http://schemas.openxmlformats.org/drawingml/2006/main" name="Office Theme">
   <a:themeElements>

--- a/slides/change detection.pptx
+++ b/slides/change detection.pptx
@@ -14,6 +14,8 @@
     <p:sldId id="266" r:id="rId8"/>
     <p:sldId id="267" r:id="rId9"/>
     <p:sldId id="269" r:id="rId10"/>
+    <p:sldId id="270" r:id="rId11"/>
+    <p:sldId id="271" r:id="rId12"/>
   </p:sldIdLst>
   <p:sldSz cx="12192000" cy="6858000"/>
   <p:notesSz cx="7104063" cy="10234613"/>
@@ -4173,6 +4175,1580 @@
     <p:extLst>
       <p:ext uri="{BB962C8B-B14F-4D97-AF65-F5344CB8AC3E}">
         <p14:creationId xmlns:p14="http://schemas.microsoft.com/office/powerpoint/2010/main" val="1934637416"/>
+      </p:ext>
+    </p:extLst>
+  </p:cSld>
+  <p:clrMapOvr>
+    <a:masterClrMapping/>
+  </p:clrMapOvr>
+</p:sld>
+</file>
+
+<file path=ppt/slides/slide10.xml><?xml version="1.0" encoding="utf-8"?>
+<p:sld xmlns:a="http://schemas.openxmlformats.org/drawingml/2006/main" xmlns:r="http://schemas.openxmlformats.org/officeDocument/2006/relationships" xmlns:p="http://schemas.openxmlformats.org/presentationml/2006/main">
+  <p:cSld>
+    <p:spTree>
+      <p:nvGrpSpPr>
+        <p:cNvPr id="1" name=""/>
+        <p:cNvGrpSpPr/>
+        <p:nvPr/>
+      </p:nvGrpSpPr>
+      <p:grpSpPr>
+        <a:xfrm>
+          <a:off x="0" y="0"/>
+          <a:ext cx="0" cy="0"/>
+          <a:chOff x="0" y="0"/>
+          <a:chExt cx="0" cy="0"/>
+        </a:xfrm>
+      </p:grpSpPr>
+      <p:sp>
+        <p:nvSpPr>
+          <p:cNvPr id="2" name="Title 1">
+            <a:extLst>
+              <a:ext uri="{FF2B5EF4-FFF2-40B4-BE49-F238E27FC236}">
+                <a16:creationId xmlns:a16="http://schemas.microsoft.com/office/drawing/2014/main" id="{5AF7F643-33AE-C117-97CE-22C2A8345AC9}"/>
+              </a:ext>
+            </a:extLst>
+          </p:cNvPr>
+          <p:cNvSpPr>
+            <a:spLocks noGrp="1"/>
+          </p:cNvSpPr>
+          <p:nvPr>
+            <p:ph type="title"/>
+          </p:nvPr>
+        </p:nvSpPr>
+        <p:spPr/>
+        <p:txBody>
+          <a:bodyPr/>
+          <a:lstStyle/>
+          <a:p>
+            <a:r>
+              <a:rPr lang="en-US" dirty="0"/>
+              <a:t>Reactive Context</a:t>
+            </a:r>
+            <a:endParaRPr lang="en-IL" dirty="0"/>
+          </a:p>
+        </p:txBody>
+      </p:sp>
+      <p:sp>
+        <p:nvSpPr>
+          <p:cNvPr id="3" name="TextBox 2">
+            <a:extLst>
+              <a:ext uri="{FF2B5EF4-FFF2-40B4-BE49-F238E27FC236}">
+                <a16:creationId xmlns:a16="http://schemas.microsoft.com/office/drawing/2014/main" id="{BBE39308-4792-58D7-467C-9D8B44B5303B}"/>
+              </a:ext>
+            </a:extLst>
+          </p:cNvPr>
+          <p:cNvSpPr txBox="1"/>
+          <p:nvPr/>
+        </p:nvSpPr>
+        <p:spPr>
+          <a:xfrm>
+            <a:off x="838201" y="1630115"/>
+            <a:ext cx="6431280" cy="4401205"/>
+          </a:xfrm>
+          <a:prstGeom prst="rect">
+            <a:avLst/>
+          </a:prstGeom>
+          <a:noFill/>
+        </p:spPr>
+        <p:txBody>
+          <a:bodyPr wrap="square" rtlCol="0">
+            <a:spAutoFit/>
+          </a:bodyPr>
+          <a:lstStyle/>
+          <a:p>
+            <a:pPr marL="914400" lvl="1" indent="-457200">
+              <a:buFont typeface="Arial" panose="020B0604020202020204" pitchFamily="34" charset="0"/>
+              <a:buChar char="•"/>
+            </a:pPr>
+            <a:r>
+              <a:rPr lang="en-US" sz="2800" dirty="0">
+                <a:solidFill>
+                  <a:schemeClr val="accent1">
+                    <a:lumMod val="75000"/>
+                  </a:schemeClr>
+                </a:solidFill>
+              </a:rPr>
+              <a:t>Locations in you code where angular </a:t>
+            </a:r>
+            <a:r>
+              <a:rPr lang="en-US" sz="2800" dirty="0">
+                <a:solidFill>
+                  <a:schemeClr val="accent2">
+                    <a:lumMod val="75000"/>
+                  </a:schemeClr>
+                </a:solidFill>
+              </a:rPr>
+              <a:t>follows</a:t>
+            </a:r>
+            <a:r>
+              <a:rPr lang="en-US" sz="2800" dirty="0">
+                <a:solidFill>
+                  <a:schemeClr val="accent1">
+                    <a:lumMod val="75000"/>
+                  </a:schemeClr>
+                </a:solidFill>
+              </a:rPr>
+              <a:t> calling signals</a:t>
+            </a:r>
+          </a:p>
+          <a:p>
+            <a:pPr marL="1371600" lvl="2" indent="-457200">
+              <a:buFont typeface="Arial" panose="020B0604020202020204" pitchFamily="34" charset="0"/>
+              <a:buChar char="•"/>
+            </a:pPr>
+            <a:r>
+              <a:rPr lang="en-US" sz="2800" dirty="0">
+                <a:solidFill>
+                  <a:schemeClr val="accent1">
+                    <a:lumMod val="75000"/>
+                  </a:schemeClr>
+                </a:solidFill>
+              </a:rPr>
+              <a:t>Inside the body of computed</a:t>
+            </a:r>
+            <a:br>
+              <a:rPr lang="en-US" sz="2800" dirty="0">
+                <a:solidFill>
+                  <a:schemeClr val="accent1">
+                    <a:lumMod val="75000"/>
+                  </a:schemeClr>
+                </a:solidFill>
+              </a:rPr>
+            </a:br>
+            <a:br>
+              <a:rPr lang="en-US" sz="2800" dirty="0">
+                <a:solidFill>
+                  <a:schemeClr val="accent1">
+                    <a:lumMod val="75000"/>
+                  </a:schemeClr>
+                </a:solidFill>
+              </a:rPr>
+            </a:br>
+            <a:endParaRPr lang="en-US" sz="2800" dirty="0">
+              <a:solidFill>
+                <a:schemeClr val="accent1">
+                  <a:lumMod val="75000"/>
+                </a:schemeClr>
+              </a:solidFill>
+            </a:endParaRPr>
+          </a:p>
+          <a:p>
+            <a:pPr marL="1371600" lvl="2" indent="-457200">
+              <a:buFont typeface="Arial" panose="020B0604020202020204" pitchFamily="34" charset="0"/>
+              <a:buChar char="•"/>
+            </a:pPr>
+            <a:r>
+              <a:rPr lang="en-US" sz="2800" dirty="0">
+                <a:solidFill>
+                  <a:schemeClr val="accent1">
+                    <a:lumMod val="75000"/>
+                  </a:schemeClr>
+                </a:solidFill>
+              </a:rPr>
+              <a:t>Inside the body of effect</a:t>
+            </a:r>
+            <a:br>
+              <a:rPr lang="en-US" sz="2800" dirty="0">
+                <a:solidFill>
+                  <a:schemeClr val="accent1">
+                    <a:lumMod val="75000"/>
+                  </a:schemeClr>
+                </a:solidFill>
+              </a:rPr>
+            </a:br>
+            <a:endParaRPr lang="en-US" sz="2800" dirty="0">
+              <a:solidFill>
+                <a:schemeClr val="accent1">
+                  <a:lumMod val="75000"/>
+                </a:schemeClr>
+              </a:solidFill>
+            </a:endParaRPr>
+          </a:p>
+          <a:p>
+            <a:pPr marL="1371600" lvl="2" indent="-457200">
+              <a:buFont typeface="Arial" panose="020B0604020202020204" pitchFamily="34" charset="0"/>
+              <a:buChar char="•"/>
+            </a:pPr>
+            <a:endParaRPr lang="en-US" sz="2800" dirty="0">
+              <a:solidFill>
+                <a:schemeClr val="accent1">
+                  <a:lumMod val="75000"/>
+                </a:schemeClr>
+              </a:solidFill>
+            </a:endParaRPr>
+          </a:p>
+          <a:p>
+            <a:pPr marL="1371600" lvl="2" indent="-457200">
+              <a:buFont typeface="Arial" panose="020B0604020202020204" pitchFamily="34" charset="0"/>
+              <a:buChar char="•"/>
+            </a:pPr>
+            <a:endParaRPr lang="en-US" sz="2800" dirty="0">
+              <a:solidFill>
+                <a:schemeClr val="accent1">
+                  <a:lumMod val="75000"/>
+                </a:schemeClr>
+              </a:solidFill>
+            </a:endParaRPr>
+          </a:p>
+          <a:p>
+            <a:pPr marL="914400" lvl="1" indent="-457200">
+              <a:buFont typeface="Arial" panose="020B0604020202020204" pitchFamily="34" charset="0"/>
+              <a:buChar char="•"/>
+            </a:pPr>
+            <a:endParaRPr lang="en-US" sz="2800" dirty="0">
+              <a:solidFill>
+                <a:schemeClr val="accent1">
+                  <a:lumMod val="75000"/>
+                </a:schemeClr>
+              </a:solidFill>
+            </a:endParaRPr>
+          </a:p>
+        </p:txBody>
+      </p:sp>
+      <p:sp>
+        <p:nvSpPr>
+          <p:cNvPr id="4" name="TextBox 3">
+            <a:extLst>
+              <a:ext uri="{FF2B5EF4-FFF2-40B4-BE49-F238E27FC236}">
+                <a16:creationId xmlns:a16="http://schemas.microsoft.com/office/drawing/2014/main" id="{A2A98087-C235-2C7D-F88B-E81669EDCD27}"/>
+              </a:ext>
+            </a:extLst>
+          </p:cNvPr>
+          <p:cNvSpPr txBox="1"/>
+          <p:nvPr/>
+        </p:nvSpPr>
+        <p:spPr>
+          <a:xfrm>
+            <a:off x="3172096" y="3171415"/>
+            <a:ext cx="7774031" cy="338554"/>
+          </a:xfrm>
+          <a:prstGeom prst="rect">
+            <a:avLst/>
+          </a:prstGeom>
+          <a:solidFill>
+            <a:schemeClr val="tx2">
+              <a:lumMod val="10000"/>
+              <a:lumOff val="90000"/>
+            </a:schemeClr>
+          </a:solidFill>
+          <a:ln w="6350">
+            <a:solidFill>
+              <a:schemeClr val="accent1"/>
+            </a:solidFill>
+          </a:ln>
+          <a:effectLst>
+            <a:outerShdw blurRad="50800" dist="38100" dir="2700000" algn="tl" rotWithShape="0">
+              <a:prstClr val="black">
+                <a:alpha val="40000"/>
+              </a:prstClr>
+            </a:outerShdw>
+          </a:effectLst>
+        </p:spPr>
+        <p:txBody>
+          <a:bodyPr wrap="square">
+            <a:spAutoFit/>
+          </a:bodyPr>
+          <a:lstStyle/>
+          <a:p>
+            <a:r>
+              <a:rPr lang="en-US" sz="1600" b="0" dirty="0" err="1">
+                <a:solidFill>
+                  <a:srgbClr val="0000FF"/>
+                </a:solidFill>
+                <a:effectLst/>
+                <a:latin typeface="Consolas" panose="020B0609020204030204" pitchFamily="49" charset="0"/>
+              </a:rPr>
+              <a:t>readonly</a:t>
+            </a:r>
+            <a:r>
+              <a:rPr lang="en-US" sz="1600" b="0" dirty="0">
+                <a:solidFill>
+                  <a:srgbClr val="000000"/>
+                </a:solidFill>
+                <a:effectLst/>
+                <a:latin typeface="Consolas" panose="020B0609020204030204" pitchFamily="49" charset="0"/>
+              </a:rPr>
+              <a:t> derived = computed(</a:t>
+            </a:r>
+            <a:r>
+              <a:rPr lang="en-US" sz="1600" b="0" dirty="0">
+                <a:solidFill>
+                  <a:srgbClr val="098658"/>
+                </a:solidFill>
+                <a:effectLst/>
+                <a:latin typeface="Consolas" panose="020B0609020204030204" pitchFamily="49" charset="0"/>
+              </a:rPr>
+              <a:t>() =&gt; </a:t>
+            </a:r>
+            <a:r>
+              <a:rPr lang="en-US" sz="1600" b="0" dirty="0" err="1">
+                <a:solidFill>
+                  <a:srgbClr val="098658"/>
+                </a:solidFill>
+                <a:effectLst/>
+                <a:latin typeface="Consolas" panose="020B0609020204030204" pitchFamily="49" charset="0"/>
+              </a:rPr>
+              <a:t>firstSignal</a:t>
+            </a:r>
+            <a:r>
+              <a:rPr lang="en-US" sz="1600" b="0" dirty="0">
+                <a:solidFill>
+                  <a:srgbClr val="098658"/>
+                </a:solidFill>
+                <a:effectLst/>
+                <a:latin typeface="Consolas" panose="020B0609020204030204" pitchFamily="49" charset="0"/>
+              </a:rPr>
+              <a:t>() * 2</a:t>
+            </a:r>
+            <a:r>
+              <a:rPr lang="en-US" sz="1600" b="0" dirty="0">
+                <a:solidFill>
+                  <a:srgbClr val="000000"/>
+                </a:solidFill>
+                <a:effectLst/>
+                <a:latin typeface="Consolas" panose="020B0609020204030204" pitchFamily="49" charset="0"/>
+              </a:rPr>
+              <a:t>);</a:t>
+            </a:r>
+          </a:p>
+        </p:txBody>
+      </p:sp>
+      <p:sp>
+        <p:nvSpPr>
+          <p:cNvPr id="5" name="TextBox 4">
+            <a:extLst>
+              <a:ext uri="{FF2B5EF4-FFF2-40B4-BE49-F238E27FC236}">
+                <a16:creationId xmlns:a16="http://schemas.microsoft.com/office/drawing/2014/main" id="{C80816A9-55F8-083F-E3DE-98B0FE806A61}"/>
+              </a:ext>
+            </a:extLst>
+          </p:cNvPr>
+          <p:cNvSpPr txBox="1"/>
+          <p:nvPr/>
+        </p:nvSpPr>
+        <p:spPr>
+          <a:xfrm>
+            <a:off x="3172097" y="4428567"/>
+            <a:ext cx="7774032" cy="954107"/>
+          </a:xfrm>
+          <a:prstGeom prst="rect">
+            <a:avLst/>
+          </a:prstGeom>
+          <a:solidFill>
+            <a:schemeClr val="tx2">
+              <a:lumMod val="10000"/>
+              <a:lumOff val="90000"/>
+            </a:schemeClr>
+          </a:solidFill>
+          <a:ln>
+            <a:solidFill>
+              <a:schemeClr val="accent1"/>
+            </a:solidFill>
+          </a:ln>
+          <a:effectLst>
+            <a:outerShdw blurRad="50800" dist="38100" dir="2700000" algn="tl" rotWithShape="0">
+              <a:prstClr val="black">
+                <a:alpha val="40000"/>
+              </a:prstClr>
+            </a:outerShdw>
+          </a:effectLst>
+        </p:spPr>
+        <p:txBody>
+          <a:bodyPr wrap="square">
+            <a:spAutoFit/>
+          </a:bodyPr>
+          <a:lstStyle/>
+          <a:p>
+            <a:r>
+              <a:rPr lang="en-US" sz="1400" b="0" dirty="0">
+                <a:solidFill>
+                  <a:srgbClr val="000000"/>
+                </a:solidFill>
+                <a:effectLst/>
+                <a:latin typeface="Consolas" panose="020B0609020204030204" pitchFamily="49" charset="0"/>
+              </a:rPr>
+              <a:t>    effect(() </a:t>
+            </a:r>
+            <a:r>
+              <a:rPr lang="en-US" sz="1400" b="0" dirty="0">
+                <a:solidFill>
+                  <a:srgbClr val="0000FF"/>
+                </a:solidFill>
+                <a:effectLst/>
+                <a:latin typeface="Consolas" panose="020B0609020204030204" pitchFamily="49" charset="0"/>
+              </a:rPr>
+              <a:t>=&gt;</a:t>
+            </a:r>
+            <a:r>
+              <a:rPr lang="en-US" sz="1400" b="0" dirty="0">
+                <a:solidFill>
+                  <a:srgbClr val="000000"/>
+                </a:solidFill>
+                <a:effectLst/>
+                <a:latin typeface="Consolas" panose="020B0609020204030204" pitchFamily="49" charset="0"/>
+              </a:rPr>
+              <a:t> {</a:t>
+            </a:r>
+          </a:p>
+          <a:p>
+            <a:r>
+              <a:rPr lang="en-US" sz="1400" b="0" dirty="0">
+                <a:solidFill>
+                  <a:srgbClr val="000000"/>
+                </a:solidFill>
+                <a:effectLst/>
+                <a:latin typeface="Consolas" panose="020B0609020204030204" pitchFamily="49" charset="0"/>
+              </a:rPr>
+              <a:t>      console.log(</a:t>
+            </a:r>
+            <a:r>
+              <a:rPr lang="en-US" sz="1400" b="0" dirty="0">
+                <a:solidFill>
+                  <a:srgbClr val="A31515"/>
+                </a:solidFill>
+                <a:effectLst/>
+                <a:latin typeface="Consolas" panose="020B0609020204030204" pitchFamily="49" charset="0"/>
+              </a:rPr>
+              <a:t>'The first signal value is:'</a:t>
+            </a:r>
+            <a:r>
+              <a:rPr lang="en-US" sz="1400" b="0" dirty="0">
+                <a:solidFill>
+                  <a:srgbClr val="000000"/>
+                </a:solidFill>
+                <a:effectLst/>
+                <a:latin typeface="Consolas" panose="020B0609020204030204" pitchFamily="49" charset="0"/>
+              </a:rPr>
+              <a:t>, </a:t>
+            </a:r>
+            <a:r>
+              <a:rPr lang="en-US" sz="1400" b="0" dirty="0" err="1">
+                <a:solidFill>
+                  <a:srgbClr val="0000FF"/>
+                </a:solidFill>
+                <a:effectLst/>
+                <a:latin typeface="Consolas" panose="020B0609020204030204" pitchFamily="49" charset="0"/>
+              </a:rPr>
+              <a:t>this</a:t>
+            </a:r>
+            <a:r>
+              <a:rPr lang="en-US" sz="1400" b="0" dirty="0" err="1">
+                <a:solidFill>
+                  <a:srgbClr val="000000"/>
+                </a:solidFill>
+                <a:effectLst/>
+                <a:latin typeface="Consolas" panose="020B0609020204030204" pitchFamily="49" charset="0"/>
+              </a:rPr>
+              <a:t>.firstSignal</a:t>
+            </a:r>
+            <a:r>
+              <a:rPr lang="en-US" sz="1400" b="0" dirty="0">
+                <a:solidFill>
+                  <a:srgbClr val="000000"/>
+                </a:solidFill>
+                <a:effectLst/>
+                <a:latin typeface="Consolas" panose="020B0609020204030204" pitchFamily="49" charset="0"/>
+              </a:rPr>
+              <a:t>());</a:t>
+            </a:r>
+          </a:p>
+          <a:p>
+            <a:r>
+              <a:rPr lang="en-US" sz="1400" b="0" dirty="0">
+                <a:solidFill>
+                  <a:srgbClr val="000000"/>
+                </a:solidFill>
+                <a:effectLst/>
+                <a:latin typeface="Consolas" panose="020B0609020204030204" pitchFamily="49" charset="0"/>
+              </a:rPr>
+              <a:t>      console.log(</a:t>
+            </a:r>
+            <a:r>
+              <a:rPr lang="en-US" sz="1400" b="0" dirty="0">
+                <a:solidFill>
+                  <a:srgbClr val="A31515"/>
+                </a:solidFill>
+                <a:effectLst/>
+                <a:latin typeface="Consolas" panose="020B0609020204030204" pitchFamily="49" charset="0"/>
+              </a:rPr>
+              <a:t>'The second signal value is:'</a:t>
+            </a:r>
+            <a:r>
+              <a:rPr lang="en-US" sz="1400" b="0" dirty="0">
+                <a:solidFill>
+                  <a:srgbClr val="000000"/>
+                </a:solidFill>
+                <a:effectLst/>
+                <a:latin typeface="Consolas" panose="020B0609020204030204" pitchFamily="49" charset="0"/>
+              </a:rPr>
+              <a:t>, </a:t>
+            </a:r>
+            <a:r>
+              <a:rPr lang="en-US" sz="1400" b="0" dirty="0" err="1">
+                <a:solidFill>
+                  <a:srgbClr val="0000FF"/>
+                </a:solidFill>
+                <a:effectLst/>
+                <a:latin typeface="Consolas" panose="020B0609020204030204" pitchFamily="49" charset="0"/>
+              </a:rPr>
+              <a:t>this</a:t>
+            </a:r>
+            <a:r>
+              <a:rPr lang="en-US" sz="1400" b="0" dirty="0" err="1">
+                <a:solidFill>
+                  <a:srgbClr val="000000"/>
+                </a:solidFill>
+                <a:effectLst/>
+                <a:latin typeface="Consolas" panose="020B0609020204030204" pitchFamily="49" charset="0"/>
+              </a:rPr>
+              <a:t>.secondSignal</a:t>
+            </a:r>
+            <a:r>
+              <a:rPr lang="en-US" sz="1400" b="0" dirty="0">
+                <a:solidFill>
+                  <a:srgbClr val="000000"/>
+                </a:solidFill>
+                <a:effectLst/>
+                <a:latin typeface="Consolas" panose="020B0609020204030204" pitchFamily="49" charset="0"/>
+              </a:rPr>
+              <a:t>());  </a:t>
+            </a:r>
+          </a:p>
+          <a:p>
+            <a:r>
+              <a:rPr lang="en-US" sz="1400" b="0" dirty="0">
+                <a:solidFill>
+                  <a:srgbClr val="000000"/>
+                </a:solidFill>
+                <a:effectLst/>
+                <a:latin typeface="Consolas" panose="020B0609020204030204" pitchFamily="49" charset="0"/>
+              </a:rPr>
+              <a:t>    });</a:t>
+            </a:r>
+          </a:p>
+        </p:txBody>
+      </p:sp>
+    </p:spTree>
+    <p:extLst>
+      <p:ext uri="{BB962C8B-B14F-4D97-AF65-F5344CB8AC3E}">
+        <p14:creationId xmlns:p14="http://schemas.microsoft.com/office/powerpoint/2010/main" val="240198563"/>
+      </p:ext>
+    </p:extLst>
+  </p:cSld>
+  <p:clrMapOvr>
+    <a:masterClrMapping/>
+  </p:clrMapOvr>
+</p:sld>
+</file>
+
+<file path=ppt/slides/slide11.xml><?xml version="1.0" encoding="utf-8"?>
+<p:sld xmlns:a="http://schemas.openxmlformats.org/drawingml/2006/main" xmlns:r="http://schemas.openxmlformats.org/officeDocument/2006/relationships" xmlns:p="http://schemas.openxmlformats.org/presentationml/2006/main">
+  <p:cSld>
+    <p:spTree>
+      <p:nvGrpSpPr>
+        <p:cNvPr id="1" name=""/>
+        <p:cNvGrpSpPr/>
+        <p:nvPr/>
+      </p:nvGrpSpPr>
+      <p:grpSpPr>
+        <a:xfrm>
+          <a:off x="0" y="0"/>
+          <a:ext cx="0" cy="0"/>
+          <a:chOff x="0" y="0"/>
+          <a:chExt cx="0" cy="0"/>
+        </a:xfrm>
+      </p:grpSpPr>
+      <p:sp>
+        <p:nvSpPr>
+          <p:cNvPr id="2" name="Title 1">
+            <a:extLst>
+              <a:ext uri="{FF2B5EF4-FFF2-40B4-BE49-F238E27FC236}">
+                <a16:creationId xmlns:a16="http://schemas.microsoft.com/office/drawing/2014/main" id="{0C25D57F-2785-D422-19EA-D027FC286EAA}"/>
+              </a:ext>
+            </a:extLst>
+          </p:cNvPr>
+          <p:cNvSpPr>
+            <a:spLocks noGrp="1"/>
+          </p:cNvSpPr>
+          <p:nvPr>
+            <p:ph type="title"/>
+          </p:nvPr>
+        </p:nvSpPr>
+        <p:spPr/>
+        <p:txBody>
+          <a:bodyPr/>
+          <a:lstStyle/>
+          <a:p>
+            <a:r>
+              <a:rPr lang="en-US" dirty="0"/>
+              <a:t>When in reactive context…</a:t>
+            </a:r>
+            <a:endParaRPr lang="en-IL" dirty="0"/>
+          </a:p>
+        </p:txBody>
+      </p:sp>
+      <p:sp>
+        <p:nvSpPr>
+          <p:cNvPr id="3" name="TextBox 2">
+            <a:extLst>
+              <a:ext uri="{FF2B5EF4-FFF2-40B4-BE49-F238E27FC236}">
+                <a16:creationId xmlns:a16="http://schemas.microsoft.com/office/drawing/2014/main" id="{1452C681-893E-664B-0BEC-55F0B331C67B}"/>
+              </a:ext>
+            </a:extLst>
+          </p:cNvPr>
+          <p:cNvSpPr txBox="1"/>
+          <p:nvPr/>
+        </p:nvSpPr>
+        <p:spPr>
+          <a:xfrm>
+            <a:off x="920931" y="1404257"/>
+            <a:ext cx="6557555" cy="4093428"/>
+          </a:xfrm>
+          <a:prstGeom prst="rect">
+            <a:avLst/>
+          </a:prstGeom>
+          <a:noFill/>
+        </p:spPr>
+        <p:txBody>
+          <a:bodyPr wrap="square" rtlCol="0">
+            <a:spAutoFit/>
+          </a:bodyPr>
+          <a:lstStyle/>
+          <a:p>
+            <a:pPr marL="285750" indent="-285750">
+              <a:buFont typeface="Arial" panose="020B0604020202020204" pitchFamily="34" charset="0"/>
+              <a:buChar char="•"/>
+            </a:pPr>
+            <a:r>
+              <a:rPr lang="en-US" sz="2000" dirty="0">
+                <a:solidFill>
+                  <a:schemeClr val="accent6">
+                    <a:lumMod val="75000"/>
+                  </a:schemeClr>
+                </a:solidFill>
+              </a:rPr>
+              <a:t>It’s ok to</a:t>
+            </a:r>
+          </a:p>
+          <a:p>
+            <a:pPr marL="742950" lvl="1" indent="-285750">
+              <a:buFont typeface="Arial" panose="020B0604020202020204" pitchFamily="34" charset="0"/>
+              <a:buChar char="•"/>
+            </a:pPr>
+            <a:r>
+              <a:rPr lang="en-US" dirty="0"/>
+              <a:t>Read from signals</a:t>
+            </a:r>
+          </a:p>
+          <a:p>
+            <a:pPr marL="285750" indent="-285750">
+              <a:buFont typeface="Arial" panose="020B0604020202020204" pitchFamily="34" charset="0"/>
+              <a:buChar char="•"/>
+            </a:pPr>
+            <a:endParaRPr lang="en-US" sz="2000" dirty="0">
+              <a:solidFill>
+                <a:srgbClr val="C00000"/>
+              </a:solidFill>
+            </a:endParaRPr>
+          </a:p>
+          <a:p>
+            <a:pPr marL="285750" indent="-285750">
+              <a:buFont typeface="Arial" panose="020B0604020202020204" pitchFamily="34" charset="0"/>
+              <a:buChar char="•"/>
+            </a:pPr>
+            <a:r>
+              <a:rPr lang="en-US" sz="2000" dirty="0">
+                <a:solidFill>
+                  <a:srgbClr val="C00000"/>
+                </a:solidFill>
+              </a:rPr>
+              <a:t>But don’t</a:t>
+            </a:r>
+          </a:p>
+          <a:p>
+            <a:pPr marL="742950" lvl="1" indent="-285750">
+              <a:buFont typeface="Arial" panose="020B0604020202020204" pitchFamily="34" charset="0"/>
+              <a:buChar char="•"/>
+            </a:pPr>
+            <a:r>
+              <a:rPr lang="en-US" dirty="0"/>
+              <a:t>Modify signal</a:t>
+            </a:r>
+            <a:br>
+              <a:rPr lang="en-US" dirty="0"/>
+            </a:br>
+            <a:endParaRPr lang="en-US" dirty="0"/>
+          </a:p>
+          <a:p>
+            <a:pPr marL="742950" lvl="1" indent="-285750">
+              <a:buFont typeface="Arial" panose="020B0604020202020204" pitchFamily="34" charset="0"/>
+              <a:buChar char="•"/>
+            </a:pPr>
+            <a:endParaRPr lang="en-US" dirty="0"/>
+          </a:p>
+          <a:p>
+            <a:pPr marL="742950" lvl="1" indent="-285750">
+              <a:buFont typeface="Arial" panose="020B0604020202020204" pitchFamily="34" charset="0"/>
+              <a:buChar char="•"/>
+            </a:pPr>
+            <a:endParaRPr lang="en-US" dirty="0"/>
+          </a:p>
+          <a:p>
+            <a:pPr marL="742950" lvl="1" indent="-285750">
+              <a:buFont typeface="Arial" panose="020B0604020202020204" pitchFamily="34" charset="0"/>
+              <a:buChar char="•"/>
+            </a:pPr>
+            <a:r>
+              <a:rPr lang="en-US" dirty="0"/>
+              <a:t>Create a new signal</a:t>
+            </a:r>
+            <a:br>
+              <a:rPr lang="en-US" dirty="0"/>
+            </a:br>
+            <a:endParaRPr lang="en-US" dirty="0"/>
+          </a:p>
+          <a:p>
+            <a:pPr marL="742950" lvl="1" indent="-285750">
+              <a:buFont typeface="Arial" panose="020B0604020202020204" pitchFamily="34" charset="0"/>
+              <a:buChar char="•"/>
+            </a:pPr>
+            <a:endParaRPr lang="en-US" dirty="0"/>
+          </a:p>
+          <a:p>
+            <a:pPr marL="742950" lvl="1" indent="-285750">
+              <a:buFont typeface="Arial" panose="020B0604020202020204" pitchFamily="34" charset="0"/>
+              <a:buChar char="•"/>
+            </a:pPr>
+            <a:endParaRPr lang="en-US" dirty="0"/>
+          </a:p>
+          <a:p>
+            <a:pPr marL="742950" lvl="1" indent="-285750">
+              <a:buFont typeface="Arial" panose="020B0604020202020204" pitchFamily="34" charset="0"/>
+              <a:buChar char="•"/>
+            </a:pPr>
+            <a:r>
+              <a:rPr lang="en-US" dirty="0"/>
+              <a:t>Create an effect</a:t>
+            </a:r>
+            <a:endParaRPr lang="en-US" sz="2000" dirty="0"/>
+          </a:p>
+          <a:p>
+            <a:pPr marL="742950" lvl="1" indent="-285750">
+              <a:buFont typeface="Arial" panose="020B0604020202020204" pitchFamily="34" charset="0"/>
+              <a:buChar char="•"/>
+            </a:pPr>
+            <a:endParaRPr lang="en-US" sz="2000" dirty="0"/>
+          </a:p>
+        </p:txBody>
+      </p:sp>
+      <p:sp>
+        <p:nvSpPr>
+          <p:cNvPr id="4" name="TextBox 3">
+            <a:extLst>
+              <a:ext uri="{FF2B5EF4-FFF2-40B4-BE49-F238E27FC236}">
+                <a16:creationId xmlns:a16="http://schemas.microsoft.com/office/drawing/2014/main" id="{B98CDADA-0499-B1FA-4622-A40B8B151E83}"/>
+              </a:ext>
+            </a:extLst>
+          </p:cNvPr>
+          <p:cNvSpPr txBox="1"/>
+          <p:nvPr/>
+        </p:nvSpPr>
+        <p:spPr>
+          <a:xfrm>
+            <a:off x="5982785" y="1772084"/>
+            <a:ext cx="5288284" cy="338554"/>
+          </a:xfrm>
+          <a:prstGeom prst="rect">
+            <a:avLst/>
+          </a:prstGeom>
+          <a:solidFill>
+            <a:schemeClr val="accent6">
+              <a:lumMod val="20000"/>
+              <a:lumOff val="80000"/>
+            </a:schemeClr>
+          </a:solidFill>
+          <a:ln w="6350">
+            <a:solidFill>
+              <a:schemeClr val="accent1"/>
+            </a:solidFill>
+          </a:ln>
+          <a:effectLst>
+            <a:outerShdw blurRad="50800" dist="38100" dir="2700000" algn="tl" rotWithShape="0">
+              <a:prstClr val="black">
+                <a:alpha val="40000"/>
+              </a:prstClr>
+            </a:outerShdw>
+          </a:effectLst>
+        </p:spPr>
+        <p:txBody>
+          <a:bodyPr wrap="square">
+            <a:spAutoFit/>
+          </a:bodyPr>
+          <a:lstStyle>
+            <a:defPPr>
+              <a:defRPr lang="en-IL"/>
+            </a:defPPr>
+            <a:lvl1pPr>
+              <a:defRPr sz="1600" b="0">
+                <a:solidFill>
+                  <a:srgbClr val="0000FF"/>
+                </a:solidFill>
+                <a:effectLst/>
+                <a:latin typeface="Consolas" panose="020B0609020204030204" pitchFamily="49" charset="0"/>
+              </a:defRPr>
+            </a:lvl1pPr>
+          </a:lstStyle>
+          <a:p>
+            <a:r>
+              <a:rPr lang="en-US" dirty="0">
+                <a:solidFill>
+                  <a:schemeClr val="tx1"/>
+                </a:solidFill>
+              </a:rPr>
+              <a:t>const x = </a:t>
+            </a:r>
+            <a:r>
+              <a:rPr lang="en-US" dirty="0" err="1">
+                <a:solidFill>
+                  <a:schemeClr val="accent6">
+                    <a:lumMod val="75000"/>
+                  </a:schemeClr>
+                </a:solidFill>
+              </a:rPr>
+              <a:t>mySignal</a:t>
+            </a:r>
+            <a:r>
+              <a:rPr lang="en-US" dirty="0">
+                <a:solidFill>
+                  <a:schemeClr val="tx1"/>
+                </a:solidFill>
+              </a:rPr>
+              <a:t>()</a:t>
+            </a:r>
+            <a:endParaRPr lang="en-IL" dirty="0">
+              <a:solidFill>
+                <a:schemeClr val="tx1"/>
+              </a:solidFill>
+            </a:endParaRPr>
+          </a:p>
+        </p:txBody>
+      </p:sp>
+      <p:sp>
+        <p:nvSpPr>
+          <p:cNvPr id="5" name="TextBox 4">
+            <a:extLst>
+              <a:ext uri="{FF2B5EF4-FFF2-40B4-BE49-F238E27FC236}">
+                <a16:creationId xmlns:a16="http://schemas.microsoft.com/office/drawing/2014/main" id="{0DB51792-39E7-4EDC-6944-52A507A09444}"/>
+              </a:ext>
+            </a:extLst>
+          </p:cNvPr>
+          <p:cNvSpPr txBox="1"/>
+          <p:nvPr/>
+        </p:nvSpPr>
+        <p:spPr>
+          <a:xfrm>
+            <a:off x="5982785" y="2611161"/>
+            <a:ext cx="5288284" cy="1077218"/>
+          </a:xfrm>
+          <a:prstGeom prst="rect">
+            <a:avLst/>
+          </a:prstGeom>
+          <a:solidFill>
+            <a:schemeClr val="accent2">
+              <a:lumMod val="20000"/>
+              <a:lumOff val="80000"/>
+            </a:schemeClr>
+          </a:solidFill>
+          <a:ln w="6350">
+            <a:solidFill>
+              <a:schemeClr val="accent1"/>
+            </a:solidFill>
+          </a:ln>
+          <a:effectLst>
+            <a:outerShdw blurRad="50800" dist="38100" dir="2700000" algn="tl" rotWithShape="0">
+              <a:prstClr val="black">
+                <a:alpha val="40000"/>
+              </a:prstClr>
+            </a:outerShdw>
+          </a:effectLst>
+        </p:spPr>
+        <p:txBody>
+          <a:bodyPr wrap="square">
+            <a:spAutoFit/>
+          </a:bodyPr>
+          <a:lstStyle>
+            <a:defPPr>
+              <a:defRPr lang="en-IL"/>
+            </a:defPPr>
+            <a:lvl1pPr>
+              <a:defRPr sz="1600" b="0">
+                <a:solidFill>
+                  <a:srgbClr val="0000FF"/>
+                </a:solidFill>
+                <a:effectLst/>
+                <a:latin typeface="Consolas" panose="020B0609020204030204" pitchFamily="49" charset="0"/>
+              </a:defRPr>
+            </a:lvl1pPr>
+          </a:lstStyle>
+          <a:p>
+            <a:r>
+              <a:rPr lang="en-US" dirty="0">
+                <a:solidFill>
+                  <a:schemeClr val="tx1"/>
+                </a:solidFill>
+              </a:rPr>
+              <a:t>computed(</a:t>
+            </a:r>
+            <a:r>
+              <a:rPr lang="en-US" dirty="0">
+                <a:solidFill>
+                  <a:schemeClr val="accent6">
+                    <a:lumMod val="75000"/>
+                  </a:schemeClr>
+                </a:solidFill>
+              </a:rPr>
+              <a:t>() =&gt; {</a:t>
+            </a:r>
+          </a:p>
+          <a:p>
+            <a:r>
+              <a:rPr lang="en-US" dirty="0">
+                <a:solidFill>
+                  <a:schemeClr val="accent6">
+                    <a:lumMod val="75000"/>
+                  </a:schemeClr>
+                </a:solidFill>
+              </a:rPr>
+              <a:t>    </a:t>
+            </a:r>
+            <a:r>
+              <a:rPr lang="en-US" dirty="0" err="1">
+                <a:solidFill>
+                  <a:srgbClr val="C00000"/>
+                </a:solidFill>
+              </a:rPr>
+              <a:t>x.update</a:t>
+            </a:r>
+            <a:r>
+              <a:rPr lang="en-US" dirty="0">
+                <a:solidFill>
+                  <a:srgbClr val="C00000"/>
+                </a:solidFill>
+              </a:rPr>
+              <a:t>(v =&gt; v + 1);</a:t>
+            </a:r>
+          </a:p>
+          <a:p>
+            <a:r>
+              <a:rPr lang="en-US" dirty="0">
+                <a:solidFill>
+                  <a:schemeClr val="accent6">
+                    <a:lumMod val="75000"/>
+                  </a:schemeClr>
+                </a:solidFill>
+              </a:rPr>
+              <a:t>    return x() * 10;</a:t>
+            </a:r>
+          </a:p>
+          <a:p>
+            <a:r>
+              <a:rPr lang="en-US" dirty="0">
+                <a:solidFill>
+                  <a:schemeClr val="accent6">
+                    <a:lumMod val="75000"/>
+                  </a:schemeClr>
+                </a:solidFill>
+              </a:rPr>
+              <a:t>}</a:t>
+            </a:r>
+            <a:r>
+              <a:rPr lang="en-US" dirty="0">
+                <a:solidFill>
+                  <a:schemeClr val="tx1"/>
+                </a:solidFill>
+              </a:rPr>
+              <a:t>)</a:t>
+            </a:r>
+            <a:endParaRPr lang="en-IL" dirty="0">
+              <a:solidFill>
+                <a:schemeClr val="tx1"/>
+              </a:solidFill>
+            </a:endParaRPr>
+          </a:p>
+        </p:txBody>
+      </p:sp>
+      <p:sp>
+        <p:nvSpPr>
+          <p:cNvPr id="6" name="TextBox 5">
+            <a:extLst>
+              <a:ext uri="{FF2B5EF4-FFF2-40B4-BE49-F238E27FC236}">
+                <a16:creationId xmlns:a16="http://schemas.microsoft.com/office/drawing/2014/main" id="{787D8A9A-37CC-8B2A-911D-08C5524D3BB6}"/>
+              </a:ext>
+            </a:extLst>
+          </p:cNvPr>
+          <p:cNvSpPr txBox="1"/>
+          <p:nvPr/>
+        </p:nvSpPr>
+        <p:spPr>
+          <a:xfrm>
+            <a:off x="5982785" y="3775932"/>
+            <a:ext cx="5288284" cy="1077218"/>
+          </a:xfrm>
+          <a:prstGeom prst="rect">
+            <a:avLst/>
+          </a:prstGeom>
+          <a:solidFill>
+            <a:schemeClr val="accent2">
+              <a:lumMod val="20000"/>
+              <a:lumOff val="80000"/>
+            </a:schemeClr>
+          </a:solidFill>
+          <a:ln w="6350">
+            <a:solidFill>
+              <a:schemeClr val="accent1"/>
+            </a:solidFill>
+          </a:ln>
+          <a:effectLst>
+            <a:outerShdw blurRad="50800" dist="38100" dir="2700000" algn="tl" rotWithShape="0">
+              <a:prstClr val="black">
+                <a:alpha val="40000"/>
+              </a:prstClr>
+            </a:outerShdw>
+          </a:effectLst>
+        </p:spPr>
+        <p:txBody>
+          <a:bodyPr wrap="square">
+            <a:spAutoFit/>
+          </a:bodyPr>
+          <a:lstStyle>
+            <a:defPPr>
+              <a:defRPr lang="en-IL"/>
+            </a:defPPr>
+            <a:lvl1pPr>
+              <a:defRPr sz="1600" b="0">
+                <a:solidFill>
+                  <a:srgbClr val="0000FF"/>
+                </a:solidFill>
+                <a:effectLst/>
+                <a:latin typeface="Consolas" panose="020B0609020204030204" pitchFamily="49" charset="0"/>
+              </a:defRPr>
+            </a:lvl1pPr>
+          </a:lstStyle>
+          <a:p>
+            <a:r>
+              <a:rPr lang="en-US" dirty="0">
+                <a:solidFill>
+                  <a:schemeClr val="tx1"/>
+                </a:solidFill>
+              </a:rPr>
+              <a:t>computed(</a:t>
+            </a:r>
+            <a:r>
+              <a:rPr lang="en-US" dirty="0">
+                <a:solidFill>
+                  <a:schemeClr val="accent6">
+                    <a:lumMod val="75000"/>
+                  </a:schemeClr>
+                </a:solidFill>
+              </a:rPr>
+              <a:t>() =&gt; {</a:t>
+            </a:r>
+          </a:p>
+          <a:p>
+            <a:r>
+              <a:rPr lang="en-US" dirty="0">
+                <a:solidFill>
+                  <a:schemeClr val="accent6">
+                    <a:lumMod val="75000"/>
+                  </a:schemeClr>
+                </a:solidFill>
+              </a:rPr>
+              <a:t>   const total = x() + y();</a:t>
+            </a:r>
+          </a:p>
+          <a:p>
+            <a:r>
+              <a:rPr lang="en-US" dirty="0">
+                <a:solidFill>
+                  <a:schemeClr val="accent6">
+                    <a:lumMod val="75000"/>
+                  </a:schemeClr>
+                </a:solidFill>
+              </a:rPr>
+              <a:t>   return {sum: </a:t>
+            </a:r>
+            <a:r>
+              <a:rPr lang="en-US" dirty="0">
+                <a:solidFill>
+                  <a:srgbClr val="FF0000"/>
+                </a:solidFill>
+              </a:rPr>
+              <a:t>signal(total)</a:t>
+            </a:r>
+            <a:r>
+              <a:rPr lang="en-US" dirty="0">
+                <a:solidFill>
+                  <a:schemeClr val="accent6">
+                    <a:lumMod val="75000"/>
+                  </a:schemeClr>
+                </a:solidFill>
+              </a:rPr>
+              <a:t>}</a:t>
+            </a:r>
+          </a:p>
+          <a:p>
+            <a:r>
+              <a:rPr lang="en-US" dirty="0">
+                <a:solidFill>
+                  <a:schemeClr val="accent6">
+                    <a:lumMod val="75000"/>
+                  </a:schemeClr>
+                </a:solidFill>
+              </a:rPr>
+              <a:t>}</a:t>
+            </a:r>
+            <a:r>
+              <a:rPr lang="en-US" dirty="0">
+                <a:solidFill>
+                  <a:schemeClr val="tx1"/>
+                </a:solidFill>
+              </a:rPr>
+              <a:t>)</a:t>
+            </a:r>
+            <a:endParaRPr lang="en-IL" dirty="0">
+              <a:solidFill>
+                <a:schemeClr val="tx1"/>
+              </a:solidFill>
+            </a:endParaRPr>
+          </a:p>
+        </p:txBody>
+      </p:sp>
+      <p:sp>
+        <p:nvSpPr>
+          <p:cNvPr id="7" name="TextBox 6">
+            <a:extLst>
+              <a:ext uri="{FF2B5EF4-FFF2-40B4-BE49-F238E27FC236}">
+                <a16:creationId xmlns:a16="http://schemas.microsoft.com/office/drawing/2014/main" id="{14944459-3B69-5D29-9B2A-DEDA7D6899E5}"/>
+              </a:ext>
+            </a:extLst>
+          </p:cNvPr>
+          <p:cNvSpPr txBox="1"/>
+          <p:nvPr/>
+        </p:nvSpPr>
+        <p:spPr>
+          <a:xfrm>
+            <a:off x="5982785" y="4960076"/>
+            <a:ext cx="5288284" cy="1323439"/>
+          </a:xfrm>
+          <a:prstGeom prst="rect">
+            <a:avLst/>
+          </a:prstGeom>
+          <a:solidFill>
+            <a:schemeClr val="accent2">
+              <a:lumMod val="20000"/>
+              <a:lumOff val="80000"/>
+            </a:schemeClr>
+          </a:solidFill>
+          <a:ln w="6350">
+            <a:solidFill>
+              <a:schemeClr val="accent1"/>
+            </a:solidFill>
+          </a:ln>
+          <a:effectLst>
+            <a:outerShdw blurRad="50800" dist="38100" dir="2700000" algn="tl" rotWithShape="0">
+              <a:prstClr val="black">
+                <a:alpha val="40000"/>
+              </a:prstClr>
+            </a:outerShdw>
+          </a:effectLst>
+        </p:spPr>
+        <p:txBody>
+          <a:bodyPr wrap="square">
+            <a:spAutoFit/>
+          </a:bodyPr>
+          <a:lstStyle>
+            <a:defPPr>
+              <a:defRPr lang="en-IL"/>
+            </a:defPPr>
+            <a:lvl1pPr>
+              <a:defRPr sz="1600" b="0">
+                <a:solidFill>
+                  <a:srgbClr val="0000FF"/>
+                </a:solidFill>
+                <a:effectLst/>
+                <a:latin typeface="Consolas" panose="020B0609020204030204" pitchFamily="49" charset="0"/>
+              </a:defRPr>
+            </a:lvl1pPr>
+          </a:lstStyle>
+          <a:p>
+            <a:r>
+              <a:rPr lang="en-US" dirty="0">
+                <a:solidFill>
+                  <a:schemeClr val="tx1"/>
+                </a:solidFill>
+              </a:rPr>
+              <a:t>effect(</a:t>
+            </a:r>
+            <a:r>
+              <a:rPr lang="en-US" dirty="0">
+                <a:solidFill>
+                  <a:schemeClr val="accent6">
+                    <a:lumMod val="75000"/>
+                  </a:schemeClr>
+                </a:solidFill>
+              </a:rPr>
+              <a:t>() =&gt; {</a:t>
+            </a:r>
+          </a:p>
+          <a:p>
+            <a:r>
+              <a:rPr lang="en-US" dirty="0">
+                <a:solidFill>
+                  <a:schemeClr val="accent6">
+                    <a:lumMod val="75000"/>
+                  </a:schemeClr>
+                </a:solidFill>
+              </a:rPr>
+              <a:t>	if (sum() &gt; 10) {</a:t>
+            </a:r>
+          </a:p>
+          <a:p>
+            <a:r>
+              <a:rPr lang="en-US" dirty="0">
+                <a:solidFill>
+                  <a:schemeClr val="accent6">
+                    <a:lumMod val="75000"/>
+                  </a:schemeClr>
+                </a:solidFill>
+              </a:rPr>
+              <a:t>	    </a:t>
+            </a:r>
+            <a:r>
+              <a:rPr lang="en-US" dirty="0">
+                <a:solidFill>
+                  <a:srgbClr val="FF0000"/>
+                </a:solidFill>
+              </a:rPr>
+              <a:t>effect(</a:t>
+            </a:r>
+            <a:r>
+              <a:rPr lang="en-US" dirty="0">
+                <a:solidFill>
+                  <a:schemeClr val="accent6">
+                    <a:lumMod val="75000"/>
+                  </a:schemeClr>
+                </a:solidFill>
+              </a:rPr>
+              <a:t>() =&gt; console.log(y()</a:t>
+            </a:r>
+            <a:r>
+              <a:rPr lang="en-US" dirty="0">
+                <a:solidFill>
+                  <a:srgbClr val="FF0000"/>
+                </a:solidFill>
+              </a:rPr>
+              <a:t>)</a:t>
+            </a:r>
+          </a:p>
+          <a:p>
+            <a:r>
+              <a:rPr lang="en-US" dirty="0">
+                <a:solidFill>
+                  <a:schemeClr val="accent6">
+                    <a:lumMod val="75000"/>
+                  </a:schemeClr>
+                </a:solidFill>
+              </a:rPr>
+              <a:t>        }</a:t>
+            </a:r>
+          </a:p>
+          <a:p>
+            <a:r>
+              <a:rPr lang="en-US" dirty="0">
+                <a:solidFill>
+                  <a:schemeClr val="accent6">
+                    <a:lumMod val="75000"/>
+                  </a:schemeClr>
+                </a:solidFill>
+              </a:rPr>
+              <a:t>}</a:t>
+            </a:r>
+            <a:r>
+              <a:rPr lang="en-US" dirty="0">
+                <a:solidFill>
+                  <a:schemeClr val="tx1"/>
+                </a:solidFill>
+              </a:rPr>
+              <a:t>)</a:t>
+            </a:r>
+            <a:endParaRPr lang="en-IL" dirty="0">
+              <a:solidFill>
+                <a:schemeClr val="tx1"/>
+              </a:solidFill>
+            </a:endParaRPr>
+          </a:p>
+        </p:txBody>
+      </p:sp>
+      <p:pic>
+        <p:nvPicPr>
+          <p:cNvPr id="8" name="Picture 2" descr="Green check mark | Free SVG">
+            <a:extLst>
+              <a:ext uri="{FF2B5EF4-FFF2-40B4-BE49-F238E27FC236}">
+                <a16:creationId xmlns:a16="http://schemas.microsoft.com/office/drawing/2014/main" id="{017AFAB9-87BF-4A72-0768-239EAD3D2E96}"/>
+              </a:ext>
+            </a:extLst>
+          </p:cNvPr>
+          <p:cNvPicPr>
+            <a:picLocks noChangeAspect="1" noChangeArrowheads="1"/>
+          </p:cNvPicPr>
+          <p:nvPr/>
+        </p:nvPicPr>
+        <p:blipFill>
+          <a:blip r:embed="rId2">
+            <a:duotone>
+              <a:prstClr val="black"/>
+              <a:schemeClr val="accent6">
+                <a:tint val="45000"/>
+                <a:satMod val="400000"/>
+              </a:schemeClr>
+            </a:duotone>
+            <a:extLst>
+              <a:ext uri="{BEBA8EAE-BF5A-486C-A8C5-ECC9F3942E4B}">
+                <a14:imgProps xmlns:a14="http://schemas.microsoft.com/office/drawing/2010/main">
+                  <a14:imgLayer r:embed="rId3">
+                    <a14:imgEffect>
+                      <a14:artisticPencilGrayscale/>
+                    </a14:imgEffect>
+                    <a14:imgEffect>
+                      <a14:saturation sat="33000"/>
+                    </a14:imgEffect>
+                  </a14:imgLayer>
+                </a14:imgProps>
+              </a:ext>
+              <a:ext uri="{28A0092B-C50C-407E-A947-70E740481C1C}">
+                <a14:useLocalDpi xmlns:a14="http://schemas.microsoft.com/office/drawing/2010/main" val="0"/>
+              </a:ext>
+            </a:extLst>
+          </a:blip>
+          <a:srcRect/>
+          <a:stretch>
+            <a:fillRect/>
+          </a:stretch>
+        </p:blipFill>
+        <p:spPr bwMode="auto">
+          <a:xfrm>
+            <a:off x="5591988" y="1761207"/>
+            <a:ext cx="349431" cy="349431"/>
+          </a:xfrm>
+          <a:prstGeom prst="rect">
+            <a:avLst/>
+          </a:prstGeom>
+          <a:noFill/>
+          <a:extLst>
+            <a:ext uri="{909E8E84-426E-40DD-AFC4-6F175D3DCCD1}">
+              <a14:hiddenFill xmlns:a14="http://schemas.microsoft.com/office/drawing/2010/main">
+                <a:solidFill>
+                  <a:srgbClr val="FFFFFF"/>
+                </a:solidFill>
+              </a14:hiddenFill>
+            </a:ext>
+          </a:extLst>
+        </p:spPr>
+      </p:pic>
+      <p:pic>
+        <p:nvPicPr>
+          <p:cNvPr id="9" name="Picture 4">
+            <a:extLst>
+              <a:ext uri="{FF2B5EF4-FFF2-40B4-BE49-F238E27FC236}">
+                <a16:creationId xmlns:a16="http://schemas.microsoft.com/office/drawing/2014/main" id="{84A70181-8215-225B-F99B-EC63CD697AC7}"/>
+              </a:ext>
+            </a:extLst>
+          </p:cNvPr>
+          <p:cNvPicPr>
+            <a:picLocks noChangeAspect="1" noChangeArrowheads="1"/>
+          </p:cNvPicPr>
+          <p:nvPr/>
+        </p:nvPicPr>
+        <p:blipFill>
+          <a:blip r:embed="rId4">
+            <a:duotone>
+              <a:prstClr val="black"/>
+              <a:srgbClr val="FF0000">
+                <a:tint val="45000"/>
+                <a:satMod val="400000"/>
+              </a:srgbClr>
+            </a:duotone>
+            <a:extLst>
+              <a:ext uri="{BEBA8EAE-BF5A-486C-A8C5-ECC9F3942E4B}">
+                <a14:imgProps xmlns:a14="http://schemas.microsoft.com/office/drawing/2010/main">
+                  <a14:imgLayer r:embed="rId5">
+                    <a14:imgEffect>
+                      <a14:artisticPencilGrayscale/>
+                    </a14:imgEffect>
+                  </a14:imgLayer>
+                </a14:imgProps>
+              </a:ext>
+              <a:ext uri="{28A0092B-C50C-407E-A947-70E740481C1C}">
+                <a14:useLocalDpi xmlns:a14="http://schemas.microsoft.com/office/drawing/2010/main" val="0"/>
+              </a:ext>
+            </a:extLst>
+          </a:blip>
+          <a:srcRect/>
+          <a:stretch>
+            <a:fillRect/>
+          </a:stretch>
+        </p:blipFill>
+        <p:spPr bwMode="auto">
+          <a:xfrm>
+            <a:off x="5591987" y="2607961"/>
+            <a:ext cx="349431" cy="250698"/>
+          </a:xfrm>
+          <a:prstGeom prst="rect">
+            <a:avLst/>
+          </a:prstGeom>
+          <a:noFill/>
+          <a:extLst>
+            <a:ext uri="{909E8E84-426E-40DD-AFC4-6F175D3DCCD1}">
+              <a14:hiddenFill xmlns:a14="http://schemas.microsoft.com/office/drawing/2010/main">
+                <a:solidFill>
+                  <a:srgbClr val="FFFFFF"/>
+                </a:solidFill>
+              </a14:hiddenFill>
+            </a:ext>
+          </a:extLst>
+        </p:spPr>
+      </p:pic>
+      <p:pic>
+        <p:nvPicPr>
+          <p:cNvPr id="10" name="Picture 4">
+            <a:extLst>
+              <a:ext uri="{FF2B5EF4-FFF2-40B4-BE49-F238E27FC236}">
+                <a16:creationId xmlns:a16="http://schemas.microsoft.com/office/drawing/2014/main" id="{3F984850-E483-EB22-69F2-22F51CEA82D6}"/>
+              </a:ext>
+            </a:extLst>
+          </p:cNvPr>
+          <p:cNvPicPr>
+            <a:picLocks noChangeAspect="1" noChangeArrowheads="1"/>
+          </p:cNvPicPr>
+          <p:nvPr/>
+        </p:nvPicPr>
+        <p:blipFill>
+          <a:blip r:embed="rId4">
+            <a:duotone>
+              <a:prstClr val="black"/>
+              <a:srgbClr val="FF0000">
+                <a:tint val="45000"/>
+                <a:satMod val="400000"/>
+              </a:srgbClr>
+            </a:duotone>
+            <a:extLst>
+              <a:ext uri="{BEBA8EAE-BF5A-486C-A8C5-ECC9F3942E4B}">
+                <a14:imgProps xmlns:a14="http://schemas.microsoft.com/office/drawing/2010/main">
+                  <a14:imgLayer r:embed="rId5">
+                    <a14:imgEffect>
+                      <a14:artisticPencilGrayscale/>
+                    </a14:imgEffect>
+                  </a14:imgLayer>
+                </a14:imgProps>
+              </a:ext>
+              <a:ext uri="{28A0092B-C50C-407E-A947-70E740481C1C}">
+                <a14:useLocalDpi xmlns:a14="http://schemas.microsoft.com/office/drawing/2010/main" val="0"/>
+              </a:ext>
+            </a:extLst>
+          </a:blip>
+          <a:srcRect/>
+          <a:stretch>
+            <a:fillRect/>
+          </a:stretch>
+        </p:blipFill>
+        <p:spPr bwMode="auto">
+          <a:xfrm>
+            <a:off x="5591986" y="3775932"/>
+            <a:ext cx="349431" cy="250698"/>
+          </a:xfrm>
+          <a:prstGeom prst="rect">
+            <a:avLst/>
+          </a:prstGeom>
+          <a:noFill/>
+          <a:extLst>
+            <a:ext uri="{909E8E84-426E-40DD-AFC4-6F175D3DCCD1}">
+              <a14:hiddenFill xmlns:a14="http://schemas.microsoft.com/office/drawing/2010/main">
+                <a:solidFill>
+                  <a:srgbClr val="FFFFFF"/>
+                </a:solidFill>
+              </a14:hiddenFill>
+            </a:ext>
+          </a:extLst>
+        </p:spPr>
+      </p:pic>
+      <p:pic>
+        <p:nvPicPr>
+          <p:cNvPr id="11" name="Picture 4">
+            <a:extLst>
+              <a:ext uri="{FF2B5EF4-FFF2-40B4-BE49-F238E27FC236}">
+                <a16:creationId xmlns:a16="http://schemas.microsoft.com/office/drawing/2014/main" id="{7C101B75-BF59-CCD2-36B6-FFC5AA0F6B3C}"/>
+              </a:ext>
+            </a:extLst>
+          </p:cNvPr>
+          <p:cNvPicPr>
+            <a:picLocks noChangeAspect="1" noChangeArrowheads="1"/>
+          </p:cNvPicPr>
+          <p:nvPr/>
+        </p:nvPicPr>
+        <p:blipFill>
+          <a:blip r:embed="rId4">
+            <a:duotone>
+              <a:prstClr val="black"/>
+              <a:srgbClr val="FF0000">
+                <a:tint val="45000"/>
+                <a:satMod val="400000"/>
+              </a:srgbClr>
+            </a:duotone>
+            <a:extLst>
+              <a:ext uri="{BEBA8EAE-BF5A-486C-A8C5-ECC9F3942E4B}">
+                <a14:imgProps xmlns:a14="http://schemas.microsoft.com/office/drawing/2010/main">
+                  <a14:imgLayer r:embed="rId5">
+                    <a14:imgEffect>
+                      <a14:artisticPencilGrayscale/>
+                    </a14:imgEffect>
+                  </a14:imgLayer>
+                </a14:imgProps>
+              </a:ext>
+              <a:ext uri="{28A0092B-C50C-407E-A947-70E740481C1C}">
+                <a14:useLocalDpi xmlns:a14="http://schemas.microsoft.com/office/drawing/2010/main" val="0"/>
+              </a:ext>
+            </a:extLst>
+          </a:blip>
+          <a:srcRect/>
+          <a:stretch>
+            <a:fillRect/>
+          </a:stretch>
+        </p:blipFill>
+        <p:spPr bwMode="auto">
+          <a:xfrm>
+            <a:off x="5591985" y="4960076"/>
+            <a:ext cx="349431" cy="250698"/>
+          </a:xfrm>
+          <a:prstGeom prst="rect">
+            <a:avLst/>
+          </a:prstGeom>
+          <a:noFill/>
+          <a:extLst>
+            <a:ext uri="{909E8E84-426E-40DD-AFC4-6F175D3DCCD1}">
+              <a14:hiddenFill xmlns:a14="http://schemas.microsoft.com/office/drawing/2010/main">
+                <a:solidFill>
+                  <a:srgbClr val="FFFFFF"/>
+                </a:solidFill>
+              </a14:hiddenFill>
+            </a:ext>
+          </a:extLst>
+        </p:spPr>
+      </p:pic>
+    </p:spTree>
+    <p:extLst>
+      <p:ext uri="{BB962C8B-B14F-4D97-AF65-F5344CB8AC3E}">
+        <p14:creationId xmlns:p14="http://schemas.microsoft.com/office/powerpoint/2010/main" val="1361665322"/>
       </p:ext>
     </p:extLst>
   </p:cSld>
@@ -11443,8 +13019,8 @@
         </p:nvSpPr>
         <p:spPr>
           <a:xfrm>
-            <a:off x="838201" y="1310076"/>
-            <a:ext cx="6156960" cy="3539430"/>
+            <a:off x="838200" y="1310076"/>
+            <a:ext cx="8122919" cy="3108543"/>
           </a:xfrm>
           <a:prstGeom prst="rect">
             <a:avLst/>
@@ -11545,6 +13121,220 @@
                 </a:schemeClr>
               </a:solidFill>
             </a:endParaRPr>
+          </a:p>
+        </p:txBody>
+      </p:sp>
+      <p:sp>
+        <p:nvSpPr>
+          <p:cNvPr id="7" name="TextBox 6">
+            <a:extLst>
+              <a:ext uri="{FF2B5EF4-FFF2-40B4-BE49-F238E27FC236}">
+                <a16:creationId xmlns:a16="http://schemas.microsoft.com/office/drawing/2014/main" id="{B28DF1E8-DE7C-9BF0-9BDD-0D8F20685B02}"/>
+              </a:ext>
+            </a:extLst>
+          </p:cNvPr>
+          <p:cNvSpPr txBox="1"/>
+          <p:nvPr/>
+        </p:nvSpPr>
+        <p:spPr>
+          <a:xfrm>
+            <a:off x="1187088" y="3583661"/>
+            <a:ext cx="7774032" cy="954107"/>
+          </a:xfrm>
+          <a:prstGeom prst="rect">
+            <a:avLst/>
+          </a:prstGeom>
+          <a:solidFill>
+            <a:schemeClr val="tx2">
+              <a:lumMod val="10000"/>
+              <a:lumOff val="90000"/>
+            </a:schemeClr>
+          </a:solidFill>
+          <a:ln>
+            <a:solidFill>
+              <a:schemeClr val="accent1"/>
+            </a:solidFill>
+          </a:ln>
+          <a:effectLst>
+            <a:outerShdw blurRad="50800" dist="38100" dir="2700000" algn="tl" rotWithShape="0">
+              <a:prstClr val="black">
+                <a:alpha val="40000"/>
+              </a:prstClr>
+            </a:outerShdw>
+          </a:effectLst>
+        </p:spPr>
+        <p:txBody>
+          <a:bodyPr wrap="square">
+            <a:spAutoFit/>
+          </a:bodyPr>
+          <a:lstStyle/>
+          <a:p>
+            <a:r>
+              <a:rPr lang="en-US" sz="1400" b="0" dirty="0">
+                <a:solidFill>
+                  <a:srgbClr val="000000"/>
+                </a:solidFill>
+                <a:effectLst/>
+                <a:latin typeface="Consolas" panose="020B0609020204030204" pitchFamily="49" charset="0"/>
+              </a:rPr>
+              <a:t>    effect(() </a:t>
+            </a:r>
+            <a:r>
+              <a:rPr lang="en-US" sz="1400" b="0" dirty="0">
+                <a:solidFill>
+                  <a:srgbClr val="0000FF"/>
+                </a:solidFill>
+                <a:effectLst/>
+                <a:latin typeface="Consolas" panose="020B0609020204030204" pitchFamily="49" charset="0"/>
+              </a:rPr>
+              <a:t>=&gt;</a:t>
+            </a:r>
+            <a:r>
+              <a:rPr lang="en-US" sz="1400" b="0" dirty="0">
+                <a:solidFill>
+                  <a:srgbClr val="000000"/>
+                </a:solidFill>
+                <a:effectLst/>
+                <a:latin typeface="Consolas" panose="020B0609020204030204" pitchFamily="49" charset="0"/>
+              </a:rPr>
+              <a:t> {</a:t>
+            </a:r>
+          </a:p>
+          <a:p>
+            <a:r>
+              <a:rPr lang="en-US" sz="1400" b="0" dirty="0">
+                <a:solidFill>
+                  <a:srgbClr val="000000"/>
+                </a:solidFill>
+                <a:effectLst/>
+                <a:latin typeface="Consolas" panose="020B0609020204030204" pitchFamily="49" charset="0"/>
+              </a:rPr>
+              <a:t>      console.log(</a:t>
+            </a:r>
+            <a:r>
+              <a:rPr lang="en-US" sz="1400" b="0" dirty="0">
+                <a:solidFill>
+                  <a:srgbClr val="A31515"/>
+                </a:solidFill>
+                <a:effectLst/>
+                <a:latin typeface="Consolas" panose="020B0609020204030204" pitchFamily="49" charset="0"/>
+              </a:rPr>
+              <a:t>'The first signal value is:'</a:t>
+            </a:r>
+            <a:r>
+              <a:rPr lang="en-US" sz="1400" b="0" dirty="0">
+                <a:solidFill>
+                  <a:srgbClr val="000000"/>
+                </a:solidFill>
+                <a:effectLst/>
+                <a:latin typeface="Consolas" panose="020B0609020204030204" pitchFamily="49" charset="0"/>
+              </a:rPr>
+              <a:t>, </a:t>
+            </a:r>
+            <a:r>
+              <a:rPr lang="en-US" sz="1400" b="0" dirty="0" err="1">
+                <a:solidFill>
+                  <a:srgbClr val="0000FF"/>
+                </a:solidFill>
+                <a:effectLst/>
+                <a:latin typeface="Consolas" panose="020B0609020204030204" pitchFamily="49" charset="0"/>
+              </a:rPr>
+              <a:t>this</a:t>
+            </a:r>
+            <a:r>
+              <a:rPr lang="en-US" sz="1400" b="0" dirty="0" err="1">
+                <a:solidFill>
+                  <a:srgbClr val="000000"/>
+                </a:solidFill>
+                <a:effectLst/>
+                <a:latin typeface="Consolas" panose="020B0609020204030204" pitchFamily="49" charset="0"/>
+              </a:rPr>
+              <a:t>.firstSignal</a:t>
+            </a:r>
+            <a:r>
+              <a:rPr lang="en-US" sz="1400" b="0" dirty="0">
+                <a:solidFill>
+                  <a:srgbClr val="000000"/>
+                </a:solidFill>
+                <a:effectLst/>
+                <a:latin typeface="Consolas" panose="020B0609020204030204" pitchFamily="49" charset="0"/>
+              </a:rPr>
+              <a:t>());</a:t>
+            </a:r>
+          </a:p>
+          <a:p>
+            <a:r>
+              <a:rPr lang="en-US" sz="1400" b="0" dirty="0">
+                <a:solidFill>
+                  <a:srgbClr val="000000"/>
+                </a:solidFill>
+                <a:effectLst/>
+                <a:latin typeface="Consolas" panose="020B0609020204030204" pitchFamily="49" charset="0"/>
+              </a:rPr>
+              <a:t>      console.log(</a:t>
+            </a:r>
+            <a:r>
+              <a:rPr lang="en-US" sz="1400" b="0" dirty="0">
+                <a:solidFill>
+                  <a:srgbClr val="A31515"/>
+                </a:solidFill>
+                <a:effectLst/>
+                <a:latin typeface="Consolas" panose="020B0609020204030204" pitchFamily="49" charset="0"/>
+              </a:rPr>
+              <a:t>'The second signal value is:'</a:t>
+            </a:r>
+            <a:r>
+              <a:rPr lang="en-US" sz="1400" b="0" dirty="0">
+                <a:solidFill>
+                  <a:srgbClr val="000000"/>
+                </a:solidFill>
+                <a:effectLst/>
+                <a:latin typeface="Consolas" panose="020B0609020204030204" pitchFamily="49" charset="0"/>
+              </a:rPr>
+              <a:t>, </a:t>
+            </a:r>
+            <a:r>
+              <a:rPr lang="en-US" sz="1400" b="0" dirty="0" err="1">
+                <a:solidFill>
+                  <a:srgbClr val="0000FF"/>
+                </a:solidFill>
+                <a:effectLst/>
+                <a:latin typeface="Consolas" panose="020B0609020204030204" pitchFamily="49" charset="0"/>
+              </a:rPr>
+              <a:t>this</a:t>
+            </a:r>
+            <a:r>
+              <a:rPr lang="en-US" sz="1400" b="0" dirty="0" err="1">
+                <a:solidFill>
+                  <a:srgbClr val="000000"/>
+                </a:solidFill>
+                <a:effectLst/>
+                <a:latin typeface="Consolas" panose="020B0609020204030204" pitchFamily="49" charset="0"/>
+              </a:rPr>
+              <a:t>.secondSignal</a:t>
+            </a:r>
+            <a:r>
+              <a:rPr lang="en-US" sz="1400" b="0" dirty="0">
+                <a:solidFill>
+                  <a:srgbClr val="000000"/>
+                </a:solidFill>
+                <a:effectLst/>
+                <a:latin typeface="Consolas" panose="020B0609020204030204" pitchFamily="49" charset="0"/>
+              </a:rPr>
+              <a:t>());  </a:t>
+            </a:r>
+          </a:p>
+          <a:p>
+            <a:r>
+              <a:rPr lang="en-US" sz="1400" b="0" dirty="0">
+                <a:solidFill>
+                  <a:srgbClr val="000000"/>
+                </a:solidFill>
+                <a:effectLst/>
+                <a:latin typeface="Consolas" panose="020B0609020204030204" pitchFamily="49" charset="0"/>
+              </a:rPr>
+              <a:t>    });</a:t>
+            </a:r>
           </a:p>
         </p:txBody>
       </p:sp>

--- a/slides/change detection.pptx
+++ b/slides/change detection.pptx
@@ -16,6 +16,7 @@
     <p:sldId id="269" r:id="rId10"/>
     <p:sldId id="270" r:id="rId11"/>
     <p:sldId id="271" r:id="rId12"/>
+    <p:sldId id="272" r:id="rId13"/>
   </p:sldIdLst>
   <p:sldSz cx="12192000" cy="6858000"/>
   <p:notesSz cx="7104063" cy="10234613"/>
@@ -5749,6 +5750,662 @@
     <p:extLst>
       <p:ext uri="{BB962C8B-B14F-4D97-AF65-F5344CB8AC3E}">
         <p14:creationId xmlns:p14="http://schemas.microsoft.com/office/powerpoint/2010/main" val="1361665322"/>
+      </p:ext>
+    </p:extLst>
+  </p:cSld>
+  <p:clrMapOvr>
+    <a:masterClrMapping/>
+  </p:clrMapOvr>
+</p:sld>
+</file>
+
+<file path=ppt/slides/slide12.xml><?xml version="1.0" encoding="utf-8"?>
+<p:sld xmlns:a="http://schemas.openxmlformats.org/drawingml/2006/main" xmlns:r="http://schemas.openxmlformats.org/officeDocument/2006/relationships" xmlns:p="http://schemas.openxmlformats.org/presentationml/2006/main">
+  <p:cSld>
+    <p:spTree>
+      <p:nvGrpSpPr>
+        <p:cNvPr id="1" name=""/>
+        <p:cNvGrpSpPr/>
+        <p:nvPr/>
+      </p:nvGrpSpPr>
+      <p:grpSpPr>
+        <a:xfrm>
+          <a:off x="0" y="0"/>
+          <a:ext cx="0" cy="0"/>
+          <a:chOff x="0" y="0"/>
+          <a:chExt cx="0" cy="0"/>
+        </a:xfrm>
+      </p:grpSpPr>
+      <p:sp>
+        <p:nvSpPr>
+          <p:cNvPr id="2" name="Title 1">
+            <a:extLst>
+              <a:ext uri="{FF2B5EF4-FFF2-40B4-BE49-F238E27FC236}">
+                <a16:creationId xmlns:a16="http://schemas.microsoft.com/office/drawing/2014/main" id="{5B09411D-8AEC-6D25-E5AE-21800BB7092D}"/>
+              </a:ext>
+            </a:extLst>
+          </p:cNvPr>
+          <p:cNvSpPr>
+            <a:spLocks noGrp="1"/>
+          </p:cNvSpPr>
+          <p:nvPr>
+            <p:ph type="title"/>
+          </p:nvPr>
+        </p:nvSpPr>
+        <p:spPr/>
+        <p:txBody>
+          <a:bodyPr/>
+          <a:lstStyle/>
+          <a:p>
+            <a:r>
+              <a:rPr lang="en-US" dirty="0"/>
+              <a:t>Signals and Immutability</a:t>
+            </a:r>
+            <a:endParaRPr lang="en-IL" dirty="0"/>
+          </a:p>
+        </p:txBody>
+      </p:sp>
+      <p:sp>
+        <p:nvSpPr>
+          <p:cNvPr id="6" name="TextBox 5">
+            <a:extLst>
+              <a:ext uri="{FF2B5EF4-FFF2-40B4-BE49-F238E27FC236}">
+                <a16:creationId xmlns:a16="http://schemas.microsoft.com/office/drawing/2014/main" id="{18754045-332A-F802-95ED-EE9489F8ADEC}"/>
+              </a:ext>
+            </a:extLst>
+          </p:cNvPr>
+          <p:cNvSpPr txBox="1"/>
+          <p:nvPr/>
+        </p:nvSpPr>
+        <p:spPr>
+          <a:xfrm>
+            <a:off x="2121080" y="1855086"/>
+            <a:ext cx="7336428" cy="369332"/>
+          </a:xfrm>
+          <a:prstGeom prst="rect">
+            <a:avLst/>
+          </a:prstGeom>
+          <a:solidFill>
+            <a:schemeClr val="tx2">
+              <a:lumMod val="10000"/>
+              <a:lumOff val="90000"/>
+            </a:schemeClr>
+          </a:solidFill>
+          <a:ln w="6350">
+            <a:solidFill>
+              <a:schemeClr val="accent1"/>
+            </a:solidFill>
+          </a:ln>
+          <a:effectLst>
+            <a:outerShdw blurRad="50800" dist="38100" dir="2700000" algn="tl" rotWithShape="0">
+              <a:prstClr val="black">
+                <a:alpha val="40000"/>
+              </a:prstClr>
+            </a:outerShdw>
+          </a:effectLst>
+        </p:spPr>
+        <p:txBody>
+          <a:bodyPr wrap="square">
+            <a:spAutoFit/>
+          </a:bodyPr>
+          <a:lstStyle/>
+          <a:p>
+            <a:r>
+              <a:rPr lang="en-US" b="0" dirty="0">
+                <a:solidFill>
+                  <a:srgbClr val="000000"/>
+                </a:solidFill>
+                <a:effectLst/>
+                <a:latin typeface="Consolas" panose="020B0609020204030204" pitchFamily="49" charset="0"/>
+              </a:rPr>
+              <a:t>  </a:t>
+            </a:r>
+            <a:r>
+              <a:rPr lang="en-US" b="0" dirty="0" err="1">
+                <a:solidFill>
+                  <a:srgbClr val="0000FF"/>
+                </a:solidFill>
+                <a:effectLst/>
+                <a:latin typeface="Consolas" panose="020B0609020204030204" pitchFamily="49" charset="0"/>
+              </a:rPr>
+              <a:t>readonly</a:t>
+            </a:r>
+            <a:r>
+              <a:rPr lang="en-US" b="0" dirty="0">
+                <a:solidFill>
+                  <a:srgbClr val="000000"/>
+                </a:solidFill>
+                <a:effectLst/>
+                <a:latin typeface="Consolas" panose="020B0609020204030204" pitchFamily="49" charset="0"/>
+              </a:rPr>
+              <a:t> names = signal([</a:t>
+            </a:r>
+            <a:r>
+              <a:rPr lang="en-US" b="0" dirty="0">
+                <a:solidFill>
+                  <a:srgbClr val="A31515"/>
+                </a:solidFill>
+                <a:effectLst/>
+                <a:latin typeface="Consolas" panose="020B0609020204030204" pitchFamily="49" charset="0"/>
+              </a:rPr>
+              <a:t>'Alice'</a:t>
+            </a:r>
+            <a:r>
+              <a:rPr lang="en-US" b="0" dirty="0">
+                <a:solidFill>
+                  <a:srgbClr val="000000"/>
+                </a:solidFill>
+                <a:effectLst/>
+                <a:latin typeface="Consolas" panose="020B0609020204030204" pitchFamily="49" charset="0"/>
+              </a:rPr>
+              <a:t>, </a:t>
+            </a:r>
+            <a:r>
+              <a:rPr lang="en-US" b="0" dirty="0">
+                <a:solidFill>
+                  <a:srgbClr val="A31515"/>
+                </a:solidFill>
+                <a:effectLst/>
+                <a:latin typeface="Consolas" panose="020B0609020204030204" pitchFamily="49" charset="0"/>
+              </a:rPr>
+              <a:t>'Bob'</a:t>
+            </a:r>
+            <a:r>
+              <a:rPr lang="en-US" b="0" dirty="0">
+                <a:solidFill>
+                  <a:srgbClr val="000000"/>
+                </a:solidFill>
+                <a:effectLst/>
+                <a:latin typeface="Consolas" panose="020B0609020204030204" pitchFamily="49" charset="0"/>
+              </a:rPr>
+              <a:t>, </a:t>
+            </a:r>
+            <a:r>
+              <a:rPr lang="en-US" b="0" dirty="0">
+                <a:solidFill>
+                  <a:srgbClr val="A31515"/>
+                </a:solidFill>
+                <a:effectLst/>
+                <a:latin typeface="Consolas" panose="020B0609020204030204" pitchFamily="49" charset="0"/>
+              </a:rPr>
+              <a:t>'Charlie'</a:t>
+            </a:r>
+            <a:r>
+              <a:rPr lang="en-US" b="0" dirty="0">
+                <a:solidFill>
+                  <a:srgbClr val="000000"/>
+                </a:solidFill>
+                <a:effectLst/>
+                <a:latin typeface="Consolas" panose="020B0609020204030204" pitchFamily="49" charset="0"/>
+              </a:rPr>
+              <a:t>]);</a:t>
+            </a:r>
+          </a:p>
+        </p:txBody>
+      </p:sp>
+      <p:sp>
+        <p:nvSpPr>
+          <p:cNvPr id="8" name="TextBox 7">
+            <a:extLst>
+              <a:ext uri="{FF2B5EF4-FFF2-40B4-BE49-F238E27FC236}">
+                <a16:creationId xmlns:a16="http://schemas.microsoft.com/office/drawing/2014/main" id="{51BF434A-62A3-541D-0BA1-AFC97B9C76F1}"/>
+              </a:ext>
+            </a:extLst>
+          </p:cNvPr>
+          <p:cNvSpPr txBox="1"/>
+          <p:nvPr/>
+        </p:nvSpPr>
+        <p:spPr>
+          <a:xfrm>
+            <a:off x="513262" y="3326564"/>
+            <a:ext cx="4110990" cy="923330"/>
+          </a:xfrm>
+          <a:prstGeom prst="rect">
+            <a:avLst/>
+          </a:prstGeom>
+          <a:solidFill>
+            <a:schemeClr val="accent2">
+              <a:lumMod val="20000"/>
+              <a:lumOff val="80000"/>
+            </a:schemeClr>
+          </a:solidFill>
+          <a:ln w="6350">
+            <a:solidFill>
+              <a:schemeClr val="accent2">
+                <a:lumMod val="50000"/>
+              </a:schemeClr>
+            </a:solidFill>
+          </a:ln>
+          <a:effectLst>
+            <a:outerShdw blurRad="50800" dist="38100" dir="2700000" algn="tl" rotWithShape="0">
+              <a:prstClr val="black">
+                <a:alpha val="40000"/>
+              </a:prstClr>
+            </a:outerShdw>
+          </a:effectLst>
+        </p:spPr>
+        <p:txBody>
+          <a:bodyPr wrap="square">
+            <a:spAutoFit/>
+          </a:bodyPr>
+          <a:lstStyle/>
+          <a:p>
+            <a:r>
+              <a:rPr lang="en-US" b="0" dirty="0">
+                <a:solidFill>
+                  <a:srgbClr val="000000"/>
+                </a:solidFill>
+                <a:effectLst/>
+                <a:latin typeface="Consolas" panose="020B0609020204030204" pitchFamily="49" charset="0"/>
+              </a:rPr>
+              <a:t>  </a:t>
+            </a:r>
+            <a:r>
+              <a:rPr lang="en-US" b="0" dirty="0" err="1">
+                <a:solidFill>
+                  <a:srgbClr val="000000"/>
+                </a:solidFill>
+                <a:effectLst/>
+                <a:latin typeface="Consolas" panose="020B0609020204030204" pitchFamily="49" charset="0"/>
+              </a:rPr>
+              <a:t>addName</a:t>
+            </a:r>
+            <a:r>
+              <a:rPr lang="en-US" b="0" dirty="0">
+                <a:solidFill>
+                  <a:srgbClr val="000000"/>
+                </a:solidFill>
+                <a:effectLst/>
+                <a:latin typeface="Consolas" panose="020B0609020204030204" pitchFamily="49" charset="0"/>
+              </a:rPr>
+              <a:t>() {</a:t>
+            </a:r>
+          </a:p>
+          <a:p>
+            <a:r>
+              <a:rPr lang="en-US" b="0" dirty="0">
+                <a:solidFill>
+                  <a:srgbClr val="000000"/>
+                </a:solidFill>
+                <a:effectLst/>
+                <a:latin typeface="Consolas" panose="020B0609020204030204" pitchFamily="49" charset="0"/>
+              </a:rPr>
+              <a:t>    </a:t>
+            </a:r>
+            <a:r>
+              <a:rPr lang="en-US" b="0" dirty="0" err="1">
+                <a:solidFill>
+                  <a:srgbClr val="0000FF"/>
+                </a:solidFill>
+                <a:effectLst/>
+                <a:latin typeface="Consolas" panose="020B0609020204030204" pitchFamily="49" charset="0"/>
+              </a:rPr>
+              <a:t>this</a:t>
+            </a:r>
+            <a:r>
+              <a:rPr lang="en-US" b="0" dirty="0" err="1">
+                <a:solidFill>
+                  <a:srgbClr val="000000"/>
+                </a:solidFill>
+                <a:effectLst/>
+                <a:latin typeface="Consolas" panose="020B0609020204030204" pitchFamily="49" charset="0"/>
+              </a:rPr>
+              <a:t>.names</a:t>
+            </a:r>
+            <a:r>
+              <a:rPr lang="en-US" b="0" dirty="0">
+                <a:solidFill>
+                  <a:srgbClr val="000000"/>
+                </a:solidFill>
+                <a:effectLst/>
+                <a:latin typeface="Consolas" panose="020B0609020204030204" pitchFamily="49" charset="0"/>
+              </a:rPr>
+              <a:t>().push(</a:t>
+            </a:r>
+            <a:r>
+              <a:rPr lang="en-US" b="0" dirty="0">
+                <a:solidFill>
+                  <a:srgbClr val="A31515"/>
+                </a:solidFill>
+                <a:effectLst/>
+                <a:latin typeface="Consolas" panose="020B0609020204030204" pitchFamily="49" charset="0"/>
+              </a:rPr>
+              <a:t>'David'</a:t>
+            </a:r>
+            <a:r>
+              <a:rPr lang="en-US" b="0" dirty="0">
+                <a:solidFill>
+                  <a:srgbClr val="000000"/>
+                </a:solidFill>
+                <a:effectLst/>
+                <a:latin typeface="Consolas" panose="020B0609020204030204" pitchFamily="49" charset="0"/>
+              </a:rPr>
+              <a:t>);</a:t>
+            </a:r>
+          </a:p>
+          <a:p>
+            <a:r>
+              <a:rPr lang="en-US" b="0" dirty="0">
+                <a:solidFill>
+                  <a:srgbClr val="000000"/>
+                </a:solidFill>
+                <a:effectLst/>
+                <a:latin typeface="Consolas" panose="020B0609020204030204" pitchFamily="49" charset="0"/>
+              </a:rPr>
+              <a:t>  }</a:t>
+            </a:r>
+          </a:p>
+        </p:txBody>
+      </p:sp>
+      <p:pic>
+        <p:nvPicPr>
+          <p:cNvPr id="9" name="Picture 4">
+            <a:extLst>
+              <a:ext uri="{FF2B5EF4-FFF2-40B4-BE49-F238E27FC236}">
+                <a16:creationId xmlns:a16="http://schemas.microsoft.com/office/drawing/2014/main" id="{7EA6F6AE-E0DB-1B06-D798-BF8DE376F851}"/>
+              </a:ext>
+            </a:extLst>
+          </p:cNvPr>
+          <p:cNvPicPr>
+            <a:picLocks noChangeAspect="1" noChangeArrowheads="1"/>
+          </p:cNvPicPr>
+          <p:nvPr/>
+        </p:nvPicPr>
+        <p:blipFill>
+          <a:blip r:embed="rId2">
+            <a:duotone>
+              <a:prstClr val="black"/>
+              <a:srgbClr val="FF0000">
+                <a:tint val="45000"/>
+                <a:satMod val="400000"/>
+              </a:srgbClr>
+            </a:duotone>
+            <a:alphaModFix amt="70000"/>
+            <a:extLst>
+              <a:ext uri="{BEBA8EAE-BF5A-486C-A8C5-ECC9F3942E4B}">
+                <a14:imgProps xmlns:a14="http://schemas.microsoft.com/office/drawing/2010/main">
+                  <a14:imgLayer r:embed="rId3">
+                    <a14:imgEffect>
+                      <a14:artisticPencilGrayscale/>
+                    </a14:imgEffect>
+                  </a14:imgLayer>
+                </a14:imgProps>
+              </a:ext>
+              <a:ext uri="{28A0092B-C50C-407E-A947-70E740481C1C}">
+                <a14:useLocalDpi xmlns:a14="http://schemas.microsoft.com/office/drawing/2010/main" val="0"/>
+              </a:ext>
+            </a:extLst>
+          </a:blip>
+          <a:srcRect/>
+          <a:stretch>
+            <a:fillRect/>
+          </a:stretch>
+        </p:blipFill>
+        <p:spPr bwMode="auto">
+          <a:xfrm>
+            <a:off x="2568757" y="2792834"/>
+            <a:ext cx="1086385" cy="779423"/>
+          </a:xfrm>
+          <a:prstGeom prst="rect">
+            <a:avLst/>
+          </a:prstGeom>
+          <a:noFill/>
+          <a:extLst>
+            <a:ext uri="{909E8E84-426E-40DD-AFC4-6F175D3DCCD1}">
+              <a14:hiddenFill xmlns:a14="http://schemas.microsoft.com/office/drawing/2010/main">
+                <a:solidFill>
+                  <a:srgbClr val="FFFFFF"/>
+                </a:solidFill>
+              </a14:hiddenFill>
+            </a:ext>
+          </a:extLst>
+        </p:spPr>
+      </p:pic>
+      <p:sp>
+        <p:nvSpPr>
+          <p:cNvPr id="11" name="TextBox 10">
+            <a:extLst>
+              <a:ext uri="{FF2B5EF4-FFF2-40B4-BE49-F238E27FC236}">
+                <a16:creationId xmlns:a16="http://schemas.microsoft.com/office/drawing/2014/main" id="{409D3546-D010-0EE7-E417-4E4631E5E400}"/>
+              </a:ext>
+            </a:extLst>
+          </p:cNvPr>
+          <p:cNvSpPr txBox="1"/>
+          <p:nvPr/>
+        </p:nvSpPr>
+        <p:spPr>
+          <a:xfrm>
+            <a:off x="5008517" y="3326564"/>
+            <a:ext cx="6670221" cy="923330"/>
+          </a:xfrm>
+          <a:prstGeom prst="rect">
+            <a:avLst/>
+          </a:prstGeom>
+          <a:solidFill>
+            <a:schemeClr val="accent6">
+              <a:lumMod val="20000"/>
+              <a:lumOff val="80000"/>
+            </a:schemeClr>
+          </a:solidFill>
+          <a:ln>
+            <a:solidFill>
+              <a:schemeClr val="accent6">
+                <a:lumMod val="50000"/>
+              </a:schemeClr>
+            </a:solidFill>
+          </a:ln>
+          <a:effectLst>
+            <a:outerShdw blurRad="50800" dist="38100" dir="2700000" algn="tl" rotWithShape="0">
+              <a:prstClr val="black">
+                <a:alpha val="40000"/>
+              </a:prstClr>
+            </a:outerShdw>
+          </a:effectLst>
+        </p:spPr>
+        <p:txBody>
+          <a:bodyPr wrap="square">
+            <a:spAutoFit/>
+          </a:bodyPr>
+          <a:lstStyle/>
+          <a:p>
+            <a:r>
+              <a:rPr lang="en-US" b="0" dirty="0">
+                <a:solidFill>
+                  <a:srgbClr val="000000"/>
+                </a:solidFill>
+                <a:effectLst/>
+                <a:latin typeface="Consolas" panose="020B0609020204030204" pitchFamily="49" charset="0"/>
+              </a:rPr>
+              <a:t>  </a:t>
+            </a:r>
+            <a:r>
+              <a:rPr lang="en-US" b="0" dirty="0" err="1">
+                <a:solidFill>
+                  <a:srgbClr val="000000"/>
+                </a:solidFill>
+                <a:effectLst/>
+                <a:latin typeface="Consolas" panose="020B0609020204030204" pitchFamily="49" charset="0"/>
+              </a:rPr>
+              <a:t>addName</a:t>
+            </a:r>
+            <a:r>
+              <a:rPr lang="en-US" b="0" dirty="0">
+                <a:solidFill>
+                  <a:srgbClr val="000000"/>
+                </a:solidFill>
+                <a:effectLst/>
+                <a:latin typeface="Consolas" panose="020B0609020204030204" pitchFamily="49" charset="0"/>
+              </a:rPr>
+              <a:t>() {</a:t>
+            </a:r>
+          </a:p>
+          <a:p>
+            <a:r>
+              <a:rPr lang="en-US" b="0" dirty="0">
+                <a:solidFill>
+                  <a:srgbClr val="000000"/>
+                </a:solidFill>
+                <a:effectLst/>
+                <a:latin typeface="Consolas" panose="020B0609020204030204" pitchFamily="49" charset="0"/>
+              </a:rPr>
+              <a:t>    </a:t>
+            </a:r>
+            <a:r>
+              <a:rPr lang="en-US" b="0" dirty="0" err="1">
+                <a:solidFill>
+                  <a:srgbClr val="0000FF"/>
+                </a:solidFill>
+                <a:effectLst/>
+                <a:latin typeface="Consolas" panose="020B0609020204030204" pitchFamily="49" charset="0"/>
+              </a:rPr>
+              <a:t>this</a:t>
+            </a:r>
+            <a:r>
+              <a:rPr lang="en-US" b="0" dirty="0" err="1">
+                <a:solidFill>
+                  <a:srgbClr val="000000"/>
+                </a:solidFill>
+                <a:effectLst/>
+                <a:latin typeface="Consolas" panose="020B0609020204030204" pitchFamily="49" charset="0"/>
+              </a:rPr>
+              <a:t>.names.update</a:t>
+            </a:r>
+            <a:r>
+              <a:rPr lang="en-US" b="0" dirty="0">
+                <a:solidFill>
+                  <a:srgbClr val="000000"/>
+                </a:solidFill>
+                <a:effectLst/>
+                <a:latin typeface="Consolas" panose="020B0609020204030204" pitchFamily="49" charset="0"/>
+              </a:rPr>
+              <a:t>(list </a:t>
+            </a:r>
+            <a:r>
+              <a:rPr lang="en-US" b="0" dirty="0">
+                <a:solidFill>
+                  <a:srgbClr val="0000FF"/>
+                </a:solidFill>
+                <a:effectLst/>
+                <a:latin typeface="Consolas" panose="020B0609020204030204" pitchFamily="49" charset="0"/>
+              </a:rPr>
+              <a:t>=&gt;</a:t>
+            </a:r>
+            <a:r>
+              <a:rPr lang="en-US" b="0" dirty="0">
+                <a:solidFill>
+                  <a:srgbClr val="000000"/>
+                </a:solidFill>
+                <a:effectLst/>
+                <a:latin typeface="Consolas" panose="020B0609020204030204" pitchFamily="49" charset="0"/>
+              </a:rPr>
+              <a:t> [...list, </a:t>
+            </a:r>
+            <a:r>
+              <a:rPr lang="en-US" b="0" dirty="0">
+                <a:solidFill>
+                  <a:srgbClr val="A31515"/>
+                </a:solidFill>
+                <a:effectLst/>
+                <a:latin typeface="Consolas" panose="020B0609020204030204" pitchFamily="49" charset="0"/>
+              </a:rPr>
+              <a:t>'David'</a:t>
+            </a:r>
+            <a:r>
+              <a:rPr lang="en-US" b="0" dirty="0">
+                <a:solidFill>
+                  <a:srgbClr val="000000"/>
+                </a:solidFill>
+                <a:effectLst/>
+                <a:latin typeface="Consolas" panose="020B0609020204030204" pitchFamily="49" charset="0"/>
+              </a:rPr>
+              <a:t>]);</a:t>
+            </a:r>
+          </a:p>
+          <a:p>
+            <a:r>
+              <a:rPr lang="en-US" b="0" dirty="0">
+                <a:solidFill>
+                  <a:srgbClr val="000000"/>
+                </a:solidFill>
+                <a:effectLst/>
+                <a:latin typeface="Consolas" panose="020B0609020204030204" pitchFamily="49" charset="0"/>
+              </a:rPr>
+              <a:t>  }</a:t>
+            </a:r>
+          </a:p>
+        </p:txBody>
+      </p:sp>
+      <p:pic>
+        <p:nvPicPr>
+          <p:cNvPr id="12" name="Picture 2" descr="Green check mark | Free SVG">
+            <a:extLst>
+              <a:ext uri="{FF2B5EF4-FFF2-40B4-BE49-F238E27FC236}">
+                <a16:creationId xmlns:a16="http://schemas.microsoft.com/office/drawing/2014/main" id="{57DCF01E-2BDA-BF47-E98E-216C874A41FE}"/>
+              </a:ext>
+            </a:extLst>
+          </p:cNvPr>
+          <p:cNvPicPr>
+            <a:picLocks noChangeAspect="1" noChangeArrowheads="1"/>
+          </p:cNvPicPr>
+          <p:nvPr/>
+        </p:nvPicPr>
+        <p:blipFill>
+          <a:blip r:embed="rId4">
+            <a:duotone>
+              <a:prstClr val="black"/>
+              <a:schemeClr val="accent6">
+                <a:tint val="45000"/>
+                <a:satMod val="400000"/>
+              </a:schemeClr>
+            </a:duotone>
+            <a:alphaModFix amt="70000"/>
+            <a:extLst>
+              <a:ext uri="{BEBA8EAE-BF5A-486C-A8C5-ECC9F3942E4B}">
+                <a14:imgProps xmlns:a14="http://schemas.microsoft.com/office/drawing/2010/main">
+                  <a14:imgLayer r:embed="rId5">
+                    <a14:imgEffect>
+                      <a14:artisticPencilGrayscale/>
+                    </a14:imgEffect>
+                    <a14:imgEffect>
+                      <a14:saturation sat="33000"/>
+                    </a14:imgEffect>
+                  </a14:imgLayer>
+                </a14:imgProps>
+              </a:ext>
+              <a:ext uri="{28A0092B-C50C-407E-A947-70E740481C1C}">
+                <a14:useLocalDpi xmlns:a14="http://schemas.microsoft.com/office/drawing/2010/main" val="0"/>
+              </a:ext>
+            </a:extLst>
+          </a:blip>
+          <a:srcRect/>
+          <a:stretch>
+            <a:fillRect/>
+          </a:stretch>
+        </p:blipFill>
+        <p:spPr bwMode="auto">
+          <a:xfrm>
+            <a:off x="7306215" y="2663839"/>
+            <a:ext cx="1037412" cy="1037412"/>
+          </a:xfrm>
+          <a:prstGeom prst="rect">
+            <a:avLst/>
+          </a:prstGeom>
+          <a:noFill/>
+          <a:extLst>
+            <a:ext uri="{909E8E84-426E-40DD-AFC4-6F175D3DCCD1}">
+              <a14:hiddenFill xmlns:a14="http://schemas.microsoft.com/office/drawing/2010/main">
+                <a:solidFill>
+                  <a:srgbClr val="FFFFFF"/>
+                </a:solidFill>
+              </a14:hiddenFill>
+            </a:ext>
+          </a:extLst>
+        </p:spPr>
+      </p:pic>
+    </p:spTree>
+    <p:extLst>
+      <p:ext uri="{BB962C8B-B14F-4D97-AF65-F5344CB8AC3E}">
+        <p14:creationId xmlns:p14="http://schemas.microsoft.com/office/powerpoint/2010/main" val="1428704449"/>
       </p:ext>
     </p:extLst>
   </p:cSld>
